--- a/dressEthics.pptx
+++ b/dressEthics.pptx
@@ -2,22 +2,20 @@
 <file path=ppt/presentation.xml><?xml version="1.0" encoding="utf-8"?>
 <p:presentation xmlns:a="http://schemas.openxmlformats.org/drawingml/2006/main" xmlns:r="http://schemas.openxmlformats.org/officeDocument/2006/relationships" xmlns:p="http://schemas.openxmlformats.org/presentationml/2006/main" saveSubsetFonts="1">
   <p:sldMasterIdLst>
-    <p:sldMasterId id="2147483720" r:id="rId1"/>
+    <p:sldMasterId id="2147483840" r:id="rId1"/>
   </p:sldMasterIdLst>
   <p:sldIdLst>
     <p:sldId id="256" r:id="rId2"/>
     <p:sldId id="257" r:id="rId3"/>
     <p:sldId id="259" r:id="rId4"/>
-    <p:sldId id="261" r:id="rId5"/>
-    <p:sldId id="263" r:id="rId6"/>
-    <p:sldId id="268" r:id="rId7"/>
-    <p:sldId id="265" r:id="rId8"/>
-    <p:sldId id="266" r:id="rId9"/>
-    <p:sldId id="269" r:id="rId10"/>
-    <p:sldId id="270" r:id="rId11"/>
-    <p:sldId id="262" r:id="rId12"/>
-    <p:sldId id="264" r:id="rId13"/>
-    <p:sldId id="267" r:id="rId14"/>
+    <p:sldId id="263" r:id="rId5"/>
+    <p:sldId id="265" r:id="rId6"/>
+    <p:sldId id="266" r:id="rId7"/>
+    <p:sldId id="269" r:id="rId8"/>
+    <p:sldId id="270" r:id="rId9"/>
+    <p:sldId id="262" r:id="rId10"/>
+    <p:sldId id="264" r:id="rId11"/>
+    <p:sldId id="267" r:id="rId12"/>
   </p:sldIdLst>
   <p:sldSz cx="9144000" cy="6858000" type="screen4x3"/>
   <p:notesSz cx="6858000" cy="9144000"/>
@@ -120,8 +118,13 @@
 </file>
 
 <file path=ppt/slideLayouts/slideLayout1.xml><?xml version="1.0" encoding="utf-8"?>
-<p:sldLayout xmlns:a="http://schemas.openxmlformats.org/drawingml/2006/main" xmlns:r="http://schemas.openxmlformats.org/officeDocument/2006/relationships" xmlns:p="http://schemas.openxmlformats.org/presentationml/2006/main" type="title" preserve="1">
+<p:sldLayout xmlns:a="http://schemas.openxmlformats.org/drawingml/2006/main" xmlns:r="http://schemas.openxmlformats.org/officeDocument/2006/relationships" xmlns:p="http://schemas.openxmlformats.org/presentationml/2006/main" showMasterSp="0" type="title" preserve="1">
   <p:cSld name="Title Slide">
+    <p:bg>
+      <p:bgRef idx="1001">
+        <a:schemeClr val="bg1"/>
+      </p:bgRef>
+    </p:bg>
     <p:spTree>
       <p:nvGrpSpPr>
         <p:cNvPr id="1" name=""/>
@@ -148,60 +151,15 @@
         </p:nvSpPr>
         <p:spPr>
           <a:xfrm>
-            <a:off x="422030" y="1371600"/>
-            <a:ext cx="8229600" cy="1828800"/>
-          </a:xfrm>
-        </p:spPr>
-        <p:txBody>
-          <a:bodyPr vert="horz" lIns="45720" tIns="0" rIns="45720" bIns="0" anchor="b">
-            <a:normAutofit/>
-            <a:scene3d>
-              <a:camera prst="orthographicFront"/>
-              <a:lightRig rig="soft" dir="t">
-                <a:rot lat="0" lon="0" rev="17220000"/>
-              </a:lightRig>
-            </a:scene3d>
-            <a:sp3d prstMaterial="softEdge">
-              <a:bevelT w="38100" h="38100"/>
-            </a:sp3d>
-          </a:bodyPr>
+            <a:off x="2286000" y="3124200"/>
+            <a:ext cx="6172200" cy="1894362"/>
+          </a:xfrm>
+        </p:spPr>
+        <p:txBody>
+          <a:bodyPr/>
           <a:lstStyle>
             <a:lvl1pPr>
-              <a:defRPr sz="4800" b="1" cap="all" baseline="0">
-                <a:ln w="6350">
-                  <a:noFill/>
-                </a:ln>
-                <a:gradFill>
-                  <a:gsLst>
-                    <a:gs pos="0">
-                      <a:schemeClr val="accent1">
-                        <a:tint val="73000"/>
-                        <a:satMod val="145000"/>
-                      </a:schemeClr>
-                    </a:gs>
-                    <a:gs pos="73000">
-                      <a:schemeClr val="accent1">
-                        <a:tint val="73000"/>
-                        <a:satMod val="145000"/>
-                      </a:schemeClr>
-                    </a:gs>
-                    <a:gs pos="100000">
-                      <a:schemeClr val="accent1">
-                        <a:tint val="83000"/>
-                        <a:satMod val="143000"/>
-                      </a:schemeClr>
-                    </a:gs>
-                  </a:gsLst>
-                  <a:lin ang="4800000" scaled="1"/>
-                </a:gradFill>
-                <a:effectLst>
-                  <a:outerShdw blurRad="127000" dist="200000" dir="2700000" algn="tl" rotWithShape="0">
-                    <a:srgbClr val="000000">
-                      <a:alpha val="30000"/>
-                    </a:srgbClr>
-                  </a:outerShdw>
-                </a:effectLst>
-              </a:defRPr>
+              <a:defRPr b="1"/>
             </a:lvl1pPr>
           </a:lstStyle>
           <a:p>
@@ -215,71 +173,6 @@
       </p:sp>
       <p:sp>
         <p:nvSpPr>
-          <p:cNvPr id="28" name="Date Placeholder 27"/>
-          <p:cNvSpPr>
-            <a:spLocks noGrp="1"/>
-          </p:cNvSpPr>
-          <p:nvPr>
-            <p:ph type="dt" sz="half" idx="10"/>
-          </p:nvPr>
-        </p:nvSpPr>
-        <p:spPr/>
-        <p:txBody>
-          <a:bodyPr/>
-          <a:lstStyle/>
-          <a:p>
-            <a:fld id="{BDC9D048-20A2-4306-B4F6-C1465D3A4A59}" type="datetimeFigureOut">
-              <a:rPr lang="en-GB" smtClean="0"/>
-              <a:t>10/12/2024</a:t>
-            </a:fld>
-            <a:endParaRPr lang="en-GB"/>
-          </a:p>
-        </p:txBody>
-      </p:sp>
-      <p:sp>
-        <p:nvSpPr>
-          <p:cNvPr id="17" name="Footer Placeholder 16"/>
-          <p:cNvSpPr>
-            <a:spLocks noGrp="1"/>
-          </p:cNvSpPr>
-          <p:nvPr>
-            <p:ph type="ftr" sz="quarter" idx="11"/>
-          </p:nvPr>
-        </p:nvSpPr>
-        <p:spPr/>
-        <p:txBody>
-          <a:bodyPr/>
-          <a:lstStyle/>
-          <a:p>
-            <a:endParaRPr lang="en-GB"/>
-          </a:p>
-        </p:txBody>
-      </p:sp>
-      <p:sp>
-        <p:nvSpPr>
-          <p:cNvPr id="29" name="Slide Number Placeholder 28"/>
-          <p:cNvSpPr>
-            <a:spLocks noGrp="1"/>
-          </p:cNvSpPr>
-          <p:nvPr>
-            <p:ph type="sldNum" sz="quarter" idx="12"/>
-          </p:nvPr>
-        </p:nvSpPr>
-        <p:spPr/>
-        <p:txBody>
-          <a:bodyPr/>
-          <a:lstStyle/>
-          <a:p>
-            <a:fld id="{17405CD4-C8F5-4AC1-A4F9-46EC434DE213}" type="slidenum">
-              <a:rPr lang="en-GB" smtClean="0"/>
-              <a:t>‹#›</a:t>
-            </a:fld>
-            <a:endParaRPr lang="en-GB"/>
-          </a:p>
-        </p:txBody>
-      </p:sp>
-      <p:sp>
-        <p:nvSpPr>
           <p:cNvPr id="9" name="Subtitle 8"/>
           <p:cNvSpPr>
             <a:spLocks noGrp="1"/>
@@ -290,18 +183,18 @@
         </p:nvSpPr>
         <p:spPr>
           <a:xfrm>
-            <a:off x="1371600" y="3331698"/>
-            <a:ext cx="6400800" cy="1752600"/>
+            <a:off x="2286000" y="5003322"/>
+            <a:ext cx="6172200" cy="1371600"/>
           </a:xfrm>
         </p:spPr>
         <p:txBody>
           <a:bodyPr/>
           <a:lstStyle>
-            <a:lvl1pPr marL="0" indent="0" algn="ctr">
+            <a:lvl1pPr marL="0" indent="0" algn="l">
               <a:buNone/>
-              <a:defRPr>
+              <a:defRPr sz="1800" b="1">
                 <a:solidFill>
-                  <a:schemeClr val="tx1"/>
+                  <a:schemeClr val="tx2"/>
                 </a:solidFill>
               </a:defRPr>
             </a:lvl1pPr>
@@ -339,10 +232,784 @@
           </a:p>
         </p:txBody>
       </p:sp>
+      <p:sp>
+        <p:nvSpPr>
+          <p:cNvPr id="28" name="Date Placeholder 27"/>
+          <p:cNvSpPr>
+            <a:spLocks noGrp="1"/>
+          </p:cNvSpPr>
+          <p:nvPr>
+            <p:ph type="dt" sz="half" idx="10"/>
+          </p:nvPr>
+        </p:nvSpPr>
+        <p:spPr bwMode="auto">
+          <a:xfrm rot="5400000">
+            <a:off x="7764621" y="1174097"/>
+            <a:ext cx="2286000" cy="381000"/>
+          </a:xfrm>
+        </p:spPr>
+        <p:txBody>
+          <a:bodyPr/>
+          <a:lstStyle/>
+          <a:p>
+            <a:fld id="{BDC9D048-20A2-4306-B4F6-C1465D3A4A59}" type="datetimeFigureOut">
+              <a:rPr lang="en-GB" smtClean="0"/>
+              <a:t>10/12/2024</a:t>
+            </a:fld>
+            <a:endParaRPr lang="en-GB"/>
+          </a:p>
+        </p:txBody>
+      </p:sp>
+      <p:sp>
+        <p:nvSpPr>
+          <p:cNvPr id="17" name="Footer Placeholder 16"/>
+          <p:cNvSpPr>
+            <a:spLocks noGrp="1"/>
+          </p:cNvSpPr>
+          <p:nvPr>
+            <p:ph type="ftr" sz="quarter" idx="11"/>
+          </p:nvPr>
+        </p:nvSpPr>
+        <p:spPr bwMode="auto">
+          <a:xfrm rot="5400000">
+            <a:off x="7077269" y="4181669"/>
+            <a:ext cx="3657600" cy="384048"/>
+          </a:xfrm>
+        </p:spPr>
+        <p:txBody>
+          <a:bodyPr/>
+          <a:lstStyle/>
+          <a:p>
+            <a:endParaRPr lang="en-GB"/>
+          </a:p>
+        </p:txBody>
+      </p:sp>
+      <p:sp>
+        <p:nvSpPr>
+          <p:cNvPr id="10" name="Rectangle 9"/>
+          <p:cNvSpPr/>
+          <p:nvPr/>
+        </p:nvSpPr>
+        <p:spPr bwMode="auto">
+          <a:xfrm>
+            <a:off x="381000" y="0"/>
+            <a:ext cx="609600" cy="6858000"/>
+          </a:xfrm>
+          <a:prstGeom prst="rect">
+            <a:avLst/>
+          </a:prstGeom>
+          <a:solidFill>
+            <a:schemeClr val="accent1">
+              <a:tint val="60000"/>
+              <a:alpha val="54000"/>
+            </a:schemeClr>
+          </a:solidFill>
+          <a:ln w="38100" cap="rnd" cmpd="sng" algn="ctr">
+            <a:noFill/>
+            <a:prstDash val="solid"/>
+          </a:ln>
+          <a:effectLst/>
+        </p:spPr>
+        <p:style>
+          <a:lnRef idx="3">
+            <a:schemeClr val="lt1"/>
+          </a:lnRef>
+          <a:fillRef idx="1">
+            <a:schemeClr val="accent1"/>
+          </a:fillRef>
+          <a:effectRef idx="1">
+            <a:schemeClr val="accent1"/>
+          </a:effectRef>
+          <a:fontRef idx="minor">
+            <a:schemeClr val="lt1"/>
+          </a:fontRef>
+        </p:style>
+        <p:txBody>
+          <a:bodyPr anchor="ctr"/>
+          <a:lstStyle/>
+          <a:p>
+            <a:pPr algn="ctr" eaLnBrk="1" latinLnBrk="0" hangingPunct="1"/>
+            <a:endParaRPr kumimoji="0" lang="en-US"/>
+          </a:p>
+        </p:txBody>
+      </p:sp>
+      <p:sp>
+        <p:nvSpPr>
+          <p:cNvPr id="12" name="Rectangle 11"/>
+          <p:cNvSpPr/>
+          <p:nvPr/>
+        </p:nvSpPr>
+        <p:spPr bwMode="auto">
+          <a:xfrm>
+            <a:off x="276336" y="0"/>
+            <a:ext cx="104664" cy="6858000"/>
+          </a:xfrm>
+          <a:prstGeom prst="rect">
+            <a:avLst/>
+          </a:prstGeom>
+          <a:solidFill>
+            <a:schemeClr val="accent1">
+              <a:tint val="40000"/>
+              <a:alpha val="36000"/>
+            </a:schemeClr>
+          </a:solidFill>
+          <a:ln w="38100" cap="rnd" cmpd="sng" algn="ctr">
+            <a:noFill/>
+            <a:prstDash val="solid"/>
+          </a:ln>
+          <a:effectLst/>
+        </p:spPr>
+        <p:style>
+          <a:lnRef idx="3">
+            <a:schemeClr val="lt1"/>
+          </a:lnRef>
+          <a:fillRef idx="1">
+            <a:schemeClr val="accent1"/>
+          </a:fillRef>
+          <a:effectRef idx="1">
+            <a:schemeClr val="accent1"/>
+          </a:effectRef>
+          <a:fontRef idx="minor">
+            <a:schemeClr val="lt1"/>
+          </a:fontRef>
+        </p:style>
+        <p:txBody>
+          <a:bodyPr anchor="ctr"/>
+          <a:lstStyle/>
+          <a:p>
+            <a:pPr algn="ctr" eaLnBrk="1" latinLnBrk="0" hangingPunct="1"/>
+            <a:endParaRPr kumimoji="0" lang="en-US"/>
+          </a:p>
+        </p:txBody>
+      </p:sp>
+      <p:sp>
+        <p:nvSpPr>
+          <p:cNvPr id="14" name="Rectangle 13"/>
+          <p:cNvSpPr/>
+          <p:nvPr/>
+        </p:nvSpPr>
+        <p:spPr bwMode="auto">
+          <a:xfrm>
+            <a:off x="990600" y="0"/>
+            <a:ext cx="181872" cy="6858000"/>
+          </a:xfrm>
+          <a:prstGeom prst="rect">
+            <a:avLst/>
+          </a:prstGeom>
+          <a:solidFill>
+            <a:schemeClr val="accent1">
+              <a:tint val="40000"/>
+              <a:alpha val="70000"/>
+            </a:schemeClr>
+          </a:solidFill>
+          <a:ln w="38100" cap="rnd" cmpd="sng" algn="ctr">
+            <a:noFill/>
+            <a:prstDash val="solid"/>
+          </a:ln>
+          <a:effectLst/>
+        </p:spPr>
+        <p:style>
+          <a:lnRef idx="3">
+            <a:schemeClr val="lt1"/>
+          </a:lnRef>
+          <a:fillRef idx="1">
+            <a:schemeClr val="accent1"/>
+          </a:fillRef>
+          <a:effectRef idx="1">
+            <a:schemeClr val="accent1"/>
+          </a:effectRef>
+          <a:fontRef idx="minor">
+            <a:schemeClr val="lt1"/>
+          </a:fontRef>
+        </p:style>
+        <p:txBody>
+          <a:bodyPr anchor="ctr"/>
+          <a:lstStyle/>
+          <a:p>
+            <a:pPr algn="ctr" eaLnBrk="1" latinLnBrk="0" hangingPunct="1"/>
+            <a:endParaRPr kumimoji="0" lang="en-US"/>
+          </a:p>
+        </p:txBody>
+      </p:sp>
+      <p:sp>
+        <p:nvSpPr>
+          <p:cNvPr id="19" name="Rectangle 18"/>
+          <p:cNvSpPr/>
+          <p:nvPr/>
+        </p:nvSpPr>
+        <p:spPr bwMode="auto">
+          <a:xfrm>
+            <a:off x="1141320" y="0"/>
+            <a:ext cx="230280" cy="6858000"/>
+          </a:xfrm>
+          <a:prstGeom prst="rect">
+            <a:avLst/>
+          </a:prstGeom>
+          <a:solidFill>
+            <a:schemeClr val="accent1">
+              <a:tint val="20000"/>
+              <a:alpha val="71000"/>
+            </a:schemeClr>
+          </a:solidFill>
+          <a:ln w="38100" cap="rnd" cmpd="sng" algn="ctr">
+            <a:noFill/>
+            <a:prstDash val="solid"/>
+          </a:ln>
+          <a:effectLst/>
+        </p:spPr>
+        <p:style>
+          <a:lnRef idx="3">
+            <a:schemeClr val="lt1"/>
+          </a:lnRef>
+          <a:fillRef idx="1">
+            <a:schemeClr val="accent1"/>
+          </a:fillRef>
+          <a:effectRef idx="1">
+            <a:schemeClr val="accent1"/>
+          </a:effectRef>
+          <a:fontRef idx="minor">
+            <a:schemeClr val="lt1"/>
+          </a:fontRef>
+        </p:style>
+        <p:txBody>
+          <a:bodyPr anchor="ctr"/>
+          <a:lstStyle/>
+          <a:p>
+            <a:pPr algn="ctr" eaLnBrk="1" latinLnBrk="0" hangingPunct="1"/>
+            <a:endParaRPr kumimoji="0" lang="en-US"/>
+          </a:p>
+        </p:txBody>
+      </p:sp>
+      <p:sp>
+        <p:nvSpPr>
+          <p:cNvPr id="11" name="Straight Connector 10"/>
+          <p:cNvSpPr>
+            <a:spLocks noChangeShapeType="1"/>
+          </p:cNvSpPr>
+          <p:nvPr/>
+        </p:nvSpPr>
+        <p:spPr bwMode="auto">
+          <a:xfrm>
+            <a:off x="106344" y="0"/>
+            <a:ext cx="0" cy="6858000"/>
+          </a:xfrm>
+          <a:prstGeom prst="line">
+            <a:avLst/>
+          </a:prstGeom>
+          <a:noFill/>
+          <a:ln w="57150" cap="flat" cmpd="sng" algn="ctr">
+            <a:solidFill>
+              <a:schemeClr val="accent1">
+                <a:tint val="60000"/>
+                <a:alpha val="73000"/>
+              </a:schemeClr>
+            </a:solidFill>
+            <a:prstDash val="solid"/>
+            <a:round/>
+            <a:headEnd type="none" w="med" len="med"/>
+            <a:tailEnd type="none" w="med" len="med"/>
+          </a:ln>
+          <a:effectLst/>
+        </p:spPr>
+        <p:txBody>
+          <a:bodyPr vert="horz" wrap="square" lIns="91440" tIns="45720" rIns="91440" bIns="45720" anchor="t" compatLnSpc="1"/>
+          <a:lstStyle/>
+          <a:p>
+            <a:endParaRPr kumimoji="0" lang="en-US"/>
+          </a:p>
+        </p:txBody>
+      </p:sp>
+      <p:sp>
+        <p:nvSpPr>
+          <p:cNvPr id="18" name="Straight Connector 17"/>
+          <p:cNvSpPr>
+            <a:spLocks noChangeShapeType="1"/>
+          </p:cNvSpPr>
+          <p:nvPr/>
+        </p:nvSpPr>
+        <p:spPr bwMode="auto">
+          <a:xfrm>
+            <a:off x="914400" y="0"/>
+            <a:ext cx="0" cy="6858000"/>
+          </a:xfrm>
+          <a:prstGeom prst="line">
+            <a:avLst/>
+          </a:prstGeom>
+          <a:noFill/>
+          <a:ln w="57150" cap="flat" cmpd="sng" algn="ctr">
+            <a:solidFill>
+              <a:schemeClr val="accent1">
+                <a:tint val="20000"/>
+                <a:alpha val="83000"/>
+              </a:schemeClr>
+            </a:solidFill>
+            <a:prstDash val="solid"/>
+            <a:round/>
+            <a:headEnd type="none" w="med" len="med"/>
+            <a:tailEnd type="none" w="med" len="med"/>
+          </a:ln>
+          <a:effectLst/>
+        </p:spPr>
+        <p:txBody>
+          <a:bodyPr vert="horz" wrap="square" lIns="91440" tIns="45720" rIns="91440" bIns="45720" anchor="t" compatLnSpc="1"/>
+          <a:lstStyle/>
+          <a:p>
+            <a:endParaRPr kumimoji="0" lang="en-US"/>
+          </a:p>
+        </p:txBody>
+      </p:sp>
+      <p:sp>
+        <p:nvSpPr>
+          <p:cNvPr id="20" name="Straight Connector 19"/>
+          <p:cNvSpPr>
+            <a:spLocks noChangeShapeType="1"/>
+          </p:cNvSpPr>
+          <p:nvPr/>
+        </p:nvSpPr>
+        <p:spPr bwMode="auto">
+          <a:xfrm>
+            <a:off x="854112" y="0"/>
+            <a:ext cx="0" cy="6858000"/>
+          </a:xfrm>
+          <a:prstGeom prst="line">
+            <a:avLst/>
+          </a:prstGeom>
+          <a:noFill/>
+          <a:ln w="57150" cap="flat" cmpd="sng" algn="ctr">
+            <a:solidFill>
+              <a:schemeClr val="accent1">
+                <a:tint val="60000"/>
+              </a:schemeClr>
+            </a:solidFill>
+            <a:prstDash val="solid"/>
+            <a:round/>
+            <a:headEnd type="none" w="med" len="med"/>
+            <a:tailEnd type="none" w="med" len="med"/>
+          </a:ln>
+          <a:effectLst/>
+        </p:spPr>
+        <p:txBody>
+          <a:bodyPr vert="horz" wrap="square" lIns="91440" tIns="45720" rIns="91440" bIns="45720" anchor="t" compatLnSpc="1"/>
+          <a:lstStyle/>
+          <a:p>
+            <a:endParaRPr kumimoji="0" lang="en-US"/>
+          </a:p>
+        </p:txBody>
+      </p:sp>
+      <p:sp>
+        <p:nvSpPr>
+          <p:cNvPr id="16" name="Straight Connector 15"/>
+          <p:cNvSpPr>
+            <a:spLocks noChangeShapeType="1"/>
+          </p:cNvSpPr>
+          <p:nvPr/>
+        </p:nvSpPr>
+        <p:spPr bwMode="auto">
+          <a:xfrm>
+            <a:off x="1726640" y="0"/>
+            <a:ext cx="0" cy="6858000"/>
+          </a:xfrm>
+          <a:prstGeom prst="line">
+            <a:avLst/>
+          </a:prstGeom>
+          <a:noFill/>
+          <a:ln w="28575" cap="flat" cmpd="sng" algn="ctr">
+            <a:solidFill>
+              <a:schemeClr val="accent1">
+                <a:tint val="60000"/>
+                <a:alpha val="82000"/>
+              </a:schemeClr>
+            </a:solidFill>
+            <a:prstDash val="solid"/>
+            <a:round/>
+            <a:headEnd type="none" w="med" len="med"/>
+            <a:tailEnd type="none" w="med" len="med"/>
+          </a:ln>
+          <a:effectLst/>
+        </p:spPr>
+        <p:txBody>
+          <a:bodyPr vert="horz" wrap="square" lIns="91440" tIns="45720" rIns="91440" bIns="45720" anchor="t" compatLnSpc="1"/>
+          <a:lstStyle/>
+          <a:p>
+            <a:endParaRPr kumimoji="0" lang="en-US"/>
+          </a:p>
+        </p:txBody>
+      </p:sp>
+      <p:sp>
+        <p:nvSpPr>
+          <p:cNvPr id="15" name="Straight Connector 14"/>
+          <p:cNvSpPr>
+            <a:spLocks noChangeShapeType="1"/>
+          </p:cNvSpPr>
+          <p:nvPr/>
+        </p:nvSpPr>
+        <p:spPr bwMode="auto">
+          <a:xfrm>
+            <a:off x="1066800" y="0"/>
+            <a:ext cx="0" cy="6858000"/>
+          </a:xfrm>
+          <a:prstGeom prst="line">
+            <a:avLst/>
+          </a:prstGeom>
+          <a:noFill/>
+          <a:ln w="9525" cap="flat" cmpd="sng" algn="ctr">
+            <a:solidFill>
+              <a:schemeClr val="accent1">
+                <a:tint val="60000"/>
+              </a:schemeClr>
+            </a:solidFill>
+            <a:prstDash val="solid"/>
+            <a:round/>
+            <a:headEnd type="none" w="med" len="med"/>
+            <a:tailEnd type="none" w="med" len="med"/>
+          </a:ln>
+          <a:effectLst/>
+        </p:spPr>
+        <p:txBody>
+          <a:bodyPr vert="horz" wrap="square" lIns="91440" tIns="45720" rIns="91440" bIns="45720" anchor="t" compatLnSpc="1"/>
+          <a:lstStyle/>
+          <a:p>
+            <a:endParaRPr kumimoji="0" lang="en-US"/>
+          </a:p>
+        </p:txBody>
+      </p:sp>
+      <p:sp>
+        <p:nvSpPr>
+          <p:cNvPr id="22" name="Straight Connector 21"/>
+          <p:cNvSpPr>
+            <a:spLocks noChangeShapeType="1"/>
+          </p:cNvSpPr>
+          <p:nvPr/>
+        </p:nvSpPr>
+        <p:spPr bwMode="auto">
+          <a:xfrm>
+            <a:off x="9113856" y="0"/>
+            <a:ext cx="0" cy="6858000"/>
+          </a:xfrm>
+          <a:prstGeom prst="line">
+            <a:avLst/>
+          </a:prstGeom>
+          <a:noFill/>
+          <a:ln w="57150" cap="flat" cmpd="thickThin" algn="ctr">
+            <a:solidFill>
+              <a:schemeClr val="accent1">
+                <a:tint val="60000"/>
+              </a:schemeClr>
+            </a:solidFill>
+            <a:prstDash val="solid"/>
+            <a:round/>
+            <a:headEnd type="none" w="med" len="med"/>
+            <a:tailEnd type="none" w="med" len="med"/>
+          </a:ln>
+          <a:effectLst/>
+        </p:spPr>
+        <p:txBody>
+          <a:bodyPr vert="horz" wrap="square" lIns="91440" tIns="45720" rIns="91440" bIns="45720" anchor="t" compatLnSpc="1"/>
+          <a:lstStyle/>
+          <a:p>
+            <a:endParaRPr kumimoji="0" lang="en-US"/>
+          </a:p>
+        </p:txBody>
+      </p:sp>
+      <p:sp>
+        <p:nvSpPr>
+          <p:cNvPr id="27" name="Rectangle 26"/>
+          <p:cNvSpPr/>
+          <p:nvPr/>
+        </p:nvSpPr>
+        <p:spPr bwMode="auto">
+          <a:xfrm>
+            <a:off x="1219200" y="0"/>
+            <a:ext cx="76200" cy="6858000"/>
+          </a:xfrm>
+          <a:prstGeom prst="rect">
+            <a:avLst/>
+          </a:prstGeom>
+          <a:solidFill>
+            <a:schemeClr val="accent1">
+              <a:tint val="60000"/>
+              <a:alpha val="51000"/>
+            </a:schemeClr>
+          </a:solidFill>
+          <a:ln w="38100" cap="rnd" cmpd="sng" algn="ctr">
+            <a:noFill/>
+            <a:prstDash val="solid"/>
+          </a:ln>
+          <a:effectLst/>
+        </p:spPr>
+        <p:style>
+          <a:lnRef idx="3">
+            <a:schemeClr val="lt1"/>
+          </a:lnRef>
+          <a:fillRef idx="1">
+            <a:schemeClr val="accent1"/>
+          </a:fillRef>
+          <a:effectRef idx="1">
+            <a:schemeClr val="accent1"/>
+          </a:effectRef>
+          <a:fontRef idx="minor">
+            <a:schemeClr val="lt1"/>
+          </a:fontRef>
+        </p:style>
+        <p:txBody>
+          <a:bodyPr anchor="ctr"/>
+          <a:lstStyle/>
+          <a:p>
+            <a:pPr algn="ctr" eaLnBrk="1" latinLnBrk="0" hangingPunct="1"/>
+            <a:endParaRPr kumimoji="0" lang="en-US" dirty="0"/>
+          </a:p>
+        </p:txBody>
+      </p:sp>
+      <p:sp>
+        <p:nvSpPr>
+          <p:cNvPr id="21" name="Oval 20"/>
+          <p:cNvSpPr/>
+          <p:nvPr/>
+        </p:nvSpPr>
+        <p:spPr bwMode="auto">
+          <a:xfrm>
+            <a:off x="609600" y="3429000"/>
+            <a:ext cx="1295400" cy="1295400"/>
+          </a:xfrm>
+          <a:prstGeom prst="ellipse">
+            <a:avLst/>
+          </a:prstGeom>
+          <a:solidFill>
+            <a:schemeClr val="accent1"/>
+          </a:solidFill>
+          <a:ln w="38100" cap="rnd" cmpd="sng" algn="ctr">
+            <a:noFill/>
+            <a:prstDash val="solid"/>
+          </a:ln>
+          <a:effectLst/>
+        </p:spPr>
+        <p:style>
+          <a:lnRef idx="3">
+            <a:schemeClr val="lt1"/>
+          </a:lnRef>
+          <a:fillRef idx="1">
+            <a:schemeClr val="accent1"/>
+          </a:fillRef>
+          <a:effectRef idx="1">
+            <a:schemeClr val="accent1"/>
+          </a:effectRef>
+          <a:fontRef idx="minor">
+            <a:schemeClr val="lt1"/>
+          </a:fontRef>
+        </p:style>
+        <p:txBody>
+          <a:bodyPr anchor="ctr"/>
+          <a:lstStyle/>
+          <a:p>
+            <a:pPr algn="ctr" eaLnBrk="1" latinLnBrk="0" hangingPunct="1"/>
+            <a:endParaRPr kumimoji="0" lang="en-US" dirty="0"/>
+          </a:p>
+        </p:txBody>
+      </p:sp>
+      <p:sp>
+        <p:nvSpPr>
+          <p:cNvPr id="23" name="Oval 22"/>
+          <p:cNvSpPr/>
+          <p:nvPr/>
+        </p:nvSpPr>
+        <p:spPr bwMode="auto">
+          <a:xfrm>
+            <a:off x="1309632" y="4866752"/>
+            <a:ext cx="641424" cy="641424"/>
+          </a:xfrm>
+          <a:prstGeom prst="ellipse">
+            <a:avLst/>
+          </a:prstGeom>
+          <a:ln w="28575" cap="rnd" cmpd="sng" algn="ctr">
+            <a:noFill/>
+            <a:prstDash val="solid"/>
+          </a:ln>
+          <a:effectLst/>
+        </p:spPr>
+        <p:style>
+          <a:lnRef idx="3">
+            <a:schemeClr val="lt1"/>
+          </a:lnRef>
+          <a:fillRef idx="1">
+            <a:schemeClr val="accent1"/>
+          </a:fillRef>
+          <a:effectRef idx="1">
+            <a:schemeClr val="accent1"/>
+          </a:effectRef>
+          <a:fontRef idx="minor">
+            <a:schemeClr val="lt1"/>
+          </a:fontRef>
+        </p:style>
+        <p:txBody>
+          <a:bodyPr anchor="ctr"/>
+          <a:lstStyle/>
+          <a:p>
+            <a:pPr algn="ctr" eaLnBrk="1" latinLnBrk="0" hangingPunct="1"/>
+            <a:endParaRPr kumimoji="0" lang="en-US" dirty="0"/>
+          </a:p>
+        </p:txBody>
+      </p:sp>
+      <p:sp>
+        <p:nvSpPr>
+          <p:cNvPr id="24" name="Oval 23"/>
+          <p:cNvSpPr/>
+          <p:nvPr/>
+        </p:nvSpPr>
+        <p:spPr bwMode="auto">
+          <a:xfrm>
+            <a:off x="1091080" y="5500632"/>
+            <a:ext cx="137160" cy="137160"/>
+          </a:xfrm>
+          <a:prstGeom prst="ellipse">
+            <a:avLst/>
+          </a:prstGeom>
+          <a:ln w="12700" cap="rnd" cmpd="sng" algn="ctr">
+            <a:noFill/>
+            <a:prstDash val="solid"/>
+          </a:ln>
+          <a:effectLst/>
+        </p:spPr>
+        <p:style>
+          <a:lnRef idx="3">
+            <a:schemeClr val="lt1"/>
+          </a:lnRef>
+          <a:fillRef idx="1">
+            <a:schemeClr val="accent1"/>
+          </a:fillRef>
+          <a:effectRef idx="1">
+            <a:schemeClr val="accent1"/>
+          </a:effectRef>
+          <a:fontRef idx="minor">
+            <a:schemeClr val="lt1"/>
+          </a:fontRef>
+        </p:style>
+        <p:txBody>
+          <a:bodyPr anchor="ctr"/>
+          <a:lstStyle/>
+          <a:p>
+            <a:pPr algn="ctr" eaLnBrk="1" latinLnBrk="0" hangingPunct="1"/>
+            <a:endParaRPr kumimoji="0" lang="en-US" dirty="0"/>
+          </a:p>
+        </p:txBody>
+      </p:sp>
+      <p:sp>
+        <p:nvSpPr>
+          <p:cNvPr id="26" name="Oval 25"/>
+          <p:cNvSpPr/>
+          <p:nvPr/>
+        </p:nvSpPr>
+        <p:spPr bwMode="auto">
+          <a:xfrm>
+            <a:off x="1664208" y="5788152"/>
+            <a:ext cx="274320" cy="274320"/>
+          </a:xfrm>
+          <a:prstGeom prst="ellipse">
+            <a:avLst/>
+          </a:prstGeom>
+          <a:ln w="12700" cap="rnd" cmpd="sng" algn="ctr">
+            <a:noFill/>
+            <a:prstDash val="solid"/>
+          </a:ln>
+          <a:effectLst/>
+        </p:spPr>
+        <p:style>
+          <a:lnRef idx="3">
+            <a:schemeClr val="lt1"/>
+          </a:lnRef>
+          <a:fillRef idx="1">
+            <a:schemeClr val="accent1"/>
+          </a:fillRef>
+          <a:effectRef idx="1">
+            <a:schemeClr val="accent1"/>
+          </a:effectRef>
+          <a:fontRef idx="minor">
+            <a:schemeClr val="lt1"/>
+          </a:fontRef>
+        </p:style>
+        <p:txBody>
+          <a:bodyPr anchor="ctr"/>
+          <a:lstStyle/>
+          <a:p>
+            <a:pPr algn="ctr" eaLnBrk="1" latinLnBrk="0" hangingPunct="1"/>
+            <a:endParaRPr kumimoji="0" lang="en-US" dirty="0"/>
+          </a:p>
+        </p:txBody>
+      </p:sp>
+      <p:sp>
+        <p:nvSpPr>
+          <p:cNvPr id="25" name="Oval 24"/>
+          <p:cNvSpPr/>
+          <p:nvPr/>
+        </p:nvSpPr>
+        <p:spPr>
+          <a:xfrm>
+            <a:off x="1905000" y="4495800"/>
+            <a:ext cx="365760" cy="365760"/>
+          </a:xfrm>
+          <a:prstGeom prst="ellipse">
+            <a:avLst/>
+          </a:prstGeom>
+          <a:ln w="28575" cap="rnd" cmpd="sng" algn="ctr">
+            <a:noFill/>
+            <a:prstDash val="solid"/>
+          </a:ln>
+          <a:effectLst/>
+        </p:spPr>
+        <p:style>
+          <a:lnRef idx="3">
+            <a:schemeClr val="lt1"/>
+          </a:lnRef>
+          <a:fillRef idx="1">
+            <a:schemeClr val="accent1"/>
+          </a:fillRef>
+          <a:effectRef idx="1">
+            <a:schemeClr val="accent1"/>
+          </a:effectRef>
+          <a:fontRef idx="minor">
+            <a:schemeClr val="lt1"/>
+          </a:fontRef>
+        </p:style>
+        <p:txBody>
+          <a:bodyPr anchor="ctr"/>
+          <a:lstStyle/>
+          <a:p>
+            <a:pPr algn="ctr" eaLnBrk="1" latinLnBrk="0" hangingPunct="1"/>
+            <a:endParaRPr kumimoji="0" lang="en-US" dirty="0"/>
+          </a:p>
+        </p:txBody>
+      </p:sp>
+      <p:sp>
+        <p:nvSpPr>
+          <p:cNvPr id="29" name="Slide Number Placeholder 28"/>
+          <p:cNvSpPr>
+            <a:spLocks noGrp="1"/>
+          </p:cNvSpPr>
+          <p:nvPr>
+            <p:ph type="sldNum" sz="quarter" idx="12"/>
+          </p:nvPr>
+        </p:nvSpPr>
+        <p:spPr bwMode="auto">
+          <a:xfrm>
+            <a:off x="1325544" y="4928702"/>
+            <a:ext cx="609600" cy="517524"/>
+          </a:xfrm>
+        </p:spPr>
+        <p:txBody>
+          <a:bodyPr/>
+          <a:lstStyle/>
+          <a:p>
+            <a:fld id="{17405CD4-C8F5-4AC1-A4F9-46EC434DE213}" type="slidenum">
+              <a:rPr lang="en-GB" smtClean="0"/>
+              <a:t>‹#›</a:t>
+            </a:fld>
+            <a:endParaRPr lang="en-GB"/>
+          </a:p>
+        </p:txBody>
+      </p:sp>
     </p:spTree>
   </p:cSld>
   <p:clrMapOvr>
-    <a:masterClrMapping/>
+    <a:overrideClrMapping bg1="lt1" tx1="dk1" bg2="lt2" tx2="dk2" accent1="accent1" accent2="accent2" accent3="accent3" accent4="accent4" accent5="accent5" accent6="accent6" hlink="hlink" folHlink="folHlink"/>
   </p:clrMapOvr>
 </p:sldLayout>
 </file>
@@ -541,8 +1208,8 @@
         </p:nvSpPr>
         <p:spPr>
           <a:xfrm>
-            <a:off x="6629400" y="274638"/>
-            <a:ext cx="2057400" cy="5851525"/>
+            <a:off x="6629400" y="274639"/>
+            <a:ext cx="1676400" cy="5851525"/>
           </a:xfrm>
         </p:spPr>
         <p:txBody>
@@ -729,15 +1396,20 @@
       </p:sp>
       <p:sp>
         <p:nvSpPr>
-          <p:cNvPr id="3" name="Content Placeholder 2"/>
-          <p:cNvSpPr>
-            <a:spLocks noGrp="1"/>
-          </p:cNvSpPr>
-          <p:nvPr>
-            <p:ph idx="1"/>
-          </p:nvPr>
-        </p:nvSpPr>
-        <p:spPr/>
+          <p:cNvPr id="8" name="Content Placeholder 7"/>
+          <p:cNvSpPr>
+            <a:spLocks noGrp="1"/>
+          </p:cNvSpPr>
+          <p:nvPr>
+            <p:ph sz="quarter" idx="1"/>
+          </p:nvPr>
+        </p:nvSpPr>
+        <p:spPr>
+          <a:xfrm>
+            <a:off x="457200" y="1600200"/>
+            <a:ext cx="7467600" cy="4873752"/>
+          </a:xfrm>
+        </p:spPr>
         <p:txBody>
           <a:bodyPr/>
           <a:lstStyle/>
@@ -781,17 +1453,17 @@
       </p:sp>
       <p:sp>
         <p:nvSpPr>
-          <p:cNvPr id="4" name="Date Placeholder 3"/>
-          <p:cNvSpPr>
-            <a:spLocks noGrp="1"/>
-          </p:cNvSpPr>
-          <p:nvPr>
-            <p:ph type="dt" sz="half" idx="10"/>
+          <p:cNvPr id="7" name="Date Placeholder 6"/>
+          <p:cNvSpPr>
+            <a:spLocks noGrp="1"/>
+          </p:cNvSpPr>
+          <p:nvPr>
+            <p:ph type="dt" sz="half" idx="14"/>
           </p:nvPr>
         </p:nvSpPr>
         <p:spPr/>
         <p:txBody>
-          <a:bodyPr/>
+          <a:bodyPr rtlCol="0"/>
           <a:lstStyle/>
           <a:p>
             <a:fld id="{BDC9D048-20A2-4306-B4F6-C1465D3A4A59}" type="datetimeFigureOut">
@@ -804,42 +1476,42 @@
       </p:sp>
       <p:sp>
         <p:nvSpPr>
-          <p:cNvPr id="5" name="Footer Placeholder 4"/>
-          <p:cNvSpPr>
-            <a:spLocks noGrp="1"/>
-          </p:cNvSpPr>
-          <p:nvPr>
-            <p:ph type="ftr" sz="quarter" idx="11"/>
+          <p:cNvPr id="9" name="Slide Number Placeholder 8"/>
+          <p:cNvSpPr>
+            <a:spLocks noGrp="1"/>
+          </p:cNvSpPr>
+          <p:nvPr>
+            <p:ph type="sldNum" sz="quarter" idx="15"/>
           </p:nvPr>
         </p:nvSpPr>
         <p:spPr/>
         <p:txBody>
-          <a:bodyPr/>
-          <a:lstStyle/>
-          <a:p>
-            <a:endParaRPr lang="en-GB"/>
-          </a:p>
-        </p:txBody>
-      </p:sp>
-      <p:sp>
-        <p:nvSpPr>
-          <p:cNvPr id="6" name="Slide Number Placeholder 5"/>
-          <p:cNvSpPr>
-            <a:spLocks noGrp="1"/>
-          </p:cNvSpPr>
-          <p:nvPr>
-            <p:ph type="sldNum" sz="quarter" idx="12"/>
-          </p:nvPr>
-        </p:nvSpPr>
-        <p:spPr/>
-        <p:txBody>
-          <a:bodyPr/>
+          <a:bodyPr rtlCol="0"/>
           <a:lstStyle/>
           <a:p>
             <a:fld id="{17405CD4-C8F5-4AC1-A4F9-46EC434DE213}" type="slidenum">
               <a:rPr lang="en-GB" smtClean="0"/>
               <a:t>‹#›</a:t>
             </a:fld>
+            <a:endParaRPr lang="en-GB"/>
+          </a:p>
+        </p:txBody>
+      </p:sp>
+      <p:sp>
+        <p:nvSpPr>
+          <p:cNvPr id="10" name="Footer Placeholder 9"/>
+          <p:cNvSpPr>
+            <a:spLocks noGrp="1"/>
+          </p:cNvSpPr>
+          <p:nvPr>
+            <p:ph type="ftr" sz="quarter" idx="16"/>
+          </p:nvPr>
+        </p:nvSpPr>
+        <p:spPr/>
+        <p:txBody>
+          <a:bodyPr rtlCol="0"/>
+          <a:lstStyle/>
+          <a:p>
             <a:endParaRPr lang="en-GB"/>
           </a:p>
         </p:txBody>
@@ -853,10 +1525,10 @@
 </file>
 
 <file path=ppt/slideLayouts/slideLayout3.xml><?xml version="1.0" encoding="utf-8"?>
-<p:sldLayout xmlns:a="http://schemas.openxmlformats.org/drawingml/2006/main" xmlns:r="http://schemas.openxmlformats.org/officeDocument/2006/relationships" xmlns:p="http://schemas.openxmlformats.org/presentationml/2006/main" type="secHead" preserve="1">
+<p:sldLayout xmlns:a="http://schemas.openxmlformats.org/drawingml/2006/main" xmlns:r="http://schemas.openxmlformats.org/officeDocument/2006/relationships" xmlns:p="http://schemas.openxmlformats.org/presentationml/2006/main" showMasterSp="0" type="secHead" preserve="1">
   <p:cSld name="Section Header">
     <p:bg>
-      <p:bgRef idx="1003">
+      <p:bgRef idx="1001">
         <a:schemeClr val="bg2"/>
       </p:bgRef>
     </p:bg>
@@ -886,55 +1558,16 @@
         </p:nvSpPr>
         <p:spPr>
           <a:xfrm>
-            <a:off x="1600200" y="609600"/>
-            <a:ext cx="7086600" cy="1828800"/>
-          </a:xfrm>
-        </p:spPr>
-        <p:txBody>
-          <a:bodyPr vert="horz" bIns="0" anchor="b">
-            <a:noAutofit/>
-            <a:scene3d>
-              <a:camera prst="orthographicFront"/>
-              <a:lightRig rig="soft" dir="t">
-                <a:rot lat="0" lon="0" rev="17220000"/>
-              </a:lightRig>
-            </a:scene3d>
-            <a:sp3d prstMaterial="softEdge">
-              <a:bevelT w="38100" h="38100"/>
-              <a:contourClr>
-                <a:schemeClr val="tx2">
-                  <a:shade val="50000"/>
-                </a:schemeClr>
-              </a:contourClr>
-            </a:sp3d>
-          </a:bodyPr>
+            <a:off x="2286000" y="2895600"/>
+            <a:ext cx="6172200" cy="2053590"/>
+          </a:xfrm>
+        </p:spPr>
+        <p:txBody>
+          <a:bodyPr/>
           <a:lstStyle>
-            <a:lvl1pPr algn="l" rtl="0">
-              <a:spcBef>
-                <a:spcPct val="0"/>
-              </a:spcBef>
+            <a:lvl1pPr algn="l">
               <a:buNone/>
-              <a:defRPr sz="4800" b="1" cap="none" baseline="0">
-                <a:ln w="6350">
-                  <a:noFill/>
-                </a:ln>
-                <a:solidFill>
-                  <a:schemeClr val="accent1">
-                    <a:tint val="90000"/>
-                    <a:satMod val="120000"/>
-                  </a:schemeClr>
-                </a:solidFill>
-                <a:effectLst>
-                  <a:outerShdw blurRad="114300" dist="101600" dir="2700000" algn="tl" rotWithShape="0">
-                    <a:srgbClr val="000000">
-                      <a:alpha val="40000"/>
-                    </a:srgbClr>
-                  </a:outerShdw>
-                </a:effectLst>
-                <a:latin typeface="+mj-lt"/>
-                <a:ea typeface="+mj-ea"/>
-                <a:cs typeface="+mj-cs"/>
-              </a:defRPr>
+              <a:defRPr sz="3000" b="1" cap="small" baseline="0"/>
             </a:lvl1pPr>
           </a:lstStyle>
           <a:p>
@@ -958,18 +1591,18 @@
         </p:nvSpPr>
         <p:spPr>
           <a:xfrm>
-            <a:off x="1600200" y="2507786"/>
-            <a:ext cx="7086600" cy="1509712"/>
+            <a:off x="2286000" y="5010150"/>
+            <a:ext cx="6172200" cy="1371600"/>
           </a:xfrm>
         </p:spPr>
         <p:txBody>
           <a:bodyPr anchor="t"/>
           <a:lstStyle>
-            <a:lvl1pPr marL="73152" indent="0" algn="l">
+            <a:lvl1pPr marL="0" indent="0">
               <a:buNone/>
-              <a:defRPr sz="2000">
+              <a:defRPr sz="1800" b="1">
                 <a:solidFill>
-                  <a:schemeClr val="tx1"/>
+                  <a:schemeClr val="tx2"/>
                 </a:solidFill>
               </a:defRPr>
             </a:lvl1pPr>
@@ -1033,7 +1666,12 @@
             <p:ph type="dt" sz="half" idx="10"/>
           </p:nvPr>
         </p:nvSpPr>
-        <p:spPr/>
+        <p:spPr bwMode="auto">
+          <a:xfrm rot="5400000">
+            <a:off x="7763256" y="1170432"/>
+            <a:ext cx="2286000" cy="381000"/>
+          </a:xfrm>
+        </p:spPr>
         <p:txBody>
           <a:bodyPr/>
           <a:lstStyle/>
@@ -1056,7 +1694,12 @@
             <p:ph type="ftr" sz="quarter" idx="11"/>
           </p:nvPr>
         </p:nvSpPr>
-        <p:spPr/>
+        <p:spPr bwMode="auto">
+          <a:xfrm rot="5400000">
+            <a:off x="7077456" y="4178808"/>
+            <a:ext cx="3657600" cy="384048"/>
+          </a:xfrm>
+        </p:spPr>
         <p:txBody>
           <a:bodyPr/>
           <a:lstStyle/>
@@ -1067,6 +1710,697 @@
       </p:sp>
       <p:sp>
         <p:nvSpPr>
+          <p:cNvPr id="9" name="Rectangle 8"/>
+          <p:cNvSpPr/>
+          <p:nvPr/>
+        </p:nvSpPr>
+        <p:spPr bwMode="auto">
+          <a:xfrm>
+            <a:off x="381000" y="0"/>
+            <a:ext cx="609600" cy="6858000"/>
+          </a:xfrm>
+          <a:prstGeom prst="rect">
+            <a:avLst/>
+          </a:prstGeom>
+          <a:solidFill>
+            <a:schemeClr val="accent1">
+              <a:tint val="60000"/>
+              <a:alpha val="54000"/>
+            </a:schemeClr>
+          </a:solidFill>
+          <a:ln w="38100" cap="rnd" cmpd="sng" algn="ctr">
+            <a:noFill/>
+            <a:prstDash val="solid"/>
+          </a:ln>
+          <a:effectLst/>
+        </p:spPr>
+        <p:style>
+          <a:lnRef idx="3">
+            <a:schemeClr val="lt1"/>
+          </a:lnRef>
+          <a:fillRef idx="1">
+            <a:schemeClr val="accent1"/>
+          </a:fillRef>
+          <a:effectRef idx="1">
+            <a:schemeClr val="accent1"/>
+          </a:effectRef>
+          <a:fontRef idx="minor">
+            <a:schemeClr val="lt1"/>
+          </a:fontRef>
+        </p:style>
+        <p:txBody>
+          <a:bodyPr anchor="ctr"/>
+          <a:lstStyle/>
+          <a:p>
+            <a:pPr algn="ctr" eaLnBrk="1" latinLnBrk="0" hangingPunct="1"/>
+            <a:endParaRPr kumimoji="0" lang="en-US"/>
+          </a:p>
+        </p:txBody>
+      </p:sp>
+      <p:sp>
+        <p:nvSpPr>
+          <p:cNvPr id="10" name="Rectangle 9"/>
+          <p:cNvSpPr/>
+          <p:nvPr/>
+        </p:nvSpPr>
+        <p:spPr bwMode="auto">
+          <a:xfrm>
+            <a:off x="276336" y="0"/>
+            <a:ext cx="104664" cy="6858000"/>
+          </a:xfrm>
+          <a:prstGeom prst="rect">
+            <a:avLst/>
+          </a:prstGeom>
+          <a:solidFill>
+            <a:schemeClr val="accent1">
+              <a:tint val="40000"/>
+              <a:alpha val="36000"/>
+            </a:schemeClr>
+          </a:solidFill>
+          <a:ln w="38100" cap="rnd" cmpd="sng" algn="ctr">
+            <a:noFill/>
+            <a:prstDash val="solid"/>
+          </a:ln>
+          <a:effectLst/>
+        </p:spPr>
+        <p:style>
+          <a:lnRef idx="3">
+            <a:schemeClr val="lt1"/>
+          </a:lnRef>
+          <a:fillRef idx="1">
+            <a:schemeClr val="accent1"/>
+          </a:fillRef>
+          <a:effectRef idx="1">
+            <a:schemeClr val="accent1"/>
+          </a:effectRef>
+          <a:fontRef idx="minor">
+            <a:schemeClr val="lt1"/>
+          </a:fontRef>
+        </p:style>
+        <p:txBody>
+          <a:bodyPr anchor="ctr"/>
+          <a:lstStyle/>
+          <a:p>
+            <a:pPr algn="ctr" eaLnBrk="1" latinLnBrk="0" hangingPunct="1"/>
+            <a:endParaRPr kumimoji="0" lang="en-US"/>
+          </a:p>
+        </p:txBody>
+      </p:sp>
+      <p:sp>
+        <p:nvSpPr>
+          <p:cNvPr id="11" name="Rectangle 10"/>
+          <p:cNvSpPr/>
+          <p:nvPr/>
+        </p:nvSpPr>
+        <p:spPr bwMode="auto">
+          <a:xfrm>
+            <a:off x="990600" y="0"/>
+            <a:ext cx="181872" cy="6858000"/>
+          </a:xfrm>
+          <a:prstGeom prst="rect">
+            <a:avLst/>
+          </a:prstGeom>
+          <a:solidFill>
+            <a:schemeClr val="accent1">
+              <a:tint val="40000"/>
+              <a:alpha val="70000"/>
+            </a:schemeClr>
+          </a:solidFill>
+          <a:ln w="38100" cap="rnd" cmpd="sng" algn="ctr">
+            <a:noFill/>
+            <a:prstDash val="solid"/>
+          </a:ln>
+          <a:effectLst/>
+        </p:spPr>
+        <p:style>
+          <a:lnRef idx="3">
+            <a:schemeClr val="lt1"/>
+          </a:lnRef>
+          <a:fillRef idx="1">
+            <a:schemeClr val="accent1"/>
+          </a:fillRef>
+          <a:effectRef idx="1">
+            <a:schemeClr val="accent1"/>
+          </a:effectRef>
+          <a:fontRef idx="minor">
+            <a:schemeClr val="lt1"/>
+          </a:fontRef>
+        </p:style>
+        <p:txBody>
+          <a:bodyPr anchor="ctr"/>
+          <a:lstStyle/>
+          <a:p>
+            <a:pPr algn="ctr" eaLnBrk="1" latinLnBrk="0" hangingPunct="1"/>
+            <a:endParaRPr kumimoji="0" lang="en-US"/>
+          </a:p>
+        </p:txBody>
+      </p:sp>
+      <p:sp>
+        <p:nvSpPr>
+          <p:cNvPr id="12" name="Rectangle 11"/>
+          <p:cNvSpPr/>
+          <p:nvPr/>
+        </p:nvSpPr>
+        <p:spPr bwMode="auto">
+          <a:xfrm>
+            <a:off x="1141320" y="0"/>
+            <a:ext cx="230280" cy="6858000"/>
+          </a:xfrm>
+          <a:prstGeom prst="rect">
+            <a:avLst/>
+          </a:prstGeom>
+          <a:solidFill>
+            <a:schemeClr val="accent1">
+              <a:tint val="20000"/>
+              <a:alpha val="71000"/>
+            </a:schemeClr>
+          </a:solidFill>
+          <a:ln w="38100" cap="rnd" cmpd="sng" algn="ctr">
+            <a:noFill/>
+            <a:prstDash val="solid"/>
+          </a:ln>
+          <a:effectLst/>
+        </p:spPr>
+        <p:style>
+          <a:lnRef idx="3">
+            <a:schemeClr val="lt1"/>
+          </a:lnRef>
+          <a:fillRef idx="1">
+            <a:schemeClr val="accent1"/>
+          </a:fillRef>
+          <a:effectRef idx="1">
+            <a:schemeClr val="accent1"/>
+          </a:effectRef>
+          <a:fontRef idx="minor">
+            <a:schemeClr val="lt1"/>
+          </a:fontRef>
+        </p:style>
+        <p:txBody>
+          <a:bodyPr anchor="ctr"/>
+          <a:lstStyle/>
+          <a:p>
+            <a:pPr algn="ctr" eaLnBrk="1" latinLnBrk="0" hangingPunct="1"/>
+            <a:endParaRPr kumimoji="0" lang="en-US"/>
+          </a:p>
+        </p:txBody>
+      </p:sp>
+      <p:sp>
+        <p:nvSpPr>
+          <p:cNvPr id="13" name="Straight Connector 12"/>
+          <p:cNvSpPr>
+            <a:spLocks noChangeShapeType="1"/>
+          </p:cNvSpPr>
+          <p:nvPr/>
+        </p:nvSpPr>
+        <p:spPr bwMode="auto">
+          <a:xfrm>
+            <a:off x="106344" y="0"/>
+            <a:ext cx="0" cy="6858000"/>
+          </a:xfrm>
+          <a:prstGeom prst="line">
+            <a:avLst/>
+          </a:prstGeom>
+          <a:noFill/>
+          <a:ln w="57150" cap="flat" cmpd="sng" algn="ctr">
+            <a:solidFill>
+              <a:schemeClr val="accent1">
+                <a:tint val="60000"/>
+                <a:alpha val="73000"/>
+              </a:schemeClr>
+            </a:solidFill>
+            <a:prstDash val="solid"/>
+            <a:round/>
+            <a:headEnd type="none" w="med" len="med"/>
+            <a:tailEnd type="none" w="med" len="med"/>
+          </a:ln>
+          <a:effectLst/>
+        </p:spPr>
+        <p:txBody>
+          <a:bodyPr vert="horz" wrap="square" lIns="91440" tIns="45720" rIns="91440" bIns="45720" anchor="t" compatLnSpc="1"/>
+          <a:lstStyle/>
+          <a:p>
+            <a:endParaRPr kumimoji="0" lang="en-US"/>
+          </a:p>
+        </p:txBody>
+      </p:sp>
+      <p:sp>
+        <p:nvSpPr>
+          <p:cNvPr id="14" name="Straight Connector 13"/>
+          <p:cNvSpPr>
+            <a:spLocks noChangeShapeType="1"/>
+          </p:cNvSpPr>
+          <p:nvPr/>
+        </p:nvSpPr>
+        <p:spPr bwMode="auto">
+          <a:xfrm>
+            <a:off x="914400" y="0"/>
+            <a:ext cx="0" cy="6858000"/>
+          </a:xfrm>
+          <a:prstGeom prst="line">
+            <a:avLst/>
+          </a:prstGeom>
+          <a:noFill/>
+          <a:ln w="57150" cap="flat" cmpd="sng" algn="ctr">
+            <a:solidFill>
+              <a:schemeClr val="accent1">
+                <a:tint val="20000"/>
+                <a:alpha val="83000"/>
+              </a:schemeClr>
+            </a:solidFill>
+            <a:prstDash val="solid"/>
+            <a:round/>
+            <a:headEnd type="none" w="med" len="med"/>
+            <a:tailEnd type="none" w="med" len="med"/>
+          </a:ln>
+          <a:effectLst/>
+        </p:spPr>
+        <p:txBody>
+          <a:bodyPr vert="horz" wrap="square" lIns="91440" tIns="45720" rIns="91440" bIns="45720" anchor="t" compatLnSpc="1"/>
+          <a:lstStyle/>
+          <a:p>
+            <a:endParaRPr kumimoji="0" lang="en-US"/>
+          </a:p>
+        </p:txBody>
+      </p:sp>
+      <p:sp>
+        <p:nvSpPr>
+          <p:cNvPr id="15" name="Straight Connector 14"/>
+          <p:cNvSpPr>
+            <a:spLocks noChangeShapeType="1"/>
+          </p:cNvSpPr>
+          <p:nvPr/>
+        </p:nvSpPr>
+        <p:spPr bwMode="auto">
+          <a:xfrm>
+            <a:off x="854112" y="0"/>
+            <a:ext cx="0" cy="6858000"/>
+          </a:xfrm>
+          <a:prstGeom prst="line">
+            <a:avLst/>
+          </a:prstGeom>
+          <a:noFill/>
+          <a:ln w="57150" cap="flat" cmpd="sng" algn="ctr">
+            <a:solidFill>
+              <a:schemeClr val="accent1">
+                <a:tint val="60000"/>
+              </a:schemeClr>
+            </a:solidFill>
+            <a:prstDash val="solid"/>
+            <a:round/>
+            <a:headEnd type="none" w="med" len="med"/>
+            <a:tailEnd type="none" w="med" len="med"/>
+          </a:ln>
+          <a:effectLst/>
+        </p:spPr>
+        <p:txBody>
+          <a:bodyPr vert="horz" wrap="square" lIns="91440" tIns="45720" rIns="91440" bIns="45720" anchor="t" compatLnSpc="1"/>
+          <a:lstStyle/>
+          <a:p>
+            <a:endParaRPr kumimoji="0" lang="en-US"/>
+          </a:p>
+        </p:txBody>
+      </p:sp>
+      <p:sp>
+        <p:nvSpPr>
+          <p:cNvPr id="16" name="Straight Connector 15"/>
+          <p:cNvSpPr>
+            <a:spLocks noChangeShapeType="1"/>
+          </p:cNvSpPr>
+          <p:nvPr/>
+        </p:nvSpPr>
+        <p:spPr bwMode="auto">
+          <a:xfrm>
+            <a:off x="1726640" y="0"/>
+            <a:ext cx="0" cy="6858000"/>
+          </a:xfrm>
+          <a:prstGeom prst="line">
+            <a:avLst/>
+          </a:prstGeom>
+          <a:noFill/>
+          <a:ln w="28575" cap="flat" cmpd="sng" algn="ctr">
+            <a:solidFill>
+              <a:schemeClr val="accent1">
+                <a:tint val="60000"/>
+                <a:alpha val="82000"/>
+              </a:schemeClr>
+            </a:solidFill>
+            <a:prstDash val="solid"/>
+            <a:round/>
+            <a:headEnd type="none" w="med" len="med"/>
+            <a:tailEnd type="none" w="med" len="med"/>
+          </a:ln>
+          <a:effectLst/>
+        </p:spPr>
+        <p:txBody>
+          <a:bodyPr vert="horz" wrap="square" lIns="91440" tIns="45720" rIns="91440" bIns="45720" anchor="t" compatLnSpc="1"/>
+          <a:lstStyle/>
+          <a:p>
+            <a:endParaRPr kumimoji="0" lang="en-US"/>
+          </a:p>
+        </p:txBody>
+      </p:sp>
+      <p:sp>
+        <p:nvSpPr>
+          <p:cNvPr id="17" name="Straight Connector 16"/>
+          <p:cNvSpPr>
+            <a:spLocks noChangeShapeType="1"/>
+          </p:cNvSpPr>
+          <p:nvPr/>
+        </p:nvSpPr>
+        <p:spPr bwMode="auto">
+          <a:xfrm>
+            <a:off x="1066800" y="0"/>
+            <a:ext cx="0" cy="6858000"/>
+          </a:xfrm>
+          <a:prstGeom prst="line">
+            <a:avLst/>
+          </a:prstGeom>
+          <a:noFill/>
+          <a:ln w="9525" cap="flat" cmpd="sng" algn="ctr">
+            <a:solidFill>
+              <a:schemeClr val="accent1">
+                <a:tint val="60000"/>
+              </a:schemeClr>
+            </a:solidFill>
+            <a:prstDash val="solid"/>
+            <a:round/>
+            <a:headEnd type="none" w="med" len="med"/>
+            <a:tailEnd type="none" w="med" len="med"/>
+          </a:ln>
+          <a:effectLst/>
+        </p:spPr>
+        <p:txBody>
+          <a:bodyPr vert="horz" wrap="square" lIns="91440" tIns="45720" rIns="91440" bIns="45720" anchor="t" compatLnSpc="1"/>
+          <a:lstStyle/>
+          <a:p>
+            <a:endParaRPr kumimoji="0" lang="en-US"/>
+          </a:p>
+        </p:txBody>
+      </p:sp>
+      <p:sp>
+        <p:nvSpPr>
+          <p:cNvPr id="18" name="Rectangle 17"/>
+          <p:cNvSpPr/>
+          <p:nvPr/>
+        </p:nvSpPr>
+        <p:spPr bwMode="auto">
+          <a:xfrm>
+            <a:off x="1219200" y="0"/>
+            <a:ext cx="76200" cy="6858000"/>
+          </a:xfrm>
+          <a:prstGeom prst="rect">
+            <a:avLst/>
+          </a:prstGeom>
+          <a:solidFill>
+            <a:schemeClr val="accent1">
+              <a:tint val="60000"/>
+              <a:alpha val="51000"/>
+            </a:schemeClr>
+          </a:solidFill>
+          <a:ln w="38100" cap="rnd" cmpd="sng" algn="ctr">
+            <a:noFill/>
+            <a:prstDash val="solid"/>
+          </a:ln>
+          <a:effectLst/>
+        </p:spPr>
+        <p:style>
+          <a:lnRef idx="3">
+            <a:schemeClr val="lt1"/>
+          </a:lnRef>
+          <a:fillRef idx="1">
+            <a:schemeClr val="accent1"/>
+          </a:fillRef>
+          <a:effectRef idx="1">
+            <a:schemeClr val="accent1"/>
+          </a:effectRef>
+          <a:fontRef idx="minor">
+            <a:schemeClr val="lt1"/>
+          </a:fontRef>
+        </p:style>
+        <p:txBody>
+          <a:bodyPr anchor="ctr"/>
+          <a:lstStyle/>
+          <a:p>
+            <a:pPr algn="ctr" eaLnBrk="1" latinLnBrk="0" hangingPunct="1"/>
+            <a:endParaRPr kumimoji="0" lang="en-US" dirty="0"/>
+          </a:p>
+        </p:txBody>
+      </p:sp>
+      <p:sp>
+        <p:nvSpPr>
+          <p:cNvPr id="19" name="Oval 18"/>
+          <p:cNvSpPr/>
+          <p:nvPr/>
+        </p:nvSpPr>
+        <p:spPr bwMode="auto">
+          <a:xfrm>
+            <a:off x="609600" y="3429000"/>
+            <a:ext cx="1295400" cy="1295400"/>
+          </a:xfrm>
+          <a:prstGeom prst="ellipse">
+            <a:avLst/>
+          </a:prstGeom>
+          <a:ln w="38100" cap="rnd" cmpd="sng" algn="ctr">
+            <a:noFill/>
+            <a:prstDash val="solid"/>
+          </a:ln>
+          <a:effectLst/>
+        </p:spPr>
+        <p:style>
+          <a:lnRef idx="3">
+            <a:schemeClr val="lt1"/>
+          </a:lnRef>
+          <a:fillRef idx="1">
+            <a:schemeClr val="accent1"/>
+          </a:fillRef>
+          <a:effectRef idx="1">
+            <a:schemeClr val="accent1"/>
+          </a:effectRef>
+          <a:fontRef idx="minor">
+            <a:schemeClr val="lt1"/>
+          </a:fontRef>
+        </p:style>
+        <p:txBody>
+          <a:bodyPr anchor="ctr"/>
+          <a:lstStyle/>
+          <a:p>
+            <a:pPr algn="ctr" eaLnBrk="1" latinLnBrk="0" hangingPunct="1"/>
+            <a:endParaRPr kumimoji="0" lang="en-US" dirty="0"/>
+          </a:p>
+        </p:txBody>
+      </p:sp>
+      <p:sp>
+        <p:nvSpPr>
+          <p:cNvPr id="20" name="Oval 19"/>
+          <p:cNvSpPr/>
+          <p:nvPr/>
+        </p:nvSpPr>
+        <p:spPr bwMode="auto">
+          <a:xfrm>
+            <a:off x="1324704" y="4866752"/>
+            <a:ext cx="641424" cy="641424"/>
+          </a:xfrm>
+          <a:prstGeom prst="ellipse">
+            <a:avLst/>
+          </a:prstGeom>
+          <a:ln w="28575" cap="rnd" cmpd="sng" algn="ctr">
+            <a:noFill/>
+            <a:prstDash val="solid"/>
+          </a:ln>
+          <a:effectLst/>
+        </p:spPr>
+        <p:style>
+          <a:lnRef idx="3">
+            <a:schemeClr val="lt1"/>
+          </a:lnRef>
+          <a:fillRef idx="1">
+            <a:schemeClr val="accent1"/>
+          </a:fillRef>
+          <a:effectRef idx="1">
+            <a:schemeClr val="accent1"/>
+          </a:effectRef>
+          <a:fontRef idx="minor">
+            <a:schemeClr val="lt1"/>
+          </a:fontRef>
+        </p:style>
+        <p:txBody>
+          <a:bodyPr anchor="ctr"/>
+          <a:lstStyle/>
+          <a:p>
+            <a:pPr algn="ctr" eaLnBrk="1" latinLnBrk="0" hangingPunct="1"/>
+            <a:endParaRPr kumimoji="0" lang="en-US" dirty="0"/>
+          </a:p>
+        </p:txBody>
+      </p:sp>
+      <p:sp>
+        <p:nvSpPr>
+          <p:cNvPr id="21" name="Oval 20"/>
+          <p:cNvSpPr/>
+          <p:nvPr/>
+        </p:nvSpPr>
+        <p:spPr bwMode="auto">
+          <a:xfrm>
+            <a:off x="1091080" y="5500632"/>
+            <a:ext cx="137160" cy="137160"/>
+          </a:xfrm>
+          <a:prstGeom prst="ellipse">
+            <a:avLst/>
+          </a:prstGeom>
+          <a:ln w="12700" cap="rnd" cmpd="sng" algn="ctr">
+            <a:noFill/>
+            <a:prstDash val="solid"/>
+          </a:ln>
+          <a:effectLst/>
+        </p:spPr>
+        <p:style>
+          <a:lnRef idx="3">
+            <a:schemeClr val="lt1"/>
+          </a:lnRef>
+          <a:fillRef idx="1">
+            <a:schemeClr val="accent1"/>
+          </a:fillRef>
+          <a:effectRef idx="1">
+            <a:schemeClr val="accent1"/>
+          </a:effectRef>
+          <a:fontRef idx="minor">
+            <a:schemeClr val="lt1"/>
+          </a:fontRef>
+        </p:style>
+        <p:txBody>
+          <a:bodyPr anchor="ctr"/>
+          <a:lstStyle/>
+          <a:p>
+            <a:pPr algn="ctr" eaLnBrk="1" latinLnBrk="0" hangingPunct="1"/>
+            <a:endParaRPr kumimoji="0" lang="en-US" dirty="0"/>
+          </a:p>
+        </p:txBody>
+      </p:sp>
+      <p:sp>
+        <p:nvSpPr>
+          <p:cNvPr id="22" name="Oval 21"/>
+          <p:cNvSpPr/>
+          <p:nvPr/>
+        </p:nvSpPr>
+        <p:spPr bwMode="auto">
+          <a:xfrm>
+            <a:off x="1664208" y="5791200"/>
+            <a:ext cx="274320" cy="274320"/>
+          </a:xfrm>
+          <a:prstGeom prst="ellipse">
+            <a:avLst/>
+          </a:prstGeom>
+          <a:ln w="12700" cap="rnd" cmpd="sng" algn="ctr">
+            <a:noFill/>
+            <a:prstDash val="solid"/>
+          </a:ln>
+          <a:effectLst/>
+        </p:spPr>
+        <p:style>
+          <a:lnRef idx="3">
+            <a:schemeClr val="lt1"/>
+          </a:lnRef>
+          <a:fillRef idx="1">
+            <a:schemeClr val="accent1"/>
+          </a:fillRef>
+          <a:effectRef idx="1">
+            <a:schemeClr val="accent1"/>
+          </a:effectRef>
+          <a:fontRef idx="minor">
+            <a:schemeClr val="lt1"/>
+          </a:fontRef>
+        </p:style>
+        <p:txBody>
+          <a:bodyPr anchor="ctr"/>
+          <a:lstStyle/>
+          <a:p>
+            <a:pPr algn="ctr" eaLnBrk="1" latinLnBrk="0" hangingPunct="1"/>
+            <a:endParaRPr kumimoji="0" lang="en-US" dirty="0"/>
+          </a:p>
+        </p:txBody>
+      </p:sp>
+      <p:sp>
+        <p:nvSpPr>
+          <p:cNvPr id="23" name="Oval 22"/>
+          <p:cNvSpPr/>
+          <p:nvPr/>
+        </p:nvSpPr>
+        <p:spPr bwMode="auto">
+          <a:xfrm>
+            <a:off x="1879040" y="4479888"/>
+            <a:ext cx="365760" cy="365760"/>
+          </a:xfrm>
+          <a:prstGeom prst="ellipse">
+            <a:avLst/>
+          </a:prstGeom>
+          <a:ln w="28575" cap="rnd" cmpd="sng" algn="ctr">
+            <a:noFill/>
+            <a:prstDash val="solid"/>
+          </a:ln>
+          <a:effectLst/>
+        </p:spPr>
+        <p:style>
+          <a:lnRef idx="3">
+            <a:schemeClr val="lt1"/>
+          </a:lnRef>
+          <a:fillRef idx="1">
+            <a:schemeClr val="accent1"/>
+          </a:fillRef>
+          <a:effectRef idx="1">
+            <a:schemeClr val="accent1"/>
+          </a:effectRef>
+          <a:fontRef idx="minor">
+            <a:schemeClr val="lt1"/>
+          </a:fontRef>
+        </p:style>
+        <p:txBody>
+          <a:bodyPr anchor="ctr"/>
+          <a:lstStyle/>
+          <a:p>
+            <a:pPr algn="ctr" eaLnBrk="1" latinLnBrk="0" hangingPunct="1"/>
+            <a:endParaRPr kumimoji="0" lang="en-US" dirty="0"/>
+          </a:p>
+        </p:txBody>
+      </p:sp>
+      <p:sp>
+        <p:nvSpPr>
+          <p:cNvPr id="26" name="Straight Connector 25"/>
+          <p:cNvSpPr>
+            <a:spLocks noChangeShapeType="1"/>
+          </p:cNvSpPr>
+          <p:nvPr/>
+        </p:nvSpPr>
+        <p:spPr bwMode="auto">
+          <a:xfrm>
+            <a:off x="9097944" y="0"/>
+            <a:ext cx="0" cy="6858000"/>
+          </a:xfrm>
+          <a:prstGeom prst="line">
+            <a:avLst/>
+          </a:prstGeom>
+          <a:noFill/>
+          <a:ln w="57150" cap="flat" cmpd="thickThin" algn="ctr">
+            <a:solidFill>
+              <a:schemeClr val="accent1">
+                <a:tint val="60000"/>
+              </a:schemeClr>
+            </a:solidFill>
+            <a:prstDash val="solid"/>
+            <a:round/>
+            <a:headEnd type="none" w="med" len="med"/>
+            <a:tailEnd type="none" w="med" len="med"/>
+          </a:ln>
+          <a:effectLst/>
+        </p:spPr>
+        <p:txBody>
+          <a:bodyPr vert="horz" wrap="square" lIns="91440" tIns="45720" rIns="91440" bIns="45720" anchor="t" compatLnSpc="1"/>
+          <a:lstStyle/>
+          <a:p>
+            <a:endParaRPr kumimoji="0" lang="en-US"/>
+          </a:p>
+        </p:txBody>
+      </p:sp>
+      <p:sp>
+        <p:nvSpPr>
           <p:cNvPr id="6" name="Slide Number Placeholder 5"/>
           <p:cNvSpPr>
             <a:spLocks noGrp="1"/>
@@ -1075,10 +2409,10 @@
             <p:ph type="sldNum" sz="quarter" idx="12"/>
           </p:nvPr>
         </p:nvSpPr>
-        <p:spPr>
-          <a:xfrm>
-            <a:off x="7924800" y="6416675"/>
-            <a:ext cx="762000" cy="365125"/>
+        <p:spPr bwMode="auto">
+          <a:xfrm>
+            <a:off x="1340616" y="4928702"/>
+            <a:ext cx="609600" cy="517524"/>
           </a:xfrm>
         </p:spPr>
         <p:txBody>
@@ -1143,152 +2477,6 @@
       </p:sp>
       <p:sp>
         <p:nvSpPr>
-          <p:cNvPr id="3" name="Content Placeholder 2"/>
-          <p:cNvSpPr>
-            <a:spLocks noGrp="1"/>
-          </p:cNvSpPr>
-          <p:nvPr>
-            <p:ph sz="half" idx="1"/>
-          </p:nvPr>
-        </p:nvSpPr>
-        <p:spPr>
-          <a:xfrm>
-            <a:off x="457200" y="1600200"/>
-            <a:ext cx="4038600" cy="4525963"/>
-          </a:xfrm>
-        </p:spPr>
-        <p:txBody>
-          <a:bodyPr/>
-          <a:lstStyle>
-            <a:lvl1pPr>
-              <a:defRPr sz="2600"/>
-            </a:lvl1pPr>
-            <a:lvl2pPr>
-              <a:defRPr sz="2400"/>
-            </a:lvl2pPr>
-            <a:lvl3pPr>
-              <a:defRPr sz="2000"/>
-            </a:lvl3pPr>
-            <a:lvl4pPr>
-              <a:defRPr sz="1800"/>
-            </a:lvl4pPr>
-            <a:lvl5pPr>
-              <a:defRPr sz="1800"/>
-            </a:lvl5pPr>
-          </a:lstStyle>
-          <a:p>
-            <a:pPr lvl="0" eaLnBrk="1" latinLnBrk="0" hangingPunct="1"/>
-            <a:r>
-              <a:rPr lang="en-US" smtClean="0"/>
-              <a:t>Click to edit Master text styles</a:t>
-            </a:r>
-          </a:p>
-          <a:p>
-            <a:pPr lvl="1" eaLnBrk="1" latinLnBrk="0" hangingPunct="1"/>
-            <a:r>
-              <a:rPr lang="en-US" smtClean="0"/>
-              <a:t>Second level</a:t>
-            </a:r>
-          </a:p>
-          <a:p>
-            <a:pPr lvl="2" eaLnBrk="1" latinLnBrk="0" hangingPunct="1"/>
-            <a:r>
-              <a:rPr lang="en-US" smtClean="0"/>
-              <a:t>Third level</a:t>
-            </a:r>
-          </a:p>
-          <a:p>
-            <a:pPr lvl="3" eaLnBrk="1" latinLnBrk="0" hangingPunct="1"/>
-            <a:r>
-              <a:rPr lang="en-US" smtClean="0"/>
-              <a:t>Fourth level</a:t>
-            </a:r>
-          </a:p>
-          <a:p>
-            <a:pPr lvl="4" eaLnBrk="1" latinLnBrk="0" hangingPunct="1"/>
-            <a:r>
-              <a:rPr lang="en-US" smtClean="0"/>
-              <a:t>Fifth level</a:t>
-            </a:r>
-            <a:endParaRPr kumimoji="0" lang="en-US"/>
-          </a:p>
-        </p:txBody>
-      </p:sp>
-      <p:sp>
-        <p:nvSpPr>
-          <p:cNvPr id="4" name="Content Placeholder 3"/>
-          <p:cNvSpPr>
-            <a:spLocks noGrp="1"/>
-          </p:cNvSpPr>
-          <p:nvPr>
-            <p:ph sz="half" idx="2"/>
-          </p:nvPr>
-        </p:nvSpPr>
-        <p:spPr>
-          <a:xfrm>
-            <a:off x="4648200" y="1600200"/>
-            <a:ext cx="4038600" cy="4525963"/>
-          </a:xfrm>
-        </p:spPr>
-        <p:txBody>
-          <a:bodyPr/>
-          <a:lstStyle>
-            <a:lvl1pPr>
-              <a:defRPr sz="2600"/>
-            </a:lvl1pPr>
-            <a:lvl2pPr>
-              <a:defRPr sz="2400"/>
-            </a:lvl2pPr>
-            <a:lvl3pPr>
-              <a:defRPr sz="2000"/>
-            </a:lvl3pPr>
-            <a:lvl4pPr>
-              <a:defRPr sz="1800"/>
-            </a:lvl4pPr>
-            <a:lvl5pPr>
-              <a:defRPr sz="1800"/>
-            </a:lvl5pPr>
-          </a:lstStyle>
-          <a:p>
-            <a:pPr lvl="0" eaLnBrk="1" latinLnBrk="0" hangingPunct="1"/>
-            <a:r>
-              <a:rPr lang="en-US" smtClean="0"/>
-              <a:t>Click to edit Master text styles</a:t>
-            </a:r>
-          </a:p>
-          <a:p>
-            <a:pPr lvl="1" eaLnBrk="1" latinLnBrk="0" hangingPunct="1"/>
-            <a:r>
-              <a:rPr lang="en-US" smtClean="0"/>
-              <a:t>Second level</a:t>
-            </a:r>
-          </a:p>
-          <a:p>
-            <a:pPr lvl="2" eaLnBrk="1" latinLnBrk="0" hangingPunct="1"/>
-            <a:r>
-              <a:rPr lang="en-US" smtClean="0"/>
-              <a:t>Third level</a:t>
-            </a:r>
-          </a:p>
-          <a:p>
-            <a:pPr lvl="3" eaLnBrk="1" latinLnBrk="0" hangingPunct="1"/>
-            <a:r>
-              <a:rPr lang="en-US" smtClean="0"/>
-              <a:t>Fourth level</a:t>
-            </a:r>
-          </a:p>
-          <a:p>
-            <a:pPr lvl="4" eaLnBrk="1" latinLnBrk="0" hangingPunct="1"/>
-            <a:r>
-              <a:rPr lang="en-US" smtClean="0"/>
-              <a:t>Fifth level</a:t>
-            </a:r>
-            <a:endParaRPr kumimoji="0" lang="en-US"/>
-          </a:p>
-        </p:txBody>
-      </p:sp>
-      <p:sp>
-        <p:nvSpPr>
           <p:cNvPr id="5" name="Date Placeholder 4"/>
           <p:cNvSpPr>
             <a:spLocks noGrp="1"/>
@@ -1349,6 +2537,120 @@
               <a:t>‹#›</a:t>
             </a:fld>
             <a:endParaRPr lang="en-GB"/>
+          </a:p>
+        </p:txBody>
+      </p:sp>
+      <p:sp>
+        <p:nvSpPr>
+          <p:cNvPr id="9" name="Content Placeholder 8"/>
+          <p:cNvSpPr>
+            <a:spLocks noGrp="1"/>
+          </p:cNvSpPr>
+          <p:nvPr>
+            <p:ph sz="quarter" idx="1"/>
+          </p:nvPr>
+        </p:nvSpPr>
+        <p:spPr>
+          <a:xfrm>
+            <a:off x="457200" y="1600200"/>
+            <a:ext cx="3657600" cy="4572000"/>
+          </a:xfrm>
+        </p:spPr>
+        <p:txBody>
+          <a:bodyPr/>
+          <a:lstStyle/>
+          <a:p>
+            <a:pPr lvl="0" eaLnBrk="1" latinLnBrk="0" hangingPunct="1"/>
+            <a:r>
+              <a:rPr lang="en-US" smtClean="0"/>
+              <a:t>Click to edit Master text styles</a:t>
+            </a:r>
+          </a:p>
+          <a:p>
+            <a:pPr lvl="1" eaLnBrk="1" latinLnBrk="0" hangingPunct="1"/>
+            <a:r>
+              <a:rPr lang="en-US" smtClean="0"/>
+              <a:t>Second level</a:t>
+            </a:r>
+          </a:p>
+          <a:p>
+            <a:pPr lvl="2" eaLnBrk="1" latinLnBrk="0" hangingPunct="1"/>
+            <a:r>
+              <a:rPr lang="en-US" smtClean="0"/>
+              <a:t>Third level</a:t>
+            </a:r>
+          </a:p>
+          <a:p>
+            <a:pPr lvl="3" eaLnBrk="1" latinLnBrk="0" hangingPunct="1"/>
+            <a:r>
+              <a:rPr lang="en-US" smtClean="0"/>
+              <a:t>Fourth level</a:t>
+            </a:r>
+          </a:p>
+          <a:p>
+            <a:pPr lvl="4" eaLnBrk="1" latinLnBrk="0" hangingPunct="1"/>
+            <a:r>
+              <a:rPr lang="en-US" smtClean="0"/>
+              <a:t>Fifth level</a:t>
+            </a:r>
+            <a:endParaRPr kumimoji="0" lang="en-US"/>
+          </a:p>
+        </p:txBody>
+      </p:sp>
+      <p:sp>
+        <p:nvSpPr>
+          <p:cNvPr id="11" name="Content Placeholder 10"/>
+          <p:cNvSpPr>
+            <a:spLocks noGrp="1"/>
+          </p:cNvSpPr>
+          <p:nvPr>
+            <p:ph sz="quarter" idx="2"/>
+          </p:nvPr>
+        </p:nvSpPr>
+        <p:spPr>
+          <a:xfrm>
+            <a:off x="4270248" y="1600200"/>
+            <a:ext cx="3657600" cy="4572000"/>
+          </a:xfrm>
+        </p:spPr>
+        <p:txBody>
+          <a:bodyPr/>
+          <a:lstStyle/>
+          <a:p>
+            <a:pPr lvl="0" eaLnBrk="1" latinLnBrk="0" hangingPunct="1"/>
+            <a:r>
+              <a:rPr lang="en-US" smtClean="0"/>
+              <a:t>Click to edit Master text styles</a:t>
+            </a:r>
+          </a:p>
+          <a:p>
+            <a:pPr lvl="1" eaLnBrk="1" latinLnBrk="0" hangingPunct="1"/>
+            <a:r>
+              <a:rPr lang="en-US" smtClean="0"/>
+              <a:t>Second level</a:t>
+            </a:r>
+          </a:p>
+          <a:p>
+            <a:pPr lvl="2" eaLnBrk="1" latinLnBrk="0" hangingPunct="1"/>
+            <a:r>
+              <a:rPr lang="en-US" smtClean="0"/>
+              <a:t>Third level</a:t>
+            </a:r>
+          </a:p>
+          <a:p>
+            <a:pPr lvl="3" eaLnBrk="1" latinLnBrk="0" hangingPunct="1"/>
+            <a:r>
+              <a:rPr lang="en-US" smtClean="0"/>
+              <a:t>Fourth level</a:t>
+            </a:r>
+          </a:p>
+          <a:p>
+            <a:pPr lvl="4" eaLnBrk="1" latinLnBrk="0" hangingPunct="1"/>
+            <a:r>
+              <a:rPr lang="en-US" smtClean="0"/>
+              <a:t>Fifth level</a:t>
+            </a:r>
+            <a:endParaRPr kumimoji="0" lang="en-US"/>
           </a:p>
         </p:txBody>
       </p:sp>
@@ -1390,11 +2692,11 @@
         <p:spPr>
           <a:xfrm>
             <a:off x="457200" y="273050"/>
-            <a:ext cx="8229600" cy="1143000"/>
-          </a:xfrm>
-        </p:spPr>
-        <p:txBody>
-          <a:bodyPr anchor="ctr"/>
+            <a:ext cx="7543800" cy="1143000"/>
+          </a:xfrm>
+        </p:spPr>
+        <p:txBody>
+          <a:bodyPr anchor="b"/>
           <a:lstStyle>
             <a:lvl1pPr>
               <a:defRPr/>
@@ -1411,258 +2713,6 @@
       </p:sp>
       <p:sp>
         <p:nvSpPr>
-          <p:cNvPr id="3" name="Text Placeholder 2"/>
-          <p:cNvSpPr>
-            <a:spLocks noGrp="1"/>
-          </p:cNvSpPr>
-          <p:nvPr>
-            <p:ph type="body" idx="1"/>
-          </p:nvPr>
-        </p:nvSpPr>
-        <p:spPr>
-          <a:xfrm>
-            <a:off x="457200" y="1535112"/>
-            <a:ext cx="4040188" cy="750887"/>
-          </a:xfrm>
-        </p:spPr>
-        <p:txBody>
-          <a:bodyPr anchor="ctr"/>
-          <a:lstStyle>
-            <a:lvl1pPr marL="0" indent="0">
-              <a:buNone/>
-              <a:defRPr sz="2400" b="0" cap="all" baseline="0">
-                <a:solidFill>
-                  <a:schemeClr val="tx1"/>
-                </a:solidFill>
-              </a:defRPr>
-            </a:lvl1pPr>
-            <a:lvl2pPr>
-              <a:buNone/>
-              <a:defRPr sz="2000" b="1"/>
-            </a:lvl2pPr>
-            <a:lvl3pPr>
-              <a:buNone/>
-              <a:defRPr sz="1800" b="1"/>
-            </a:lvl3pPr>
-            <a:lvl4pPr>
-              <a:buNone/>
-              <a:defRPr sz="1600" b="1"/>
-            </a:lvl4pPr>
-            <a:lvl5pPr>
-              <a:buNone/>
-              <a:defRPr sz="1600" b="1"/>
-            </a:lvl5pPr>
-          </a:lstStyle>
-          <a:p>
-            <a:pPr lvl="0" eaLnBrk="1" latinLnBrk="0" hangingPunct="1"/>
-            <a:r>
-              <a:rPr kumimoji="0" lang="en-US" smtClean="0"/>
-              <a:t>Click to edit Master text styles</a:t>
-            </a:r>
-          </a:p>
-        </p:txBody>
-      </p:sp>
-      <p:sp>
-        <p:nvSpPr>
-          <p:cNvPr id="4" name="Text Placeholder 3"/>
-          <p:cNvSpPr>
-            <a:spLocks noGrp="1"/>
-          </p:cNvSpPr>
-          <p:nvPr>
-            <p:ph type="body" sz="half" idx="3"/>
-          </p:nvPr>
-        </p:nvSpPr>
-        <p:spPr>
-          <a:xfrm>
-            <a:off x="4645025" y="1535112"/>
-            <a:ext cx="4041775" cy="750887"/>
-          </a:xfrm>
-        </p:spPr>
-        <p:txBody>
-          <a:bodyPr anchor="ctr"/>
-          <a:lstStyle>
-            <a:lvl1pPr marL="0" indent="0">
-              <a:buNone/>
-              <a:defRPr sz="2400" b="0" cap="all" baseline="0">
-                <a:solidFill>
-                  <a:schemeClr val="tx1"/>
-                </a:solidFill>
-              </a:defRPr>
-            </a:lvl1pPr>
-            <a:lvl2pPr>
-              <a:buNone/>
-              <a:defRPr sz="2000" b="1"/>
-            </a:lvl2pPr>
-            <a:lvl3pPr>
-              <a:buNone/>
-              <a:defRPr sz="1800" b="1"/>
-            </a:lvl3pPr>
-            <a:lvl4pPr>
-              <a:buNone/>
-              <a:defRPr sz="1600" b="1"/>
-            </a:lvl4pPr>
-            <a:lvl5pPr>
-              <a:buNone/>
-              <a:defRPr sz="1600" b="1"/>
-            </a:lvl5pPr>
-          </a:lstStyle>
-          <a:p>
-            <a:pPr lvl="0" eaLnBrk="1" latinLnBrk="0" hangingPunct="1"/>
-            <a:r>
-              <a:rPr kumimoji="0" lang="en-US" smtClean="0"/>
-              <a:t>Click to edit Master text styles</a:t>
-            </a:r>
-          </a:p>
-        </p:txBody>
-      </p:sp>
-      <p:sp>
-        <p:nvSpPr>
-          <p:cNvPr id="5" name="Content Placeholder 4"/>
-          <p:cNvSpPr>
-            <a:spLocks noGrp="1"/>
-          </p:cNvSpPr>
-          <p:nvPr>
-            <p:ph sz="quarter" idx="2"/>
-          </p:nvPr>
-        </p:nvSpPr>
-        <p:spPr>
-          <a:xfrm>
-            <a:off x="457200" y="2362200"/>
-            <a:ext cx="4040188" cy="3763963"/>
-          </a:xfrm>
-        </p:spPr>
-        <p:txBody>
-          <a:bodyPr/>
-          <a:lstStyle>
-            <a:lvl1pPr>
-              <a:defRPr sz="2400"/>
-            </a:lvl1pPr>
-            <a:lvl2pPr>
-              <a:defRPr sz="2000"/>
-            </a:lvl2pPr>
-            <a:lvl3pPr>
-              <a:defRPr sz="1800"/>
-            </a:lvl3pPr>
-            <a:lvl4pPr>
-              <a:defRPr sz="1600"/>
-            </a:lvl4pPr>
-            <a:lvl5pPr>
-              <a:defRPr sz="1600"/>
-            </a:lvl5pPr>
-          </a:lstStyle>
-          <a:p>
-            <a:pPr lvl="0" eaLnBrk="1" latinLnBrk="0" hangingPunct="1"/>
-            <a:r>
-              <a:rPr lang="en-US" smtClean="0"/>
-              <a:t>Click to edit Master text styles</a:t>
-            </a:r>
-          </a:p>
-          <a:p>
-            <a:pPr lvl="1" eaLnBrk="1" latinLnBrk="0" hangingPunct="1"/>
-            <a:r>
-              <a:rPr lang="en-US" smtClean="0"/>
-              <a:t>Second level</a:t>
-            </a:r>
-          </a:p>
-          <a:p>
-            <a:pPr lvl="2" eaLnBrk="1" latinLnBrk="0" hangingPunct="1"/>
-            <a:r>
-              <a:rPr lang="en-US" smtClean="0"/>
-              <a:t>Third level</a:t>
-            </a:r>
-          </a:p>
-          <a:p>
-            <a:pPr lvl="3" eaLnBrk="1" latinLnBrk="0" hangingPunct="1"/>
-            <a:r>
-              <a:rPr lang="en-US" smtClean="0"/>
-              <a:t>Fourth level</a:t>
-            </a:r>
-          </a:p>
-          <a:p>
-            <a:pPr lvl="4" eaLnBrk="1" latinLnBrk="0" hangingPunct="1"/>
-            <a:r>
-              <a:rPr lang="en-US" smtClean="0"/>
-              <a:t>Fifth level</a:t>
-            </a:r>
-            <a:endParaRPr kumimoji="0" lang="en-US"/>
-          </a:p>
-        </p:txBody>
-      </p:sp>
-      <p:sp>
-        <p:nvSpPr>
-          <p:cNvPr id="6" name="Content Placeholder 5"/>
-          <p:cNvSpPr>
-            <a:spLocks noGrp="1"/>
-          </p:cNvSpPr>
-          <p:nvPr>
-            <p:ph sz="quarter" idx="4"/>
-          </p:nvPr>
-        </p:nvSpPr>
-        <p:spPr>
-          <a:xfrm>
-            <a:off x="4645025" y="2362200"/>
-            <a:ext cx="4041775" cy="3763963"/>
-          </a:xfrm>
-        </p:spPr>
-        <p:txBody>
-          <a:bodyPr/>
-          <a:lstStyle>
-            <a:lvl1pPr>
-              <a:defRPr sz="2400"/>
-            </a:lvl1pPr>
-            <a:lvl2pPr>
-              <a:defRPr sz="2000"/>
-            </a:lvl2pPr>
-            <a:lvl3pPr>
-              <a:defRPr sz="1800"/>
-            </a:lvl3pPr>
-            <a:lvl4pPr>
-              <a:defRPr sz="1600"/>
-            </a:lvl4pPr>
-            <a:lvl5pPr>
-              <a:defRPr sz="1600"/>
-            </a:lvl5pPr>
-          </a:lstStyle>
-          <a:p>
-            <a:pPr lvl="0" eaLnBrk="1" latinLnBrk="0" hangingPunct="1"/>
-            <a:r>
-              <a:rPr lang="en-US" smtClean="0"/>
-              <a:t>Click to edit Master text styles</a:t>
-            </a:r>
-          </a:p>
-          <a:p>
-            <a:pPr lvl="1" eaLnBrk="1" latinLnBrk="0" hangingPunct="1"/>
-            <a:r>
-              <a:rPr lang="en-US" smtClean="0"/>
-              <a:t>Second level</a:t>
-            </a:r>
-          </a:p>
-          <a:p>
-            <a:pPr lvl="2" eaLnBrk="1" latinLnBrk="0" hangingPunct="1"/>
-            <a:r>
-              <a:rPr lang="en-US" smtClean="0"/>
-              <a:t>Third level</a:t>
-            </a:r>
-          </a:p>
-          <a:p>
-            <a:pPr lvl="3" eaLnBrk="1" latinLnBrk="0" hangingPunct="1"/>
-            <a:r>
-              <a:rPr lang="en-US" smtClean="0"/>
-              <a:t>Fourth level</a:t>
-            </a:r>
-          </a:p>
-          <a:p>
-            <a:pPr lvl="4" eaLnBrk="1" latinLnBrk="0" hangingPunct="1"/>
-            <a:r>
-              <a:rPr lang="en-US" smtClean="0"/>
-              <a:t>Fifth level</a:t>
-            </a:r>
-            <a:endParaRPr kumimoji="0" lang="en-US"/>
-          </a:p>
-        </p:txBody>
-      </p:sp>
-      <p:sp>
-        <p:nvSpPr>
           <p:cNvPr id="7" name="Date Placeholder 6"/>
           <p:cNvSpPr>
             <a:spLocks noGrp="1"/>
@@ -1723,6 +2773,216 @@
               <a:t>‹#›</a:t>
             </a:fld>
             <a:endParaRPr lang="en-GB"/>
+          </a:p>
+        </p:txBody>
+      </p:sp>
+      <p:sp>
+        <p:nvSpPr>
+          <p:cNvPr id="11" name="Content Placeholder 10"/>
+          <p:cNvSpPr>
+            <a:spLocks noGrp="1"/>
+          </p:cNvSpPr>
+          <p:nvPr>
+            <p:ph sz="quarter" idx="2"/>
+          </p:nvPr>
+        </p:nvSpPr>
+        <p:spPr>
+          <a:xfrm>
+            <a:off x="457200" y="2362200"/>
+            <a:ext cx="3657600" cy="3886200"/>
+          </a:xfrm>
+        </p:spPr>
+        <p:txBody>
+          <a:bodyPr/>
+          <a:lstStyle/>
+          <a:p>
+            <a:pPr lvl="0" eaLnBrk="1" latinLnBrk="0" hangingPunct="1"/>
+            <a:r>
+              <a:rPr lang="en-US" smtClean="0"/>
+              <a:t>Click to edit Master text styles</a:t>
+            </a:r>
+          </a:p>
+          <a:p>
+            <a:pPr lvl="1" eaLnBrk="1" latinLnBrk="0" hangingPunct="1"/>
+            <a:r>
+              <a:rPr lang="en-US" smtClean="0"/>
+              <a:t>Second level</a:t>
+            </a:r>
+          </a:p>
+          <a:p>
+            <a:pPr lvl="2" eaLnBrk="1" latinLnBrk="0" hangingPunct="1"/>
+            <a:r>
+              <a:rPr lang="en-US" smtClean="0"/>
+              <a:t>Third level</a:t>
+            </a:r>
+          </a:p>
+          <a:p>
+            <a:pPr lvl="3" eaLnBrk="1" latinLnBrk="0" hangingPunct="1"/>
+            <a:r>
+              <a:rPr lang="en-US" smtClean="0"/>
+              <a:t>Fourth level</a:t>
+            </a:r>
+          </a:p>
+          <a:p>
+            <a:pPr lvl="4" eaLnBrk="1" latinLnBrk="0" hangingPunct="1"/>
+            <a:r>
+              <a:rPr lang="en-US" smtClean="0"/>
+              <a:t>Fifth level</a:t>
+            </a:r>
+            <a:endParaRPr kumimoji="0" lang="en-US"/>
+          </a:p>
+        </p:txBody>
+      </p:sp>
+      <p:sp>
+        <p:nvSpPr>
+          <p:cNvPr id="13" name="Content Placeholder 12"/>
+          <p:cNvSpPr>
+            <a:spLocks noGrp="1"/>
+          </p:cNvSpPr>
+          <p:nvPr>
+            <p:ph sz="quarter" idx="4"/>
+          </p:nvPr>
+        </p:nvSpPr>
+        <p:spPr>
+          <a:xfrm>
+            <a:off x="4371975" y="2362200"/>
+            <a:ext cx="3657600" cy="3886200"/>
+          </a:xfrm>
+        </p:spPr>
+        <p:txBody>
+          <a:bodyPr/>
+          <a:lstStyle/>
+          <a:p>
+            <a:pPr lvl="0" eaLnBrk="1" latinLnBrk="0" hangingPunct="1"/>
+            <a:r>
+              <a:rPr lang="en-US" smtClean="0"/>
+              <a:t>Click to edit Master text styles</a:t>
+            </a:r>
+          </a:p>
+          <a:p>
+            <a:pPr lvl="1" eaLnBrk="1" latinLnBrk="0" hangingPunct="1"/>
+            <a:r>
+              <a:rPr lang="en-US" smtClean="0"/>
+              <a:t>Second level</a:t>
+            </a:r>
+          </a:p>
+          <a:p>
+            <a:pPr lvl="2" eaLnBrk="1" latinLnBrk="0" hangingPunct="1"/>
+            <a:r>
+              <a:rPr lang="en-US" smtClean="0"/>
+              <a:t>Third level</a:t>
+            </a:r>
+          </a:p>
+          <a:p>
+            <a:pPr lvl="3" eaLnBrk="1" latinLnBrk="0" hangingPunct="1"/>
+            <a:r>
+              <a:rPr lang="en-US" smtClean="0"/>
+              <a:t>Fourth level</a:t>
+            </a:r>
+          </a:p>
+          <a:p>
+            <a:pPr lvl="4" eaLnBrk="1" latinLnBrk="0" hangingPunct="1"/>
+            <a:r>
+              <a:rPr lang="en-US" smtClean="0"/>
+              <a:t>Fifth level</a:t>
+            </a:r>
+            <a:endParaRPr kumimoji="0" lang="en-US"/>
+          </a:p>
+        </p:txBody>
+      </p:sp>
+      <p:sp>
+        <p:nvSpPr>
+          <p:cNvPr id="12" name="Text Placeholder 11"/>
+          <p:cNvSpPr>
+            <a:spLocks noGrp="1"/>
+          </p:cNvSpPr>
+          <p:nvPr>
+            <p:ph type="body" sz="quarter" idx="1"/>
+          </p:nvPr>
+        </p:nvSpPr>
+        <p:spPr>
+          <a:xfrm>
+            <a:off x="457200" y="1569720"/>
+            <a:ext cx="3657600" cy="658368"/>
+          </a:xfrm>
+          <a:prstGeom prst="roundRect">
+            <a:avLst>
+              <a:gd name="adj" fmla="val 16667"/>
+            </a:avLst>
+          </a:prstGeom>
+          <a:solidFill>
+            <a:schemeClr val="accent1"/>
+          </a:solidFill>
+        </p:spPr>
+        <p:txBody>
+          <a:bodyPr rtlCol="0" anchor="ctr">
+            <a:noAutofit/>
+          </a:bodyPr>
+          <a:lstStyle>
+            <a:lvl1pPr marL="0" indent="0">
+              <a:buFontTx/>
+              <a:buNone/>
+              <a:defRPr sz="2000" b="1">
+                <a:solidFill>
+                  <a:srgbClr val="FFFFFF"/>
+                </a:solidFill>
+              </a:defRPr>
+            </a:lvl1pPr>
+          </a:lstStyle>
+          <a:p>
+            <a:pPr lvl="0" eaLnBrk="1" latinLnBrk="0" hangingPunct="1"/>
+            <a:r>
+              <a:rPr kumimoji="0" lang="en-US" smtClean="0"/>
+              <a:t>Click to edit Master text styles</a:t>
+            </a:r>
+          </a:p>
+        </p:txBody>
+      </p:sp>
+      <p:sp>
+        <p:nvSpPr>
+          <p:cNvPr id="14" name="Text Placeholder 13"/>
+          <p:cNvSpPr>
+            <a:spLocks noGrp="1"/>
+          </p:cNvSpPr>
+          <p:nvPr>
+            <p:ph type="body" sz="quarter" idx="3"/>
+          </p:nvPr>
+        </p:nvSpPr>
+        <p:spPr>
+          <a:xfrm>
+            <a:off x="4343400" y="1569720"/>
+            <a:ext cx="3657600" cy="658368"/>
+          </a:xfrm>
+          <a:prstGeom prst="roundRect">
+            <a:avLst>
+              <a:gd name="adj" fmla="val 16667"/>
+            </a:avLst>
+          </a:prstGeom>
+          <a:solidFill>
+            <a:schemeClr val="accent1"/>
+          </a:solidFill>
+        </p:spPr>
+        <p:txBody>
+          <a:bodyPr rtlCol="0" anchor="ctr">
+            <a:noAutofit/>
+          </a:bodyPr>
+          <a:lstStyle>
+            <a:lvl1pPr marL="0" indent="0">
+              <a:buFontTx/>
+              <a:buNone/>
+              <a:defRPr sz="2000" b="1">
+                <a:solidFill>
+                  <a:srgbClr val="FFFFFF"/>
+                </a:solidFill>
+              </a:defRPr>
+            </a:lvl1pPr>
+          </a:lstStyle>
+          <a:p>
+            <a:pPr lvl="0" eaLnBrk="1" latinLnBrk="0" hangingPunct="1"/>
+            <a:r>
+              <a:rPr kumimoji="0" lang="en-US" smtClean="0"/>
+              <a:t>Click to edit Master text styles</a:t>
+            </a:r>
           </a:p>
         </p:txBody>
       </p:sp>
@@ -1776,7 +3036,7 @@
       </p:sp>
       <p:sp>
         <p:nvSpPr>
-          <p:cNvPr id="3" name="Date Placeholder 2"/>
+          <p:cNvPr id="6" name="Date Placeholder 5"/>
           <p:cNvSpPr>
             <a:spLocks noGrp="1"/>
           </p:cNvSpPr>
@@ -1786,7 +3046,7 @@
         </p:nvSpPr>
         <p:spPr/>
         <p:txBody>
-          <a:bodyPr/>
+          <a:bodyPr rtlCol="0"/>
           <a:lstStyle/>
           <a:p>
             <a:fld id="{BDC9D048-20A2-4306-B4F6-C1465D3A4A59}" type="datetimeFigureOut">
@@ -1799,42 +3059,42 @@
       </p:sp>
       <p:sp>
         <p:nvSpPr>
-          <p:cNvPr id="4" name="Footer Placeholder 3"/>
-          <p:cNvSpPr>
-            <a:spLocks noGrp="1"/>
-          </p:cNvSpPr>
-          <p:nvPr>
-            <p:ph type="ftr" sz="quarter" idx="11"/>
+          <p:cNvPr id="7" name="Slide Number Placeholder 6"/>
+          <p:cNvSpPr>
+            <a:spLocks noGrp="1"/>
+          </p:cNvSpPr>
+          <p:nvPr>
+            <p:ph type="sldNum" sz="quarter" idx="11"/>
           </p:nvPr>
         </p:nvSpPr>
         <p:spPr/>
         <p:txBody>
-          <a:bodyPr/>
-          <a:lstStyle/>
-          <a:p>
-            <a:endParaRPr lang="en-GB"/>
-          </a:p>
-        </p:txBody>
-      </p:sp>
-      <p:sp>
-        <p:nvSpPr>
-          <p:cNvPr id="5" name="Slide Number Placeholder 4"/>
-          <p:cNvSpPr>
-            <a:spLocks noGrp="1"/>
-          </p:cNvSpPr>
-          <p:nvPr>
-            <p:ph type="sldNum" sz="quarter" idx="12"/>
-          </p:nvPr>
-        </p:nvSpPr>
-        <p:spPr/>
-        <p:txBody>
-          <a:bodyPr/>
+          <a:bodyPr rtlCol="0"/>
           <a:lstStyle/>
           <a:p>
             <a:fld id="{17405CD4-C8F5-4AC1-A4F9-46EC434DE213}" type="slidenum">
               <a:rPr lang="en-GB" smtClean="0"/>
               <a:t>‹#›</a:t>
             </a:fld>
+            <a:endParaRPr lang="en-GB"/>
+          </a:p>
+        </p:txBody>
+      </p:sp>
+      <p:sp>
+        <p:nvSpPr>
+          <p:cNvPr id="8" name="Footer Placeholder 7"/>
+          <p:cNvSpPr>
+            <a:spLocks noGrp="1"/>
+          </p:cNvSpPr>
+          <p:nvPr>
+            <p:ph type="ftr" sz="quarter" idx="12"/>
+          </p:nvPr>
+        </p:nvSpPr>
+        <p:spPr/>
+        <p:txBody>
+          <a:bodyPr rtlCol="0"/>
+          <a:lstStyle/>
+          <a:p>
             <a:endParaRPr lang="en-GB"/>
           </a:p>
         </p:txBody>
@@ -1938,8 +3198,13 @@
 </file>
 
 <file path=ppt/slideLayouts/slideLayout8.xml><?xml version="1.0" encoding="utf-8"?>
-<p:sldLayout xmlns:a="http://schemas.openxmlformats.org/drawingml/2006/main" xmlns:r="http://schemas.openxmlformats.org/officeDocument/2006/relationships" xmlns:p="http://schemas.openxmlformats.org/presentationml/2006/main" type="objTx" preserve="1">
+<p:sldLayout xmlns:a="http://schemas.openxmlformats.org/drawingml/2006/main" xmlns:r="http://schemas.openxmlformats.org/officeDocument/2006/relationships" xmlns:p="http://schemas.openxmlformats.org/presentationml/2006/main" showMasterSp="0" type="objTx" preserve="1">
   <p:cSld name="Content with Caption">
+    <p:bg>
+      <p:bgRef idx="1001">
+        <a:schemeClr val="bg1"/>
+      </p:bgRef>
+    </p:bg>
     <p:spTree>
       <p:nvGrpSpPr>
         <p:cNvPr id="1" name=""/>
@@ -1956,6 +3221,45 @@
       </p:grpSpPr>
       <p:sp>
         <p:nvSpPr>
+          <p:cNvPr id="10" name="Straight Connector 9"/>
+          <p:cNvSpPr>
+            <a:spLocks noChangeShapeType="1"/>
+          </p:cNvSpPr>
+          <p:nvPr/>
+        </p:nvSpPr>
+        <p:spPr bwMode="auto">
+          <a:xfrm>
+            <a:off x="8763000" y="0"/>
+            <a:ext cx="0" cy="6858000"/>
+          </a:xfrm>
+          <a:prstGeom prst="line">
+            <a:avLst/>
+          </a:prstGeom>
+          <a:noFill/>
+          <a:ln w="38100" cap="flat" cmpd="sng" algn="ctr">
+            <a:solidFill>
+              <a:schemeClr val="accent1">
+                <a:tint val="60000"/>
+                <a:alpha val="93000"/>
+              </a:schemeClr>
+            </a:solidFill>
+            <a:prstDash val="solid"/>
+            <a:round/>
+            <a:headEnd type="none" w="med" len="med"/>
+            <a:tailEnd type="none" w="med" len="med"/>
+          </a:ln>
+          <a:effectLst/>
+        </p:spPr>
+        <p:txBody>
+          <a:bodyPr vert="horz" wrap="square" lIns="91440" tIns="45720" rIns="91440" bIns="45720" anchor="t" compatLnSpc="1"/>
+          <a:lstStyle/>
+          <a:p>
+            <a:endParaRPr kumimoji="0" lang="en-US" dirty="0"/>
+          </a:p>
+        </p:txBody>
+      </p:sp>
+      <p:sp>
+        <p:nvSpPr>
           <p:cNvPr id="2" name="Title 1"/>
           <p:cNvSpPr>
             <a:spLocks noGrp="1"/>
@@ -1965,30 +3269,17 @@
           </p:nvPr>
         </p:nvSpPr>
         <p:spPr>
-          <a:xfrm>
-            <a:off x="457200" y="273050"/>
-            <a:ext cx="3008313" cy="1162050"/>
-          </a:xfrm>
-        </p:spPr>
-        <p:txBody>
-          <a:bodyPr vert="horz" anchor="b">
-            <a:normAutofit/>
-            <a:sp3d prstMaterial="softEdge"/>
-          </a:bodyPr>
+          <a:xfrm rot="5400000">
+            <a:off x="3371850" y="3200400"/>
+            <a:ext cx="6309360" cy="457200"/>
+          </a:xfrm>
+        </p:spPr>
+        <p:txBody>
+          <a:bodyPr anchor="b"/>
           <a:lstStyle>
             <a:lvl1pPr algn="l">
               <a:buNone/>
-              <a:defRPr sz="2200" b="0">
-                <a:ln w="6350">
-                  <a:noFill/>
-                </a:ln>
-                <a:solidFill>
-                  <a:schemeClr val="accent1">
-                    <a:tint val="73000"/>
-                    <a:satMod val="180000"/>
-                  </a:schemeClr>
-                </a:solidFill>
-              </a:defRPr>
+              <a:defRPr sz="2000" b="1" cap="small" baseline="0"/>
             </a:lvl1pPr>
           </a:lstStyle>
           <a:p>
@@ -2012,16 +3303,22 @@
         </p:nvSpPr>
         <p:spPr>
           <a:xfrm>
-            <a:off x="457200" y="1524000"/>
-            <a:ext cx="3008313" cy="4602163"/>
+            <a:off x="6812280" y="274320"/>
+            <a:ext cx="1527048" cy="4983480"/>
           </a:xfrm>
         </p:spPr>
         <p:txBody>
           <a:bodyPr/>
           <a:lstStyle>
             <a:lvl1pPr marL="0" indent="0">
+              <a:spcBef>
+                <a:spcPts val="400"/>
+              </a:spcBef>
+              <a:spcAft>
+                <a:spcPts val="1000"/>
+              </a:spcAft>
               <a:buNone/>
-              <a:defRPr sz="1400"/>
+              <a:defRPr sz="1200"/>
             </a:lvl1pPr>
             <a:lvl2pPr>
               <a:buNone/>
@@ -2051,39 +3348,261 @@
       </p:sp>
       <p:sp>
         <p:nvSpPr>
-          <p:cNvPr id="4" name="Content Placeholder 3"/>
-          <p:cNvSpPr>
-            <a:spLocks noGrp="1"/>
-          </p:cNvSpPr>
-          <p:nvPr>
-            <p:ph sz="half" idx="1"/>
-          </p:nvPr>
+          <p:cNvPr id="8" name="Straight Connector 7"/>
+          <p:cNvSpPr>
+            <a:spLocks noChangeShapeType="1"/>
+          </p:cNvSpPr>
+          <p:nvPr/>
+        </p:nvSpPr>
+        <p:spPr bwMode="auto">
+          <a:xfrm>
+            <a:off x="6248400" y="0"/>
+            <a:ext cx="0" cy="6858000"/>
+          </a:xfrm>
+          <a:prstGeom prst="line">
+            <a:avLst/>
+          </a:prstGeom>
+          <a:noFill/>
+          <a:ln w="38100" cap="flat" cmpd="sng" algn="ctr">
+            <a:solidFill>
+              <a:schemeClr val="accent1">
+                <a:tint val="60000"/>
+              </a:schemeClr>
+            </a:solidFill>
+            <a:prstDash val="solid"/>
+            <a:round/>
+            <a:headEnd type="none" w="med" len="med"/>
+            <a:tailEnd type="none" w="med" len="med"/>
+          </a:ln>
+          <a:effectLst/>
+        </p:spPr>
+        <p:txBody>
+          <a:bodyPr vert="horz" wrap="square" lIns="91440" tIns="45720" rIns="91440" bIns="45720" anchor="t" compatLnSpc="1"/>
+          <a:lstStyle/>
+          <a:p>
+            <a:endParaRPr kumimoji="0" lang="en-US" dirty="0"/>
+          </a:p>
+        </p:txBody>
+      </p:sp>
+      <p:sp>
+        <p:nvSpPr>
+          <p:cNvPr id="9" name="Straight Connector 8"/>
+          <p:cNvSpPr>
+            <a:spLocks noChangeShapeType="1"/>
+          </p:cNvSpPr>
+          <p:nvPr/>
+        </p:nvSpPr>
+        <p:spPr bwMode="auto">
+          <a:xfrm>
+            <a:off x="6192296" y="0"/>
+            <a:ext cx="0" cy="6858000"/>
+          </a:xfrm>
+          <a:prstGeom prst="line">
+            <a:avLst/>
+          </a:prstGeom>
+          <a:noFill/>
+          <a:ln w="12700" cap="flat" cmpd="sng" algn="ctr">
+            <a:solidFill>
+              <a:schemeClr val="accent1"/>
+            </a:solidFill>
+            <a:prstDash val="solid"/>
+            <a:round/>
+            <a:headEnd type="none" w="med" len="med"/>
+            <a:tailEnd type="none" w="med" len="med"/>
+          </a:ln>
+          <a:effectLst/>
+        </p:spPr>
+        <p:txBody>
+          <a:bodyPr vert="horz" wrap="square" lIns="91440" tIns="45720" rIns="91440" bIns="45720" anchor="t" compatLnSpc="1"/>
+          <a:lstStyle/>
+          <a:p>
+            <a:endParaRPr kumimoji="0" lang="en-US" dirty="0"/>
+          </a:p>
+        </p:txBody>
+      </p:sp>
+      <p:sp>
+        <p:nvSpPr>
+          <p:cNvPr id="11" name="Straight Connector 10"/>
+          <p:cNvSpPr>
+            <a:spLocks noChangeShapeType="1"/>
+          </p:cNvSpPr>
+          <p:nvPr/>
+        </p:nvSpPr>
+        <p:spPr bwMode="auto">
+          <a:xfrm>
+            <a:off x="8991600" y="0"/>
+            <a:ext cx="0" cy="6858000"/>
+          </a:xfrm>
+          <a:prstGeom prst="line">
+            <a:avLst/>
+          </a:prstGeom>
+          <a:noFill/>
+          <a:ln w="19050" cap="flat" cmpd="sng" algn="ctr">
+            <a:solidFill>
+              <a:schemeClr val="accent1"/>
+            </a:solidFill>
+            <a:prstDash val="solid"/>
+            <a:round/>
+            <a:headEnd type="none" w="med" len="med"/>
+            <a:tailEnd type="none" w="med" len="med"/>
+          </a:ln>
+          <a:effectLst/>
+        </p:spPr>
+        <p:txBody>
+          <a:bodyPr vert="horz" wrap="square" lIns="91440" tIns="45720" rIns="91440" bIns="45720" anchor="t" compatLnSpc="1"/>
+          <a:lstStyle/>
+          <a:p>
+            <a:endParaRPr kumimoji="0" lang="en-US"/>
+          </a:p>
+        </p:txBody>
+      </p:sp>
+      <p:sp>
+        <p:nvSpPr>
+          <p:cNvPr id="12" name="Rectangle 11"/>
+          <p:cNvSpPr/>
+          <p:nvPr/>
+        </p:nvSpPr>
+        <p:spPr bwMode="auto">
+          <a:xfrm>
+            <a:off x="8839200" y="0"/>
+            <a:ext cx="304800" cy="6858000"/>
+          </a:xfrm>
+          <a:prstGeom prst="rect">
+            <a:avLst/>
+          </a:prstGeom>
+          <a:solidFill>
+            <a:schemeClr val="accent1">
+              <a:tint val="60000"/>
+              <a:alpha val="87000"/>
+            </a:schemeClr>
+          </a:solidFill>
+          <a:ln w="38100" cap="rnd" cmpd="sng" algn="ctr">
+            <a:noFill/>
+            <a:prstDash val="solid"/>
+          </a:ln>
+          <a:effectLst/>
+        </p:spPr>
+        <p:style>
+          <a:lnRef idx="3">
+            <a:schemeClr val="lt1"/>
+          </a:lnRef>
+          <a:fillRef idx="1">
+            <a:schemeClr val="accent1"/>
+          </a:fillRef>
+          <a:effectRef idx="1">
+            <a:schemeClr val="accent1"/>
+          </a:effectRef>
+          <a:fontRef idx="minor">
+            <a:schemeClr val="lt1"/>
+          </a:fontRef>
+        </p:style>
+        <p:txBody>
+          <a:bodyPr anchor="ctr"/>
+          <a:lstStyle/>
+          <a:p>
+            <a:pPr algn="ctr" eaLnBrk="1" latinLnBrk="0" hangingPunct="1"/>
+            <a:endParaRPr kumimoji="0" lang="en-US"/>
+          </a:p>
+        </p:txBody>
+      </p:sp>
+      <p:sp>
+        <p:nvSpPr>
+          <p:cNvPr id="13" name="Straight Connector 12"/>
+          <p:cNvSpPr>
+            <a:spLocks noChangeShapeType="1"/>
+          </p:cNvSpPr>
+          <p:nvPr/>
+        </p:nvSpPr>
+        <p:spPr bwMode="auto">
+          <a:xfrm>
+            <a:off x="8915400" y="0"/>
+            <a:ext cx="0" cy="6858000"/>
+          </a:xfrm>
+          <a:prstGeom prst="line">
+            <a:avLst/>
+          </a:prstGeom>
+          <a:noFill/>
+          <a:ln w="9525" cap="flat" cmpd="sng" algn="ctr">
+            <a:solidFill>
+              <a:schemeClr val="accent1"/>
+            </a:solidFill>
+            <a:prstDash val="solid"/>
+            <a:round/>
+            <a:headEnd type="none" w="med" len="med"/>
+            <a:tailEnd type="none" w="med" len="med"/>
+          </a:ln>
+          <a:effectLst/>
+        </p:spPr>
+        <p:txBody>
+          <a:bodyPr vert="horz" wrap="square" lIns="91440" tIns="45720" rIns="91440" bIns="45720" anchor="t" compatLnSpc="1"/>
+          <a:lstStyle/>
+          <a:p>
+            <a:endParaRPr kumimoji="0" lang="en-US"/>
+          </a:p>
+        </p:txBody>
+      </p:sp>
+      <p:sp>
+        <p:nvSpPr>
+          <p:cNvPr id="14" name="Oval 13"/>
+          <p:cNvSpPr/>
+          <p:nvPr/>
         </p:nvSpPr>
         <p:spPr>
           <a:xfrm>
-            <a:off x="3575050" y="273050"/>
-            <a:ext cx="5111750" cy="5853113"/>
+            <a:off x="8156448" y="5715000"/>
+            <a:ext cx="548640" cy="548640"/>
+          </a:xfrm>
+          <a:prstGeom prst="ellipse">
+            <a:avLst/>
+          </a:prstGeom>
+          <a:ln w="38100" cap="rnd" cmpd="sng" algn="ctr">
+            <a:noFill/>
+            <a:prstDash val="solid"/>
+          </a:ln>
+          <a:effectLst/>
+        </p:spPr>
+        <p:style>
+          <a:lnRef idx="3">
+            <a:schemeClr val="lt1"/>
+          </a:lnRef>
+          <a:fillRef idx="1">
+            <a:schemeClr val="accent1"/>
+          </a:fillRef>
+          <a:effectRef idx="1">
+            <a:schemeClr val="accent1"/>
+          </a:effectRef>
+          <a:fontRef idx="minor">
+            <a:schemeClr val="lt1"/>
+          </a:fontRef>
+        </p:style>
+        <p:txBody>
+          <a:bodyPr anchor="ctr"/>
+          <a:lstStyle/>
+          <a:p>
+            <a:pPr algn="ctr" eaLnBrk="1" latinLnBrk="0" hangingPunct="1"/>
+            <a:endParaRPr kumimoji="0" lang="en-US" dirty="0"/>
+          </a:p>
+        </p:txBody>
+      </p:sp>
+      <p:sp>
+        <p:nvSpPr>
+          <p:cNvPr id="18" name="Content Placeholder 17"/>
+          <p:cNvSpPr>
+            <a:spLocks noGrp="1"/>
+          </p:cNvSpPr>
+          <p:nvPr>
+            <p:ph sz="quarter" idx="1"/>
+          </p:nvPr>
+        </p:nvSpPr>
+        <p:spPr>
+          <a:xfrm>
+            <a:off x="304800" y="274320"/>
+            <a:ext cx="5638800" cy="6327648"/>
           </a:xfrm>
         </p:spPr>
         <p:txBody>
           <a:bodyPr/>
-          <a:lstStyle>
-            <a:lvl1pPr>
-              <a:defRPr sz="2600"/>
-            </a:lvl1pPr>
-            <a:lvl2pPr>
-              <a:defRPr sz="2400"/>
-            </a:lvl2pPr>
-            <a:lvl3pPr>
-              <a:defRPr sz="2200"/>
-            </a:lvl3pPr>
-            <a:lvl4pPr>
-              <a:defRPr sz="2000"/>
-            </a:lvl4pPr>
-            <a:lvl5pPr>
-              <a:defRPr sz="1800"/>
-            </a:lvl5pPr>
-          </a:lstStyle>
+          <a:lstStyle/>
           <a:p>
             <a:pPr lvl="0" eaLnBrk="1" latinLnBrk="0" hangingPunct="1"/>
             <a:r>
@@ -2124,17 +3643,17 @@
       </p:sp>
       <p:sp>
         <p:nvSpPr>
-          <p:cNvPr id="5" name="Date Placeholder 4"/>
-          <p:cNvSpPr>
-            <a:spLocks noGrp="1"/>
-          </p:cNvSpPr>
-          <p:nvPr>
-            <p:ph type="dt" sz="half" idx="10"/>
+          <p:cNvPr id="21" name="Date Placeholder 20"/>
+          <p:cNvSpPr>
+            <a:spLocks noGrp="1"/>
+          </p:cNvSpPr>
+          <p:nvPr>
+            <p:ph type="dt" sz="half" idx="14"/>
           </p:nvPr>
         </p:nvSpPr>
         <p:spPr/>
         <p:txBody>
-          <a:bodyPr/>
+          <a:bodyPr rtlCol="0"/>
           <a:lstStyle/>
           <a:p>
             <a:fld id="{BDC9D048-20A2-4306-B4F6-C1465D3A4A59}" type="datetimeFigureOut">
@@ -2147,36 +3666,17 @@
       </p:sp>
       <p:sp>
         <p:nvSpPr>
-          <p:cNvPr id="6" name="Footer Placeholder 5"/>
-          <p:cNvSpPr>
-            <a:spLocks noGrp="1"/>
-          </p:cNvSpPr>
-          <p:nvPr>
-            <p:ph type="ftr" sz="quarter" idx="11"/>
+          <p:cNvPr id="22" name="Slide Number Placeholder 21"/>
+          <p:cNvSpPr>
+            <a:spLocks noGrp="1"/>
+          </p:cNvSpPr>
+          <p:nvPr>
+            <p:ph type="sldNum" sz="quarter" idx="15"/>
           </p:nvPr>
         </p:nvSpPr>
         <p:spPr/>
         <p:txBody>
-          <a:bodyPr/>
-          <a:lstStyle/>
-          <a:p>
-            <a:endParaRPr lang="en-GB"/>
-          </a:p>
-        </p:txBody>
-      </p:sp>
-      <p:sp>
-        <p:nvSpPr>
-          <p:cNvPr id="7" name="Slide Number Placeholder 6"/>
-          <p:cNvSpPr>
-            <a:spLocks noGrp="1"/>
-          </p:cNvSpPr>
-          <p:nvPr>
-            <p:ph type="sldNum" sz="quarter" idx="12"/>
-          </p:nvPr>
-        </p:nvSpPr>
-        <p:spPr/>
-        <p:txBody>
-          <a:bodyPr/>
+          <a:bodyPr rtlCol="0"/>
           <a:lstStyle/>
           <a:p>
             <a:fld id="{17405CD4-C8F5-4AC1-A4F9-46EC434DE213}" type="slidenum">
@@ -2187,16 +3687,35 @@
           </a:p>
         </p:txBody>
       </p:sp>
+      <p:sp>
+        <p:nvSpPr>
+          <p:cNvPr id="23" name="Footer Placeholder 22"/>
+          <p:cNvSpPr>
+            <a:spLocks noGrp="1"/>
+          </p:cNvSpPr>
+          <p:nvPr>
+            <p:ph type="ftr" sz="quarter" idx="16"/>
+          </p:nvPr>
+        </p:nvSpPr>
+        <p:spPr/>
+        <p:txBody>
+          <a:bodyPr rtlCol="0"/>
+          <a:lstStyle/>
+          <a:p>
+            <a:endParaRPr lang="en-GB"/>
+          </a:p>
+        </p:txBody>
+      </p:sp>
     </p:spTree>
   </p:cSld>
   <p:clrMapOvr>
-    <a:masterClrMapping/>
+    <a:overrideClrMapping bg1="lt1" tx1="dk1" bg2="lt2" tx2="dk2" accent1="accent1" accent2="accent2" accent3="accent3" accent4="accent4" accent5="accent5" accent6="accent6" hlink="hlink" folHlink="folHlink"/>
   </p:clrMapOvr>
 </p:sldLayout>
 </file>
 
 <file path=ppt/slideLayouts/slideLayout9.xml><?xml version="1.0" encoding="utf-8"?>
-<p:sldLayout xmlns:a="http://schemas.openxmlformats.org/drawingml/2006/main" xmlns:r="http://schemas.openxmlformats.org/officeDocument/2006/relationships" xmlns:p="http://schemas.openxmlformats.org/presentationml/2006/main" type="picTx" preserve="1">
+<p:sldLayout xmlns:a="http://schemas.openxmlformats.org/drawingml/2006/main" xmlns:r="http://schemas.openxmlformats.org/officeDocument/2006/relationships" xmlns:p="http://schemas.openxmlformats.org/presentationml/2006/main" showMasterSp="0" type="picTx" preserve="1">
   <p:cSld name="Picture with Caption">
     <p:spTree>
       <p:nvGrpSpPr>
@@ -2214,86 +3733,61 @@
       </p:grpSpPr>
       <p:sp>
         <p:nvSpPr>
-          <p:cNvPr id="2" name="Title 1"/>
-          <p:cNvSpPr>
-            <a:spLocks noGrp="1"/>
-          </p:cNvSpPr>
-          <p:nvPr>
-            <p:ph type="title"/>
-          </p:nvPr>
-        </p:nvSpPr>
-        <p:spPr>
-          <a:xfrm>
-            <a:off x="1828800" y="609600"/>
-            <a:ext cx="5486400" cy="522288"/>
-          </a:xfrm>
-        </p:spPr>
-        <p:txBody>
-          <a:bodyPr lIns="45720" rIns="45720" bIns="0" anchor="b">
-            <a:sp3d prstMaterial="softEdge"/>
-          </a:bodyPr>
-          <a:lstStyle>
-            <a:lvl1pPr algn="ctr">
-              <a:buNone/>
-              <a:defRPr sz="2000" b="1"/>
-            </a:lvl1pPr>
-          </a:lstStyle>
-          <a:p>
-            <a:r>
-              <a:rPr kumimoji="0" lang="en-US" smtClean="0"/>
-              <a:t>Click to edit Master title style</a:t>
-            </a:r>
-            <a:endParaRPr kumimoji="0" lang="en-US"/>
-          </a:p>
-        </p:txBody>
-      </p:sp>
-      <p:sp>
-        <p:nvSpPr>
-          <p:cNvPr id="3" name="Picture Placeholder 2"/>
-          <p:cNvSpPr>
-            <a:spLocks noGrp="1"/>
-          </p:cNvSpPr>
-          <p:nvPr>
-            <p:ph type="pic" idx="1"/>
-          </p:nvPr>
-        </p:nvSpPr>
-        <p:spPr>
-          <a:xfrm>
-            <a:off x="1828800" y="1831975"/>
-            <a:ext cx="5486400" cy="3962400"/>
-          </a:xfrm>
-          <a:solidFill>
-            <a:schemeClr val="bg2"/>
-          </a:solidFill>
-          <a:ln w="44450" cap="sq" cmpd="sng" algn="ctr">
+          <p:cNvPr id="9" name="Straight Connector 8"/>
+          <p:cNvSpPr>
+            <a:spLocks noChangeShapeType="1"/>
+          </p:cNvSpPr>
+          <p:nvPr/>
+        </p:nvSpPr>
+        <p:spPr bwMode="auto">
+          <a:xfrm>
+            <a:off x="8763000" y="0"/>
+            <a:ext cx="0" cy="6858000"/>
+          </a:xfrm>
+          <a:prstGeom prst="line">
+            <a:avLst/>
+          </a:prstGeom>
+          <a:noFill/>
+          <a:ln w="38100" cap="flat" cmpd="sng" algn="ctr">
             <a:solidFill>
-              <a:srgbClr val="FFFFFF"/>
+              <a:schemeClr val="accent1">
+                <a:tint val="60000"/>
+              </a:schemeClr>
             </a:solidFill>
             <a:prstDash val="solid"/>
-            <a:miter lim="800000"/>
+            <a:round/>
+            <a:headEnd type="none" w="med" len="med"/>
+            <a:tailEnd type="none" w="med" len="med"/>
           </a:ln>
-          <a:effectLst>
-            <a:outerShdw blurRad="190500" dist="228600" dir="2700000" sy="90000">
-              <a:srgbClr val="000000">
-                <a:alpha val="25000"/>
-              </a:srgbClr>
-            </a:outerShdw>
-          </a:effectLst>
-          <a:scene3d>
-            <a:camera prst="orthographicFront">
-              <a:rot lat="0" lon="0" rev="0"/>
-            </a:camera>
-            <a:lightRig rig="balanced" dir="tr">
-              <a:rot lat="0" lon="0" rev="2700000"/>
-            </a:lightRig>
-          </a:scene3d>
-          <a:sp3d prstMaterial="matte">
-            <a:contourClr>
-              <a:schemeClr val="tx2">
-                <a:shade val="50000"/>
-              </a:schemeClr>
-            </a:contourClr>
-          </a:sp3d>
+          <a:effectLst/>
+        </p:spPr>
+        <p:txBody>
+          <a:bodyPr vert="horz" wrap="square" lIns="91440" tIns="45720" rIns="91440" bIns="45720" anchor="t" compatLnSpc="1"/>
+          <a:lstStyle/>
+          <a:p>
+            <a:endParaRPr kumimoji="0" lang="en-US"/>
+          </a:p>
+        </p:txBody>
+      </p:sp>
+      <p:sp>
+        <p:nvSpPr>
+          <p:cNvPr id="13" name="Oval 12"/>
+          <p:cNvSpPr/>
+          <p:nvPr/>
+        </p:nvSpPr>
+        <p:spPr>
+          <a:xfrm>
+            <a:off x="8156448" y="5715000"/>
+            <a:ext cx="548640" cy="548640"/>
+          </a:xfrm>
+          <a:prstGeom prst="ellipse">
+            <a:avLst/>
+          </a:prstGeom>
+          <a:ln w="38100" cap="rnd" cmpd="sng" algn="ctr">
+            <a:noFill/>
+            <a:prstDash val="solid"/>
+          </a:ln>
+          <a:effectLst/>
         </p:spPr>
         <p:style>
           <a:lnRef idx="3">
@@ -2310,34 +3804,103 @@
           </a:fontRef>
         </p:style>
         <p:txBody>
-          <a:bodyPr anchor="t"/>
+          <a:bodyPr anchor="ctr"/>
+          <a:lstStyle/>
+          <a:p>
+            <a:pPr algn="ctr" eaLnBrk="1" latinLnBrk="0" hangingPunct="1"/>
+            <a:endParaRPr kumimoji="0" lang="en-US" dirty="0"/>
+          </a:p>
+        </p:txBody>
+      </p:sp>
+      <p:sp>
+        <p:nvSpPr>
+          <p:cNvPr id="2" name="Title 1"/>
+          <p:cNvSpPr>
+            <a:spLocks noGrp="1"/>
+          </p:cNvSpPr>
+          <p:nvPr>
+            <p:ph type="title"/>
+          </p:nvPr>
+        </p:nvSpPr>
+        <p:spPr>
+          <a:xfrm rot="5400000">
+            <a:off x="3350133" y="3200400"/>
+            <a:ext cx="6309360" cy="457200"/>
+          </a:xfrm>
+        </p:spPr>
+        <p:txBody>
+          <a:bodyPr anchor="b"/>
           <a:lstStyle>
-            <a:lvl1pPr indent="0">
+            <a:lvl1pPr algn="l">
+              <a:buNone/>
+              <a:defRPr sz="2000" b="1"/>
+            </a:lvl1pPr>
+          </a:lstStyle>
+          <a:p>
+            <a:r>
+              <a:rPr kumimoji="0" lang="en-US" smtClean="0"/>
+              <a:t>Click to edit Master title style</a:t>
+            </a:r>
+            <a:endParaRPr kumimoji="0" lang="en-US"/>
+          </a:p>
+        </p:txBody>
+      </p:sp>
+      <p:sp>
+        <p:nvSpPr>
+          <p:cNvPr id="3" name="Picture Placeholder 2"/>
+          <p:cNvSpPr>
+            <a:spLocks noGrp="1"/>
+          </p:cNvSpPr>
+          <p:nvPr>
+            <p:ph type="pic" idx="1"/>
+          </p:nvPr>
+        </p:nvSpPr>
+        <p:spPr>
+          <a:xfrm>
+            <a:off x="0" y="0"/>
+            <a:ext cx="6172200" cy="6858000"/>
+          </a:xfrm>
+          <a:solidFill>
+            <a:schemeClr val="bg2"/>
+          </a:solidFill>
+          <a:ln w="127000" cap="rnd" cmpd="sng" algn="ctr">
+            <a:noFill/>
+            <a:prstDash val="solid"/>
+          </a:ln>
+          <a:effectLst/>
+        </p:spPr>
+        <p:style>
+          <a:lnRef idx="3">
+            <a:schemeClr val="lt1"/>
+          </a:lnRef>
+          <a:fillRef idx="1">
+            <a:schemeClr val="accent1"/>
+          </a:fillRef>
+          <a:effectRef idx="1">
+            <a:schemeClr val="accent1"/>
+          </a:effectRef>
+          <a:fontRef idx="minor">
+            <a:schemeClr val="lt1"/>
+          </a:fontRef>
+        </p:style>
+        <p:txBody>
+          <a:bodyPr/>
+          <a:lstStyle>
+            <a:lvl1pPr marL="0" indent="0">
               <a:buNone/>
               <a:defRPr sz="3200"/>
             </a:lvl1pPr>
           </a:lstStyle>
           <a:p>
-            <a:pPr marL="0" algn="l" rtl="0" eaLnBrk="1" latinLnBrk="0" hangingPunct="1"/>
-            <a:r>
-              <a:rPr kumimoji="0" lang="en-US" smtClean="0">
-                <a:solidFill>
-                  <a:schemeClr val="lt1"/>
-                </a:solidFill>
-                <a:latin typeface="+mn-lt"/>
-                <a:ea typeface="+mn-ea"/>
-                <a:cs typeface="+mn-cs"/>
-              </a:rPr>
+            <a:pPr algn="ctr" eaLnBrk="1" latinLnBrk="0" hangingPunct="1">
+              <a:buFontTx/>
+              <a:buNone/>
+            </a:pPr>
+            <a:r>
+              <a:rPr kumimoji="0" lang="en-US" smtClean="0"/>
               <a:t>Click icon to add picture</a:t>
             </a:r>
-            <a:endParaRPr kumimoji="0" lang="en-US" dirty="0">
-              <a:solidFill>
-                <a:schemeClr val="lt1"/>
-              </a:solidFill>
-              <a:latin typeface="+mn-lt"/>
-              <a:ea typeface="+mn-ea"/>
-              <a:cs typeface="+mn-cs"/>
-            </a:endParaRPr>
+            <a:endParaRPr kumimoji="0" lang="en-US" dirty="0"/>
           </a:p>
         </p:txBody>
       </p:sp>
@@ -2353,16 +3916,25 @@
         </p:nvSpPr>
         <p:spPr>
           <a:xfrm>
-            <a:off x="1828800" y="1166787"/>
-            <a:ext cx="5486400" cy="530352"/>
-          </a:xfrm>
-        </p:spPr>
-        <p:txBody>
-          <a:bodyPr lIns="45720" tIns="45720" rIns="45720" anchor="t"/>
+            <a:off x="6765798" y="264795"/>
+            <a:ext cx="1524000" cy="4956048"/>
+          </a:xfrm>
+        </p:spPr>
+        <p:txBody>
+          <a:bodyPr rot="0" spcFirstLastPara="0" vertOverflow="overflow" horzOverflow="overflow" vert="horz" wrap="square" lIns="91440" tIns="45720" rIns="91440" bIns="45720" numCol="1" spcCol="274320" rtlCol="0" fromWordArt="0" anchor="t" anchorCtr="0" forceAA="0" compatLnSpc="1">
+            <a:normAutofit/>
+          </a:bodyPr>
           <a:lstStyle>
-            <a:lvl1pPr marL="0" indent="0" algn="ctr">
+            <a:lvl1pPr marL="0" indent="0">
+              <a:spcBef>
+                <a:spcPts val="100"/>
+              </a:spcBef>
+              <a:spcAft>
+                <a:spcPts val="400"/>
+              </a:spcAft>
+              <a:buFontTx/>
               <a:buNone/>
-              <a:defRPr sz="1400"/>
+              <a:defRPr sz="1200"/>
             </a:lvl1pPr>
             <a:lvl2pPr>
               <a:defRPr sz="1200"/>
@@ -2388,7 +3960,201 @@
       </p:sp>
       <p:sp>
         <p:nvSpPr>
-          <p:cNvPr id="5" name="Date Placeholder 4"/>
+          <p:cNvPr id="10" name="Straight Connector 9"/>
+          <p:cNvSpPr>
+            <a:spLocks noChangeShapeType="1"/>
+          </p:cNvSpPr>
+          <p:nvPr/>
+        </p:nvSpPr>
+        <p:spPr bwMode="auto">
+          <a:xfrm>
+            <a:off x="8991600" y="0"/>
+            <a:ext cx="0" cy="6858000"/>
+          </a:xfrm>
+          <a:prstGeom prst="line">
+            <a:avLst/>
+          </a:prstGeom>
+          <a:noFill/>
+          <a:ln w="9525" cap="flat" cmpd="sng" algn="ctr">
+            <a:solidFill>
+              <a:schemeClr val="tx1"/>
+            </a:solidFill>
+            <a:prstDash val="solid"/>
+            <a:round/>
+            <a:headEnd type="none" w="med" len="med"/>
+            <a:tailEnd type="none" w="med" len="med"/>
+          </a:ln>
+          <a:effectLst/>
+        </p:spPr>
+        <p:txBody>
+          <a:bodyPr vert="horz" wrap="square" lIns="91440" tIns="45720" rIns="91440" bIns="45720" anchor="t" compatLnSpc="1"/>
+          <a:lstStyle/>
+          <a:p>
+            <a:endParaRPr kumimoji="0" lang="en-US"/>
+          </a:p>
+        </p:txBody>
+      </p:sp>
+      <p:sp>
+        <p:nvSpPr>
+          <p:cNvPr id="11" name="Rectangle 10"/>
+          <p:cNvSpPr/>
+          <p:nvPr/>
+        </p:nvSpPr>
+        <p:spPr bwMode="auto">
+          <a:xfrm>
+            <a:off x="8839200" y="0"/>
+            <a:ext cx="304800" cy="6858000"/>
+          </a:xfrm>
+          <a:prstGeom prst="rect">
+            <a:avLst/>
+          </a:prstGeom>
+          <a:solidFill>
+            <a:schemeClr val="accent1">
+              <a:tint val="60000"/>
+            </a:schemeClr>
+          </a:solidFill>
+          <a:ln w="38100" cap="rnd" cmpd="sng" algn="ctr">
+            <a:noFill/>
+            <a:prstDash val="solid"/>
+          </a:ln>
+          <a:effectLst/>
+        </p:spPr>
+        <p:style>
+          <a:lnRef idx="3">
+            <a:schemeClr val="lt1"/>
+          </a:lnRef>
+          <a:fillRef idx="1">
+            <a:schemeClr val="accent1"/>
+          </a:fillRef>
+          <a:effectRef idx="1">
+            <a:schemeClr val="accent1"/>
+          </a:effectRef>
+          <a:fontRef idx="minor">
+            <a:schemeClr val="lt1"/>
+          </a:fontRef>
+        </p:style>
+        <p:txBody>
+          <a:bodyPr anchor="ctr"/>
+          <a:lstStyle/>
+          <a:p>
+            <a:pPr algn="ctr" eaLnBrk="1" latinLnBrk="0" hangingPunct="1"/>
+            <a:endParaRPr kumimoji="0" lang="en-US"/>
+          </a:p>
+        </p:txBody>
+      </p:sp>
+      <p:sp>
+        <p:nvSpPr>
+          <p:cNvPr id="12" name="Straight Connector 11"/>
+          <p:cNvSpPr>
+            <a:spLocks noChangeShapeType="1"/>
+          </p:cNvSpPr>
+          <p:nvPr/>
+        </p:nvSpPr>
+        <p:spPr bwMode="auto">
+          <a:xfrm>
+            <a:off x="8915400" y="0"/>
+            <a:ext cx="0" cy="6858000"/>
+          </a:xfrm>
+          <a:prstGeom prst="line">
+            <a:avLst/>
+          </a:prstGeom>
+          <a:noFill/>
+          <a:ln w="9525" cap="flat" cmpd="sng" algn="ctr">
+            <a:solidFill>
+              <a:schemeClr val="accent1"/>
+            </a:solidFill>
+            <a:prstDash val="solid"/>
+            <a:round/>
+            <a:headEnd type="none" w="med" len="med"/>
+            <a:tailEnd type="none" w="med" len="med"/>
+          </a:ln>
+          <a:effectLst/>
+        </p:spPr>
+        <p:txBody>
+          <a:bodyPr vert="horz" wrap="square" lIns="91440" tIns="45720" rIns="91440" bIns="45720" anchor="t" compatLnSpc="1"/>
+          <a:lstStyle/>
+          <a:p>
+            <a:endParaRPr kumimoji="0" lang="en-US"/>
+          </a:p>
+        </p:txBody>
+      </p:sp>
+      <p:sp>
+        <p:nvSpPr>
+          <p:cNvPr id="19" name="Straight Connector 18"/>
+          <p:cNvSpPr>
+            <a:spLocks noChangeShapeType="1"/>
+          </p:cNvSpPr>
+          <p:nvPr/>
+        </p:nvSpPr>
+        <p:spPr bwMode="auto">
+          <a:xfrm>
+            <a:off x="6248400" y="0"/>
+            <a:ext cx="0" cy="6858000"/>
+          </a:xfrm>
+          <a:prstGeom prst="line">
+            <a:avLst/>
+          </a:prstGeom>
+          <a:noFill/>
+          <a:ln w="38100" cap="flat" cmpd="sng" algn="ctr">
+            <a:solidFill>
+              <a:schemeClr val="accent1">
+                <a:tint val="60000"/>
+              </a:schemeClr>
+            </a:solidFill>
+            <a:prstDash val="solid"/>
+            <a:round/>
+            <a:headEnd type="none" w="med" len="med"/>
+            <a:tailEnd type="none" w="med" len="med"/>
+          </a:ln>
+          <a:effectLst/>
+        </p:spPr>
+        <p:txBody>
+          <a:bodyPr vert="horz" wrap="square" lIns="91440" tIns="45720" rIns="91440" bIns="45720" anchor="t" compatLnSpc="1"/>
+          <a:lstStyle/>
+          <a:p>
+            <a:endParaRPr kumimoji="0" lang="en-US" dirty="0"/>
+          </a:p>
+        </p:txBody>
+      </p:sp>
+      <p:sp>
+        <p:nvSpPr>
+          <p:cNvPr id="20" name="Straight Connector 19"/>
+          <p:cNvSpPr>
+            <a:spLocks noChangeShapeType="1"/>
+          </p:cNvSpPr>
+          <p:nvPr/>
+        </p:nvSpPr>
+        <p:spPr bwMode="auto">
+          <a:xfrm>
+            <a:off x="6192296" y="0"/>
+            <a:ext cx="0" cy="6858000"/>
+          </a:xfrm>
+          <a:prstGeom prst="line">
+            <a:avLst/>
+          </a:prstGeom>
+          <a:noFill/>
+          <a:ln w="12700" cap="flat" cmpd="sng" algn="ctr">
+            <a:solidFill>
+              <a:schemeClr val="accent1"/>
+            </a:solidFill>
+            <a:prstDash val="solid"/>
+            <a:round/>
+            <a:headEnd type="none" w="med" len="med"/>
+            <a:tailEnd type="none" w="med" len="med"/>
+          </a:ln>
+          <a:effectLst/>
+        </p:spPr>
+        <p:txBody>
+          <a:bodyPr vert="horz" wrap="square" lIns="91440" tIns="45720" rIns="91440" bIns="45720" anchor="t" compatLnSpc="1"/>
+          <a:lstStyle/>
+          <a:p>
+            <a:endParaRPr kumimoji="0" lang="en-US" dirty="0"/>
+          </a:p>
+        </p:txBody>
+      </p:sp>
+      <p:sp>
+        <p:nvSpPr>
+          <p:cNvPr id="17" name="Date Placeholder 16"/>
           <p:cNvSpPr>
             <a:spLocks noGrp="1"/>
           </p:cNvSpPr>
@@ -2398,7 +4164,7 @@
         </p:nvSpPr>
         <p:spPr/>
         <p:txBody>
-          <a:bodyPr/>
+          <a:bodyPr rtlCol="0"/>
           <a:lstStyle/>
           <a:p>
             <a:fld id="{BDC9D048-20A2-4306-B4F6-C1465D3A4A59}" type="datetimeFigureOut">
@@ -2411,42 +4177,42 @@
       </p:sp>
       <p:sp>
         <p:nvSpPr>
-          <p:cNvPr id="6" name="Footer Placeholder 5"/>
-          <p:cNvSpPr>
-            <a:spLocks noGrp="1"/>
-          </p:cNvSpPr>
-          <p:nvPr>
-            <p:ph type="ftr" sz="quarter" idx="11"/>
+          <p:cNvPr id="18" name="Slide Number Placeholder 17"/>
+          <p:cNvSpPr>
+            <a:spLocks noGrp="1"/>
+          </p:cNvSpPr>
+          <p:nvPr>
+            <p:ph type="sldNum" sz="quarter" idx="11"/>
           </p:nvPr>
         </p:nvSpPr>
         <p:spPr/>
         <p:txBody>
-          <a:bodyPr/>
-          <a:lstStyle/>
-          <a:p>
-            <a:endParaRPr lang="en-GB"/>
-          </a:p>
-        </p:txBody>
-      </p:sp>
-      <p:sp>
-        <p:nvSpPr>
-          <p:cNvPr id="7" name="Slide Number Placeholder 6"/>
-          <p:cNvSpPr>
-            <a:spLocks noGrp="1"/>
-          </p:cNvSpPr>
-          <p:nvPr>
-            <p:ph type="sldNum" sz="quarter" idx="12"/>
-          </p:nvPr>
-        </p:nvSpPr>
-        <p:spPr/>
-        <p:txBody>
-          <a:bodyPr/>
+          <a:bodyPr rtlCol="0"/>
           <a:lstStyle/>
           <a:p>
             <a:fld id="{17405CD4-C8F5-4AC1-A4F9-46EC434DE213}" type="slidenum">
               <a:rPr lang="en-GB" smtClean="0"/>
               <a:t>‹#›</a:t>
             </a:fld>
+            <a:endParaRPr lang="en-GB"/>
+          </a:p>
+        </p:txBody>
+      </p:sp>
+      <p:sp>
+        <p:nvSpPr>
+          <p:cNvPr id="21" name="Footer Placeholder 20"/>
+          <p:cNvSpPr>
+            <a:spLocks noGrp="1"/>
+          </p:cNvSpPr>
+          <p:nvPr>
+            <p:ph type="ftr" sz="quarter" idx="12"/>
+          </p:nvPr>
+        </p:nvSpPr>
+        <p:spPr/>
+        <p:txBody>
+          <a:bodyPr rtlCol="0"/>
+          <a:lstStyle/>
+          <a:p>
             <a:endParaRPr lang="en-GB"/>
           </a:p>
         </p:txBody>
@@ -2463,8 +4229,8 @@
 <p:sldMaster xmlns:a="http://schemas.openxmlformats.org/drawingml/2006/main" xmlns:r="http://schemas.openxmlformats.org/officeDocument/2006/relationships" xmlns:p="http://schemas.openxmlformats.org/presentationml/2006/main">
   <p:cSld>
     <p:bg>
-      <p:bgRef idx="1003">
-        <a:schemeClr val="bg2"/>
+      <p:bgRef idx="1001">
+        <a:schemeClr val="bg1"/>
       </p:bgRef>
     </p:bg>
     <p:spTree>
@@ -2483,6 +4249,45 @@
       </p:grpSpPr>
       <p:sp>
         <p:nvSpPr>
+          <p:cNvPr id="16" name="Straight Connector 15"/>
+          <p:cNvSpPr>
+            <a:spLocks noChangeShapeType="1"/>
+          </p:cNvSpPr>
+          <p:nvPr/>
+        </p:nvSpPr>
+        <p:spPr bwMode="auto">
+          <a:xfrm>
+            <a:off x="8763000" y="0"/>
+            <a:ext cx="0" cy="6858000"/>
+          </a:xfrm>
+          <a:prstGeom prst="line">
+            <a:avLst/>
+          </a:prstGeom>
+          <a:noFill/>
+          <a:ln w="38100" cap="flat" cmpd="sng" algn="ctr">
+            <a:solidFill>
+              <a:schemeClr val="accent1">
+                <a:tint val="60000"/>
+                <a:alpha val="93000"/>
+              </a:schemeClr>
+            </a:solidFill>
+            <a:prstDash val="solid"/>
+            <a:round/>
+            <a:headEnd type="none" w="med" len="med"/>
+            <a:tailEnd type="none" w="med" len="med"/>
+          </a:ln>
+          <a:effectLst/>
+        </p:spPr>
+        <p:txBody>
+          <a:bodyPr vert="horz" wrap="square" lIns="91440" tIns="45720" rIns="91440" bIns="45720" anchor="t" compatLnSpc="1"/>
+          <a:lstStyle/>
+          <a:p>
+            <a:endParaRPr kumimoji="0" lang="en-US" dirty="0"/>
+          </a:p>
+        </p:txBody>
+      </p:sp>
+      <p:sp>
+        <p:nvSpPr>
           <p:cNvPr id="22" name="Title Placeholder 21"/>
           <p:cNvSpPr>
             <a:spLocks noGrp="1"/>
@@ -2494,24 +4299,15 @@
         <p:spPr>
           <a:xfrm>
             <a:off x="457200" y="274638"/>
-            <a:ext cx="8229600" cy="1143000"/>
+            <a:ext cx="7467600" cy="1143000"/>
           </a:xfrm>
           <a:prstGeom prst="rect">
             <a:avLst/>
           </a:prstGeom>
         </p:spPr>
         <p:txBody>
-          <a:bodyPr vert="horz" anchor="ctr">
+          <a:bodyPr vert="horz" anchor="b">
             <a:normAutofit/>
-            <a:scene3d>
-              <a:camera prst="orthographicFront"/>
-              <a:lightRig rig="soft" dir="t">
-                <a:rot lat="0" lon="0" rev="16800000"/>
-              </a:lightRig>
-            </a:scene3d>
-            <a:sp3d prstMaterial="softEdge">
-              <a:bevelT w="38100" h="38100"/>
-            </a:sp3d>
           </a:bodyPr>
           <a:lstStyle/>
           <a:p>
@@ -2536,7 +4332,7 @@
         <p:spPr>
           <a:xfrm>
             <a:off x="457200" y="1600200"/>
-            <a:ext cx="8229600" cy="4709160"/>
+            <a:ext cx="7467600" cy="4873752"/>
           </a:xfrm>
           <a:prstGeom prst="rect">
             <a:avLst/>
@@ -2596,23 +4392,21 @@
           </p:nvPr>
         </p:nvSpPr>
         <p:spPr>
-          <a:xfrm>
-            <a:off x="457200" y="6416675"/>
-            <a:ext cx="2133600" cy="365125"/>
+          <a:xfrm rot="5400000">
+            <a:off x="7589520" y="1081851"/>
+            <a:ext cx="2011680" cy="384048"/>
           </a:xfrm>
           <a:prstGeom prst="rect">
             <a:avLst/>
           </a:prstGeom>
         </p:spPr>
         <p:txBody>
-          <a:bodyPr vert="horz" anchor="b"/>
+          <a:bodyPr vert="horz" anchor="ctr" anchorCtr="0"/>
           <a:lstStyle>
-            <a:lvl1pPr algn="l" eaLnBrk="1" latinLnBrk="0" hangingPunct="1">
+            <a:lvl1pPr algn="r" eaLnBrk="1" latinLnBrk="0" hangingPunct="1">
               <a:defRPr kumimoji="0" sz="1200">
                 <a:solidFill>
-                  <a:schemeClr val="tx1">
-                    <a:shade val="50000"/>
-                  </a:schemeClr>
+                  <a:schemeClr val="tx2"/>
                 </a:solidFill>
               </a:defRPr>
             </a:lvl1pPr>
@@ -2637,23 +4431,21 @@
           </p:nvPr>
         </p:nvSpPr>
         <p:spPr>
-          <a:xfrm>
-            <a:off x="3124200" y="6416675"/>
-            <a:ext cx="2895600" cy="365125"/>
+          <a:xfrm rot="5400000">
+            <a:off x="6990186" y="3737240"/>
+            <a:ext cx="3200400" cy="365760"/>
           </a:xfrm>
           <a:prstGeom prst="rect">
             <a:avLst/>
           </a:prstGeom>
         </p:spPr>
         <p:txBody>
-          <a:bodyPr vert="horz" anchor="b"/>
+          <a:bodyPr vert="horz" anchor="ctr" anchorCtr="0"/>
           <a:lstStyle>
-            <a:lvl1pPr algn="ctr" eaLnBrk="1" latinLnBrk="0" hangingPunct="1">
+            <a:lvl1pPr algn="l" eaLnBrk="1" latinLnBrk="0" hangingPunct="1">
               <a:defRPr kumimoji="0" sz="1200">
                 <a:solidFill>
-                  <a:schemeClr val="tx1">
-                    <a:shade val="50000"/>
-                  </a:schemeClr>
+                  <a:schemeClr val="tx2"/>
                 </a:solidFill>
               </a:defRPr>
             </a:lvl1pPr>
@@ -2665,32 +4457,232 @@
       </p:sp>
       <p:sp>
         <p:nvSpPr>
-          <p:cNvPr id="23" name="Slide Number Placeholder 22"/>
-          <p:cNvSpPr>
-            <a:spLocks noGrp="1"/>
-          </p:cNvSpPr>
-          <p:nvPr>
-            <p:ph type="sldNum" sz="quarter" idx="4"/>
-          </p:nvPr>
-        </p:nvSpPr>
-        <p:spPr>
-          <a:xfrm>
-            <a:off x="7924800" y="6416675"/>
-            <a:ext cx="762000" cy="365125"/>
+          <p:cNvPr id="7" name="Straight Connector 6"/>
+          <p:cNvSpPr>
+            <a:spLocks noChangeShapeType="1"/>
+          </p:cNvSpPr>
+          <p:nvPr/>
+        </p:nvSpPr>
+        <p:spPr bwMode="auto">
+          <a:xfrm>
+            <a:off x="76200" y="0"/>
+            <a:ext cx="0" cy="6858000"/>
+          </a:xfrm>
+          <a:prstGeom prst="line">
+            <a:avLst/>
+          </a:prstGeom>
+          <a:noFill/>
+          <a:ln w="57150" cap="flat" cmpd="thickThin" algn="ctr">
+            <a:solidFill>
+              <a:schemeClr val="accent1">
+                <a:tint val="60000"/>
+              </a:schemeClr>
+            </a:solidFill>
+            <a:prstDash val="solid"/>
+            <a:round/>
+            <a:headEnd type="none" w="med" len="med"/>
+            <a:tailEnd type="none" w="med" len="med"/>
+          </a:ln>
+          <a:effectLst/>
+        </p:spPr>
+        <p:txBody>
+          <a:bodyPr vert="horz" wrap="square" lIns="91440" tIns="45720" rIns="91440" bIns="45720" anchor="t" compatLnSpc="1"/>
+          <a:lstStyle/>
+          <a:p>
+            <a:endParaRPr kumimoji="0" lang="en-US"/>
+          </a:p>
+        </p:txBody>
+      </p:sp>
+      <p:sp>
+        <p:nvSpPr>
+          <p:cNvPr id="9" name="Straight Connector 8"/>
+          <p:cNvSpPr>
+            <a:spLocks noChangeShapeType="1"/>
+          </p:cNvSpPr>
+          <p:nvPr/>
+        </p:nvSpPr>
+        <p:spPr bwMode="auto">
+          <a:xfrm>
+            <a:off x="8991600" y="0"/>
+            <a:ext cx="0" cy="6858000"/>
+          </a:xfrm>
+          <a:prstGeom prst="line">
+            <a:avLst/>
+          </a:prstGeom>
+          <a:noFill/>
+          <a:ln w="19050" cap="flat" cmpd="sng" algn="ctr">
+            <a:solidFill>
+              <a:schemeClr val="accent1"/>
+            </a:solidFill>
+            <a:prstDash val="solid"/>
+            <a:round/>
+            <a:headEnd type="none" w="med" len="med"/>
+            <a:tailEnd type="none" w="med" len="med"/>
+          </a:ln>
+          <a:effectLst/>
+        </p:spPr>
+        <p:txBody>
+          <a:bodyPr vert="horz" wrap="square" lIns="91440" tIns="45720" rIns="91440" bIns="45720" anchor="t" compatLnSpc="1"/>
+          <a:lstStyle/>
+          <a:p>
+            <a:endParaRPr kumimoji="0" lang="en-US"/>
+          </a:p>
+        </p:txBody>
+      </p:sp>
+      <p:sp>
+        <p:nvSpPr>
+          <p:cNvPr id="10" name="Rectangle 9"/>
+          <p:cNvSpPr/>
+          <p:nvPr/>
+        </p:nvSpPr>
+        <p:spPr bwMode="auto">
+          <a:xfrm>
+            <a:off x="8839200" y="0"/>
+            <a:ext cx="304800" cy="6858000"/>
           </a:xfrm>
           <a:prstGeom prst="rect">
             <a:avLst/>
           </a:prstGeom>
-        </p:spPr>
-        <p:txBody>
-          <a:bodyPr vert="horz" lIns="0" rIns="0" anchor="b"/>
+          <a:solidFill>
+            <a:schemeClr val="accent1">
+              <a:tint val="60000"/>
+              <a:alpha val="87000"/>
+            </a:schemeClr>
+          </a:solidFill>
+          <a:ln w="38100" cap="rnd" cmpd="sng" algn="ctr">
+            <a:noFill/>
+            <a:prstDash val="solid"/>
+          </a:ln>
+          <a:effectLst/>
+        </p:spPr>
+        <p:style>
+          <a:lnRef idx="3">
+            <a:schemeClr val="lt1"/>
+          </a:lnRef>
+          <a:fillRef idx="1">
+            <a:schemeClr val="accent1"/>
+          </a:fillRef>
+          <a:effectRef idx="1">
+            <a:schemeClr val="accent1"/>
+          </a:effectRef>
+          <a:fontRef idx="minor">
+            <a:schemeClr val="lt1"/>
+          </a:fontRef>
+        </p:style>
+        <p:txBody>
+          <a:bodyPr anchor="ctr"/>
+          <a:lstStyle/>
+          <a:p>
+            <a:pPr algn="ctr" eaLnBrk="1" latinLnBrk="0" hangingPunct="1"/>
+            <a:endParaRPr kumimoji="0" lang="en-US"/>
+          </a:p>
+        </p:txBody>
+      </p:sp>
+      <p:sp>
+        <p:nvSpPr>
+          <p:cNvPr id="11" name="Straight Connector 10"/>
+          <p:cNvSpPr>
+            <a:spLocks noChangeShapeType="1"/>
+          </p:cNvSpPr>
+          <p:nvPr/>
+        </p:nvSpPr>
+        <p:spPr bwMode="auto">
+          <a:xfrm>
+            <a:off x="8915400" y="0"/>
+            <a:ext cx="0" cy="6858000"/>
+          </a:xfrm>
+          <a:prstGeom prst="line">
+            <a:avLst/>
+          </a:prstGeom>
+          <a:noFill/>
+          <a:ln w="9525" cap="flat" cmpd="sng" algn="ctr">
+            <a:solidFill>
+              <a:schemeClr val="accent1"/>
+            </a:solidFill>
+            <a:prstDash val="solid"/>
+            <a:round/>
+            <a:headEnd type="none" w="med" len="med"/>
+            <a:tailEnd type="none" w="med" len="med"/>
+          </a:ln>
+          <a:effectLst/>
+        </p:spPr>
+        <p:txBody>
+          <a:bodyPr vert="horz" wrap="square" lIns="91440" tIns="45720" rIns="91440" bIns="45720" anchor="t" compatLnSpc="1"/>
+          <a:lstStyle/>
+          <a:p>
+            <a:endParaRPr kumimoji="0" lang="en-US"/>
+          </a:p>
+        </p:txBody>
+      </p:sp>
+      <p:sp>
+        <p:nvSpPr>
+          <p:cNvPr id="12" name="Oval 11"/>
+          <p:cNvSpPr/>
+          <p:nvPr/>
+        </p:nvSpPr>
+        <p:spPr>
+          <a:xfrm>
+            <a:off x="8156448" y="5715000"/>
+            <a:ext cx="548640" cy="548640"/>
+          </a:xfrm>
+          <a:prstGeom prst="ellipse">
+            <a:avLst/>
+          </a:prstGeom>
+          <a:ln w="38100" cap="rnd" cmpd="sng" algn="ctr">
+            <a:noFill/>
+            <a:prstDash val="solid"/>
+          </a:ln>
+          <a:effectLst/>
+        </p:spPr>
+        <p:style>
+          <a:lnRef idx="3">
+            <a:schemeClr val="lt1"/>
+          </a:lnRef>
+          <a:fillRef idx="1">
+            <a:schemeClr val="accent1"/>
+          </a:fillRef>
+          <a:effectRef idx="1">
+            <a:schemeClr val="accent1"/>
+          </a:effectRef>
+          <a:fontRef idx="minor">
+            <a:schemeClr val="lt1"/>
+          </a:fontRef>
+        </p:style>
+        <p:txBody>
+          <a:bodyPr anchor="ctr"/>
+          <a:lstStyle/>
+          <a:p>
+            <a:pPr algn="ctr" eaLnBrk="1" latinLnBrk="0" hangingPunct="1"/>
+            <a:endParaRPr kumimoji="0" lang="en-US" dirty="0"/>
+          </a:p>
+        </p:txBody>
+      </p:sp>
+      <p:sp>
+        <p:nvSpPr>
+          <p:cNvPr id="23" name="Slide Number Placeholder 22"/>
+          <p:cNvSpPr>
+            <a:spLocks noGrp="1"/>
+          </p:cNvSpPr>
+          <p:nvPr>
+            <p:ph type="sldNum" sz="quarter" idx="4"/>
+          </p:nvPr>
+        </p:nvSpPr>
+        <p:spPr>
+          <a:xfrm>
+            <a:off x="8129016" y="5734050"/>
+            <a:ext cx="609600" cy="521208"/>
+          </a:xfrm>
+          <a:prstGeom prst="rect">
+            <a:avLst/>
+          </a:prstGeom>
+        </p:spPr>
+        <p:txBody>
+          <a:bodyPr vert="horz" anchor="ctr"/>
           <a:lstStyle>
-            <a:lvl1pPr algn="r" eaLnBrk="1" latinLnBrk="0" hangingPunct="1">
-              <a:defRPr kumimoji="0" sz="1200">
+            <a:lvl1pPr algn="ctr" eaLnBrk="1" latinLnBrk="0" hangingPunct="1">
+              <a:defRPr kumimoji="0" sz="1400" b="1">
                 <a:solidFill>
-                  <a:schemeClr val="tx1">
-                    <a:shade val="50000"/>
-                  </a:schemeClr>
+                  <a:srgbClr val="FFFFFF"/>
                 </a:solidFill>
               </a:defRPr>
             </a:lvl1pPr>
@@ -2706,61 +4698,31 @@
       </p:sp>
     </p:spTree>
   </p:cSld>
-  <p:clrMap bg1="dk1" tx1="lt1" bg2="dk2" tx2="lt2" accent1="accent1" accent2="accent2" accent3="accent3" accent4="accent4" accent5="accent5" accent6="accent6" hlink="hlink" folHlink="folHlink"/>
+  <p:clrMap bg1="lt1" tx1="dk1" bg2="lt2" tx2="dk2" accent1="accent1" accent2="accent2" accent3="accent3" accent4="accent4" accent5="accent5" accent6="accent6" hlink="hlink" folHlink="folHlink"/>
   <p:sldLayoutIdLst>
-    <p:sldLayoutId id="2147483721" r:id="rId1"/>
-    <p:sldLayoutId id="2147483722" r:id="rId2"/>
-    <p:sldLayoutId id="2147483723" r:id="rId3"/>
-    <p:sldLayoutId id="2147483724" r:id="rId4"/>
-    <p:sldLayoutId id="2147483725" r:id="rId5"/>
-    <p:sldLayoutId id="2147483726" r:id="rId6"/>
-    <p:sldLayoutId id="2147483727" r:id="rId7"/>
-    <p:sldLayoutId id="2147483728" r:id="rId8"/>
-    <p:sldLayoutId id="2147483729" r:id="rId9"/>
-    <p:sldLayoutId id="2147483730" r:id="rId10"/>
-    <p:sldLayoutId id="2147483731" r:id="rId11"/>
+    <p:sldLayoutId id="2147483841" r:id="rId1"/>
+    <p:sldLayoutId id="2147483842" r:id="rId2"/>
+    <p:sldLayoutId id="2147483843" r:id="rId3"/>
+    <p:sldLayoutId id="2147483844" r:id="rId4"/>
+    <p:sldLayoutId id="2147483845" r:id="rId5"/>
+    <p:sldLayoutId id="2147483846" r:id="rId6"/>
+    <p:sldLayoutId id="2147483847" r:id="rId7"/>
+    <p:sldLayoutId id="2147483848" r:id="rId8"/>
+    <p:sldLayoutId id="2147483849" r:id="rId9"/>
+    <p:sldLayoutId id="2147483850" r:id="rId10"/>
+    <p:sldLayoutId id="2147483851" r:id="rId11"/>
   </p:sldLayoutIdLst>
   <p:txStyles>
     <p:titleStyle>
-      <a:lvl1pPr algn="ctr" rtl="0" eaLnBrk="1" latinLnBrk="0" hangingPunct="1">
+      <a:lvl1pPr algn="l" rtl="0" eaLnBrk="1" latinLnBrk="0" hangingPunct="1">
         <a:spcBef>
           <a:spcPct val="0"/>
         </a:spcBef>
         <a:buNone/>
-        <a:defRPr kumimoji="0" sz="4100" b="1" kern="1200" cap="none" baseline="0">
-          <a:ln w="6350">
-            <a:noFill/>
-          </a:ln>
-          <a:gradFill>
-            <a:gsLst>
-              <a:gs pos="0">
-                <a:schemeClr val="accent1">
-                  <a:tint val="73000"/>
-                  <a:satMod val="145000"/>
-                </a:schemeClr>
-              </a:gs>
-              <a:gs pos="73000">
-                <a:schemeClr val="accent1">
-                  <a:tint val="73000"/>
-                  <a:satMod val="145000"/>
-                </a:schemeClr>
-              </a:gs>
-              <a:gs pos="100000">
-                <a:schemeClr val="accent1">
-                  <a:tint val="83000"/>
-                  <a:satMod val="143000"/>
-                </a:schemeClr>
-              </a:gs>
-            </a:gsLst>
-            <a:lin ang="4800000" scaled="1"/>
-          </a:gradFill>
-          <a:effectLst>
-            <a:outerShdw blurRad="114300" dist="101600" dir="2700000" algn="tl" rotWithShape="0">
-              <a:srgbClr val="000000">
-                <a:alpha val="40000"/>
-              </a:srgbClr>
-            </a:outerShdw>
-          </a:effectLst>
+        <a:defRPr kumimoji="0" sz="3000" b="0" kern="1200" cap="small" baseline="0">
+          <a:solidFill>
+            <a:schemeClr val="tx2"/>
+          </a:solidFill>
           <a:latin typeface="+mj-lt"/>
           <a:ea typeface="+mj-ea"/>
           <a:cs typeface="+mj-cs"/>
@@ -2768,19 +4730,17 @@
       </a:lvl1pPr>
     </p:titleStyle>
     <p:bodyStyle>
-      <a:lvl1pPr marL="548640" indent="-411480" algn="l" rtl="0" eaLnBrk="1" latinLnBrk="0" hangingPunct="1">
+      <a:lvl1pPr marL="274320" indent="-274320" algn="l" rtl="0" eaLnBrk="1" latinLnBrk="0" hangingPunct="1">
         <a:spcBef>
-          <a:spcPct val="20000"/>
+          <a:spcPts val="600"/>
         </a:spcBef>
         <a:buClr>
-          <a:schemeClr val="tx1">
-            <a:shade val="95000"/>
-          </a:schemeClr>
+          <a:schemeClr val="accent1"/>
         </a:buClr>
-        <a:buSzPct val="65000"/>
-        <a:buFont typeface="Wingdings 2"/>
-        <a:buChar char=""/>
-        <a:defRPr kumimoji="0" sz="2800" kern="1200">
+        <a:buSzPct val="70000"/>
+        <a:buFont typeface="Wingdings"/>
+        <a:buChar char=""/>
+        <a:defRPr kumimoji="0" sz="2400" kern="1200">
           <a:solidFill>
             <a:schemeClr val="tx1"/>
           </a:solidFill>
@@ -2789,17 +4749,17 @@
           <a:cs typeface="+mn-cs"/>
         </a:defRPr>
       </a:lvl1pPr>
-      <a:lvl2pPr marL="868680" indent="-283464" algn="l" rtl="0" eaLnBrk="1" latinLnBrk="0" hangingPunct="1">
+      <a:lvl2pPr marL="640080" indent="-274320" algn="l" rtl="0" eaLnBrk="1" latinLnBrk="0" hangingPunct="1">
         <a:spcBef>
           <a:spcPct val="20000"/>
         </a:spcBef>
         <a:buClr>
-          <a:schemeClr val="tx1"/>
+          <a:schemeClr val="accent1"/>
         </a:buClr>
         <a:buSzPct val="80000"/>
         <a:buFont typeface="Wingdings 2"/>
-        <a:buChar char=""/>
-        <a:defRPr kumimoji="0" sz="2400" kern="1200">
+        <a:buChar char=""/>
+        <a:defRPr kumimoji="0" sz="2100" kern="1200">
           <a:solidFill>
             <a:schemeClr val="tx1"/>
           </a:solidFill>
@@ -2808,17 +4768,19 @@
           <a:cs typeface="+mn-cs"/>
         </a:defRPr>
       </a:lvl2pPr>
-      <a:lvl3pPr marL="1133856" indent="-228600" algn="l" rtl="0" eaLnBrk="1" latinLnBrk="0" hangingPunct="1">
+      <a:lvl3pPr marL="914400" indent="-182880" algn="l" rtl="0" eaLnBrk="1" latinLnBrk="0" hangingPunct="1">
         <a:spcBef>
           <a:spcPct val="20000"/>
         </a:spcBef>
         <a:buClr>
-          <a:schemeClr val="tx1"/>
+          <a:schemeClr val="accent1">
+            <a:shade val="75000"/>
+          </a:schemeClr>
         </a:buClr>
-        <a:buSzPct val="95000"/>
+        <a:buSzPct val="60000"/>
         <a:buFont typeface="Wingdings"/>
-        <a:buChar char=""/>
-        <a:defRPr kumimoji="0" sz="2200" kern="1200">
+        <a:buChar char=""/>
+        <a:defRPr kumimoji="0" sz="1800" kern="1200">
           <a:solidFill>
             <a:schemeClr val="tx1"/>
           </a:solidFill>
@@ -2827,17 +4789,19 @@
           <a:cs typeface="+mn-cs"/>
         </a:defRPr>
       </a:lvl3pPr>
-      <a:lvl4pPr marL="1353312" indent="-182880" algn="l" rtl="0" eaLnBrk="1" latinLnBrk="0" hangingPunct="1">
+      <a:lvl4pPr marL="1188720" indent="-182880" algn="l" rtl="0" eaLnBrk="1" latinLnBrk="0" hangingPunct="1">
         <a:spcBef>
           <a:spcPct val="20000"/>
         </a:spcBef>
         <a:buClr>
-          <a:schemeClr val="tx1"/>
+          <a:schemeClr val="accent1">
+            <a:tint val="60000"/>
+          </a:schemeClr>
         </a:buClr>
-        <a:buSzPct val="100000"/>
-        <a:buFont typeface="Wingdings 3"/>
-        <a:buChar char=""/>
-        <a:defRPr kumimoji="0" sz="2000" kern="1200">
+        <a:buSzPct val="60000"/>
+        <a:buFont typeface="Wingdings"/>
+        <a:buChar char=""/>
+        <a:defRPr kumimoji="0" sz="1800" kern="1200">
           <a:solidFill>
             <a:schemeClr val="tx1"/>
           </a:solidFill>
@@ -2846,16 +4810,19 @@
           <a:cs typeface="+mn-cs"/>
         </a:defRPr>
       </a:lvl4pPr>
-      <a:lvl5pPr marL="1545336" indent="-182880" algn="l" rtl="0" eaLnBrk="1" latinLnBrk="0" hangingPunct="1">
+      <a:lvl5pPr marL="1463040" indent="-182880" algn="l" rtl="0" eaLnBrk="1" latinLnBrk="0" hangingPunct="1">
         <a:spcBef>
           <a:spcPct val="20000"/>
         </a:spcBef>
         <a:buClr>
-          <a:schemeClr val="tx1"/>
+          <a:schemeClr val="accent2">
+            <a:tint val="60000"/>
+          </a:schemeClr>
         </a:buClr>
+        <a:buSzPct val="68000"/>
         <a:buFont typeface="Wingdings 2"/>
-        <a:buChar char=""/>
-        <a:defRPr kumimoji="0" sz="2000" kern="1200">
+        <a:buChar char=""/>
+        <a:defRPr kumimoji="0" sz="1600" kern="1200">
           <a:solidFill>
             <a:schemeClr val="tx1"/>
           </a:solidFill>
@@ -2864,72 +4831,74 @@
           <a:cs typeface="+mn-cs"/>
         </a:defRPr>
       </a:lvl5pPr>
-      <a:lvl6pPr marL="1764792" indent="-182880" algn="l" rtl="0" eaLnBrk="1" latinLnBrk="0" hangingPunct="1">
+      <a:lvl6pPr marL="1737360" indent="-182880" algn="l" rtl="0" eaLnBrk="1" latinLnBrk="0" hangingPunct="1">
         <a:spcBef>
           <a:spcPct val="20000"/>
         </a:spcBef>
         <a:buClr>
-          <a:schemeClr val="tx1"/>
+          <a:schemeClr val="accent1"/>
         </a:buClr>
-        <a:buFont typeface="Wingdings 3"/>
-        <a:buChar char=""/>
-        <a:defRPr kumimoji="0" sz="1800" kern="1200">
+        <a:buChar char="•"/>
+        <a:defRPr kumimoji="0" sz="1600" kern="1200">
           <a:solidFill>
-            <a:schemeClr val="tx1"/>
+            <a:schemeClr val="tx2"/>
           </a:solidFill>
           <a:latin typeface="+mn-lt"/>
           <a:ea typeface="+mn-ea"/>
           <a:cs typeface="+mn-cs"/>
         </a:defRPr>
       </a:lvl6pPr>
-      <a:lvl7pPr marL="1965960" indent="-182880" algn="l" rtl="0" eaLnBrk="1" latinLnBrk="0" hangingPunct="1">
+      <a:lvl7pPr marL="2011680" indent="-182880" algn="l" rtl="0" eaLnBrk="1" latinLnBrk="0" hangingPunct="1">
         <a:spcBef>
           <a:spcPct val="20000"/>
         </a:spcBef>
         <a:buClr>
-          <a:schemeClr val="tx1"/>
+          <a:schemeClr val="accent1">
+            <a:tint val="60000"/>
+          </a:schemeClr>
         </a:buClr>
-        <a:buFont typeface="Wingdings 2"/>
-        <a:buChar char=""/>
-        <a:defRPr kumimoji="0" sz="1600" kern="1200">
+        <a:buSzPct val="60000"/>
+        <a:buFont typeface="Wingdings"/>
+        <a:buChar char=""/>
+        <a:defRPr kumimoji="0" sz="1400" kern="1200" baseline="0">
           <a:solidFill>
-            <a:schemeClr val="tx1"/>
+            <a:schemeClr val="tx2"/>
           </a:solidFill>
           <a:latin typeface="+mn-lt"/>
           <a:ea typeface="+mn-ea"/>
           <a:cs typeface="+mn-cs"/>
         </a:defRPr>
       </a:lvl7pPr>
-      <a:lvl8pPr marL="2167128" indent="-182880" algn="l" rtl="0" eaLnBrk="1" latinLnBrk="0" hangingPunct="1">
+      <a:lvl8pPr marL="2286000" indent="-182880" algn="l" rtl="0" eaLnBrk="1" latinLnBrk="0" hangingPunct="1">
         <a:spcBef>
           <a:spcPct val="20000"/>
         </a:spcBef>
         <a:buClr>
-          <a:schemeClr val="tx1"/>
+          <a:schemeClr val="accent2"/>
         </a:buClr>
-        <a:buFont typeface="Wingdings 2"/>
-        <a:buChar char=""/>
-        <a:defRPr kumimoji="0" sz="1400" kern="1200">
+        <a:buChar char="•"/>
+        <a:defRPr kumimoji="0" sz="1400" kern="1200" cap="small" baseline="0">
           <a:solidFill>
-            <a:schemeClr val="tx1"/>
+            <a:schemeClr val="tx2"/>
           </a:solidFill>
           <a:latin typeface="+mn-lt"/>
           <a:ea typeface="+mn-ea"/>
           <a:cs typeface="+mn-cs"/>
         </a:defRPr>
       </a:lvl8pPr>
-      <a:lvl9pPr marL="2368296" indent="-182880" algn="l" rtl="0" eaLnBrk="1" latinLnBrk="0" hangingPunct="1">
+      <a:lvl9pPr marL="2560320" indent="-182880" algn="l" rtl="0" eaLnBrk="1" latinLnBrk="0" hangingPunct="1">
         <a:spcBef>
           <a:spcPct val="20000"/>
         </a:spcBef>
         <a:buClr>
-          <a:schemeClr val="tx1"/>
+          <a:schemeClr val="accent1">
+            <a:shade val="75000"/>
+          </a:schemeClr>
         </a:buClr>
-        <a:buFont typeface="Wingdings 2"/>
-        <a:buChar char=""/>
+        <a:buChar char="•"/>
         <a:defRPr kumimoji="0" sz="1400" kern="1200" baseline="0">
           <a:solidFill>
-            <a:schemeClr val="tx1"/>
+            <a:schemeClr val="tx2"/>
           </a:solidFill>
           <a:latin typeface="+mn-lt"/>
           <a:ea typeface="+mn-ea"/>
@@ -3072,6 +5041,7 @@
           </a:bodyPr>
           <a:lstStyle/>
           <a:p>
+            <a:pPr algn="ctr"/>
             <a:r>
               <a:rPr lang="en-GB" sz="3800" dirty="0" smtClean="0">
                 <a:ea typeface="Calibri" panose="020F0502020204030204" pitchFamily="34" charset="0"/>
@@ -3098,8 +5068,8 @@
         </p:nvSpPr>
         <p:spPr>
           <a:xfrm>
-            <a:off x="5652120" y="3573016"/>
-            <a:ext cx="6400800" cy="2472680"/>
+            <a:off x="5148064" y="3573016"/>
+            <a:ext cx="6904856" cy="2472680"/>
           </a:xfrm>
         </p:spPr>
         <p:txBody>
@@ -3114,24 +5084,24 @@
                 <a:ea typeface="Calibri" panose="020F0502020204030204" pitchFamily="34" charset="0"/>
                 <a:cs typeface="Times New Roman" panose="02020603050405020304" pitchFamily="18" charset="0"/>
               </a:rPr>
-              <a:t>Prepared By</a:t>
+              <a:t>Prepared By:</a:t>
+            </a:r>
+          </a:p>
+          <a:p>
+            <a:pPr algn="l"/>
+            <a:r>
+              <a:rPr lang="en-GB" sz="2000" dirty="0">
+                <a:ea typeface="Calibri" panose="020F0502020204030204" pitchFamily="34" charset="0"/>
+                <a:cs typeface="Times New Roman" panose="02020603050405020304" pitchFamily="18" charset="0"/>
+              </a:rPr>
+              <a:t>	</a:t>
             </a:r>
             <a:r>
               <a:rPr lang="en-GB" sz="2000" dirty="0" smtClean="0">
                 <a:ea typeface="Calibri" panose="020F0502020204030204" pitchFamily="34" charset="0"/>
                 <a:cs typeface="Times New Roman" panose="02020603050405020304" pitchFamily="18" charset="0"/>
               </a:rPr>
-              <a:t>:</a:t>
-            </a:r>
-          </a:p>
-          <a:p>
-            <a:pPr algn="l"/>
-            <a:r>
-              <a:rPr lang="en-GB" sz="2000" dirty="0" smtClean="0">
-                <a:ea typeface="Calibri" panose="020F0502020204030204" pitchFamily="34" charset="0"/>
-                <a:cs typeface="Times New Roman" panose="02020603050405020304" pitchFamily="18" charset="0"/>
-              </a:rPr>
-              <a:t>	Anil </a:t>
+              <a:t>Anil </a:t>
             </a:r>
             <a:r>
               <a:rPr lang="en-GB" sz="2000" dirty="0" err="1" smtClean="0">
@@ -3140,7 +5110,7 @@
               </a:rPr>
               <a:t>Adhikari</a:t>
             </a:r>
-            <a:endParaRPr lang="en-GB" sz="2000" dirty="0" smtClean="0">
+            <a:endParaRPr lang="en-GB" sz="2000" dirty="0">
               <a:ea typeface="Calibri" panose="020F0502020204030204" pitchFamily="34" charset="0"/>
               <a:cs typeface="Times New Roman" panose="02020603050405020304" pitchFamily="18" charset="0"/>
             </a:endParaRPr>
@@ -3152,21 +5122,28 @@
                 <a:ea typeface="Calibri" panose="020F0502020204030204" pitchFamily="34" charset="0"/>
                 <a:cs typeface="Times New Roman" panose="02020603050405020304" pitchFamily="18" charset="0"/>
               </a:rPr>
-              <a:t>              </a:t>
+              <a:t>	</a:t>
             </a:r>
             <a:r>
               <a:rPr lang="en-GB" sz="2000" dirty="0" err="1" smtClean="0">
                 <a:ea typeface="Calibri" panose="020F0502020204030204" pitchFamily="34" charset="0"/>
                 <a:cs typeface="Times New Roman" panose="02020603050405020304" pitchFamily="18" charset="0"/>
               </a:rPr>
-              <a:t>Aashis</a:t>
+              <a:t>Aashish</a:t>
             </a:r>
             <a:r>
               <a:rPr lang="en-GB" sz="2000" dirty="0" smtClean="0">
                 <a:ea typeface="Calibri" panose="020F0502020204030204" pitchFamily="34" charset="0"/>
                 <a:cs typeface="Times New Roman" panose="02020603050405020304" pitchFamily="18" charset="0"/>
               </a:rPr>
-              <a:t> Raj </a:t>
+              <a:t> </a:t>
+            </a:r>
+            <a:r>
+              <a:rPr lang="en-GB" sz="2000" dirty="0" smtClean="0">
+                <a:ea typeface="Calibri" panose="020F0502020204030204" pitchFamily="34" charset="0"/>
+                <a:cs typeface="Times New Roman" panose="02020603050405020304" pitchFamily="18" charset="0"/>
+              </a:rPr>
+              <a:t>Raj </a:t>
             </a:r>
             <a:r>
               <a:rPr lang="en-GB" sz="2000" dirty="0" err="1" smtClean="0">
@@ -3183,11 +5160,18 @@
           <a:p>
             <a:pPr algn="l"/>
             <a:r>
+              <a:rPr lang="en-GB" sz="2000" dirty="0">
+                <a:ea typeface="Calibri" panose="020F0502020204030204" pitchFamily="34" charset="0"/>
+                <a:cs typeface="Times New Roman" panose="02020603050405020304" pitchFamily="18" charset="0"/>
+              </a:rPr>
+              <a:t>	</a:t>
+            </a:r>
+            <a:r>
               <a:rPr lang="en-GB" sz="2000" dirty="0" smtClean="0">
                 <a:ea typeface="Calibri" panose="020F0502020204030204" pitchFamily="34" charset="0"/>
                 <a:cs typeface="Times New Roman" panose="02020603050405020304" pitchFamily="18" charset="0"/>
               </a:rPr>
-              <a:t>	Ankit </a:t>
+              <a:t>Ankit </a:t>
             </a:r>
             <a:r>
               <a:rPr lang="en-GB" sz="2000" dirty="0" err="1" smtClean="0">
@@ -3208,14 +5192,7 @@
                 <a:ea typeface="Calibri" panose="020F0502020204030204" pitchFamily="34" charset="0"/>
                 <a:cs typeface="Times New Roman" panose="02020603050405020304" pitchFamily="18" charset="0"/>
               </a:rPr>
-              <a:t> </a:t>
-            </a:r>
-            <a:r>
-              <a:rPr lang="en-GB" sz="2000" dirty="0" smtClean="0">
-                <a:ea typeface="Calibri" panose="020F0502020204030204" pitchFamily="34" charset="0"/>
-                <a:cs typeface="Times New Roman" panose="02020603050405020304" pitchFamily="18" charset="0"/>
-              </a:rPr>
-              <a:t>             </a:t>
+              <a:t>	</a:t>
             </a:r>
             <a:r>
               <a:rPr lang="en-GB" sz="2000" dirty="0" err="1" smtClean="0">
@@ -3238,7 +5215,7 @@
               </a:rPr>
               <a:t>Wagle</a:t>
             </a:r>
-            <a:endParaRPr lang="en-GB" sz="2000" dirty="0" smtClean="0">
+            <a:endParaRPr lang="en-GB" sz="2000" dirty="0">
               <a:ea typeface="Calibri" panose="020F0502020204030204" pitchFamily="34" charset="0"/>
               <a:cs typeface="Times New Roman" panose="02020603050405020304" pitchFamily="18" charset="0"/>
             </a:endParaRPr>
@@ -3273,26 +5250,19 @@
               </a:rPr>
               <a:t>Gurung</a:t>
             </a:r>
-            <a:endParaRPr lang="en-GB" sz="2000" dirty="0" smtClean="0">
+            <a:endParaRPr lang="en-GB" sz="2000" dirty="0">
               <a:ea typeface="Calibri" panose="020F0502020204030204" pitchFamily="34" charset="0"/>
               <a:cs typeface="Times New Roman" panose="02020603050405020304" pitchFamily="18" charset="0"/>
             </a:endParaRPr>
           </a:p>
           <a:p>
             <a:pPr algn="l"/>
-            <a:r>
-              <a:rPr lang="en-GB" sz="2000" dirty="0">
-                <a:ea typeface="Calibri" panose="020F0502020204030204" pitchFamily="34" charset="0"/>
-                <a:cs typeface="Times New Roman" panose="02020603050405020304" pitchFamily="18" charset="0"/>
-              </a:rPr>
-              <a:t>  </a:t>
-            </a:r>
             <a:r>
               <a:rPr lang="en-GB" sz="2000" dirty="0" smtClean="0">
                 <a:ea typeface="Calibri" panose="020F0502020204030204" pitchFamily="34" charset="0"/>
                 <a:cs typeface="Times New Roman" panose="02020603050405020304" pitchFamily="18" charset="0"/>
               </a:rPr>
-              <a:t>            </a:t>
+              <a:t>	</a:t>
             </a:r>
             <a:r>
               <a:rPr lang="en-GB" sz="2000" dirty="0" err="1" smtClean="0">
@@ -3383,15 +5353,43 @@
             <p:ph type="title"/>
           </p:nvPr>
         </p:nvSpPr>
-        <p:spPr/>
-        <p:txBody>
-          <a:bodyPr/>
-          <a:lstStyle/>
-          <a:p>
-            <a:r>
-              <a:rPr lang="en-GB" dirty="0"/>
-              <a:t>Women's Formal Dress Codes</a:t>
-            </a:r>
+        <p:spPr>
+          <a:xfrm>
+            <a:off x="467544" y="274638"/>
+            <a:ext cx="8676456" cy="1143000"/>
+          </a:xfrm>
+        </p:spPr>
+        <p:txBody>
+          <a:bodyPr>
+            <a:normAutofit/>
+          </a:bodyPr>
+          <a:lstStyle/>
+          <a:p>
+            <a:r>
+              <a:rPr lang="en-US" dirty="0" smtClean="0">
+                <a:effectLst>
+                  <a:outerShdw blurRad="38100" dist="38100" dir="2700000" algn="tl">
+                    <a:srgbClr val="000000">
+                      <a:alpha val="43137"/>
+                    </a:srgbClr>
+                  </a:outerShdw>
+                </a:effectLst>
+              </a:rPr>
+              <a:t>IMPACT </a:t>
+            </a:r>
+            <a:r>
+              <a:rPr lang="en-US" dirty="0">
+                <a:effectLst>
+                  <a:outerShdw blurRad="38100" dist="38100" dir="2700000" algn="tl">
+                    <a:srgbClr val="000000">
+                      <a:alpha val="43137"/>
+                    </a:srgbClr>
+                  </a:outerShdw>
+                </a:effectLst>
+              </a:rPr>
+              <a:t>OF IMPROPER DRESSING </a:t>
+            </a:r>
+            <a:endParaRPr lang="en-GB" dirty="0"/>
           </a:p>
         </p:txBody>
       </p:sp>
@@ -3402,161 +5400,105 @@
             <a:spLocks noGrp="1"/>
           </p:cNvSpPr>
           <p:nvPr>
-            <p:ph idx="1"/>
-          </p:nvPr>
-        </p:nvSpPr>
-        <p:spPr/>
-        <p:txBody>
-          <a:bodyPr/>
-          <a:lstStyle/>
-          <a:p>
-            <a:pPr marL="651510" indent="-514350">
+            <p:ph sz="quarter" idx="1"/>
+          </p:nvPr>
+        </p:nvSpPr>
+        <p:spPr>
+          <a:xfrm>
+            <a:off x="457200" y="1600200"/>
+            <a:ext cx="8229600" cy="2332856"/>
+          </a:xfrm>
+        </p:spPr>
+        <p:txBody>
+          <a:bodyPr>
+            <a:normAutofit/>
+          </a:bodyPr>
+          <a:lstStyle/>
+          <a:p>
+            <a:pPr marL="651510" indent="-514350" fontAlgn="base">
+              <a:buFont typeface="+mj-lt"/>
               <a:buAutoNum type="arabicPeriod" startAt="4"/>
             </a:pPr>
             <a:r>
-              <a:rPr lang="en-GB" dirty="0" smtClean="0"/>
-              <a:t>Accessories:</a:t>
-            </a:r>
-          </a:p>
-          <a:p>
-            <a:pPr marL="971550" lvl="1" indent="-514350">
+              <a:rPr lang="en-US" sz="3000" dirty="0" smtClean="0"/>
+              <a:t>Lost opportunity​</a:t>
+            </a:r>
+          </a:p>
+          <a:p>
+            <a:pPr marL="1017270" lvl="1" indent="-514350" fontAlgn="base">
               <a:buFont typeface="Wingdings" panose="05000000000000000000" pitchFamily="2" charset="2"/>
               <a:buChar char="Ø"/>
             </a:pPr>
             <a:r>
-              <a:rPr lang="en-GB" sz="2000" dirty="0"/>
-              <a:t>Belts for polish, scarves for a pop of </a:t>
-            </a:r>
-            <a:r>
-              <a:rPr lang="en-GB" sz="2000" dirty="0" err="1"/>
-              <a:t>color</a:t>
-            </a:r>
-            <a:r>
-              <a:rPr lang="en-GB" sz="2000" dirty="0" smtClean="0"/>
-              <a:t>.</a:t>
-            </a:r>
-          </a:p>
-          <a:p>
-            <a:pPr marL="971550" lvl="1" indent="-514350">
+              <a:rPr lang="en-US" sz="1900" dirty="0" smtClean="0"/>
+              <a:t>In </a:t>
+            </a:r>
+            <a:r>
+              <a:rPr lang="en-US" sz="1900" dirty="0"/>
+              <a:t>a business life improper dress may affect your opportunities </a:t>
+            </a:r>
+            <a:r>
+              <a:rPr lang="en-US" sz="1900" dirty="0" smtClean="0"/>
+              <a:t>deals </a:t>
+            </a:r>
+            <a:r>
+              <a:rPr lang="en-US" sz="1900" dirty="0"/>
+              <a:t>and promotions.</a:t>
+            </a:r>
+            <a:r>
+              <a:rPr lang="en-US" sz="1900" dirty="0" smtClean="0"/>
+              <a:t>​</a:t>
+            </a:r>
+          </a:p>
+          <a:p>
+            <a:pPr marL="651510" indent="-514350" fontAlgn="base">
+              <a:buFont typeface="+mj-lt"/>
+              <a:buAutoNum type="arabicPeriod" startAt="4"/>
+            </a:pPr>
+            <a:r>
+              <a:rPr lang="en-US" sz="3000" dirty="0" smtClean="0"/>
+              <a:t>Negative </a:t>
+            </a:r>
+            <a:r>
+              <a:rPr lang="en-US" sz="3000" dirty="0"/>
+              <a:t>impact on </a:t>
+            </a:r>
+            <a:r>
+              <a:rPr lang="en-US" sz="3000" dirty="0" smtClean="0"/>
+              <a:t>workplace</a:t>
+            </a:r>
+            <a:r>
+              <a:rPr lang="en-US" sz="3000" dirty="0" smtClean="0"/>
+              <a:t>​</a:t>
+            </a:r>
+          </a:p>
+          <a:p>
+            <a:pPr marL="1017270" lvl="1" indent="-514350" fontAlgn="base">
               <a:buFont typeface="Wingdings" panose="05000000000000000000" pitchFamily="2" charset="2"/>
               <a:buChar char="Ø"/>
             </a:pPr>
             <a:r>
-              <a:rPr lang="en-GB" sz="2000" dirty="0" smtClean="0"/>
-              <a:t>Structured</a:t>
-            </a:r>
-            <a:r>
-              <a:rPr lang="en-GB" sz="2000" dirty="0"/>
-              <a:t>, neutral handbags for functionality.</a:t>
-            </a:r>
-            <a:endParaRPr lang="en-GB" sz="2000" dirty="0" smtClean="0"/>
-          </a:p>
-          <a:p>
-            <a:pPr marL="651510" indent="-514350">
+              <a:rPr lang="en-US" sz="1900" dirty="0" smtClean="0"/>
+              <a:t>It </a:t>
+            </a:r>
+            <a:r>
+              <a:rPr lang="en-US" sz="1900" dirty="0"/>
+              <a:t>may cause overall work environment of the team.​</a:t>
+            </a:r>
+          </a:p>
+          <a:p>
+            <a:pPr marL="457200" indent="-457200">
+              <a:buFont typeface="+mj-lt"/>
               <a:buAutoNum type="arabicPeriod" startAt="4"/>
             </a:pPr>
-            <a:r>
-              <a:rPr lang="en-GB" dirty="0"/>
-              <a:t>Hair &amp; </a:t>
-            </a:r>
-            <a:r>
-              <a:rPr lang="en-GB" dirty="0" err="1"/>
-              <a:t>Jewelry</a:t>
-            </a:r>
-            <a:r>
-              <a:rPr lang="en-GB" dirty="0" smtClean="0"/>
-              <a:t>:</a:t>
-            </a:r>
-          </a:p>
-          <a:p>
-            <a:pPr marL="971550" lvl="1" indent="-514350">
-              <a:buFont typeface="Wingdings" panose="05000000000000000000" pitchFamily="2" charset="2"/>
-              <a:buChar char="Ø"/>
-            </a:pPr>
-            <a:r>
-              <a:rPr lang="en-GB" sz="2000" dirty="0"/>
-              <a:t>Neat hairstyles (buns, ponytails</a:t>
-            </a:r>
-            <a:r>
-              <a:rPr lang="en-GB" sz="2000" dirty="0" smtClean="0"/>
-              <a:t>).</a:t>
-            </a:r>
-          </a:p>
-          <a:p>
-            <a:pPr marL="971550" lvl="1" indent="-514350">
-              <a:buFont typeface="Wingdings" panose="05000000000000000000" pitchFamily="2" charset="2"/>
-              <a:buChar char="Ø"/>
-            </a:pPr>
-            <a:r>
-              <a:rPr lang="en-GB" sz="2000" dirty="0" smtClean="0"/>
-              <a:t>Minimalist </a:t>
-            </a:r>
-            <a:r>
-              <a:rPr lang="en-GB" sz="2000" dirty="0" err="1"/>
-              <a:t>jewelry</a:t>
-            </a:r>
-            <a:r>
-              <a:rPr lang="en-GB" sz="2000" dirty="0"/>
-              <a:t>: </a:t>
-            </a:r>
-            <a:r>
-              <a:rPr lang="en-GB" sz="2000" dirty="0" smtClean="0"/>
-              <a:t>delicate </a:t>
-            </a:r>
-            <a:r>
-              <a:rPr lang="en-GB" sz="2000" dirty="0"/>
-              <a:t>necklaces, earrings, or bracelets</a:t>
-            </a:r>
-            <a:r>
-              <a:rPr lang="en-GB" sz="2000" dirty="0" smtClean="0"/>
-              <a:t>.</a:t>
-            </a:r>
-          </a:p>
-          <a:p>
-            <a:pPr marL="137160" indent="0">
-              <a:buNone/>
-            </a:pPr>
-            <a:r>
-              <a:rPr lang="en-GB" dirty="0" smtClean="0"/>
-              <a:t># </a:t>
-            </a:r>
-            <a:r>
-              <a:rPr lang="en-GB" dirty="0"/>
-              <a:t>Additional Tips:</a:t>
-            </a:r>
-          </a:p>
-          <a:p>
-            <a:pPr lvl="1">
-              <a:buFont typeface="Wingdings" panose="05000000000000000000" pitchFamily="2" charset="2"/>
-              <a:buChar char="Ø"/>
-            </a:pPr>
-            <a:r>
-              <a:rPr lang="en-GB" sz="2000" dirty="0"/>
-              <a:t>Prioritize comfort and confidence.</a:t>
-            </a:r>
-          </a:p>
-          <a:p>
-            <a:pPr lvl="1">
-              <a:buFont typeface="Wingdings" panose="05000000000000000000" pitchFamily="2" charset="2"/>
-              <a:buChar char="Ø"/>
-            </a:pPr>
-            <a:r>
-              <a:rPr lang="en-GB" sz="2000" dirty="0"/>
-              <a:t>Dress appropriately for the occasion.</a:t>
-            </a:r>
-          </a:p>
-          <a:p>
-            <a:pPr marL="137160" indent="0">
-              <a:buNone/>
-            </a:pPr>
-            <a:endParaRPr lang="en-GB" dirty="0" smtClean="0"/>
+            <a:endParaRPr lang="en-GB" dirty="0"/>
           </a:p>
         </p:txBody>
       </p:sp>
     </p:spTree>
     <p:extLst>
       <p:ext uri="{BB962C8B-B14F-4D97-AF65-F5344CB8AC3E}">
-        <p14:creationId xmlns:p14="http://schemas.microsoft.com/office/powerpoint/2010/main" val="3250714284"/>
+        <p14:creationId xmlns:p14="http://schemas.microsoft.com/office/powerpoint/2010/main" val="2520527550"/>
       </p:ext>
     </p:extLst>
   </p:cSld>
@@ -3602,527 +5544,6 @@
         </p:nvSpPr>
         <p:spPr>
           <a:xfrm>
-            <a:off x="0" y="274638"/>
-            <a:ext cx="9144000" cy="1143000"/>
-          </a:xfrm>
-        </p:spPr>
-        <p:txBody>
-          <a:bodyPr>
-            <a:normAutofit/>
-          </a:bodyPr>
-          <a:lstStyle/>
-          <a:p>
-            <a:r>
-              <a:rPr lang="en-US" dirty="0" smtClean="0">
-                <a:effectLst>
-                  <a:outerShdw blurRad="38100" dist="38100" dir="2700000" algn="tl">
-                    <a:srgbClr val="000000">
-                      <a:alpha val="43137"/>
-                    </a:srgbClr>
-                  </a:outerShdw>
-                </a:effectLst>
-              </a:rPr>
-              <a:t>IMPACT </a:t>
-            </a:r>
-            <a:r>
-              <a:rPr lang="en-US" dirty="0">
-                <a:effectLst>
-                  <a:outerShdw blurRad="38100" dist="38100" dir="2700000" algn="tl">
-                    <a:srgbClr val="000000">
-                      <a:alpha val="43137"/>
-                    </a:srgbClr>
-                  </a:outerShdw>
-                </a:effectLst>
-              </a:rPr>
-              <a:t>OF IMPROPER DRESSING </a:t>
-            </a:r>
-            <a:endParaRPr lang="en-GB" dirty="0">
-              <a:effectLst>
-                <a:outerShdw blurRad="38100" dist="38100" dir="2700000" algn="tl">
-                  <a:srgbClr val="000000">
-                    <a:alpha val="43137"/>
-                  </a:srgbClr>
-                </a:outerShdw>
-              </a:effectLst>
-            </a:endParaRPr>
-          </a:p>
-        </p:txBody>
-      </p:sp>
-      <p:sp>
-        <p:nvSpPr>
-          <p:cNvPr id="3" name="Content Placeholder 2"/>
-          <p:cNvSpPr>
-            <a:spLocks noGrp="1"/>
-          </p:cNvSpPr>
-          <p:nvPr>
-            <p:ph idx="1"/>
-          </p:nvPr>
-        </p:nvSpPr>
-        <p:spPr>
-          <a:xfrm>
-            <a:off x="457200" y="1484784"/>
-            <a:ext cx="8229600" cy="4824536"/>
-          </a:xfrm>
-        </p:spPr>
-        <p:txBody>
-          <a:bodyPr>
-            <a:normAutofit fontScale="70000" lnSpcReduction="20000"/>
-          </a:bodyPr>
-          <a:lstStyle/>
-          <a:p>
-            <a:pPr fontAlgn="base">
-              <a:buFont typeface="Wingdings" panose="05000000000000000000" pitchFamily="2" charset="2"/>
-              <a:buChar char="Ø"/>
-            </a:pPr>
-            <a:r>
-              <a:rPr lang="en-US" sz="4000" dirty="0"/>
-              <a:t>The topic emphasizes that in a business dress is one of the most important key factor for better success .A proper code significantly impact a business professional life .​</a:t>
-            </a:r>
-          </a:p>
-          <a:p>
-            <a:pPr marL="651510" indent="-514350" fontAlgn="base">
-              <a:buFont typeface="+mj-lt"/>
-              <a:buAutoNum type="arabicPeriod"/>
-            </a:pPr>
-            <a:r>
-              <a:rPr lang="en-US" sz="4000" dirty="0" smtClean="0"/>
-              <a:t>Negative </a:t>
-            </a:r>
-            <a:r>
-              <a:rPr lang="en-US" sz="4000" dirty="0"/>
-              <a:t>first impression</a:t>
-            </a:r>
-            <a:r>
-              <a:rPr lang="en-US" sz="4000" dirty="0" smtClean="0"/>
-              <a:t>​</a:t>
-            </a:r>
-          </a:p>
-          <a:p>
-            <a:pPr marL="1179576" lvl="2" indent="-457200" fontAlgn="base">
-              <a:buFont typeface="Wingdings" panose="05000000000000000000" pitchFamily="2" charset="2"/>
-              <a:buChar char="Ø"/>
-            </a:pPr>
-            <a:r>
-              <a:rPr lang="en-US" sz="2900" dirty="0" smtClean="0"/>
-              <a:t>First </a:t>
-            </a:r>
-            <a:r>
-              <a:rPr lang="en-US" sz="2900" dirty="0"/>
-              <a:t>impression is crucial in professional life. So dressing  poorly </a:t>
-            </a:r>
-            <a:r>
-              <a:rPr lang="en-US" sz="2900" dirty="0" smtClean="0"/>
-              <a:t>makes you </a:t>
-            </a:r>
-            <a:r>
-              <a:rPr lang="en-US" sz="2900" dirty="0"/>
-              <a:t>look </a:t>
-            </a:r>
-            <a:r>
-              <a:rPr lang="en-US" sz="2900" dirty="0" smtClean="0"/>
-              <a:t>unprofessional</a:t>
-            </a:r>
-            <a:r>
-              <a:rPr lang="en-US" sz="2900" dirty="0"/>
-              <a:t>.</a:t>
-            </a:r>
-            <a:r>
-              <a:rPr lang="en-US" sz="2900" dirty="0" smtClean="0"/>
-              <a:t>​</a:t>
-            </a:r>
-          </a:p>
-          <a:p>
-            <a:pPr marL="651510" indent="-514350" fontAlgn="base">
-              <a:buFont typeface="+mj-lt"/>
-              <a:buAutoNum type="arabicPeriod"/>
-            </a:pPr>
-            <a:r>
-              <a:rPr lang="en-US" sz="4000" dirty="0" smtClean="0"/>
-              <a:t>Lack </a:t>
-            </a:r>
-            <a:r>
-              <a:rPr lang="en-US" sz="4000" dirty="0"/>
-              <a:t>of credibility</a:t>
-            </a:r>
-            <a:r>
-              <a:rPr lang="en-US" sz="4000" dirty="0" smtClean="0"/>
-              <a:t>​</a:t>
-            </a:r>
-          </a:p>
-          <a:p>
-            <a:pPr marL="1236726" lvl="2" indent="-514350" fontAlgn="base">
-              <a:buFont typeface="Wingdings" panose="05000000000000000000" pitchFamily="2" charset="2"/>
-              <a:buChar char="Ø"/>
-            </a:pPr>
-            <a:r>
-              <a:rPr lang="en-US" sz="2900" dirty="0" smtClean="0"/>
-              <a:t>If </a:t>
-            </a:r>
-            <a:r>
-              <a:rPr lang="en-US" sz="2900" dirty="0"/>
-              <a:t>you looks unprofessional people may doubt on your skill or reliability </a:t>
-            </a:r>
-            <a:r>
-              <a:rPr lang="en-US" sz="2900" dirty="0" smtClean="0"/>
-              <a:t>and </a:t>
-            </a:r>
-            <a:r>
-              <a:rPr lang="en-US" sz="2900" dirty="0"/>
-              <a:t>starts to lose trust on you</a:t>
-            </a:r>
-            <a:r>
-              <a:rPr lang="en-US" sz="2900" dirty="0" smtClean="0"/>
-              <a:t>.</a:t>
-            </a:r>
-          </a:p>
-          <a:p>
-            <a:pPr marL="651510" indent="-514350" fontAlgn="base">
-              <a:buFont typeface="+mj-lt"/>
-              <a:buAutoNum type="arabicPeriod"/>
-            </a:pPr>
-            <a:r>
-              <a:rPr lang="en-US" sz="4000" dirty="0" smtClean="0"/>
-              <a:t>​Lower </a:t>
-            </a:r>
-            <a:r>
-              <a:rPr lang="en-US" sz="4000" dirty="0"/>
-              <a:t>confidence </a:t>
-            </a:r>
-          </a:p>
-          <a:p>
-            <a:pPr marL="1065276" lvl="2" indent="-342900" fontAlgn="base">
-              <a:buFont typeface="Wingdings" panose="05000000000000000000" pitchFamily="2" charset="2"/>
-              <a:buChar char="Ø"/>
-            </a:pPr>
-            <a:r>
-              <a:rPr lang="en-US" sz="2900" dirty="0"/>
-              <a:t>​Improper dress makes you nervous ,and uncomfortable , and make cause you doubt on your own skill.​</a:t>
-            </a:r>
-          </a:p>
-          <a:p>
-            <a:pPr marL="722376" lvl="2" indent="0" fontAlgn="base">
-              <a:buNone/>
-            </a:pPr>
-            <a:endParaRPr lang="en-US" sz="2400" dirty="0"/>
-          </a:p>
-          <a:p>
-            <a:pPr marL="722376" lvl="2" indent="0" fontAlgn="base">
-              <a:buNone/>
-            </a:pPr>
-            <a:endParaRPr lang="en-US" sz="2400" dirty="0" smtClean="0"/>
-          </a:p>
-        </p:txBody>
-      </p:sp>
-      <p:sp>
-        <p:nvSpPr>
-          <p:cNvPr id="4" name="AutoShape 2" descr="up close image of waves"/>
-          <p:cNvSpPr>
-            <a:spLocks noChangeAspect="1" noChangeArrowheads="1"/>
-          </p:cNvSpPr>
-          <p:nvPr/>
-        </p:nvSpPr>
-        <p:spPr bwMode="auto">
-          <a:xfrm>
-            <a:off x="212725" y="-144463"/>
-            <a:ext cx="304800" cy="304801"/>
-          </a:xfrm>
-          <a:prstGeom prst="rect">
-            <a:avLst/>
-          </a:prstGeom>
-          <a:noFill/>
-          <a:extLst>
-            <a:ext uri="{909E8E84-426E-40DD-AFC4-6F175D3DCCD1}">
-              <a14:hiddenFill xmlns:a14="http://schemas.microsoft.com/office/drawing/2010/main">
-                <a:solidFill>
-                  <a:srgbClr val="FFFFFF"/>
-                </a:solidFill>
-              </a14:hiddenFill>
-            </a:ext>
-          </a:extLst>
-        </p:spPr>
-        <p:txBody>
-          <a:bodyPr vert="horz" wrap="square" lIns="91440" tIns="45720" rIns="91440" bIns="45720" numCol="1" anchor="t" anchorCtr="0" compatLnSpc="1">
-            <a:prstTxWarp prst="textNoShape">
-              <a:avLst/>
-            </a:prstTxWarp>
-          </a:bodyPr>
-          <a:lstStyle/>
-          <a:p>
-            <a:endParaRPr lang="en-GB"/>
-          </a:p>
-        </p:txBody>
-      </p:sp>
-      <p:sp>
-        <p:nvSpPr>
-          <p:cNvPr id="5" name="AutoShape 4" descr="up close image of waves"/>
-          <p:cNvSpPr>
-            <a:spLocks noChangeAspect="1" noChangeArrowheads="1"/>
-          </p:cNvSpPr>
-          <p:nvPr/>
-        </p:nvSpPr>
-        <p:spPr bwMode="auto">
-          <a:xfrm>
-            <a:off x="365125" y="7937"/>
-            <a:ext cx="304800" cy="304801"/>
-          </a:xfrm>
-          <a:prstGeom prst="rect">
-            <a:avLst/>
-          </a:prstGeom>
-          <a:noFill/>
-          <a:extLst>
-            <a:ext uri="{909E8E84-426E-40DD-AFC4-6F175D3DCCD1}">
-              <a14:hiddenFill xmlns:a14="http://schemas.microsoft.com/office/drawing/2010/main">
-                <a:solidFill>
-                  <a:srgbClr val="FFFFFF"/>
-                </a:solidFill>
-              </a14:hiddenFill>
-            </a:ext>
-          </a:extLst>
-        </p:spPr>
-        <p:txBody>
-          <a:bodyPr vert="horz" wrap="square" lIns="91440" tIns="45720" rIns="91440" bIns="45720" numCol="1" anchor="t" anchorCtr="0" compatLnSpc="1">
-            <a:prstTxWarp prst="textNoShape">
-              <a:avLst/>
-            </a:prstTxWarp>
-          </a:bodyPr>
-          <a:lstStyle/>
-          <a:p>
-            <a:endParaRPr lang="en-GB"/>
-          </a:p>
-        </p:txBody>
-      </p:sp>
-    </p:spTree>
-    <p:extLst>
-      <p:ext uri="{BB962C8B-B14F-4D97-AF65-F5344CB8AC3E}">
-        <p14:creationId xmlns:p14="http://schemas.microsoft.com/office/powerpoint/2010/main" val="505410984"/>
-      </p:ext>
-    </p:extLst>
-  </p:cSld>
-  <p:clrMapOvr>
-    <a:masterClrMapping/>
-  </p:clrMapOvr>
-  <p:timing>
-    <p:tnLst>
-      <p:par>
-        <p:cTn id="1" dur="indefinite" restart="never" nodeType="tmRoot"/>
-      </p:par>
-    </p:tnLst>
-  </p:timing>
-</p:sld>
-</file>
-
-<file path=ppt/slides/slide12.xml><?xml version="1.0" encoding="utf-8"?>
-<p:sld xmlns:a="http://schemas.openxmlformats.org/drawingml/2006/main" xmlns:r="http://schemas.openxmlformats.org/officeDocument/2006/relationships" xmlns:p="http://schemas.openxmlformats.org/presentationml/2006/main">
-  <p:cSld>
-    <p:spTree>
-      <p:nvGrpSpPr>
-        <p:cNvPr id="1" name=""/>
-        <p:cNvGrpSpPr/>
-        <p:nvPr/>
-      </p:nvGrpSpPr>
-      <p:grpSpPr>
-        <a:xfrm>
-          <a:off x="0" y="0"/>
-          <a:ext cx="0" cy="0"/>
-          <a:chOff x="0" y="0"/>
-          <a:chExt cx="0" cy="0"/>
-        </a:xfrm>
-      </p:grpSpPr>
-      <p:sp>
-        <p:nvSpPr>
-          <p:cNvPr id="2" name="Title 1"/>
-          <p:cNvSpPr>
-            <a:spLocks noGrp="1"/>
-          </p:cNvSpPr>
-          <p:nvPr>
-            <p:ph type="title"/>
-          </p:nvPr>
-        </p:nvSpPr>
-        <p:spPr>
-          <a:xfrm>
-            <a:off x="0" y="274638"/>
-            <a:ext cx="9144000" cy="1143000"/>
-          </a:xfrm>
-        </p:spPr>
-        <p:txBody>
-          <a:bodyPr>
-            <a:normAutofit/>
-          </a:bodyPr>
-          <a:lstStyle/>
-          <a:p>
-            <a:r>
-              <a:rPr lang="en-US" dirty="0" smtClean="0">
-                <a:effectLst>
-                  <a:outerShdw blurRad="38100" dist="38100" dir="2700000" algn="tl">
-                    <a:srgbClr val="000000">
-                      <a:alpha val="43137"/>
-                    </a:srgbClr>
-                  </a:outerShdw>
-                </a:effectLst>
-              </a:rPr>
-              <a:t>IMPACT </a:t>
-            </a:r>
-            <a:r>
-              <a:rPr lang="en-US" dirty="0">
-                <a:effectLst>
-                  <a:outerShdw blurRad="38100" dist="38100" dir="2700000" algn="tl">
-                    <a:srgbClr val="000000">
-                      <a:alpha val="43137"/>
-                    </a:srgbClr>
-                  </a:outerShdw>
-                </a:effectLst>
-              </a:rPr>
-              <a:t>OF IMPROPER DRESSING </a:t>
-            </a:r>
-            <a:endParaRPr lang="en-GB" dirty="0"/>
-          </a:p>
-        </p:txBody>
-      </p:sp>
-      <p:sp>
-        <p:nvSpPr>
-          <p:cNvPr id="3" name="Content Placeholder 2"/>
-          <p:cNvSpPr>
-            <a:spLocks noGrp="1"/>
-          </p:cNvSpPr>
-          <p:nvPr>
-            <p:ph idx="1"/>
-          </p:nvPr>
-        </p:nvSpPr>
-        <p:spPr>
-          <a:xfrm>
-            <a:off x="457200" y="1600200"/>
-            <a:ext cx="8229600" cy="2332856"/>
-          </a:xfrm>
-        </p:spPr>
-        <p:txBody>
-          <a:bodyPr>
-            <a:normAutofit fontScale="92500" lnSpcReduction="20000"/>
-          </a:bodyPr>
-          <a:lstStyle/>
-          <a:p>
-            <a:pPr marL="137160" indent="0" fontAlgn="base">
-              <a:buNone/>
-            </a:pPr>
-            <a:r>
-              <a:rPr lang="en-US" sz="1900" dirty="0" smtClean="0"/>
-              <a:t>4.     </a:t>
-            </a:r>
-            <a:r>
-              <a:rPr lang="en-US" sz="3000" dirty="0" smtClean="0"/>
-              <a:t>Lost </a:t>
-            </a:r>
-            <a:r>
-              <a:rPr lang="en-US" sz="3000" dirty="0"/>
-              <a:t>opportunity​</a:t>
-            </a:r>
-          </a:p>
-          <a:p>
-            <a:pPr marL="1293876" lvl="2" indent="-571500" fontAlgn="base">
-              <a:buFont typeface="Wingdings" panose="05000000000000000000" pitchFamily="2" charset="2"/>
-              <a:buChar char="Ø"/>
-            </a:pPr>
-            <a:r>
-              <a:rPr lang="en-US" dirty="0"/>
-              <a:t>In a business life improper dress may affect your opportunities , deals and promotions.​</a:t>
-            </a:r>
-          </a:p>
-          <a:p>
-            <a:pPr marL="137160" indent="0" fontAlgn="base">
-              <a:buNone/>
-            </a:pPr>
-            <a:r>
-              <a:rPr lang="en-US" sz="1900" dirty="0" smtClean="0"/>
-              <a:t>5.</a:t>
-            </a:r>
-            <a:r>
-              <a:rPr lang="en-US" sz="2000" dirty="0"/>
-              <a:t> </a:t>
-            </a:r>
-            <a:r>
-              <a:rPr lang="en-US" sz="2000" dirty="0" smtClean="0"/>
-              <a:t> </a:t>
-            </a:r>
-            <a:r>
-              <a:rPr lang="en-US" sz="5900" dirty="0" smtClean="0"/>
-              <a:t> </a:t>
-            </a:r>
-            <a:r>
-              <a:rPr lang="en-US" sz="3000" dirty="0" smtClean="0"/>
-              <a:t>Negative </a:t>
-            </a:r>
-            <a:r>
-              <a:rPr lang="en-US" sz="3000" dirty="0"/>
-              <a:t>impact on </a:t>
-            </a:r>
-            <a:r>
-              <a:rPr lang="en-US" sz="3000" dirty="0" smtClean="0"/>
-              <a:t>workplace​</a:t>
-            </a:r>
-          </a:p>
-          <a:p>
-            <a:pPr marL="1065276" lvl="2" indent="-342900" fontAlgn="base">
-              <a:buFont typeface="Wingdings" panose="05000000000000000000" pitchFamily="2" charset="2"/>
-              <a:buChar char="Ø"/>
-            </a:pPr>
-            <a:r>
-              <a:rPr lang="en-US" dirty="0"/>
-              <a:t>It may cause overall work environment of the team.​</a:t>
-            </a:r>
-          </a:p>
-          <a:p>
-            <a:endParaRPr lang="en-GB" dirty="0"/>
-          </a:p>
-        </p:txBody>
-      </p:sp>
-    </p:spTree>
-    <p:extLst>
-      <p:ext uri="{BB962C8B-B14F-4D97-AF65-F5344CB8AC3E}">
-        <p14:creationId xmlns:p14="http://schemas.microsoft.com/office/powerpoint/2010/main" val="2520527550"/>
-      </p:ext>
-    </p:extLst>
-  </p:cSld>
-  <p:clrMapOvr>
-    <a:masterClrMapping/>
-  </p:clrMapOvr>
-  <p:timing>
-    <p:tnLst>
-      <p:par>
-        <p:cTn id="1" dur="indefinite" restart="never" nodeType="tmRoot"/>
-      </p:par>
-    </p:tnLst>
-  </p:timing>
-</p:sld>
-</file>
-
-<file path=ppt/slides/slide13.xml><?xml version="1.0" encoding="utf-8"?>
-<p:sld xmlns:a="http://schemas.openxmlformats.org/drawingml/2006/main" xmlns:r="http://schemas.openxmlformats.org/officeDocument/2006/relationships" xmlns:p="http://schemas.openxmlformats.org/presentationml/2006/main">
-  <p:cSld>
-    <p:spTree>
-      <p:nvGrpSpPr>
-        <p:cNvPr id="1" name=""/>
-        <p:cNvGrpSpPr/>
-        <p:nvPr/>
-      </p:nvGrpSpPr>
-      <p:grpSpPr>
-        <a:xfrm>
-          <a:off x="0" y="0"/>
-          <a:ext cx="0" cy="0"/>
-          <a:chOff x="0" y="0"/>
-          <a:chExt cx="0" cy="0"/>
-        </a:xfrm>
-      </p:grpSpPr>
-      <p:sp>
-        <p:nvSpPr>
-          <p:cNvPr id="2" name="Title 1"/>
-          <p:cNvSpPr>
-            <a:spLocks noGrp="1"/>
-          </p:cNvSpPr>
-          <p:nvPr>
-            <p:ph type="title"/>
-          </p:nvPr>
-        </p:nvSpPr>
-        <p:spPr>
-          <a:xfrm>
             <a:off x="467544" y="2492896"/>
             <a:ext cx="8229600" cy="1143000"/>
           </a:xfrm>
@@ -4131,6 +5552,7 @@
           <a:bodyPr/>
           <a:lstStyle/>
           <a:p>
+            <a:pPr algn="ctr"/>
             <a:r>
               <a:rPr lang="en-GB" dirty="0" smtClean="0"/>
               <a:t>Thank You</a:t>
@@ -4210,7 +5632,7 @@
             <a:spLocks noGrp="1"/>
           </p:cNvSpPr>
           <p:nvPr>
-            <p:ph idx="1"/>
+            <p:ph sz="quarter" idx="1"/>
           </p:nvPr>
         </p:nvSpPr>
         <p:spPr/>
@@ -4332,7 +5754,9 @@
         </p:nvSpPr>
         <p:spPr/>
         <p:txBody>
-          <a:bodyPr/>
+          <a:bodyPr>
+            <a:normAutofit/>
+          </a:bodyPr>
           <a:lstStyle/>
           <a:p>
             <a:r>
@@ -4349,12 +5773,14 @@
             <a:spLocks noGrp="1"/>
           </p:cNvSpPr>
           <p:nvPr>
-            <p:ph idx="1"/>
+            <p:ph sz="quarter" idx="1"/>
           </p:nvPr>
         </p:nvSpPr>
         <p:spPr/>
         <p:txBody>
-          <a:bodyPr/>
+          <a:bodyPr>
+            <a:normAutofit/>
+          </a:bodyPr>
           <a:lstStyle/>
           <a:p>
             <a:pPr>
@@ -4472,12 +5898,9 @@
           <a:p>
             <a:r>
               <a:rPr lang="en-GB" dirty="0" smtClean="0"/>
-              <a:t>Why </a:t>
-            </a:r>
-            <a:r>
-              <a:rPr lang="en-GB" dirty="0"/>
-              <a:t>Dress Ethics Matter</a:t>
-            </a:r>
+              <a:t>Importance of Dress Ethics</a:t>
+            </a:r>
+            <a:endParaRPr lang="en-GB" dirty="0"/>
           </a:p>
         </p:txBody>
       </p:sp>
@@ -4488,162 +5911,104 @@
             <a:spLocks noGrp="1"/>
           </p:cNvSpPr>
           <p:nvPr>
-            <p:ph idx="1"/>
+            <p:ph sz="quarter" idx="1"/>
           </p:nvPr>
         </p:nvSpPr>
         <p:spPr/>
         <p:txBody>
-          <a:bodyPr>
-            <a:normAutofit/>
-          </a:bodyPr>
-          <a:lstStyle/>
-          <a:p>
-            <a:pPr marL="651510" indent="-514350">
-              <a:buAutoNum type="arabicPeriod"/>
-            </a:pPr>
-            <a:r>
-              <a:rPr lang="en-GB" dirty="0" smtClean="0"/>
-              <a:t>First Impression:</a:t>
-            </a:r>
-          </a:p>
-          <a:p>
-            <a:pPr marL="1008126" lvl="2" indent="-285750">
+          <a:bodyPr/>
+          <a:lstStyle/>
+          <a:p>
+            <a:pPr>
               <a:buFont typeface="Wingdings" panose="05000000000000000000" pitchFamily="2" charset="2"/>
               <a:buChar char="Ø"/>
             </a:pPr>
             <a:r>
-              <a:rPr lang="en-GB" sz="2000" dirty="0" smtClean="0"/>
-              <a:t>People </a:t>
-            </a:r>
-            <a:r>
-              <a:rPr lang="en-GB" sz="2000" dirty="0"/>
-              <a:t>judge professionalism based on appearance.</a:t>
-            </a:r>
-            <a:endParaRPr lang="en-GB" sz="2000" dirty="0" smtClean="0"/>
-          </a:p>
-          <a:p>
-            <a:pPr marL="651510" indent="-514350">
-              <a:buAutoNum type="arabicPeriod"/>
-            </a:pPr>
-            <a:r>
               <a:rPr lang="en-GB" dirty="0" smtClean="0"/>
-              <a:t>Respect:</a:t>
-            </a:r>
-          </a:p>
-          <a:p>
-            <a:pPr marL="1008126" lvl="2" indent="-285750">
+              <a:t>First Impression and Confidence</a:t>
+            </a:r>
+          </a:p>
+          <a:p>
+            <a:pPr>
               <a:buFont typeface="Wingdings" panose="05000000000000000000" pitchFamily="2" charset="2"/>
               <a:buChar char="Ø"/>
             </a:pPr>
             <a:r>
-              <a:rPr lang="en-GB" sz="2000" dirty="0" smtClean="0"/>
-              <a:t>It </a:t>
-            </a:r>
-            <a:r>
-              <a:rPr lang="en-GB" sz="2000" dirty="0"/>
-              <a:t>shows you respect the workplace and colleagues.</a:t>
-            </a:r>
-            <a:endParaRPr lang="en-GB" sz="2000" dirty="0" smtClean="0"/>
-          </a:p>
-          <a:p>
-            <a:pPr marL="651510" indent="-514350">
-              <a:buAutoNum type="arabicPeriod"/>
-            </a:pPr>
-            <a:r>
               <a:rPr lang="en-GB" dirty="0" smtClean="0"/>
-              <a:t>Confidence:</a:t>
-            </a:r>
-            <a:endParaRPr lang="en-GB" dirty="0"/>
-          </a:p>
-          <a:p>
-            <a:pPr marL="1008126" lvl="2" indent="-285750">
+              <a:t>Professionalism</a:t>
+            </a:r>
+          </a:p>
+          <a:p>
+            <a:pPr>
               <a:buFont typeface="Wingdings" panose="05000000000000000000" pitchFamily="2" charset="2"/>
               <a:buChar char="Ø"/>
             </a:pPr>
             <a:r>
-              <a:rPr lang="en-GB" sz="2000" dirty="0" smtClean="0"/>
-              <a:t>Appropriate </a:t>
-            </a:r>
-            <a:r>
-              <a:rPr lang="en-GB" sz="2000" dirty="0"/>
-              <a:t>attire boosts your confidence and performance.</a:t>
-            </a:r>
-            <a:endParaRPr lang="en-GB" sz="2000" dirty="0" smtClean="0"/>
-          </a:p>
-          <a:p>
-            <a:pPr marL="651510" indent="-514350">
-              <a:buAutoNum type="arabicPeriod"/>
-            </a:pPr>
-            <a:r>
               <a:rPr lang="en-GB" dirty="0" smtClean="0"/>
-              <a:t>Professionalism:</a:t>
-            </a:r>
-          </a:p>
-          <a:p>
-            <a:pPr marL="1008126" lvl="2" indent="-285750">
+              <a:t>Legal and Safety Considerations</a:t>
+            </a:r>
+          </a:p>
+          <a:p>
+            <a:pPr>
               <a:buFont typeface="Wingdings" panose="05000000000000000000" pitchFamily="2" charset="2"/>
               <a:buChar char="Ø"/>
             </a:pPr>
             <a:r>
-              <a:rPr lang="en-GB" sz="2000" dirty="0" smtClean="0"/>
-              <a:t>Dressing </a:t>
-            </a:r>
-            <a:r>
-              <a:rPr lang="en-GB" sz="2000" dirty="0"/>
-              <a:t>well signals that you take your role seriously.</a:t>
-            </a:r>
-            <a:endParaRPr lang="en-GB" sz="2000" dirty="0" smtClean="0"/>
-          </a:p>
-          <a:p>
-            <a:pPr marL="651510" indent="-514350">
-              <a:buAutoNum type="arabicPeriod"/>
-            </a:pPr>
+              <a:rPr lang="en-GB" dirty="0"/>
+              <a:t>Customer </a:t>
+            </a:r>
             <a:r>
               <a:rPr lang="en-GB" dirty="0" smtClean="0"/>
-              <a:t>Trust and Creditability:</a:t>
-            </a:r>
-          </a:p>
-          <a:p>
-            <a:pPr marL="1236726" lvl="2" indent="-514350">
+              <a:t>Perception </a:t>
+            </a:r>
+            <a:r>
+              <a:rPr lang="en-GB" dirty="0"/>
+              <a:t>and T</a:t>
+            </a:r>
+            <a:r>
+              <a:rPr lang="en-GB" dirty="0" smtClean="0"/>
+              <a:t>rust</a:t>
+            </a:r>
+          </a:p>
+          <a:p>
+            <a:pPr>
               <a:buFont typeface="Wingdings" panose="05000000000000000000" pitchFamily="2" charset="2"/>
               <a:buChar char="Ø"/>
             </a:pPr>
             <a:r>
-              <a:rPr lang="en-GB" sz="2000" dirty="0" smtClean="0"/>
-              <a:t>Well-dressed </a:t>
-            </a:r>
-            <a:r>
-              <a:rPr lang="en-GB" sz="2000" dirty="0"/>
-              <a:t>individuals are often trusted more in the </a:t>
-            </a:r>
-            <a:r>
-              <a:rPr lang="en-GB" sz="2000" dirty="0" smtClean="0"/>
-              <a:t>workplace</a:t>
-            </a:r>
-            <a:r>
-              <a:rPr lang="en-GB" sz="2000" dirty="0"/>
-              <a:t>.</a:t>
-            </a:r>
-            <a:endParaRPr lang="en-GB" sz="2000" dirty="0" smtClean="0"/>
-          </a:p>
-          <a:p>
-            <a:pPr marL="457200" lvl="1" indent="0">
-              <a:buNone/>
+              <a:rPr lang="en-GB" dirty="0" smtClean="0"/>
+              <a:t>Company and </a:t>
+            </a:r>
+            <a:r>
+              <a:rPr lang="en-GB" dirty="0" smtClean="0"/>
+              <a:t>Identity </a:t>
+            </a:r>
+            <a:r>
+              <a:rPr lang="en-GB" dirty="0" smtClean="0"/>
+              <a:t>Brand </a:t>
+            </a:r>
+            <a:r>
+              <a:rPr lang="en-GB" dirty="0" smtClean="0"/>
+              <a:t>Image</a:t>
+            </a:r>
+          </a:p>
+          <a:p>
+            <a:pPr>
+              <a:buFont typeface="Wingdings" panose="05000000000000000000" pitchFamily="2" charset="2"/>
+              <a:buChar char="Ø"/>
             </a:pPr>
-            <a:endParaRPr lang="en-GB" sz="2000" dirty="0" smtClean="0"/>
-          </a:p>
-          <a:p>
-            <a:pPr marL="457200" lvl="1" indent="0">
-              <a:buNone/>
-            </a:pPr>
-            <a:endParaRPr lang="en-GB" sz="2000" dirty="0"/>
+            <a:r>
+              <a:rPr lang="en-GB" dirty="0" smtClean="0"/>
+              <a:t>Respect/Admiration</a:t>
+            </a:r>
+            <a:endParaRPr lang="en-GB" dirty="0"/>
           </a:p>
         </p:txBody>
       </p:sp>
     </p:spTree>
     <p:extLst>
       <p:ext uri="{BB962C8B-B14F-4D97-AF65-F5344CB8AC3E}">
-        <p14:creationId xmlns:p14="http://schemas.microsoft.com/office/powerpoint/2010/main" val="3662734583"/>
+        <p14:creationId xmlns:p14="http://schemas.microsoft.com/office/powerpoint/2010/main" val="3333227971"/>
       </p:ext>
     </p:extLst>
   </p:cSld>
@@ -4693,10 +6058,9 @@
           <a:lstStyle/>
           <a:p>
             <a:r>
-              <a:rPr lang="en-GB" dirty="0" smtClean="0"/>
-              <a:t>Importance of Dress Ethics</a:t>
-            </a:r>
-            <a:endParaRPr lang="en-GB" dirty="0"/>
+              <a:rPr lang="en-GB" dirty="0"/>
+              <a:t>Men's Formal Dress Codes</a:t>
+            </a:r>
           </a:p>
         </p:txBody>
       </p:sp>
@@ -4707,12 +6071,19 @@
             <a:spLocks noGrp="1"/>
           </p:cNvSpPr>
           <p:nvPr>
-            <p:ph idx="1"/>
-          </p:nvPr>
-        </p:nvSpPr>
-        <p:spPr/>
-        <p:txBody>
-          <a:bodyPr/>
+            <p:ph sz="quarter" idx="1"/>
+          </p:nvPr>
+        </p:nvSpPr>
+        <p:spPr>
+          <a:xfrm>
+            <a:off x="457200" y="1600200"/>
+            <a:ext cx="8229600" cy="4565104"/>
+          </a:xfrm>
+        </p:spPr>
+        <p:txBody>
+          <a:bodyPr>
+            <a:normAutofit/>
+          </a:bodyPr>
           <a:lstStyle/>
           <a:p>
             <a:pPr>
@@ -4720,75 +6091,119 @@
               <a:buChar char="Ø"/>
             </a:pPr>
             <a:r>
+              <a:rPr lang="en-GB" dirty="0"/>
+              <a:t>Polished and sophisticated attire for formal events</a:t>
+            </a:r>
+            <a:r>
               <a:rPr lang="en-GB" dirty="0" smtClean="0"/>
-              <a:t>First Impression and Confidence</a:t>
-            </a:r>
-          </a:p>
-          <a:p>
-            <a:pPr>
+              <a:t>.</a:t>
+            </a:r>
+          </a:p>
+          <a:p>
+            <a:pPr marL="651510" indent="-514350">
+              <a:buFont typeface="+mj-lt"/>
+              <a:buAutoNum type="arabicPeriod"/>
+            </a:pPr>
+            <a:r>
+              <a:rPr lang="en-GB" dirty="0"/>
+              <a:t>Black </a:t>
+            </a:r>
+            <a:r>
+              <a:rPr lang="en-GB" dirty="0" smtClean="0"/>
+              <a:t>Tie:</a:t>
+            </a:r>
+          </a:p>
+          <a:p>
+            <a:pPr marL="971550" lvl="1" indent="-514350">
               <a:buFont typeface="Wingdings" panose="05000000000000000000" pitchFamily="2" charset="2"/>
               <a:buChar char="Ø"/>
             </a:pPr>
             <a:r>
               <a:rPr lang="en-GB" dirty="0" smtClean="0"/>
-              <a:t>Professionalism</a:t>
-            </a:r>
-          </a:p>
-          <a:p>
-            <a:pPr>
+              <a:t>Occasions</a:t>
+            </a:r>
+            <a:r>
+              <a:rPr lang="en-GB" dirty="0"/>
+              <a:t>: </a:t>
+            </a:r>
+            <a:r>
+              <a:rPr lang="en-GB" sz="2000" dirty="0"/>
+              <a:t>Weddings, galas, formal </a:t>
+            </a:r>
+            <a:r>
+              <a:rPr lang="en-GB" sz="2000" dirty="0" smtClean="0"/>
+              <a:t>dinners.</a:t>
+            </a:r>
+          </a:p>
+          <a:p>
+            <a:pPr marL="971550" lvl="1" indent="-514350">
               <a:buFont typeface="Wingdings" panose="05000000000000000000" pitchFamily="2" charset="2"/>
               <a:buChar char="Ø"/>
             </a:pPr>
             <a:r>
               <a:rPr lang="en-GB" dirty="0" smtClean="0"/>
-              <a:t>Legal and Safety Considerations</a:t>
-            </a:r>
-          </a:p>
-          <a:p>
-            <a:pPr>
+              <a:t>Outfit: </a:t>
+            </a:r>
+            <a:r>
+              <a:rPr lang="en-GB" sz="2000" dirty="0"/>
+              <a:t>Tuxedo (black/midnight blue), white dress shirt, satin bow tie, single-breasted jacket, and satin-striped trousers</a:t>
+            </a:r>
+            <a:r>
+              <a:rPr lang="en-GB" sz="2000" dirty="0" smtClean="0"/>
+              <a:t>.</a:t>
+            </a:r>
+          </a:p>
+          <a:p>
+            <a:pPr marL="651510" indent="-514350">
+              <a:buFont typeface="+mj-lt"/>
+              <a:buAutoNum type="arabicPeriod"/>
+            </a:pPr>
+            <a:r>
+              <a:rPr lang="en-GB" dirty="0"/>
+              <a:t>White </a:t>
+            </a:r>
+            <a:r>
+              <a:rPr lang="en-GB" dirty="0" smtClean="0"/>
+              <a:t>Tie:</a:t>
+            </a:r>
+          </a:p>
+          <a:p>
+            <a:pPr marL="971550" lvl="1" indent="-514350">
               <a:buFont typeface="Wingdings" panose="05000000000000000000" pitchFamily="2" charset="2"/>
               <a:buChar char="Ø"/>
             </a:pPr>
             <a:r>
+              <a:rPr lang="en-GB" dirty="0" smtClean="0"/>
+              <a:t>Occasions</a:t>
+            </a:r>
+            <a:r>
               <a:rPr lang="en-GB" dirty="0"/>
-              <a:t>Customer </a:t>
-            </a:r>
-            <a:r>
-              <a:rPr lang="en-GB" dirty="0" smtClean="0"/>
-              <a:t>Perception </a:t>
-            </a:r>
-            <a:r>
-              <a:rPr lang="en-GB" dirty="0"/>
-              <a:t>and </a:t>
-            </a:r>
-            <a:r>
-              <a:rPr lang="en-GB" dirty="0"/>
-              <a:t>T</a:t>
-            </a:r>
-            <a:r>
-              <a:rPr lang="en-GB" dirty="0" smtClean="0"/>
-              <a:t>rust</a:t>
-            </a:r>
-          </a:p>
-          <a:p>
-            <a:pPr>
+              <a:t>: </a:t>
+            </a:r>
+            <a:r>
+              <a:rPr lang="en-GB" sz="2000" dirty="0"/>
+              <a:t>Exclusive and ultra-formal events</a:t>
+            </a:r>
+            <a:r>
+              <a:rPr lang="en-GB" sz="2000" dirty="0" smtClean="0"/>
+              <a:t>.</a:t>
+            </a:r>
+          </a:p>
+          <a:p>
+            <a:pPr marL="971550" lvl="1" indent="-514350">
               <a:buFont typeface="Wingdings" panose="05000000000000000000" pitchFamily="2" charset="2"/>
               <a:buChar char="Ø"/>
             </a:pPr>
             <a:r>
               <a:rPr lang="en-GB" dirty="0" smtClean="0"/>
-              <a:t>Company and Identification Brand Image</a:t>
-            </a:r>
-          </a:p>
-          <a:p>
-            <a:pPr>
-              <a:buFont typeface="Wingdings" panose="05000000000000000000" pitchFamily="2" charset="2"/>
-              <a:buChar char="Ø"/>
-            </a:pPr>
-            <a:r>
-              <a:rPr lang="en-GB" dirty="0" smtClean="0"/>
-              <a:t>Respect/Admiration</a:t>
-            </a:r>
+              <a:t>Outfit: </a:t>
+            </a:r>
+            <a:r>
+              <a:rPr lang="en-GB" sz="2000" dirty="0"/>
+              <a:t>Black tailcoat, white stiff-front shirt, high wing collar, and white bow tie.</a:t>
+            </a:r>
+          </a:p>
+          <a:p>
             <a:endParaRPr lang="en-GB" dirty="0"/>
           </a:p>
         </p:txBody>
@@ -4796,7 +6211,7 @@
     </p:spTree>
     <p:extLst>
       <p:ext uri="{BB962C8B-B14F-4D97-AF65-F5344CB8AC3E}">
-        <p14:creationId xmlns:p14="http://schemas.microsoft.com/office/powerpoint/2010/main" val="3333227971"/>
+        <p14:creationId xmlns:p14="http://schemas.microsoft.com/office/powerpoint/2010/main" val="3188079118"/>
       </p:ext>
     </p:extLst>
   </p:cSld>
@@ -4847,7 +6262,7 @@
           <a:p>
             <a:r>
               <a:rPr lang="en-GB" dirty="0"/>
-              <a:t>Dress Ethics Etiquette</a:t>
+              <a:t>Men's Formal Dress Codes</a:t>
             </a:r>
           </a:p>
         </p:txBody>
@@ -4859,118 +6274,187 @@
             <a:spLocks noGrp="1"/>
           </p:cNvSpPr>
           <p:nvPr>
-            <p:ph idx="1"/>
-          </p:nvPr>
-        </p:nvSpPr>
-        <p:spPr/>
-        <p:txBody>
-          <a:bodyPr/>
-          <a:lstStyle/>
-          <a:p>
-            <a:pPr>
+            <p:ph sz="quarter" idx="1"/>
+          </p:nvPr>
+        </p:nvSpPr>
+        <p:spPr>
+          <a:xfrm>
+            <a:off x="457200" y="1600200"/>
+            <a:ext cx="8229600" cy="5069160"/>
+          </a:xfrm>
+        </p:spPr>
+        <p:txBody>
+          <a:bodyPr>
+            <a:normAutofit/>
+          </a:bodyPr>
+          <a:lstStyle/>
+          <a:p>
+            <a:pPr marL="651510" indent="-514350">
+              <a:buAutoNum type="arabicPeriod" startAt="3"/>
+            </a:pPr>
+            <a:r>
+              <a:rPr lang="en-GB" dirty="0" smtClean="0"/>
+              <a:t>Semi-Formal </a:t>
+            </a:r>
+            <a:r>
+              <a:rPr lang="en-GB" dirty="0"/>
+              <a:t>(Cocktail</a:t>
+            </a:r>
+            <a:r>
+              <a:rPr lang="en-GB" dirty="0" smtClean="0"/>
+              <a:t>)</a:t>
+            </a:r>
+          </a:p>
+          <a:p>
+            <a:pPr marL="971550" lvl="1" indent="-514350">
               <a:buFont typeface="Wingdings" panose="05000000000000000000" pitchFamily="2" charset="2"/>
               <a:buChar char="Ø"/>
             </a:pPr>
             <a:r>
               <a:rPr lang="en-GB" dirty="0"/>
-              <a:t>Dress appropriately for the occasion or workplace</a:t>
-            </a:r>
-            <a:r>
-              <a:rPr lang="en-GB" dirty="0" smtClean="0"/>
+              <a:t>Occasions: </a:t>
+            </a:r>
+            <a:r>
+              <a:rPr lang="en-GB" sz="2000" dirty="0"/>
+              <a:t>Evening parties or semi-formal gatherings</a:t>
+            </a:r>
+            <a:r>
+              <a:rPr lang="en-GB" sz="2000" dirty="0" smtClean="0"/>
               <a:t>.</a:t>
             </a:r>
           </a:p>
           <a:p>
-            <a:pPr>
+            <a:pPr marL="971550" lvl="1" indent="-514350">
               <a:buFont typeface="Wingdings" panose="05000000000000000000" pitchFamily="2" charset="2"/>
               <a:buChar char="Ø"/>
             </a:pPr>
             <a:r>
+              <a:rPr lang="en-GB" dirty="0" smtClean="0"/>
+              <a:t>Outfit</a:t>
+            </a:r>
+            <a:r>
               <a:rPr lang="en-GB" dirty="0"/>
-              <a:t>Keep attire neat, clean, and well-fitted</a:t>
-            </a:r>
+              <a:t>: </a:t>
+            </a:r>
+            <a:r>
+              <a:rPr lang="en-GB" sz="2000" dirty="0"/>
+              <a:t>Dark suit (navy/charcoal), </a:t>
+            </a:r>
+            <a:r>
+              <a:rPr lang="en-GB" sz="2000" dirty="0" err="1"/>
+              <a:t>light-colored</a:t>
+            </a:r>
+            <a:r>
+              <a:rPr lang="en-GB" sz="2000" dirty="0"/>
+              <a:t> dress shirt, and tie.</a:t>
+            </a:r>
+            <a:endParaRPr lang="en-GB" sz="2000" dirty="0" smtClean="0"/>
+          </a:p>
+          <a:p>
+            <a:pPr marL="651510" indent="-514350">
+              <a:buAutoNum type="arabicPeriod" startAt="3"/>
+            </a:pPr>
             <a:r>
               <a:rPr lang="en-GB" dirty="0" smtClean="0"/>
-              <a:t>.</a:t>
-            </a:r>
-          </a:p>
-          <a:p>
-            <a:pPr>
+              <a:t>Business Formal</a:t>
+            </a:r>
+          </a:p>
+          <a:p>
+            <a:pPr marL="971550" lvl="1" indent="-514350">
               <a:buFont typeface="Wingdings" panose="05000000000000000000" pitchFamily="2" charset="2"/>
               <a:buChar char="Ø"/>
             </a:pPr>
             <a:r>
               <a:rPr lang="en-GB" dirty="0"/>
-              <a:t>Avoid overly revealing or flashy outfits</a:t>
-            </a:r>
-            <a:r>
-              <a:rPr lang="en-GB" dirty="0" smtClean="0"/>
+              <a:t>Occasions: </a:t>
+            </a:r>
+            <a:r>
+              <a:rPr lang="en-GB" sz="2000" dirty="0"/>
+              <a:t>Office settings or formal business meetings</a:t>
+            </a:r>
+            <a:r>
+              <a:rPr lang="en-GB" sz="2000" dirty="0" smtClean="0"/>
               <a:t>.</a:t>
             </a:r>
           </a:p>
           <a:p>
-            <a:pPr>
+            <a:pPr marL="971550" lvl="1" indent="-514350">
               <a:buFont typeface="Wingdings" panose="05000000000000000000" pitchFamily="2" charset="2"/>
               <a:buChar char="Ø"/>
             </a:pPr>
             <a:r>
+              <a:rPr lang="en-GB" dirty="0" smtClean="0"/>
+              <a:t>Outfit</a:t>
+            </a:r>
+            <a:r>
               <a:rPr lang="en-GB" dirty="0"/>
-              <a:t>Respect cultural and regional dress norms</a:t>
+              <a:t>: </a:t>
+            </a:r>
+            <a:r>
+              <a:rPr lang="en-GB" sz="2000" dirty="0"/>
+              <a:t>Dark business suit, light shirt, matching belt and leather shoes.</a:t>
+            </a:r>
+            <a:endParaRPr lang="en-GB" sz="2000" dirty="0" smtClean="0"/>
+          </a:p>
+          <a:p>
+            <a:pPr marL="651510" indent="-514350">
+              <a:buAutoNum type="arabicPeriod" startAt="3"/>
+            </a:pPr>
+            <a:r>
+              <a:rPr lang="en-GB" dirty="0"/>
+              <a:t>Business </a:t>
             </a:r>
             <a:r>
               <a:rPr lang="en-GB" dirty="0" smtClean="0"/>
-              <a:t>.</a:t>
-            </a:r>
-          </a:p>
-          <a:p>
-            <a:pPr>
+              <a:t>Casual</a:t>
+            </a:r>
+          </a:p>
+          <a:p>
+            <a:pPr marL="971550" lvl="1" indent="-514350">
               <a:buFont typeface="Wingdings" panose="05000000000000000000" pitchFamily="2" charset="2"/>
               <a:buChar char="Ø"/>
             </a:pPr>
             <a:r>
+              <a:rPr lang="en-GB" dirty="0" smtClean="0"/>
+              <a:t>Occasions</a:t>
+            </a:r>
+            <a:r>
               <a:rPr lang="en-GB" dirty="0"/>
-              <a:t>Maintain a well-groomed appearance</a:t>
-            </a:r>
-            <a:r>
-              <a:rPr lang="en-GB" dirty="0" smtClean="0"/>
+              <a:t>: </a:t>
+            </a:r>
+            <a:r>
+              <a:rPr lang="en-GB" sz="2000" dirty="0"/>
+              <a:t>Less formal work settings or casual meetings</a:t>
+            </a:r>
+            <a:r>
+              <a:rPr lang="en-GB" sz="2000" dirty="0" smtClean="0"/>
               <a:t>.</a:t>
             </a:r>
           </a:p>
           <a:p>
-            <a:pPr>
+            <a:pPr marL="971550" lvl="1" indent="-514350">
               <a:buFont typeface="Wingdings" panose="05000000000000000000" pitchFamily="2" charset="2"/>
               <a:buChar char="Ø"/>
             </a:pPr>
             <a:r>
+              <a:rPr lang="en-GB" dirty="0" smtClean="0"/>
+              <a:t>Outfit</a:t>
+            </a:r>
+            <a:r>
               <a:rPr lang="en-GB" dirty="0"/>
-              <a:t>Use minimal, complementary accessories</a:t>
-            </a:r>
-            <a:r>
-              <a:rPr lang="en-GB" dirty="0" smtClean="0"/>
-              <a:t>.</a:t>
-            </a:r>
-          </a:p>
-          <a:p>
-            <a:pPr>
-              <a:buFont typeface="Wingdings" panose="05000000000000000000" pitchFamily="2" charset="2"/>
-              <a:buChar char="Ø"/>
-            </a:pPr>
-            <a:r>
-              <a:rPr lang="en-GB" dirty="0"/>
-              <a:t>Match and maintain footwear properly</a:t>
-            </a:r>
-            <a:r>
-              <a:rPr lang="en-GB" dirty="0" smtClean="0"/>
-              <a:t>.</a:t>
-            </a:r>
-            <a:endParaRPr lang="en-GB" dirty="0"/>
+              <a:t>: </a:t>
+            </a:r>
+            <a:r>
+              <a:rPr lang="en-GB" sz="2000" dirty="0"/>
+              <a:t>Blazer, chinos or trousers, dress shirt or polo, optional tie, and loafers.</a:t>
+            </a:r>
           </a:p>
         </p:txBody>
       </p:sp>
     </p:spTree>
     <p:extLst>
       <p:ext uri="{BB962C8B-B14F-4D97-AF65-F5344CB8AC3E}">
-        <p14:creationId xmlns:p14="http://schemas.microsoft.com/office/powerpoint/2010/main" val="2428349347"/>
+        <p14:creationId xmlns:p14="http://schemas.microsoft.com/office/powerpoint/2010/main" val="3049192135"/>
       </p:ext>
     </p:extLst>
   </p:cSld>
@@ -5016,12 +6500,18 @@
         </p:nvSpPr>
         <p:spPr/>
         <p:txBody>
-          <a:bodyPr/>
-          <a:lstStyle/>
-          <a:p>
+          <a:bodyPr>
+            <a:normAutofit/>
+          </a:bodyPr>
+          <a:lstStyle/>
+          <a:p>
+            <a:r>
+              <a:rPr lang="en-GB" dirty="0" smtClean="0"/>
+              <a:t>Women's </a:t>
+            </a:r>
             <a:r>
               <a:rPr lang="en-GB" dirty="0"/>
-              <a:t>Men's Formal Dress Codes</a:t>
+              <a:t>Formal Dress Codes</a:t>
             </a:r>
           </a:p>
         </p:txBody>
@@ -5033,17 +6523,19 @@
             <a:spLocks noGrp="1"/>
           </p:cNvSpPr>
           <p:nvPr>
-            <p:ph idx="1"/>
+            <p:ph sz="quarter" idx="1"/>
           </p:nvPr>
         </p:nvSpPr>
         <p:spPr>
           <a:xfrm>
             <a:off x="457200" y="1600200"/>
-            <a:ext cx="8229600" cy="4565104"/>
-          </a:xfrm>
-        </p:spPr>
-        <p:txBody>
-          <a:bodyPr/>
+            <a:ext cx="8229600" cy="4493096"/>
+          </a:xfrm>
+        </p:spPr>
+        <p:txBody>
+          <a:bodyPr>
+            <a:normAutofit/>
+          </a:bodyPr>
           <a:lstStyle/>
           <a:p>
             <a:pPr>
@@ -5052,11 +6544,11 @@
             </a:pPr>
             <a:r>
               <a:rPr lang="en-GB" dirty="0"/>
-              <a:t>Polished and sophisticated attire for formal events</a:t>
+              <a:t>Polished and sophisticated attire for formal </a:t>
             </a:r>
             <a:r>
               <a:rPr lang="en-GB" dirty="0" smtClean="0"/>
-              <a:t>.</a:t>
+              <a:t>events for women are:</a:t>
             </a:r>
           </a:p>
           <a:p>
@@ -5065,12 +6557,8 @@
               <a:buAutoNum type="arabicPeriod"/>
             </a:pPr>
             <a:r>
-              <a:rPr lang="en-GB" dirty="0"/>
-              <a:t>Black </a:t>
-            </a:r>
-            <a:r>
               <a:rPr lang="en-GB" dirty="0" smtClean="0"/>
-              <a:t>Tie:</a:t>
+              <a:t>Suits:</a:t>
             </a:r>
           </a:p>
           <a:p>
@@ -5079,20 +6567,24 @@
               <a:buChar char="Ø"/>
             </a:pPr>
             <a:r>
-              <a:rPr lang="en-GB" dirty="0" smtClean="0"/>
-              <a:t>Occasions</a:t>
-            </a:r>
-            <a:r>
-              <a:rPr lang="en-GB" dirty="0"/>
-              <a:t>: </a:t>
-            </a:r>
-            <a:r>
               <a:rPr lang="en-GB" sz="2000" dirty="0"/>
-              <a:t>Weddings, galas, formal </a:t>
+              <a:t>Tailored fit in neutral </a:t>
+            </a:r>
+            <a:r>
+              <a:rPr lang="en-GB" sz="2000" dirty="0" err="1"/>
+              <a:t>colors</a:t>
+            </a:r>
+            <a:r>
+              <a:rPr lang="en-GB" sz="2000" dirty="0"/>
+              <a:t> (navy, black, </a:t>
+            </a:r>
+            <a:r>
+              <a:rPr lang="en-GB" sz="2000" dirty="0" err="1"/>
+              <a:t>gray</a:t>
             </a:r>
             <a:r>
               <a:rPr lang="en-GB" sz="2000" dirty="0" smtClean="0"/>
-              <a:t>dinners.</a:t>
+              <a:t>).</a:t>
             </a:r>
           </a:p>
           <a:p>
@@ -5101,17 +6593,14 @@
               <a:buChar char="Ø"/>
             </a:pPr>
             <a:r>
-              <a:rPr lang="en-GB" dirty="0" smtClean="0"/>
-              <a:t>Outfit: </a:t>
+              <a:rPr lang="en-GB" sz="2000" dirty="0" smtClean="0"/>
+              <a:t>Versatile </a:t>
             </a:r>
             <a:r>
               <a:rPr lang="en-GB" sz="2000" dirty="0"/>
-              <a:t>Tuxedo (black/midnight blue), white dress shirt, satin bow tie, single-breasted jacket, and satin-striped trousers</a:t>
-            </a:r>
-            <a:r>
-              <a:rPr lang="en-GB" sz="2000" dirty="0" smtClean="0"/>
-              <a:t>.</a:t>
-            </a:r>
+              <a:t>pieces for mix-and-match options.</a:t>
+            </a:r>
+            <a:endParaRPr lang="en-GB" sz="2000" dirty="0" smtClean="0"/>
           </a:p>
           <a:p>
             <a:pPr marL="651510" indent="-514350">
@@ -5119,12 +6608,8 @@
               <a:buAutoNum type="arabicPeriod"/>
             </a:pPr>
             <a:r>
-              <a:rPr lang="en-GB" dirty="0"/>
-              <a:t>White </a:t>
-            </a:r>
-            <a:r>
               <a:rPr lang="en-GB" dirty="0" smtClean="0"/>
-              <a:t>Tie:</a:t>
+              <a:t>Skirts:</a:t>
             </a:r>
           </a:p>
           <a:p>
@@ -5133,16 +6618,8 @@
               <a:buChar char="Ø"/>
             </a:pPr>
             <a:r>
-              <a:rPr lang="en-GB" dirty="0" smtClean="0"/>
-              <a:t>Occasions</a:t>
-            </a:r>
-            <a:r>
-              <a:rPr lang="en-GB" dirty="0"/>
-              <a:t>: </a:t>
-            </a:r>
-            <a:r>
               <a:rPr lang="en-GB" sz="2000" dirty="0"/>
-              <a:t>Exclusive and ultra-formal events</a:t>
+              <a:t>Knee-length or longer for professional settings</a:t>
             </a:r>
             <a:r>
               <a:rPr lang="en-GB" sz="2000" dirty="0" smtClean="0"/>
@@ -5155,23 +6632,67 @@
               <a:buChar char="Ø"/>
             </a:pPr>
             <a:r>
+              <a:rPr lang="en-GB" sz="2000" dirty="0" smtClean="0"/>
+              <a:t>Pencil </a:t>
+            </a:r>
+            <a:r>
+              <a:rPr lang="en-GB" sz="2000" dirty="0"/>
+              <a:t>or A-line skirts for elegance and comfort.</a:t>
+            </a:r>
+            <a:endParaRPr lang="en-GB" sz="2000" dirty="0" smtClean="0"/>
+          </a:p>
+          <a:p>
+            <a:pPr marL="651510" indent="-514350">
+              <a:buFont typeface="+mj-lt"/>
+              <a:buAutoNum type="arabicPeriod"/>
+            </a:pPr>
+            <a:r>
               <a:rPr lang="en-GB" dirty="0" smtClean="0"/>
-              <a:t>Outfit: </a:t>
-            </a:r>
+              <a:t>Pants:</a:t>
+            </a:r>
+          </a:p>
+          <a:p>
+            <a:pPr marL="971550" lvl="1" indent="-514350">
+              <a:buFont typeface="Wingdings" panose="05000000000000000000" pitchFamily="2" charset="2"/>
+              <a:buChar char="Ø"/>
+            </a:pPr>
             <a:r>
               <a:rPr lang="en-GB" sz="2000" dirty="0"/>
-              <a:t>Black tailcoat, white stiff-front shirt, high wing collar, and white bow tie.</a:t>
-            </a:r>
-          </a:p>
-          <a:p>
-            <a:endParaRPr lang="en-GB" dirty="0"/>
+              <a:t>Tailored dress pants in classic </a:t>
+            </a:r>
+            <a:r>
+              <a:rPr lang="en-GB" sz="2000" dirty="0" err="1"/>
+              <a:t>colors</a:t>
+            </a:r>
+            <a:r>
+              <a:rPr lang="en-GB" sz="2000" dirty="0" smtClean="0"/>
+              <a:t>.</a:t>
+            </a:r>
+          </a:p>
+          <a:p>
+            <a:pPr marL="971550" lvl="1" indent="-514350">
+              <a:buFont typeface="Wingdings" panose="05000000000000000000" pitchFamily="2" charset="2"/>
+              <a:buChar char="Ø"/>
+            </a:pPr>
+            <a:r>
+              <a:rPr lang="en-GB" sz="2000" dirty="0" smtClean="0"/>
+              <a:t>Trouser </a:t>
+            </a:r>
+            <a:r>
+              <a:rPr lang="en-GB" sz="2000" dirty="0"/>
+              <a:t>suits for a modern, comfortable look</a:t>
+            </a:r>
+            <a:r>
+              <a:rPr lang="en-GB" sz="2000" dirty="0" smtClean="0"/>
+              <a:t>.</a:t>
+            </a:r>
           </a:p>
         </p:txBody>
       </p:sp>
     </p:spTree>
     <p:extLst>
       <p:ext uri="{BB962C8B-B14F-4D97-AF65-F5344CB8AC3E}">
-        <p14:creationId xmlns:p14="http://schemas.microsoft.com/office/powerpoint/2010/main" val="3188079118"/>
+        <p14:creationId xmlns:p14="http://schemas.microsoft.com/office/powerpoint/2010/main" val="1109595675"/>
       </p:ext>
     </p:extLst>
   </p:cSld>
@@ -5217,12 +6738,14 @@
         </p:nvSpPr>
         <p:spPr/>
         <p:txBody>
-          <a:bodyPr/>
+          <a:bodyPr>
+            <a:normAutofit/>
+          </a:bodyPr>
           <a:lstStyle/>
           <a:p>
             <a:r>
               <a:rPr lang="en-GB" dirty="0"/>
-              <a:t>Men's Formal Dress Codes</a:t>
+              <a:t>Women's Formal Dress Codes</a:t>
             </a:r>
           </a:p>
         </p:txBody>
@@ -5234,35 +6757,22 @@
             <a:spLocks noGrp="1"/>
           </p:cNvSpPr>
           <p:nvPr>
-            <p:ph idx="1"/>
-          </p:nvPr>
-        </p:nvSpPr>
-        <p:spPr>
-          <a:xfrm>
-            <a:off x="457200" y="1600200"/>
-            <a:ext cx="8229600" cy="5069160"/>
-          </a:xfrm>
-        </p:spPr>
+            <p:ph sz="quarter" idx="1"/>
+          </p:nvPr>
+        </p:nvSpPr>
+        <p:spPr/>
         <p:txBody>
           <a:bodyPr>
-            <a:normAutofit lnSpcReduction="10000"/>
+            <a:normAutofit/>
           </a:bodyPr>
           <a:lstStyle/>
           <a:p>
             <a:pPr marL="651510" indent="-514350">
-              <a:buAutoNum type="arabicPeriod" startAt="3"/>
+              <a:buAutoNum type="arabicPeriod" startAt="4"/>
             </a:pPr>
             <a:r>
               <a:rPr lang="en-GB" dirty="0" smtClean="0"/>
-              <a:t>Semi-Formal </a:t>
-            </a:r>
-            <a:r>
-              <a:rPr lang="en-GB" dirty="0"/>
-              <a:t>(Cocktail</a:t>
-            </a:r>
-            <a:r>
-              <a:rPr lang="en-GB" dirty="0" smtClean="0"/>
-              <a:t>)</a:t>
+              <a:t>Accessories:</a:t>
             </a:r>
           </a:p>
           <a:p>
@@ -5271,12 +6781,12 @@
               <a:buChar char="Ø"/>
             </a:pPr>
             <a:r>
-              <a:rPr lang="en-GB" dirty="0"/>
-              <a:t>Occasions: </a:t>
-            </a:r>
-            <a:r>
               <a:rPr lang="en-GB" sz="2000" dirty="0"/>
-              <a:t>Evening parties or semi-formal gatherings</a:t>
+              <a:t>Belts for polish, scarves for a pop of </a:t>
+            </a:r>
+            <a:r>
+              <a:rPr lang="en-GB" sz="2000" dirty="0" err="1"/>
+              <a:t>color</a:t>
             </a:r>
             <a:r>
               <a:rPr lang="en-GB" sz="2000" dirty="0" smtClean="0"/>
@@ -5289,34 +6799,30 @@
               <a:buChar char="Ø"/>
             </a:pPr>
             <a:r>
+              <a:rPr lang="en-GB" sz="2000" dirty="0" smtClean="0"/>
+              <a:t>Structured</a:t>
+            </a:r>
+            <a:r>
+              <a:rPr lang="en-GB" sz="2000" dirty="0"/>
+              <a:t>, neutral handbags for functionality.</a:t>
+            </a:r>
+            <a:endParaRPr lang="en-GB" sz="2000" dirty="0" smtClean="0"/>
+          </a:p>
+          <a:p>
+            <a:pPr marL="651510" indent="-514350">
+              <a:buAutoNum type="arabicPeriod" startAt="4"/>
+            </a:pPr>
+            <a:r>
+              <a:rPr lang="en-GB" dirty="0"/>
+              <a:t>Hair &amp; </a:t>
+            </a:r>
+            <a:r>
+              <a:rPr lang="en-GB" dirty="0" err="1"/>
+              <a:t>Jewelry</a:t>
+            </a:r>
+            <a:r>
               <a:rPr lang="en-GB" dirty="0" smtClean="0"/>
-              <a:t>Outfit</a:t>
-            </a:r>
-            <a:r>
-              <a:rPr lang="en-GB" dirty="0"/>
-              <a:t>: </a:t>
-            </a:r>
-            <a:r>
-              <a:rPr lang="en-GB" sz="2000" dirty="0"/>
-              <a:t>Dark suit (navy/charcoal), </a:t>
-            </a:r>
-            <a:r>
-              <a:rPr lang="en-GB" sz="2000" dirty="0" err="1"/>
-              <a:t>light-colored</a:t>
-            </a:r>
-            <a:r>
-              <a:rPr lang="en-GB" sz="2000" dirty="0"/>
-              <a:t> dress shirt, and tie.</a:t>
-            </a:r>
-            <a:endParaRPr lang="en-GB" sz="2000" dirty="0" smtClean="0"/>
-          </a:p>
-          <a:p>
-            <a:pPr marL="651510" indent="-514350">
-              <a:buAutoNum type="arabicPeriod" startAt="3"/>
-            </a:pPr>
-            <a:r>
-              <a:rPr lang="en-GB" dirty="0" smtClean="0"/>
-              <a:t>Business Formal</a:t>
+              <a:t>:</a:t>
             </a:r>
           </a:p>
           <a:p>
@@ -5325,16 +6831,12 @@
               <a:buChar char="Ø"/>
             </a:pPr>
             <a:r>
-              <a:rPr lang="en-GB" dirty="0"/>
-              <a:t>Occasions: </a:t>
-            </a:r>
-            <a:r>
               <a:rPr lang="en-GB" sz="2000" dirty="0"/>
-              <a:t>Office settings or formal business meetings</a:t>
+              <a:t>Neat hairstyles (buns, ponytails</a:t>
             </a:r>
             <a:r>
               <a:rPr lang="en-GB" sz="2000" dirty="0" smtClean="0"/>
-              <a:t>.</a:t>
+              <a:t>).</a:t>
             </a:r>
           </a:p>
           <a:p>
@@ -5343,78 +6845,81 @@
               <a:buChar char="Ø"/>
             </a:pPr>
             <a:r>
+              <a:rPr lang="en-GB" sz="2000" dirty="0" smtClean="0"/>
+              <a:t>Minimalist </a:t>
+            </a:r>
+            <a:r>
+              <a:rPr lang="en-GB" sz="2000" dirty="0" err="1"/>
+              <a:t>jewelry</a:t>
+            </a:r>
+            <a:r>
+              <a:rPr lang="en-GB" sz="2000" dirty="0"/>
+              <a:t>: </a:t>
+            </a:r>
+            <a:r>
+              <a:rPr lang="en-GB" sz="2000" dirty="0" smtClean="0"/>
+              <a:t>delicate </a:t>
+            </a:r>
+            <a:r>
+              <a:rPr lang="en-GB" sz="2000" dirty="0"/>
+              <a:t>necklaces, earrings, or bracelets</a:t>
+            </a:r>
+            <a:r>
+              <a:rPr lang="en-GB" sz="2000" dirty="0" smtClean="0"/>
+              <a:t>.</a:t>
+            </a:r>
+          </a:p>
+          <a:p>
+            <a:pPr marL="137160" indent="0">
+              <a:buNone/>
+            </a:pPr>
+            <a:endParaRPr lang="en-GB" dirty="0" smtClean="0"/>
+          </a:p>
+          <a:p>
+            <a:pPr marL="137160" indent="0">
+              <a:buNone/>
+            </a:pPr>
+            <a:r>
               <a:rPr lang="en-GB" dirty="0" smtClean="0"/>
-              <a:t>Outfit</a:t>
+              <a:t># </a:t>
             </a:r>
             <a:r>
               <a:rPr lang="en-GB" dirty="0"/>
-              <a:t>: </a:t>
-            </a:r>
-            <a:r>
-              <a:rPr lang="en-GB" sz="2000" dirty="0"/>
-              <a:t>Dark business suit, light shirt, matching belt and leather shoes.</a:t>
-            </a:r>
-            <a:endParaRPr lang="en-GB" sz="2000" dirty="0" smtClean="0"/>
-          </a:p>
-          <a:p>
-            <a:pPr marL="651510" indent="-514350">
-              <a:buAutoNum type="arabicPeriod" startAt="3"/>
-            </a:pPr>
-            <a:r>
-              <a:rPr lang="en-GB" dirty="0"/>
-              <a:t>Business </a:t>
-            </a:r>
-            <a:r>
-              <a:rPr lang="en-GB" dirty="0" smtClean="0"/>
-              <a:t>Casual</a:t>
-            </a:r>
-          </a:p>
-          <a:p>
-            <a:pPr marL="971550" lvl="1" indent="-514350">
+              <a:t>Additional Tips:</a:t>
+            </a:r>
+          </a:p>
+          <a:p>
+            <a:pPr lvl="1">
               <a:buFont typeface="Wingdings" panose="05000000000000000000" pitchFamily="2" charset="2"/>
               <a:buChar char="Ø"/>
             </a:pPr>
             <a:r>
-              <a:rPr lang="en-GB" dirty="0" smtClean="0"/>
-              <a:t>Occasions</a:t>
-            </a:r>
-            <a:r>
-              <a:rPr lang="en-GB" dirty="0"/>
-              <a:t>: </a:t>
-            </a:r>
-            <a:r>
               <a:rPr lang="en-GB" sz="2000" dirty="0"/>
-              <a:t>Less formal work settings or casual meetings</a:t>
-            </a:r>
-            <a:r>
-              <a:rPr lang="en-GB" sz="2000" dirty="0" smtClean="0"/>
-              <a:t>.</a:t>
-            </a:r>
-          </a:p>
-          <a:p>
-            <a:pPr marL="971550" lvl="1" indent="-514350">
+              <a:t>Prioritize comfort and confidence.</a:t>
+            </a:r>
+          </a:p>
+          <a:p>
+            <a:pPr lvl="1">
               <a:buFont typeface="Wingdings" panose="05000000000000000000" pitchFamily="2" charset="2"/>
               <a:buChar char="Ø"/>
             </a:pPr>
             <a:r>
-              <a:rPr lang="en-GB" dirty="0" smtClean="0"/>
-              <a:t>Outfit</a:t>
-            </a:r>
-            <a:r>
-              <a:rPr lang="en-GB" dirty="0"/>
-              <a:t>: </a:t>
-            </a:r>
-            <a:r>
               <a:rPr lang="en-GB" sz="2000" dirty="0"/>
-              <a:t>Blazer, chinos or trousers, dress shirt or polo, optional tie, and loafers.</a:t>
-            </a:r>
+              <a:t>Dress appropriately for the occasion.</a:t>
+            </a:r>
+          </a:p>
+          <a:p>
+            <a:pPr marL="137160" indent="0">
+              <a:buNone/>
+            </a:pPr>
+            <a:endParaRPr lang="en-GB" dirty="0" smtClean="0"/>
           </a:p>
         </p:txBody>
       </p:sp>
     </p:spTree>
     <p:extLst>
       <p:ext uri="{BB962C8B-B14F-4D97-AF65-F5344CB8AC3E}">
-        <p14:creationId xmlns:p14="http://schemas.microsoft.com/office/powerpoint/2010/main" val="3049192135"/>
+        <p14:creationId xmlns:p14="http://schemas.microsoft.com/office/powerpoint/2010/main" val="3250714284"/>
       </p:ext>
     </p:extLst>
   </p:cSld>
@@ -5458,19 +6963,51 @@
             <p:ph type="title"/>
           </p:nvPr>
         </p:nvSpPr>
-        <p:spPr/>
-        <p:txBody>
-          <a:bodyPr/>
-          <a:lstStyle/>
-          <a:p>
-            <a:r>
-              <a:rPr lang="en-GB" dirty="0" smtClean="0"/>
-              <a:t>Women's </a:t>
-            </a:r>
-            <a:r>
-              <a:rPr lang="en-GB" dirty="0"/>
-              <a:t>Formal Dress Codes</a:t>
-            </a:r>
+        <p:spPr>
+          <a:xfrm>
+            <a:off x="365125" y="274638"/>
+            <a:ext cx="8778875" cy="1143000"/>
+          </a:xfrm>
+        </p:spPr>
+        <p:txBody>
+          <a:bodyPr>
+            <a:normAutofit/>
+          </a:bodyPr>
+          <a:lstStyle/>
+          <a:p>
+            <a:r>
+              <a:rPr lang="en-US" dirty="0" smtClean="0">
+                <a:effectLst>
+                  <a:outerShdw blurRad="38100" dist="38100" dir="2700000" algn="tl">
+                    <a:srgbClr val="000000">
+                      <a:alpha val="43137"/>
+                    </a:srgbClr>
+                  </a:outerShdw>
+                </a:effectLst>
+              </a:rPr>
+              <a:t>IMPACT </a:t>
+            </a:r>
+            <a:r>
+              <a:rPr lang="en-US" dirty="0">
+                <a:effectLst>
+                  <a:outerShdw blurRad="38100" dist="38100" dir="2700000" algn="tl">
+                    <a:srgbClr val="000000">
+                      <a:alpha val="43137"/>
+                    </a:srgbClr>
+                  </a:outerShdw>
+                </a:effectLst>
+              </a:rPr>
+              <a:t>OF IMPROPER DRESSING </a:t>
+            </a:r>
+            <a:endParaRPr lang="en-GB" dirty="0">
+              <a:effectLst>
+                <a:outerShdw blurRad="38100" dist="38100" dir="2700000" algn="tl">
+                  <a:srgbClr val="000000">
+                    <a:alpha val="43137"/>
+                  </a:srgbClr>
+                </a:outerShdw>
+              </a:effectLst>
+            </a:endParaRPr>
           </a:p>
         </p:txBody>
       </p:sp>
@@ -5481,176 +7018,250 @@
             <a:spLocks noGrp="1"/>
           </p:cNvSpPr>
           <p:nvPr>
-            <p:ph idx="1"/>
+            <p:ph sz="quarter" idx="1"/>
           </p:nvPr>
         </p:nvSpPr>
         <p:spPr>
           <a:xfrm>
-            <a:off x="457200" y="1600200"/>
-            <a:ext cx="8229600" cy="4493096"/>
+            <a:off x="457200" y="1484784"/>
+            <a:ext cx="8229600" cy="4032448"/>
           </a:xfrm>
         </p:spPr>
         <p:txBody>
           <a:bodyPr>
-            <a:normAutofit lnSpcReduction="10000"/>
+            <a:normAutofit fontScale="85000" lnSpcReduction="10000"/>
           </a:bodyPr>
           <a:lstStyle/>
           <a:p>
-            <a:pPr>
+            <a:pPr fontAlgn="base">
               <a:buFont typeface="Wingdings" panose="05000000000000000000" pitchFamily="2" charset="2"/>
               <a:buChar char="Ø"/>
             </a:pPr>
             <a:r>
-              <a:rPr lang="en-GB" dirty="0"/>
-              <a:t>Polished and sophisticated attire for formal </a:t>
-            </a:r>
-            <a:r>
-              <a:rPr lang="en-GB" dirty="0" smtClean="0"/>
-              <a:t>events for women are:</a:t>
-            </a:r>
-          </a:p>
-          <a:p>
-            <a:pPr marL="651510" indent="-514350">
+              <a:rPr lang="en-US" sz="2800" dirty="0"/>
+              <a:t>The topic emphasizes that in a business dress is one of the most important key factor for better success </a:t>
+            </a:r>
+            <a:r>
+              <a:rPr lang="en-US" sz="2800" dirty="0" smtClean="0"/>
+              <a:t>.</a:t>
+            </a:r>
+          </a:p>
+          <a:p>
+            <a:pPr marL="651510" indent="-514350" fontAlgn="base">
               <a:buFont typeface="+mj-lt"/>
               <a:buAutoNum type="arabicPeriod"/>
             </a:pPr>
             <a:r>
-              <a:rPr lang="en-GB" dirty="0" smtClean="0"/>
-              <a:t>Suits:</a:t>
-            </a:r>
-          </a:p>
-          <a:p>
-            <a:pPr marL="971550" lvl="1" indent="-514350">
+              <a:rPr lang="en-US" sz="2800" dirty="0" smtClean="0"/>
+              <a:t>Negative </a:t>
+            </a:r>
+            <a:r>
+              <a:rPr lang="en-US" sz="2800" dirty="0"/>
+              <a:t>first impression</a:t>
+            </a:r>
+            <a:r>
+              <a:rPr lang="en-US" sz="2800" dirty="0" smtClean="0"/>
+              <a:t>​</a:t>
+            </a:r>
+          </a:p>
+          <a:p>
+            <a:pPr marL="1179576" lvl="2" indent="-457200" fontAlgn="base">
               <a:buFont typeface="Wingdings" panose="05000000000000000000" pitchFamily="2" charset="2"/>
               <a:buChar char="Ø"/>
             </a:pPr>
             <a:r>
-              <a:rPr lang="en-GB" sz="2000" dirty="0"/>
-              <a:t>Tailored fit in neutral </a:t>
-            </a:r>
-            <a:r>
-              <a:rPr lang="en-GB" sz="2000" dirty="0" err="1"/>
-              <a:t>colors</a:t>
-            </a:r>
-            <a:r>
-              <a:rPr lang="en-GB" sz="2000" dirty="0"/>
-              <a:t> (navy, black, </a:t>
-            </a:r>
-            <a:r>
-              <a:rPr lang="en-GB" sz="2000" dirty="0" err="1"/>
-              <a:t>gray</a:t>
-            </a:r>
-            <a:r>
-              <a:rPr lang="en-GB" sz="2000" dirty="0" smtClean="0"/>
-              <a:t>).</a:t>
-            </a:r>
-          </a:p>
-          <a:p>
-            <a:pPr marL="971550" lvl="1" indent="-514350">
+              <a:rPr lang="en-US" sz="2400" dirty="0" smtClean="0"/>
+              <a:t>First </a:t>
+            </a:r>
+            <a:r>
+              <a:rPr lang="en-US" sz="2400" dirty="0"/>
+              <a:t>impression is crucial in professional life. So dressing  poorly </a:t>
+            </a:r>
+            <a:r>
+              <a:rPr lang="en-US" sz="2400" dirty="0" smtClean="0"/>
+              <a:t>makes you </a:t>
+            </a:r>
+            <a:r>
+              <a:rPr lang="en-US" sz="2400" dirty="0"/>
+              <a:t>look </a:t>
+            </a:r>
+            <a:r>
+              <a:rPr lang="en-US" sz="2400" dirty="0" smtClean="0"/>
+              <a:t>unprofessional</a:t>
+            </a:r>
+            <a:r>
+              <a:rPr lang="en-US" sz="2400" dirty="0"/>
+              <a:t>.</a:t>
+            </a:r>
+            <a:r>
+              <a:rPr lang="en-US" sz="2400" dirty="0" smtClean="0"/>
+              <a:t>​</a:t>
+            </a:r>
+          </a:p>
+          <a:p>
+            <a:pPr marL="651510" indent="-514350" fontAlgn="base">
+              <a:buFont typeface="+mj-lt"/>
+              <a:buAutoNum type="arabicPeriod"/>
+            </a:pPr>
+            <a:r>
+              <a:rPr lang="en-US" sz="2800" dirty="0" smtClean="0"/>
+              <a:t>Lack </a:t>
+            </a:r>
+            <a:r>
+              <a:rPr lang="en-US" sz="2800" dirty="0"/>
+              <a:t>of credibility</a:t>
+            </a:r>
+            <a:r>
+              <a:rPr lang="en-US" sz="2800" dirty="0" smtClean="0"/>
+              <a:t>​</a:t>
+            </a:r>
+          </a:p>
+          <a:p>
+            <a:pPr marL="1236726" lvl="2" indent="-514350" fontAlgn="base">
               <a:buFont typeface="Wingdings" panose="05000000000000000000" pitchFamily="2" charset="2"/>
               <a:buChar char="Ø"/>
             </a:pPr>
             <a:r>
-              <a:rPr lang="en-GB" sz="2000" dirty="0" smtClean="0"/>
-              <a:t>Versatile </a:t>
-            </a:r>
-            <a:r>
-              <a:rPr lang="en-GB" sz="2000" dirty="0"/>
-              <a:t>pieces for mix-and-match options.</a:t>
-            </a:r>
-            <a:endParaRPr lang="en-GB" sz="2000" dirty="0" smtClean="0"/>
-          </a:p>
-          <a:p>
-            <a:pPr marL="651510" indent="-514350">
+              <a:rPr lang="en-US" sz="2400" dirty="0" smtClean="0"/>
+              <a:t>If </a:t>
+            </a:r>
+            <a:r>
+              <a:rPr lang="en-US" sz="2400" dirty="0"/>
+              <a:t>you looks unprofessional people may doubt on your skill or reliability </a:t>
+            </a:r>
+            <a:r>
+              <a:rPr lang="en-US" sz="2400" dirty="0" smtClean="0"/>
+              <a:t>and </a:t>
+            </a:r>
+            <a:r>
+              <a:rPr lang="en-US" sz="2400" dirty="0"/>
+              <a:t>starts to lose trust on you</a:t>
+            </a:r>
+            <a:r>
+              <a:rPr lang="en-US" sz="2400" dirty="0" smtClean="0"/>
+              <a:t>.</a:t>
+            </a:r>
+          </a:p>
+          <a:p>
+            <a:pPr marL="651510" indent="-514350" fontAlgn="base">
               <a:buFont typeface="+mj-lt"/>
               <a:buAutoNum type="arabicPeriod"/>
             </a:pPr>
             <a:r>
-              <a:rPr lang="en-GB" dirty="0" smtClean="0"/>
-              <a:t>Skirts:</a:t>
-            </a:r>
-          </a:p>
-          <a:p>
-            <a:pPr marL="971550" lvl="1" indent="-514350">
+              <a:rPr lang="en-US" sz="2800" dirty="0" smtClean="0"/>
+              <a:t>​Lower </a:t>
+            </a:r>
+            <a:r>
+              <a:rPr lang="en-US" sz="2800" dirty="0"/>
+              <a:t>confidence </a:t>
+            </a:r>
+          </a:p>
+          <a:p>
+            <a:pPr marL="1065276" lvl="2" indent="-342900" fontAlgn="base">
               <a:buFont typeface="Wingdings" panose="05000000000000000000" pitchFamily="2" charset="2"/>
               <a:buChar char="Ø"/>
             </a:pPr>
             <a:r>
-              <a:rPr lang="en-GB" sz="2000" dirty="0"/>
-              <a:t>Knee-length or longer for professional settings</a:t>
-            </a:r>
-            <a:r>
-              <a:rPr lang="en-GB" sz="2000" dirty="0" smtClean="0"/>
-              <a:t>.</a:t>
-            </a:r>
-          </a:p>
-          <a:p>
-            <a:pPr marL="971550" lvl="1" indent="-514350">
-              <a:buFont typeface="Wingdings" panose="05000000000000000000" pitchFamily="2" charset="2"/>
-              <a:buChar char="Ø"/>
+              <a:rPr lang="en-US" sz="2400" dirty="0"/>
+              <a:t>​Improper dress makes you nervous ,and uncomfortable , and make cause you doubt on your own skill.​</a:t>
+            </a:r>
+          </a:p>
+          <a:p>
+            <a:pPr marL="722376" lvl="2" indent="0" fontAlgn="base">
+              <a:buNone/>
             </a:pPr>
-            <a:r>
-              <a:rPr lang="en-GB" sz="2000" dirty="0" smtClean="0"/>
-              <a:t>Pencil </a:t>
-            </a:r>
-            <a:r>
-              <a:rPr lang="en-GB" sz="2000" dirty="0"/>
-              <a:t>or A-line skirts for elegance and comfort.</a:t>
-            </a:r>
-            <a:endParaRPr lang="en-GB" sz="2000" dirty="0" smtClean="0"/>
-          </a:p>
-          <a:p>
-            <a:pPr marL="651510" indent="-514350">
-              <a:buFont typeface="+mj-lt"/>
-              <a:buAutoNum type="arabicPeriod"/>
+            <a:endParaRPr lang="en-US" sz="2400" dirty="0"/>
+          </a:p>
+          <a:p>
+            <a:pPr marL="722376" lvl="2" indent="0" fontAlgn="base">
+              <a:buNone/>
             </a:pPr>
-            <a:r>
-              <a:rPr lang="en-GB" dirty="0" smtClean="0"/>
-              <a:t>Pants:</a:t>
-            </a:r>
-          </a:p>
-          <a:p>
-            <a:pPr marL="971550" lvl="1" indent="-514350">
-              <a:buFont typeface="Wingdings" panose="05000000000000000000" pitchFamily="2" charset="2"/>
-              <a:buChar char="Ø"/>
-            </a:pPr>
-            <a:r>
-              <a:rPr lang="en-GB" sz="2000" dirty="0"/>
-              <a:t>Tailored dress pants in classic </a:t>
-            </a:r>
-            <a:r>
-              <a:rPr lang="en-GB" sz="2000" dirty="0" err="1"/>
-              <a:t>colors</a:t>
-            </a:r>
-            <a:r>
-              <a:rPr lang="en-GB" sz="2000" dirty="0" smtClean="0"/>
-              <a:t>.</a:t>
-            </a:r>
-          </a:p>
-          <a:p>
-            <a:pPr marL="971550" lvl="1" indent="-514350">
-              <a:buFont typeface="Wingdings" panose="05000000000000000000" pitchFamily="2" charset="2"/>
-              <a:buChar char="Ø"/>
-            </a:pPr>
-            <a:r>
-              <a:rPr lang="en-GB" sz="2000" dirty="0" smtClean="0"/>
-              <a:t>Trouser </a:t>
-            </a:r>
-            <a:r>
-              <a:rPr lang="en-GB" sz="2000" dirty="0"/>
-              <a:t>suits for a modern, comfortable look</a:t>
-            </a:r>
-            <a:r>
-              <a:rPr lang="en-GB" sz="2000" dirty="0" smtClean="0"/>
-              <a:t>.</a:t>
-            </a:r>
+            <a:endParaRPr lang="en-US" sz="2400" dirty="0" smtClean="0"/>
+          </a:p>
+        </p:txBody>
+      </p:sp>
+      <p:sp>
+        <p:nvSpPr>
+          <p:cNvPr id="4" name="AutoShape 2" descr="up close image of waves"/>
+          <p:cNvSpPr>
+            <a:spLocks noChangeAspect="1" noChangeArrowheads="1"/>
+          </p:cNvSpPr>
+          <p:nvPr/>
+        </p:nvSpPr>
+        <p:spPr bwMode="auto">
+          <a:xfrm>
+            <a:off x="212725" y="-144463"/>
+            <a:ext cx="304800" cy="304801"/>
+          </a:xfrm>
+          <a:prstGeom prst="rect">
+            <a:avLst/>
+          </a:prstGeom>
+          <a:noFill/>
+          <a:extLst>
+            <a:ext uri="{909E8E84-426E-40DD-AFC4-6F175D3DCCD1}">
+              <a14:hiddenFill xmlns:a14="http://schemas.microsoft.com/office/drawing/2010/main">
+                <a:solidFill>
+                  <a:srgbClr val="FFFFFF"/>
+                </a:solidFill>
+              </a14:hiddenFill>
+            </a:ext>
+          </a:extLst>
+        </p:spPr>
+        <p:txBody>
+          <a:bodyPr vert="horz" wrap="square" lIns="91440" tIns="45720" rIns="91440" bIns="45720" numCol="1" anchor="t" anchorCtr="0" compatLnSpc="1">
+            <a:prstTxWarp prst="textNoShape">
+              <a:avLst/>
+            </a:prstTxWarp>
+          </a:bodyPr>
+          <a:lstStyle/>
+          <a:p>
+            <a:endParaRPr lang="en-GB"/>
+          </a:p>
+        </p:txBody>
+      </p:sp>
+      <p:sp>
+        <p:nvSpPr>
+          <p:cNvPr id="5" name="AutoShape 4" descr="up close image of waves"/>
+          <p:cNvSpPr>
+            <a:spLocks noChangeAspect="1" noChangeArrowheads="1"/>
+          </p:cNvSpPr>
+          <p:nvPr/>
+        </p:nvSpPr>
+        <p:spPr bwMode="auto">
+          <a:xfrm>
+            <a:off x="365125" y="7937"/>
+            <a:ext cx="304800" cy="304801"/>
+          </a:xfrm>
+          <a:prstGeom prst="rect">
+            <a:avLst/>
+          </a:prstGeom>
+          <a:noFill/>
+          <a:extLst>
+            <a:ext uri="{909E8E84-426E-40DD-AFC4-6F175D3DCCD1}">
+              <a14:hiddenFill xmlns:a14="http://schemas.microsoft.com/office/drawing/2010/main">
+                <a:solidFill>
+                  <a:srgbClr val="FFFFFF"/>
+                </a:solidFill>
+              </a14:hiddenFill>
+            </a:ext>
+          </a:extLst>
+        </p:spPr>
+        <p:txBody>
+          <a:bodyPr vert="horz" wrap="square" lIns="91440" tIns="45720" rIns="91440" bIns="45720" numCol="1" anchor="t" anchorCtr="0" compatLnSpc="1">
+            <a:prstTxWarp prst="textNoShape">
+              <a:avLst/>
+            </a:prstTxWarp>
+          </a:bodyPr>
+          <a:lstStyle/>
+          <a:p>
+            <a:endParaRPr lang="en-GB"/>
           </a:p>
         </p:txBody>
       </p:sp>
     </p:spTree>
     <p:extLst>
       <p:ext uri="{BB962C8B-B14F-4D97-AF65-F5344CB8AC3E}">
-        <p14:creationId xmlns:p14="http://schemas.microsoft.com/office/powerpoint/2010/main" val="1109595675"/>
+        <p14:creationId xmlns:p14="http://schemas.microsoft.com/office/powerpoint/2010/main" val="505410984"/>
       </p:ext>
     </p:extLst>
   </p:cSld>
@@ -5668,9 +7279,9 @@
 </file>
 
 <file path=ppt/theme/theme1.xml><?xml version="1.0" encoding="utf-8"?>
-<a:theme xmlns:a="http://schemas.openxmlformats.org/drawingml/2006/main" name="Apex">
+<a:theme xmlns:a="http://schemas.openxmlformats.org/drawingml/2006/main" name="Oriel">
   <a:themeElements>
-    <a:clrScheme name="Apex">
+    <a:clrScheme name="Oriel">
       <a:dk1>
         <a:sysClr val="windowText" lastClr="000000"/>
       </a:dk1>
@@ -5678,54 +7289,52 @@
         <a:sysClr val="window" lastClr="FFFFFF"/>
       </a:lt1>
       <a:dk2>
-        <a:srgbClr val="69676D"/>
+        <a:srgbClr val="575F6D"/>
       </a:dk2>
       <a:lt2>
-        <a:srgbClr val="C9C2D1"/>
+        <a:srgbClr val="FFF39D"/>
       </a:lt2>
       <a:accent1>
-        <a:srgbClr val="CEB966"/>
+        <a:srgbClr val="FE8637"/>
       </a:accent1>
       <a:accent2>
-        <a:srgbClr val="9CB084"/>
+        <a:srgbClr val="7598D9"/>
       </a:accent2>
       <a:accent3>
-        <a:srgbClr val="6BB1C9"/>
+        <a:srgbClr val="B32C16"/>
       </a:accent3>
       <a:accent4>
-        <a:srgbClr val="6585CF"/>
+        <a:srgbClr val="F5CD2D"/>
       </a:accent4>
       <a:accent5>
-        <a:srgbClr val="7E6BC9"/>
+        <a:srgbClr val="AEBAD5"/>
       </a:accent5>
       <a:accent6>
-        <a:srgbClr val="A379BB"/>
+        <a:srgbClr val="777C84"/>
       </a:accent6>
       <a:hlink>
-        <a:srgbClr val="410082"/>
+        <a:srgbClr val="D2611C"/>
       </a:hlink>
       <a:folHlink>
-        <a:srgbClr val="932968"/>
+        <a:srgbClr val="3B435B"/>
       </a:folHlink>
     </a:clrScheme>
-    <a:fontScheme name="Apex">
+    <a:fontScheme name="Oriel">
       <a:majorFont>
-        <a:latin typeface="Lucida Sans"/>
+        <a:latin typeface="Century Schoolbook"/>
         <a:ea typeface=""/>
         <a:cs typeface=""/>
-        <a:font script="Grek" typeface="Arial"/>
-        <a:font script="Cyrl" typeface="Arial"/>
-        <a:font script="Jpan" typeface="HG丸ｺﾞｼｯｸM-PRO"/>
-        <a:font script="Hang" typeface="휴먼옛체"/>
-        <a:font script="Hans" typeface="黑体"/>
-        <a:font script="Hant" typeface="微軟正黑體"/>
-        <a:font script="Arab" typeface="Tahoma"/>
-        <a:font script="Hebr" typeface="Levenim MT"/>
-        <a:font script="Thai" typeface="FreesiaUPC"/>
+        <a:font script="Jpan" typeface="ＭＳ Ｐ明朝"/>
+        <a:font script="Hang" typeface="휴먼매직체"/>
+        <a:font script="Hans" typeface="华文楷体"/>
+        <a:font script="Hant" typeface="新細明體"/>
+        <a:font script="Arab" typeface="Times New Roman"/>
+        <a:font script="Hebr" typeface="Times New Roman"/>
+        <a:font script="Thai" typeface="KodchiangUPC"/>
         <a:font script="Ethi" typeface="Nyala"/>
         <a:font script="Beng" typeface="Vrinda"/>
         <a:font script="Gujr" typeface="Shruti"/>
-        <a:font script="Khmr" typeface="DaunPenh"/>
+        <a:font script="Khmr" typeface="MoolBoran"/>
         <a:font script="Knda" typeface="Tunga"/>
         <a:font script="Guru" typeface="Raavi"/>
         <a:font script="Cans" typeface="Euphemia"/>
@@ -5742,23 +7351,21 @@
         <a:font script="Laoo" typeface="DokChampa"/>
         <a:font script="Sinh" typeface="Iskoola Pota"/>
         <a:font script="Mong" typeface="Mongolian Baiti"/>
-        <a:font script="Viet" typeface="Tahoma"/>
+        <a:font script="Viet" typeface="Times New Roman"/>
         <a:font script="Uigh" typeface="Microsoft Uighur"/>
         <a:font script="Geor" typeface="Sylfaen"/>
       </a:majorFont>
       <a:minorFont>
-        <a:latin typeface="Book Antiqua"/>
+        <a:latin typeface="Century Schoolbook"/>
         <a:ea typeface=""/>
         <a:cs typeface=""/>
-        <a:font script="Grek" typeface="Times New Roman"/>
-        <a:font script="Cyrl" typeface="Times New Roman"/>
-        <a:font script="Jpan" typeface="HG明朝B"/>
-        <a:font script="Hang" typeface="돋움"/>
+        <a:font script="Jpan" typeface="ＭＳ Ｐ明朝"/>
+        <a:font script="Hang" typeface="휴먼매직체"/>
         <a:font script="Hans" typeface="宋体"/>
         <a:font script="Hant" typeface="新細明體"/>
         <a:font script="Arab" typeface="Times New Roman"/>
-        <a:font script="Hebr" typeface="David"/>
-        <a:font script="Thai" typeface="EucrosiaUPC"/>
+        <a:font script="Hebr" typeface="Times New Roman"/>
+        <a:font script="Thai" typeface="KodchiangUPC"/>
         <a:font script="Ethi" typeface="Nyala"/>
         <a:font script="Beng" typeface="Vrinda"/>
         <a:font script="Gujr" typeface="Shruti"/>
@@ -5784,73 +7391,80 @@
         <a:font script="Geor" typeface="Sylfaen"/>
       </a:minorFont>
     </a:fontScheme>
-    <a:fmtScheme name="Apex">
+    <a:fmtScheme name="Oriel">
       <a:fillStyleLst>
         <a:solidFill>
           <a:schemeClr val="phClr"/>
         </a:solidFill>
         <a:gradFill rotWithShape="1">
           <a:gsLst>
-            <a:gs pos="20000">
+            <a:gs pos="0">
               <a:schemeClr val="phClr">
-                <a:tint val="9000"/>
+                <a:tint val="35000"/>
+                <a:satMod val="260000"/>
+              </a:schemeClr>
+            </a:gs>
+            <a:gs pos="30000">
+              <a:schemeClr val="phClr">
+                <a:tint val="38000"/>
+                <a:satMod val="260000"/>
+              </a:schemeClr>
+            </a:gs>
+            <a:gs pos="75000">
+              <a:schemeClr val="phClr">
+                <a:tint val="55000"/>
+                <a:satMod val="255000"/>
               </a:schemeClr>
             </a:gs>
             <a:gs pos="100000">
               <a:schemeClr val="phClr">
                 <a:tint val="70000"/>
-                <a:satMod val="100000"/>
+                <a:satMod val="255000"/>
               </a:schemeClr>
             </a:gs>
           </a:gsLst>
           <a:path path="circle">
-            <a:fillToRect l="-15000" t="-15000" r="115000" b="115000"/>
+            <a:fillToRect l="5000" t="100000" r="120000" b="10000"/>
           </a:path>
         </a:gradFill>
         <a:gradFill rotWithShape="1">
           <a:gsLst>
             <a:gs pos="0">
               <a:schemeClr val="phClr">
-                <a:shade val="60000"/>
+                <a:shade val="63000"/>
+                <a:satMod val="165000"/>
               </a:schemeClr>
             </a:gs>
-            <a:gs pos="33000">
+            <a:gs pos="30000">
               <a:schemeClr val="phClr">
-                <a:tint val="86500"/>
+                <a:shade val="58000"/>
+                <a:satMod val="165000"/>
               </a:schemeClr>
             </a:gs>
-            <a:gs pos="46750">
+            <a:gs pos="75000">
               <a:schemeClr val="phClr">
-                <a:tint val="71000"/>
-                <a:satMod val="112000"/>
-              </a:schemeClr>
-            </a:gs>
-            <a:gs pos="53000">
-              <a:schemeClr val="phClr">
-                <a:tint val="71000"/>
-                <a:satMod val="112000"/>
-              </a:schemeClr>
-            </a:gs>
-            <a:gs pos="68000">
-              <a:schemeClr val="phClr">
-                <a:tint val="86000"/>
+                <a:shade val="30000"/>
+                <a:satMod val="175000"/>
               </a:schemeClr>
             </a:gs>
             <a:gs pos="100000">
               <a:schemeClr val="phClr">
-                <a:shade val="60000"/>
+                <a:shade val="15000"/>
+                <a:satMod val="175000"/>
               </a:schemeClr>
             </a:gs>
           </a:gsLst>
-          <a:lin ang="8350000" scaled="1"/>
+          <a:path path="circle">
+            <a:fillToRect l="5000" t="100000" r="120000" b="10000"/>
+          </a:path>
         </a:gradFill>
       </a:fillStyleLst>
       <a:lnStyleLst>
-        <a:ln w="9525" cap="flat" cmpd="sng" algn="ctr">
+        <a:ln w="12700" cap="flat" cmpd="sng" algn="ctr">
           <a:solidFill>
             <a:schemeClr val="phClr">
-              <a:shade val="48000"/>
-              <a:satMod val="110000"/>
+              <a:shade val="70000"/>
+              <a:satMod val="150000"/>
             </a:schemeClr>
           </a:solidFill>
           <a:prstDash val="solid"/>
@@ -5861,7 +7475,7 @@
           </a:solidFill>
           <a:prstDash val="solid"/>
         </a:ln>
-        <a:ln w="38100" cap="flat" cmpd="sng" algn="ctr">
+        <a:ln w="34925" cap="flat" cmpd="sng" algn="ctr">
           <a:solidFill>
             <a:schemeClr val="phClr"/>
           </a:solidFill>
@@ -5871,40 +7485,43 @@
       <a:effectStyleLst>
         <a:effectStyle>
           <a:effectLst>
-            <a:outerShdw blurRad="130000" dist="101600" dir="2700000" algn="tl" rotWithShape="0">
+            <a:outerShdw blurRad="50800" dist="25000" dir="5400000" rotWithShape="0">
               <a:srgbClr val="000000">
-                <a:alpha val="35000"/>
+                <a:alpha val="40000"/>
               </a:srgbClr>
             </a:outerShdw>
           </a:effectLst>
         </a:effectStyle>
         <a:effectStyle>
           <a:effectLst>
-            <a:outerShdw blurRad="190500" dist="228600" dir="2700000" sy="90000" rotWithShape="0">
+            <a:outerShdw blurRad="50800" dist="20000" dir="5400000" rotWithShape="0">
               <a:srgbClr val="000000">
-                <a:alpha val="25500"/>
+                <a:alpha val="42000"/>
               </a:srgbClr>
             </a:outerShdw>
           </a:effectLst>
         </a:effectStyle>
         <a:effectStyle>
           <a:effectLst>
-            <a:outerShdw blurRad="190500" dist="228600" dir="2700000" sy="90000" rotWithShape="0">
+            <a:outerShdw blurRad="50800" dist="20000" dir="5400000" rotWithShape="0">
               <a:srgbClr val="000000">
-                <a:alpha val="25500"/>
+                <a:alpha val="42000"/>
               </a:srgbClr>
             </a:outerShdw>
           </a:effectLst>
           <a:scene3d>
-            <a:camera prst="orthographicFront" fov="0">
+            <a:camera prst="orthographicFront">
               <a:rot lat="0" lon="0" rev="0"/>
             </a:camera>
-            <a:lightRig rig="soft" dir="tl">
-              <a:rot lat="0" lon="0" rev="20100000"/>
+            <a:lightRig rig="balanced" dir="t">
+              <a:rot lat="0" lon="0" rev="0"/>
             </a:lightRig>
           </a:scene3d>
           <a:sp3d>
-            <a:bevelT w="50800" h="50800"/>
+            <a:bevelT w="47625" h="69850"/>
+            <a:contourClr>
+              <a:schemeClr val="lt1"/>
+            </a:contourClr>
           </a:sp3d>
         </a:effectStyle>
       </a:effectStyleLst>
@@ -5916,37 +7533,37 @@
           <a:gsLst>
             <a:gs pos="0">
               <a:schemeClr val="phClr">
-                <a:tint val="50000"/>
-                <a:satMod val="180000"/>
+                <a:shade val="58000"/>
+                <a:satMod val="125000"/>
+              </a:schemeClr>
+            </a:gs>
+            <a:gs pos="40000">
+              <a:schemeClr val="phClr">
+                <a:tint val="90000"/>
+                <a:shade val="90000"/>
+                <a:satMod val="120000"/>
               </a:schemeClr>
             </a:gs>
             <a:gs pos="100000">
               <a:schemeClr val="phClr">
-                <a:shade val="45000"/>
-                <a:satMod val="120000"/>
+                <a:tint val="50000"/>
               </a:schemeClr>
             </a:gs>
           </a:gsLst>
-          <a:path path="circle">
-            <a:fillToRect r="100000" b="100000"/>
-          </a:path>
+          <a:lin ang="16200000" scaled="1"/>
         </a:gradFill>
         <a:blipFill>
           <a:blip xmlns:r="http://schemas.openxmlformats.org/officeDocument/2006/relationships" r:embed="rId1">
             <a:duotone>
               <a:schemeClr val="phClr">
-                <a:shade val="3000"/>
-                <a:satMod val="110000"/>
+                <a:shade val="80000"/>
               </a:schemeClr>
               <a:schemeClr val="phClr">
-                <a:tint val="60000"/>
-                <a:satMod val="425000"/>
+                <a:tint val="91000"/>
               </a:schemeClr>
             </a:duotone>
           </a:blip>
-          <a:stretch>
-            <a:fillRect/>
-          </a:stretch>
+          <a:tile tx="0" ty="0" sx="40000" sy="50000" flip="y" algn="tl"/>
         </a:blipFill>
       </a:bgFillStyleLst>
     </a:fmtScheme>

--- a/dressEthics.pptx
+++ b/dressEthics.pptx
@@ -9,13 +9,14 @@
     <p:sldId id="257" r:id="rId3"/>
     <p:sldId id="259" r:id="rId4"/>
     <p:sldId id="263" r:id="rId5"/>
-    <p:sldId id="265" r:id="rId6"/>
-    <p:sldId id="266" r:id="rId7"/>
-    <p:sldId id="269" r:id="rId8"/>
-    <p:sldId id="270" r:id="rId9"/>
-    <p:sldId id="262" r:id="rId10"/>
-    <p:sldId id="264" r:id="rId11"/>
-    <p:sldId id="267" r:id="rId12"/>
+    <p:sldId id="271" r:id="rId6"/>
+    <p:sldId id="265" r:id="rId7"/>
+    <p:sldId id="266" r:id="rId8"/>
+    <p:sldId id="269" r:id="rId9"/>
+    <p:sldId id="270" r:id="rId10"/>
+    <p:sldId id="262" r:id="rId11"/>
+    <p:sldId id="264" r:id="rId12"/>
+    <p:sldId id="267" r:id="rId13"/>
   </p:sldIdLst>
   <p:sldSz cx="9144000" cy="6858000" type="screen4x3"/>
   <p:notesSz cx="6858000" cy="9144000"/>
@@ -5355,8 +5356,8 @@
         </p:nvSpPr>
         <p:spPr>
           <a:xfrm>
-            <a:off x="467544" y="274638"/>
-            <a:ext cx="8676456" cy="1143000"/>
+            <a:off x="365125" y="274638"/>
+            <a:ext cx="8778875" cy="1143000"/>
           </a:xfrm>
         </p:spPr>
         <p:txBody>
@@ -5366,27 +5367,11 @@
           <a:lstStyle/>
           <a:p>
             <a:r>
-              <a:rPr lang="en-US" dirty="0" smtClean="0">
-                <a:effectLst>
-                  <a:outerShdw blurRad="38100" dist="38100" dir="2700000" algn="tl">
-                    <a:srgbClr val="000000">
-                      <a:alpha val="43137"/>
-                    </a:srgbClr>
-                  </a:outerShdw>
-                </a:effectLst>
-              </a:rPr>
+              <a:rPr lang="en-US" dirty="0" smtClean="0"/>
               <a:t>IMPACT </a:t>
             </a:r>
             <a:r>
-              <a:rPr lang="en-US" dirty="0">
-                <a:effectLst>
-                  <a:outerShdw blurRad="38100" dist="38100" dir="2700000" algn="tl">
-                    <a:srgbClr val="000000">
-                      <a:alpha val="43137"/>
-                    </a:srgbClr>
-                  </a:outerShdw>
-                </a:effectLst>
-              </a:rPr>
+              <a:rPr lang="en-US" dirty="0"/>
               <a:t>OF IMPROPER DRESSING </a:t>
             </a:r>
             <a:endParaRPr lang="en-GB" dirty="0"/>
@@ -5405,8 +5390,326 @@
         </p:nvSpPr>
         <p:spPr>
           <a:xfrm>
+            <a:off x="457200" y="1484784"/>
+            <a:ext cx="8229600" cy="4032448"/>
+          </a:xfrm>
+        </p:spPr>
+        <p:txBody>
+          <a:bodyPr>
+            <a:normAutofit fontScale="85000" lnSpcReduction="10000"/>
+          </a:bodyPr>
+          <a:lstStyle/>
+          <a:p>
+            <a:pPr fontAlgn="base">
+              <a:buFont typeface="Wingdings" panose="05000000000000000000" pitchFamily="2" charset="2"/>
+              <a:buChar char="Ø"/>
+            </a:pPr>
+            <a:r>
+              <a:rPr lang="en-US" sz="2800" dirty="0"/>
+              <a:t>The topic emphasizes that in a business dress is one of the most important key factor for better success </a:t>
+            </a:r>
+            <a:r>
+              <a:rPr lang="en-US" sz="2800" dirty="0" smtClean="0"/>
+              <a:t>.</a:t>
+            </a:r>
+          </a:p>
+          <a:p>
+            <a:pPr marL="651510" indent="-514350" fontAlgn="base">
+              <a:buFont typeface="+mj-lt"/>
+              <a:buAutoNum type="arabicPeriod"/>
+            </a:pPr>
+            <a:r>
+              <a:rPr lang="en-US" sz="2800" dirty="0" smtClean="0"/>
+              <a:t>Negative </a:t>
+            </a:r>
+            <a:r>
+              <a:rPr lang="en-US" sz="2800" dirty="0"/>
+              <a:t>first impression</a:t>
+            </a:r>
+            <a:r>
+              <a:rPr lang="en-US" sz="2800" dirty="0" smtClean="0"/>
+              <a:t>​</a:t>
+            </a:r>
+          </a:p>
+          <a:p>
+            <a:pPr marL="1179576" lvl="2" indent="-457200" fontAlgn="base">
+              <a:buFont typeface="Wingdings" panose="05000000000000000000" pitchFamily="2" charset="2"/>
+              <a:buChar char="Ø"/>
+            </a:pPr>
+            <a:r>
+              <a:rPr lang="en-US" sz="2400" dirty="0" smtClean="0"/>
+              <a:t>First </a:t>
+            </a:r>
+            <a:r>
+              <a:rPr lang="en-US" sz="2400" dirty="0"/>
+              <a:t>impression is crucial in professional life. So dressing  poorly </a:t>
+            </a:r>
+            <a:r>
+              <a:rPr lang="en-US" sz="2400" dirty="0" smtClean="0"/>
+              <a:t>makes you </a:t>
+            </a:r>
+            <a:r>
+              <a:rPr lang="en-US" sz="2400" dirty="0"/>
+              <a:t>look </a:t>
+            </a:r>
+            <a:r>
+              <a:rPr lang="en-US" sz="2400" dirty="0" smtClean="0"/>
+              <a:t>unprofessional</a:t>
+            </a:r>
+            <a:r>
+              <a:rPr lang="en-US" sz="2400" dirty="0"/>
+              <a:t>.</a:t>
+            </a:r>
+            <a:r>
+              <a:rPr lang="en-US" sz="2400" dirty="0" smtClean="0"/>
+              <a:t>​</a:t>
+            </a:r>
+          </a:p>
+          <a:p>
+            <a:pPr marL="651510" indent="-514350" fontAlgn="base">
+              <a:buFont typeface="+mj-lt"/>
+              <a:buAutoNum type="arabicPeriod"/>
+            </a:pPr>
+            <a:r>
+              <a:rPr lang="en-US" sz="2800" dirty="0" smtClean="0"/>
+              <a:t>Lack </a:t>
+            </a:r>
+            <a:r>
+              <a:rPr lang="en-US" sz="2800" dirty="0"/>
+              <a:t>of credibility</a:t>
+            </a:r>
+            <a:r>
+              <a:rPr lang="en-US" sz="2800" dirty="0" smtClean="0"/>
+              <a:t>​</a:t>
+            </a:r>
+          </a:p>
+          <a:p>
+            <a:pPr marL="1236726" lvl="2" indent="-514350" fontAlgn="base">
+              <a:buFont typeface="Wingdings" panose="05000000000000000000" pitchFamily="2" charset="2"/>
+              <a:buChar char="Ø"/>
+            </a:pPr>
+            <a:r>
+              <a:rPr lang="en-US" sz="2400" dirty="0" smtClean="0"/>
+              <a:t>If </a:t>
+            </a:r>
+            <a:r>
+              <a:rPr lang="en-US" sz="2400" dirty="0"/>
+              <a:t>you looks unprofessional people may doubt on your skill or reliability </a:t>
+            </a:r>
+            <a:r>
+              <a:rPr lang="en-US" sz="2400" dirty="0" smtClean="0"/>
+              <a:t>and </a:t>
+            </a:r>
+            <a:r>
+              <a:rPr lang="en-US" sz="2400" dirty="0"/>
+              <a:t>starts to lose trust on you</a:t>
+            </a:r>
+            <a:r>
+              <a:rPr lang="en-US" sz="2400" dirty="0" smtClean="0"/>
+              <a:t>.</a:t>
+            </a:r>
+          </a:p>
+          <a:p>
+            <a:pPr marL="651510" indent="-514350" fontAlgn="base">
+              <a:buFont typeface="+mj-lt"/>
+              <a:buAutoNum type="arabicPeriod"/>
+            </a:pPr>
+            <a:r>
+              <a:rPr lang="en-US" sz="2800" dirty="0" smtClean="0"/>
+              <a:t>​Lower </a:t>
+            </a:r>
+            <a:r>
+              <a:rPr lang="en-US" sz="2800" dirty="0"/>
+              <a:t>confidence </a:t>
+            </a:r>
+          </a:p>
+          <a:p>
+            <a:pPr marL="1065276" lvl="2" indent="-342900" fontAlgn="base">
+              <a:buFont typeface="Wingdings" panose="05000000000000000000" pitchFamily="2" charset="2"/>
+              <a:buChar char="Ø"/>
+            </a:pPr>
+            <a:r>
+              <a:rPr lang="en-US" sz="2400" dirty="0"/>
+              <a:t>​Improper dress makes you nervous ,and uncomfortable , and make cause you doubt on your own skill.​</a:t>
+            </a:r>
+          </a:p>
+          <a:p>
+            <a:pPr marL="722376" lvl="2" indent="0" fontAlgn="base">
+              <a:buNone/>
+            </a:pPr>
+            <a:endParaRPr lang="en-US" sz="2400" dirty="0"/>
+          </a:p>
+          <a:p>
+            <a:pPr marL="722376" lvl="2" indent="0" fontAlgn="base">
+              <a:buNone/>
+            </a:pPr>
+            <a:endParaRPr lang="en-US" sz="2400" dirty="0" smtClean="0"/>
+          </a:p>
+        </p:txBody>
+      </p:sp>
+      <p:sp>
+        <p:nvSpPr>
+          <p:cNvPr id="4" name="AutoShape 2" descr="up close image of waves"/>
+          <p:cNvSpPr>
+            <a:spLocks noChangeAspect="1" noChangeArrowheads="1"/>
+          </p:cNvSpPr>
+          <p:nvPr/>
+        </p:nvSpPr>
+        <p:spPr bwMode="auto">
+          <a:xfrm>
+            <a:off x="212725" y="-144463"/>
+            <a:ext cx="304800" cy="304801"/>
+          </a:xfrm>
+          <a:prstGeom prst="rect">
+            <a:avLst/>
+          </a:prstGeom>
+          <a:noFill/>
+          <a:extLst>
+            <a:ext uri="{909E8E84-426E-40DD-AFC4-6F175D3DCCD1}">
+              <a14:hiddenFill xmlns:a14="http://schemas.microsoft.com/office/drawing/2010/main">
+                <a:solidFill>
+                  <a:srgbClr val="FFFFFF"/>
+                </a:solidFill>
+              </a14:hiddenFill>
+            </a:ext>
+          </a:extLst>
+        </p:spPr>
+        <p:txBody>
+          <a:bodyPr vert="horz" wrap="square" lIns="91440" tIns="45720" rIns="91440" bIns="45720" numCol="1" anchor="t" anchorCtr="0" compatLnSpc="1">
+            <a:prstTxWarp prst="textNoShape">
+              <a:avLst/>
+            </a:prstTxWarp>
+          </a:bodyPr>
+          <a:lstStyle/>
+          <a:p>
+            <a:endParaRPr lang="en-GB"/>
+          </a:p>
+        </p:txBody>
+      </p:sp>
+      <p:sp>
+        <p:nvSpPr>
+          <p:cNvPr id="5" name="AutoShape 4" descr="up close image of waves"/>
+          <p:cNvSpPr>
+            <a:spLocks noChangeAspect="1" noChangeArrowheads="1"/>
+          </p:cNvSpPr>
+          <p:nvPr/>
+        </p:nvSpPr>
+        <p:spPr bwMode="auto">
+          <a:xfrm>
+            <a:off x="365125" y="7937"/>
+            <a:ext cx="304800" cy="304801"/>
+          </a:xfrm>
+          <a:prstGeom prst="rect">
+            <a:avLst/>
+          </a:prstGeom>
+          <a:noFill/>
+          <a:extLst>
+            <a:ext uri="{909E8E84-426E-40DD-AFC4-6F175D3DCCD1}">
+              <a14:hiddenFill xmlns:a14="http://schemas.microsoft.com/office/drawing/2010/main">
+                <a:solidFill>
+                  <a:srgbClr val="FFFFFF"/>
+                </a:solidFill>
+              </a14:hiddenFill>
+            </a:ext>
+          </a:extLst>
+        </p:spPr>
+        <p:txBody>
+          <a:bodyPr vert="horz" wrap="square" lIns="91440" tIns="45720" rIns="91440" bIns="45720" numCol="1" anchor="t" anchorCtr="0" compatLnSpc="1">
+            <a:prstTxWarp prst="textNoShape">
+              <a:avLst/>
+            </a:prstTxWarp>
+          </a:bodyPr>
+          <a:lstStyle/>
+          <a:p>
+            <a:endParaRPr lang="en-GB"/>
+          </a:p>
+        </p:txBody>
+      </p:sp>
+    </p:spTree>
+    <p:extLst>
+      <p:ext uri="{BB962C8B-B14F-4D97-AF65-F5344CB8AC3E}">
+        <p14:creationId xmlns:p14="http://schemas.microsoft.com/office/powerpoint/2010/main" val="505410984"/>
+      </p:ext>
+    </p:extLst>
+  </p:cSld>
+  <p:clrMapOvr>
+    <a:masterClrMapping/>
+  </p:clrMapOvr>
+  <p:timing>
+    <p:tnLst>
+      <p:par>
+        <p:cTn id="1" dur="indefinite" restart="never" nodeType="tmRoot"/>
+      </p:par>
+    </p:tnLst>
+  </p:timing>
+</p:sld>
+</file>
+
+<file path=ppt/slides/slide11.xml><?xml version="1.0" encoding="utf-8"?>
+<p:sld xmlns:a="http://schemas.openxmlformats.org/drawingml/2006/main" xmlns:r="http://schemas.openxmlformats.org/officeDocument/2006/relationships" xmlns:p="http://schemas.openxmlformats.org/presentationml/2006/main">
+  <p:cSld>
+    <p:spTree>
+      <p:nvGrpSpPr>
+        <p:cNvPr id="1" name=""/>
+        <p:cNvGrpSpPr/>
+        <p:nvPr/>
+      </p:nvGrpSpPr>
+      <p:grpSpPr>
+        <a:xfrm>
+          <a:off x="0" y="0"/>
+          <a:ext cx="0" cy="0"/>
+          <a:chOff x="0" y="0"/>
+          <a:chExt cx="0" cy="0"/>
+        </a:xfrm>
+      </p:grpSpPr>
+      <p:sp>
+        <p:nvSpPr>
+          <p:cNvPr id="2" name="Title 1"/>
+          <p:cNvSpPr>
+            <a:spLocks noGrp="1"/>
+          </p:cNvSpPr>
+          <p:nvPr>
+            <p:ph type="title"/>
+          </p:nvPr>
+        </p:nvSpPr>
+        <p:spPr>
+          <a:xfrm>
+            <a:off x="467544" y="274638"/>
+            <a:ext cx="8676456" cy="1143000"/>
+          </a:xfrm>
+        </p:spPr>
+        <p:txBody>
+          <a:bodyPr>
+            <a:normAutofit/>
+          </a:bodyPr>
+          <a:lstStyle/>
+          <a:p>
+            <a:r>
+              <a:rPr lang="en-US" dirty="0" smtClean="0"/>
+              <a:t>IMPACT </a:t>
+            </a:r>
+            <a:r>
+              <a:rPr lang="en-US" dirty="0"/>
+              <a:t>OF IMPROPER DRESSING </a:t>
+            </a:r>
+            <a:endParaRPr lang="en-GB" dirty="0"/>
+          </a:p>
+        </p:txBody>
+      </p:sp>
+      <p:sp>
+        <p:nvSpPr>
+          <p:cNvPr id="3" name="Content Placeholder 2"/>
+          <p:cNvSpPr>
+            <a:spLocks noGrp="1"/>
+          </p:cNvSpPr>
+          <p:nvPr>
+            <p:ph sz="quarter" idx="1"/>
+          </p:nvPr>
+        </p:nvSpPr>
+        <p:spPr>
+          <a:xfrm>
             <a:off x="457200" y="1600200"/>
-            <a:ext cx="8229600" cy="2332856"/>
+            <a:ext cx="8229600" cy="2404864"/>
           </a:xfrm>
         </p:spPr>
         <p:txBody>
@@ -5420,7 +5723,7 @@
               <a:buAutoNum type="arabicPeriod" startAt="4"/>
             </a:pPr>
             <a:r>
-              <a:rPr lang="en-US" sz="3000" dirty="0" smtClean="0"/>
+              <a:rPr lang="en-US" dirty="0" smtClean="0"/>
               <a:t>Lost opportunity​</a:t>
             </a:r>
           </a:p>
@@ -5430,23 +5733,23 @@
               <a:buChar char="Ø"/>
             </a:pPr>
             <a:r>
-              <a:rPr lang="en-US" sz="1900" dirty="0" smtClean="0"/>
+              <a:rPr lang="en-US" sz="2000" dirty="0" smtClean="0"/>
               <a:t>In </a:t>
             </a:r>
             <a:r>
-              <a:rPr lang="en-US" sz="1900" dirty="0"/>
+              <a:rPr lang="en-US" sz="2000" dirty="0"/>
               <a:t>a business life improper dress may affect your opportunities </a:t>
             </a:r>
             <a:r>
-              <a:rPr lang="en-US" sz="1900" dirty="0" smtClean="0"/>
+              <a:rPr lang="en-US" sz="2000" dirty="0" smtClean="0"/>
               <a:t>deals </a:t>
             </a:r>
             <a:r>
-              <a:rPr lang="en-US" sz="1900" dirty="0"/>
+              <a:rPr lang="en-US" sz="2000" dirty="0"/>
               <a:t>and promotions.</a:t>
             </a:r>
             <a:r>
-              <a:rPr lang="en-US" sz="1900" dirty="0" smtClean="0"/>
+              <a:rPr lang="en-US" sz="2000" dirty="0" smtClean="0"/>
               <a:t>​</a:t>
             </a:r>
           </a:p>
@@ -5456,19 +5759,19 @@
               <a:buAutoNum type="arabicPeriod" startAt="4"/>
             </a:pPr>
             <a:r>
-              <a:rPr lang="en-US" sz="3000" dirty="0" smtClean="0"/>
+              <a:rPr lang="en-US" dirty="0" smtClean="0"/>
               <a:t>Negative </a:t>
             </a:r>
             <a:r>
-              <a:rPr lang="en-US" sz="3000" dirty="0"/>
+              <a:rPr lang="en-US" dirty="0"/>
               <a:t>impact on </a:t>
             </a:r>
             <a:r>
-              <a:rPr lang="en-US" sz="3000" dirty="0" smtClean="0"/>
+              <a:rPr lang="en-US" dirty="0" smtClean="0"/>
               <a:t>workplace</a:t>
             </a:r>
             <a:r>
-              <a:rPr lang="en-US" sz="3000" dirty="0" smtClean="0"/>
+              <a:rPr lang="en-US" dirty="0" smtClean="0"/>
               <a:t>​</a:t>
             </a:r>
           </a:p>
@@ -5478,11 +5781,11 @@
               <a:buChar char="Ø"/>
             </a:pPr>
             <a:r>
-              <a:rPr lang="en-US" sz="1900" dirty="0" smtClean="0"/>
+              <a:rPr lang="en-US" sz="2000" dirty="0" smtClean="0"/>
               <a:t>It </a:t>
             </a:r>
             <a:r>
-              <a:rPr lang="en-US" sz="1900" dirty="0"/>
+              <a:rPr lang="en-US" sz="2000" dirty="0"/>
               <a:t>may cause overall work environment of the team.​</a:t>
             </a:r>
           </a:p>
@@ -5515,7 +5818,7 @@
 </p:sld>
 </file>
 
-<file path=ppt/slides/slide11.xml><?xml version="1.0" encoding="utf-8"?>
+<file path=ppt/slides/slide12.xml><?xml version="1.0" encoding="utf-8"?>
 <p:sld xmlns:a="http://schemas.openxmlformats.org/drawingml/2006/main" xmlns:r="http://schemas.openxmlformats.org/officeDocument/2006/relationships" xmlns:p="http://schemas.openxmlformats.org/presentationml/2006/main">
   <p:cSld>
     <p:spTree>
@@ -6059,7 +6362,7 @@
           <a:p>
             <a:r>
               <a:rPr lang="en-GB" dirty="0"/>
-              <a:t>Men's Formal Dress Codes</a:t>
+              <a:t>Dress Ethics Etiquette</a:t>
             </a:r>
           </a:p>
         </p:txBody>
@@ -6074,16 +6377,9 @@
             <p:ph sz="quarter" idx="1"/>
           </p:nvPr>
         </p:nvSpPr>
-        <p:spPr>
-          <a:xfrm>
-            <a:off x="457200" y="1600200"/>
-            <a:ext cx="8229600" cy="4565104"/>
-          </a:xfrm>
-        </p:spPr>
-        <p:txBody>
-          <a:bodyPr>
-            <a:normAutofit/>
-          </a:bodyPr>
+        <p:spPr/>
+        <p:txBody>
+          <a:bodyPr/>
           <a:lstStyle/>
           <a:p>
             <a:pPr>
@@ -6092,118 +6388,74 @@
             </a:pPr>
             <a:r>
               <a:rPr lang="en-GB" dirty="0"/>
-              <a:t>Polished and sophisticated attire for formal events</a:t>
-            </a:r>
-            <a:r>
-              <a:rPr lang="en-GB" dirty="0" smtClean="0"/>
-              <a:t>.</a:t>
-            </a:r>
-          </a:p>
-          <a:p>
-            <a:pPr marL="651510" indent="-514350">
-              <a:buFont typeface="+mj-lt"/>
-              <a:buAutoNum type="arabicPeriod"/>
-            </a:pPr>
-            <a:r>
-              <a:rPr lang="en-GB" dirty="0"/>
-              <a:t>Black </a:t>
-            </a:r>
-            <a:r>
-              <a:rPr lang="en-GB" dirty="0" smtClean="0"/>
-              <a:t>Tie:</a:t>
-            </a:r>
-          </a:p>
-          <a:p>
-            <a:pPr marL="971550" lvl="1" indent="-514350">
+              <a:t>Dress appropriately for the occasion or workplace.</a:t>
+            </a:r>
+          </a:p>
+          <a:p>
+            <a:pPr>
               <a:buFont typeface="Wingdings" panose="05000000000000000000" pitchFamily="2" charset="2"/>
               <a:buChar char="Ø"/>
             </a:pPr>
             <a:r>
-              <a:rPr lang="en-GB" dirty="0" smtClean="0"/>
-              <a:t>Occasions</a:t>
-            </a:r>
-            <a:r>
               <a:rPr lang="en-GB" dirty="0"/>
-              <a:t>: </a:t>
-            </a:r>
-            <a:r>
-              <a:rPr lang="en-GB" sz="2000" dirty="0"/>
-              <a:t>Weddings, galas, formal </a:t>
-            </a:r>
-            <a:r>
-              <a:rPr lang="en-GB" sz="2000" dirty="0" smtClean="0"/>
-              <a:t>dinners.</a:t>
-            </a:r>
-          </a:p>
-          <a:p>
-            <a:pPr marL="971550" lvl="1" indent="-514350">
+              <a:t>Keep attire neat, clean, and well-fitted.</a:t>
+            </a:r>
+          </a:p>
+          <a:p>
+            <a:pPr>
               <a:buFont typeface="Wingdings" panose="05000000000000000000" pitchFamily="2" charset="2"/>
               <a:buChar char="Ø"/>
             </a:pPr>
             <a:r>
-              <a:rPr lang="en-GB" dirty="0" smtClean="0"/>
-              <a:t>Outfit: </a:t>
-            </a:r>
-            <a:r>
-              <a:rPr lang="en-GB" sz="2000" dirty="0"/>
-              <a:t>Tuxedo (black/midnight blue), white dress shirt, satin bow tie, single-breasted jacket, and satin-striped trousers</a:t>
-            </a:r>
-            <a:r>
-              <a:rPr lang="en-GB" sz="2000" dirty="0" smtClean="0"/>
-              <a:t>.</a:t>
-            </a:r>
-          </a:p>
-          <a:p>
-            <a:pPr marL="651510" indent="-514350">
-              <a:buFont typeface="+mj-lt"/>
-              <a:buAutoNum type="arabicPeriod"/>
-            </a:pPr>
-            <a:r>
               <a:rPr lang="en-GB" dirty="0"/>
-              <a:t>White </a:t>
-            </a:r>
-            <a:r>
-              <a:rPr lang="en-GB" dirty="0" smtClean="0"/>
-              <a:t>Tie:</a:t>
-            </a:r>
-          </a:p>
-          <a:p>
-            <a:pPr marL="971550" lvl="1" indent="-514350">
+              <a:t>Avoid overly revealing or flashy outfits.</a:t>
+            </a:r>
+          </a:p>
+          <a:p>
+            <a:pPr>
               <a:buFont typeface="Wingdings" panose="05000000000000000000" pitchFamily="2" charset="2"/>
               <a:buChar char="Ø"/>
             </a:pPr>
             <a:r>
-              <a:rPr lang="en-GB" dirty="0" smtClean="0"/>
-              <a:t>Occasions</a:t>
-            </a:r>
-            <a:r>
               <a:rPr lang="en-GB" dirty="0"/>
-              <a:t>: </a:t>
-            </a:r>
-            <a:r>
-              <a:rPr lang="en-GB" sz="2000" dirty="0"/>
-              <a:t>Exclusive and ultra-formal events</a:t>
-            </a:r>
-            <a:r>
-              <a:rPr lang="en-GB" sz="2000" dirty="0" smtClean="0"/>
-              <a:t>.</a:t>
-            </a:r>
-          </a:p>
-          <a:p>
-            <a:pPr marL="971550" lvl="1" indent="-514350">
+              <a:t>Respect cultural and regional dress norms.</a:t>
+            </a:r>
+          </a:p>
+          <a:p>
+            <a:pPr>
               <a:buFont typeface="Wingdings" panose="05000000000000000000" pitchFamily="2" charset="2"/>
               <a:buChar char="Ø"/>
             </a:pPr>
             <a:r>
-              <a:rPr lang="en-GB" dirty="0" smtClean="0"/>
-              <a:t>Outfit: </a:t>
-            </a:r>
-            <a:r>
-              <a:rPr lang="en-GB" sz="2000" dirty="0"/>
-              <a:t>Black tailcoat, white stiff-front shirt, high wing collar, and white bow tie.</a:t>
-            </a:r>
-          </a:p>
-          <a:p>
+              <a:rPr lang="en-GB" dirty="0"/>
+              <a:t>Maintain a well-groomed appearance.</a:t>
+            </a:r>
+          </a:p>
+          <a:p>
+            <a:pPr>
+              <a:buFont typeface="Wingdings" panose="05000000000000000000" pitchFamily="2" charset="2"/>
+              <a:buChar char="Ø"/>
+            </a:pPr>
+            <a:r>
+              <a:rPr lang="en-GB" dirty="0"/>
+              <a:t>Use minimal, complementary accessories.</a:t>
+            </a:r>
+          </a:p>
+          <a:p>
+            <a:pPr>
+              <a:buFont typeface="Wingdings" panose="05000000000000000000" pitchFamily="2" charset="2"/>
+              <a:buChar char="Ø"/>
+            </a:pPr>
+            <a:r>
+              <a:rPr lang="en-GB" dirty="0"/>
+              <a:t>Match and maintain footwear properly.</a:t>
+            </a:r>
+          </a:p>
+          <a:p>
+            <a:pPr>
+              <a:buFont typeface="Wingdings" panose="05000000000000000000" pitchFamily="2" charset="2"/>
+              <a:buChar char="Ø"/>
+            </a:pPr>
             <a:endParaRPr lang="en-GB" dirty="0"/>
           </a:p>
         </p:txBody>
@@ -6211,20 +6463,13 @@
     </p:spTree>
     <p:extLst>
       <p:ext uri="{BB962C8B-B14F-4D97-AF65-F5344CB8AC3E}">
-        <p14:creationId xmlns:p14="http://schemas.microsoft.com/office/powerpoint/2010/main" val="3188079118"/>
+        <p14:creationId xmlns:p14="http://schemas.microsoft.com/office/powerpoint/2010/main" val="1186740518"/>
       </p:ext>
     </p:extLst>
   </p:cSld>
   <p:clrMapOvr>
     <a:masterClrMapping/>
   </p:clrMapOvr>
-  <p:timing>
-    <p:tnLst>
-      <p:par>
-        <p:cTn id="1" dur="indefinite" restart="never" nodeType="tmRoot"/>
-      </p:par>
-    </p:tnLst>
-  </p:timing>
 </p:sld>
 </file>
 
@@ -6280,7 +6525,7 @@
         <p:spPr>
           <a:xfrm>
             <a:off x="457200" y="1600200"/>
-            <a:ext cx="8229600" cy="5069160"/>
+            <a:ext cx="8229600" cy="4565104"/>
           </a:xfrm>
         </p:spPr>
         <p:txBody>
@@ -6289,20 +6534,31 @@
           </a:bodyPr>
           <a:lstStyle/>
           <a:p>
+            <a:pPr>
+              <a:buFont typeface="Wingdings" panose="05000000000000000000" pitchFamily="2" charset="2"/>
+              <a:buChar char="Ø"/>
+            </a:pPr>
+            <a:r>
+              <a:rPr lang="en-GB" dirty="0"/>
+              <a:t>Polished and sophisticated attire for formal events</a:t>
+            </a:r>
+            <a:r>
+              <a:rPr lang="en-GB" dirty="0" smtClean="0"/>
+              <a:t>.</a:t>
+            </a:r>
+          </a:p>
+          <a:p>
             <a:pPr marL="651510" indent="-514350">
-              <a:buAutoNum type="arabicPeriod" startAt="3"/>
+              <a:buFont typeface="+mj-lt"/>
+              <a:buAutoNum type="arabicPeriod"/>
             </a:pPr>
             <a:r>
+              <a:rPr lang="en-GB" dirty="0"/>
+              <a:t>Black </a:t>
+            </a:r>
+            <a:r>
               <a:rPr lang="en-GB" dirty="0" smtClean="0"/>
-              <a:t>Semi-Formal </a:t>
-            </a:r>
-            <a:r>
-              <a:rPr lang="en-GB" dirty="0"/>
-              <a:t>(Cocktail</a:t>
-            </a:r>
-            <a:r>
-              <a:rPr lang="en-GB" dirty="0" smtClean="0"/>
-              <a:t>)</a:t>
+              <a:t>Tie:</a:t>
             </a:r>
           </a:p>
           <a:p>
@@ -6311,16 +6567,20 @@
               <a:buChar char="Ø"/>
             </a:pPr>
             <a:r>
+              <a:rPr lang="en-GB" dirty="0" smtClean="0"/>
+              <a:t>Occasions</a:t>
+            </a:r>
+            <a:r>
               <a:rPr lang="en-GB" dirty="0"/>
-              <a:t>Occasions: </a:t>
+              <a:t>: </a:t>
             </a:r>
             <a:r>
               <a:rPr lang="en-GB" sz="2000" dirty="0"/>
-              <a:t>Evening parties or semi-formal gatherings</a:t>
+              <a:t>Weddings, galas, formal </a:t>
             </a:r>
             <a:r>
               <a:rPr lang="en-GB" sz="2000" dirty="0" smtClean="0"/>
-              <a:t>.</a:t>
+              <a:t>dinners.</a:t>
             </a:r>
           </a:p>
           <a:p>
@@ -6330,33 +6590,29 @@
             </a:pPr>
             <a:r>
               <a:rPr lang="en-GB" dirty="0" smtClean="0"/>
-              <a:t>Outfit</a:t>
-            </a:r>
+              <a:t>Outfit: </a:t>
+            </a:r>
+            <a:r>
+              <a:rPr lang="en-GB" sz="2000" dirty="0"/>
+              <a:t>Tuxedo (black/midnight blue), white dress shirt, satin bow tie, single-breasted jacket, and satin-striped trousers</a:t>
+            </a:r>
+            <a:r>
+              <a:rPr lang="en-GB" sz="2000" dirty="0" smtClean="0"/>
+              <a:t>.</a:t>
+            </a:r>
+          </a:p>
+          <a:p>
+            <a:pPr marL="651510" indent="-514350">
+              <a:buFont typeface="+mj-lt"/>
+              <a:buAutoNum type="arabicPeriod"/>
+            </a:pPr>
             <a:r>
               <a:rPr lang="en-GB" dirty="0"/>
-              <a:t>: </a:t>
-            </a:r>
-            <a:r>
-              <a:rPr lang="en-GB" sz="2000" dirty="0"/>
-              <a:t>Dark suit (navy/charcoal), </a:t>
-            </a:r>
-            <a:r>
-              <a:rPr lang="en-GB" sz="2000" dirty="0" err="1"/>
-              <a:t>light-colored</a:t>
-            </a:r>
-            <a:r>
-              <a:rPr lang="en-GB" sz="2000" dirty="0"/>
-              <a:t> dress shirt, and tie.</a:t>
-            </a:r>
-            <a:endParaRPr lang="en-GB" sz="2000" dirty="0" smtClean="0"/>
-          </a:p>
-          <a:p>
-            <a:pPr marL="651510" indent="-514350">
-              <a:buAutoNum type="arabicPeriod" startAt="3"/>
-            </a:pPr>
+              <a:t>White </a:t>
+            </a:r>
             <a:r>
               <a:rPr lang="en-GB" dirty="0" smtClean="0"/>
-              <a:t>Business Formal</a:t>
+              <a:t>Tie:</a:t>
             </a:r>
           </a:p>
           <a:p>
@@ -6365,12 +6621,16 @@
               <a:buChar char="Ø"/>
             </a:pPr>
             <a:r>
+              <a:rPr lang="en-GB" dirty="0" smtClean="0"/>
+              <a:t>Occasions</a:t>
+            </a:r>
+            <a:r>
               <a:rPr lang="en-GB" dirty="0"/>
-              <a:t>Occasions: </a:t>
+              <a:t>: </a:t>
             </a:r>
             <a:r>
               <a:rPr lang="en-GB" sz="2000" dirty="0"/>
-              <a:t>Office settings or formal business meetings</a:t>
+              <a:t>Exclusive and ultra-formal events</a:t>
             </a:r>
             <a:r>
               <a:rPr lang="en-GB" sz="2000" dirty="0" smtClean="0"/>
@@ -6384,77 +6644,22 @@
             </a:pPr>
             <a:r>
               <a:rPr lang="en-GB" dirty="0" smtClean="0"/>
-              <a:t>Outfit</a:t>
-            </a:r>
-            <a:r>
-              <a:rPr lang="en-GB" dirty="0"/>
-              <a:t>: </a:t>
+              <a:t>Outfit: </a:t>
             </a:r>
             <a:r>
               <a:rPr lang="en-GB" sz="2000" dirty="0"/>
-              <a:t>Dark business suit, light shirt, matching belt and leather shoes.</a:t>
-            </a:r>
-            <a:endParaRPr lang="en-GB" sz="2000" dirty="0" smtClean="0"/>
-          </a:p>
-          <a:p>
-            <a:pPr marL="651510" indent="-514350">
-              <a:buAutoNum type="arabicPeriod" startAt="3"/>
-            </a:pPr>
-            <a:r>
-              <a:rPr lang="en-GB" dirty="0"/>
-              <a:t>Business </a:t>
-            </a:r>
-            <a:r>
-              <a:rPr lang="en-GB" dirty="0" smtClean="0"/>
-              <a:t>Casual</a:t>
-            </a:r>
-          </a:p>
-          <a:p>
-            <a:pPr marL="971550" lvl="1" indent="-514350">
-              <a:buFont typeface="Wingdings" panose="05000000000000000000" pitchFamily="2" charset="2"/>
-              <a:buChar char="Ø"/>
-            </a:pPr>
-            <a:r>
-              <a:rPr lang="en-GB" dirty="0" smtClean="0"/>
-              <a:t>Occasions</a:t>
-            </a:r>
-            <a:r>
-              <a:rPr lang="en-GB" dirty="0"/>
-              <a:t>: </a:t>
-            </a:r>
-            <a:r>
-              <a:rPr lang="en-GB" sz="2000" dirty="0"/>
-              <a:t>Less formal work settings or casual meetings</a:t>
-            </a:r>
-            <a:r>
-              <a:rPr lang="en-GB" sz="2000" dirty="0" smtClean="0"/>
-              <a:t>.</a:t>
-            </a:r>
-          </a:p>
-          <a:p>
-            <a:pPr marL="971550" lvl="1" indent="-514350">
-              <a:buFont typeface="Wingdings" panose="05000000000000000000" pitchFamily="2" charset="2"/>
-              <a:buChar char="Ø"/>
-            </a:pPr>
-            <a:r>
-              <a:rPr lang="en-GB" dirty="0" smtClean="0"/>
-              <a:t>Outfit</a:t>
-            </a:r>
-            <a:r>
-              <a:rPr lang="en-GB" dirty="0"/>
-              <a:t>: </a:t>
-            </a:r>
-            <a:r>
-              <a:rPr lang="en-GB" sz="2000" dirty="0"/>
-              <a:t>Blazer, chinos or trousers, dress shirt or polo, optional tie, and loafers.</a:t>
-            </a:r>
+              <a:t>Black tailcoat, white stiff-front shirt, high wing collar, and white bow tie.</a:t>
+            </a:r>
+          </a:p>
+          <a:p>
+            <a:endParaRPr lang="en-GB" dirty="0"/>
           </a:p>
         </p:txBody>
       </p:sp>
     </p:spTree>
     <p:extLst>
       <p:ext uri="{BB962C8B-B14F-4D97-AF65-F5344CB8AC3E}">
-        <p14:creationId xmlns:p14="http://schemas.microsoft.com/office/powerpoint/2010/main" val="3049192135"/>
+        <p14:creationId xmlns:p14="http://schemas.microsoft.com/office/powerpoint/2010/main" val="3188079118"/>
       </p:ext>
     </p:extLst>
   </p:cSld>
@@ -6500,65 +6705,52 @@
         </p:nvSpPr>
         <p:spPr/>
         <p:txBody>
+          <a:bodyPr/>
+          <a:lstStyle/>
+          <a:p>
+            <a:r>
+              <a:rPr lang="en-GB" dirty="0"/>
+              <a:t>Men's Formal Dress Codes</a:t>
+            </a:r>
+          </a:p>
+        </p:txBody>
+      </p:sp>
+      <p:sp>
+        <p:nvSpPr>
+          <p:cNvPr id="3" name="Content Placeholder 2"/>
+          <p:cNvSpPr>
+            <a:spLocks noGrp="1"/>
+          </p:cNvSpPr>
+          <p:nvPr>
+            <p:ph sz="quarter" idx="1"/>
+          </p:nvPr>
+        </p:nvSpPr>
+        <p:spPr>
+          <a:xfrm>
+            <a:off x="457200" y="1600200"/>
+            <a:ext cx="8229600" cy="5069160"/>
+          </a:xfrm>
+        </p:spPr>
+        <p:txBody>
           <a:bodyPr>
             <a:normAutofit/>
           </a:bodyPr>
           <a:lstStyle/>
           <a:p>
+            <a:pPr marL="651510" indent="-514350">
+              <a:buAutoNum type="arabicPeriod" startAt="3"/>
+            </a:pPr>
             <a:r>
               <a:rPr lang="en-GB" dirty="0" smtClean="0"/>
-              <a:t>Women's </a:t>
+              <a:t>Semi-Formal </a:t>
             </a:r>
             <a:r>
               <a:rPr lang="en-GB" dirty="0"/>
-              <a:t>Formal Dress Codes</a:t>
-            </a:r>
-          </a:p>
-        </p:txBody>
-      </p:sp>
-      <p:sp>
-        <p:nvSpPr>
-          <p:cNvPr id="3" name="Content Placeholder 2"/>
-          <p:cNvSpPr>
-            <a:spLocks noGrp="1"/>
-          </p:cNvSpPr>
-          <p:nvPr>
-            <p:ph sz="quarter" idx="1"/>
-          </p:nvPr>
-        </p:nvSpPr>
-        <p:spPr>
-          <a:xfrm>
-            <a:off x="457200" y="1600200"/>
-            <a:ext cx="8229600" cy="4493096"/>
-          </a:xfrm>
-        </p:spPr>
-        <p:txBody>
-          <a:bodyPr>
-            <a:normAutofit/>
-          </a:bodyPr>
-          <a:lstStyle/>
-          <a:p>
-            <a:pPr>
-              <a:buFont typeface="Wingdings" panose="05000000000000000000" pitchFamily="2" charset="2"/>
-              <a:buChar char="Ø"/>
-            </a:pPr>
-            <a:r>
-              <a:rPr lang="en-GB" dirty="0"/>
-              <a:t>Polished and sophisticated attire for formal </a:t>
+              <a:t>(Cocktail</a:t>
             </a:r>
             <a:r>
               <a:rPr lang="en-GB" dirty="0" smtClean="0"/>
-              <a:t>events for women are:</a:t>
-            </a:r>
-          </a:p>
-          <a:p>
-            <a:pPr marL="651510" indent="-514350">
-              <a:buFont typeface="+mj-lt"/>
-              <a:buAutoNum type="arabicPeriod"/>
-            </a:pPr>
-            <a:r>
-              <a:rPr lang="en-GB" dirty="0" smtClean="0"/>
-              <a:t>Suits:</a:t>
+              <a:t>)</a:t>
             </a:r>
           </a:p>
           <a:p>
@@ -6567,24 +6759,16 @@
               <a:buChar char="Ø"/>
             </a:pPr>
             <a:r>
+              <a:rPr lang="en-GB" dirty="0"/>
+              <a:t>Occasions: </a:t>
+            </a:r>
+            <a:r>
               <a:rPr lang="en-GB" sz="2000" dirty="0"/>
-              <a:t>Tailored fit in neutral </a:t>
-            </a:r>
-            <a:r>
-              <a:rPr lang="en-GB" sz="2000" dirty="0" err="1"/>
-              <a:t>colors</a:t>
-            </a:r>
-            <a:r>
-              <a:rPr lang="en-GB" sz="2000" dirty="0"/>
-              <a:t> (navy, black, </a:t>
-            </a:r>
-            <a:r>
-              <a:rPr lang="en-GB" sz="2000" dirty="0" err="1"/>
-              <a:t>gray</a:t>
+              <a:t>Evening parties or semi-formal gatherings</a:t>
             </a:r>
             <a:r>
               <a:rPr lang="en-GB" sz="2000" dirty="0" smtClean="0"/>
-              <a:t>).</a:t>
+              <a:t>.</a:t>
             </a:r>
           </a:p>
           <a:p>
@@ -6593,23 +6777,34 @@
               <a:buChar char="Ø"/>
             </a:pPr>
             <a:r>
-              <a:rPr lang="en-GB" sz="2000" dirty="0" smtClean="0"/>
-              <a:t>Versatile </a:t>
+              <a:rPr lang="en-GB" dirty="0" smtClean="0"/>
+              <a:t>Outfit</a:t>
+            </a:r>
+            <a:r>
+              <a:rPr lang="en-GB" dirty="0"/>
+              <a:t>: </a:t>
             </a:r>
             <a:r>
               <a:rPr lang="en-GB" sz="2000" dirty="0"/>
-              <a:t>pieces for mix-and-match options.</a:t>
+              <a:t>Dark suit (navy/charcoal), </a:t>
+            </a:r>
+            <a:r>
+              <a:rPr lang="en-GB" sz="2000" dirty="0" err="1"/>
+              <a:t>light-colored</a:t>
+            </a:r>
+            <a:r>
+              <a:rPr lang="en-GB" sz="2000" dirty="0"/>
+              <a:t> dress shirt, and tie.</a:t>
             </a:r>
             <a:endParaRPr lang="en-GB" sz="2000" dirty="0" smtClean="0"/>
           </a:p>
           <a:p>
             <a:pPr marL="651510" indent="-514350">
-              <a:buFont typeface="+mj-lt"/>
-              <a:buAutoNum type="arabicPeriod"/>
+              <a:buAutoNum type="arabicPeriod" startAt="3"/>
             </a:pPr>
             <a:r>
               <a:rPr lang="en-GB" dirty="0" smtClean="0"/>
-              <a:t>Skirts:</a:t>
+              <a:t>Business Formal</a:t>
             </a:r>
           </a:p>
           <a:p>
@@ -6618,8 +6813,12 @@
               <a:buChar char="Ø"/>
             </a:pPr>
             <a:r>
+              <a:rPr lang="en-GB" dirty="0"/>
+              <a:t>Occasions: </a:t>
+            </a:r>
+            <a:r>
               <a:rPr lang="en-GB" sz="2000" dirty="0"/>
-              <a:t>Knee-length or longer for professional settings</a:t>
+              <a:t>Office settings or formal business meetings</a:t>
             </a:r>
             <a:r>
               <a:rPr lang="en-GB" sz="2000" dirty="0" smtClean="0"/>
@@ -6632,23 +6831,30 @@
               <a:buChar char="Ø"/>
             </a:pPr>
             <a:r>
-              <a:rPr lang="en-GB" sz="2000" dirty="0" smtClean="0"/>
-              <a:t>Pencil </a:t>
+              <a:rPr lang="en-GB" dirty="0" smtClean="0"/>
+              <a:t>Outfit</a:t>
+            </a:r>
+            <a:r>
+              <a:rPr lang="en-GB" dirty="0"/>
+              <a:t>: </a:t>
             </a:r>
             <a:r>
               <a:rPr lang="en-GB" sz="2000" dirty="0"/>
-              <a:t>or A-line skirts for elegance and comfort.</a:t>
+              <a:t>Dark business suit, light shirt, matching belt and leather shoes.</a:t>
             </a:r>
             <a:endParaRPr lang="en-GB" sz="2000" dirty="0" smtClean="0"/>
           </a:p>
           <a:p>
             <a:pPr marL="651510" indent="-514350">
-              <a:buFont typeface="+mj-lt"/>
-              <a:buAutoNum type="arabicPeriod"/>
+              <a:buAutoNum type="arabicPeriod" startAt="3"/>
             </a:pPr>
             <a:r>
+              <a:rPr lang="en-GB" dirty="0"/>
+              <a:t>Business </a:t>
+            </a:r>
+            <a:r>
               <a:rPr lang="en-GB" dirty="0" smtClean="0"/>
-              <a:t>Pants:</a:t>
+              <a:t>Casual</a:t>
             </a:r>
           </a:p>
           <a:p>
@@ -6657,12 +6863,16 @@
               <a:buChar char="Ø"/>
             </a:pPr>
             <a:r>
+              <a:rPr lang="en-GB" dirty="0" smtClean="0"/>
+              <a:t>Occasions</a:t>
+            </a:r>
+            <a:r>
+              <a:rPr lang="en-GB" dirty="0"/>
+              <a:t>: </a:t>
+            </a:r>
+            <a:r>
               <a:rPr lang="en-GB" sz="2000" dirty="0"/>
-              <a:t>Tailored dress pants in classic </a:t>
-            </a:r>
-            <a:r>
-              <a:rPr lang="en-GB" sz="2000" dirty="0" err="1"/>
-              <a:t>colors</a:t>
+              <a:t>Less formal work settings or casual meetings</a:t>
             </a:r>
             <a:r>
               <a:rPr lang="en-GB" sz="2000" dirty="0" smtClean="0"/>
@@ -6675,16 +6885,16 @@
               <a:buChar char="Ø"/>
             </a:pPr>
             <a:r>
-              <a:rPr lang="en-GB" sz="2000" dirty="0" smtClean="0"/>
-              <a:t>Trouser </a:t>
+              <a:rPr lang="en-GB" dirty="0" smtClean="0"/>
+              <a:t>Outfit</a:t>
+            </a:r>
+            <a:r>
+              <a:rPr lang="en-GB" dirty="0"/>
+              <a:t>: </a:t>
             </a:r>
             <a:r>
               <a:rPr lang="en-GB" sz="2000" dirty="0"/>
-              <a:t>suits for a modern, comfortable look</a:t>
-            </a:r>
-            <a:r>
-              <a:rPr lang="en-GB" sz="2000" dirty="0" smtClean="0"/>
-              <a:t>.</a:t>
+              <a:t>Blazer, chinos or trousers, dress shirt or polo, optional tie, and loafers.</a:t>
             </a:r>
           </a:p>
         </p:txBody>
@@ -6692,7 +6902,7 @@
     </p:spTree>
     <p:extLst>
       <p:ext uri="{BB962C8B-B14F-4D97-AF65-F5344CB8AC3E}">
-        <p14:creationId xmlns:p14="http://schemas.microsoft.com/office/powerpoint/2010/main" val="1109595675"/>
+        <p14:creationId xmlns:p14="http://schemas.microsoft.com/office/powerpoint/2010/main" val="3049192135"/>
       </p:ext>
     </p:extLst>
   </p:cSld>
@@ -6744,8 +6954,12 @@
           <a:lstStyle/>
           <a:p>
             <a:r>
+              <a:rPr lang="en-GB" dirty="0" smtClean="0"/>
+              <a:t>Women's </a:t>
+            </a:r>
+            <a:r>
               <a:rPr lang="en-GB" dirty="0"/>
-              <a:t>Women's Formal Dress Codes</a:t>
+              <a:t>Formal Dress Codes</a:t>
             </a:r>
           </a:p>
         </p:txBody>
@@ -6760,19 +6974,39 @@
             <p:ph sz="quarter" idx="1"/>
           </p:nvPr>
         </p:nvSpPr>
-        <p:spPr/>
+        <p:spPr>
+          <a:xfrm>
+            <a:off x="457200" y="1600200"/>
+            <a:ext cx="8229600" cy="4493096"/>
+          </a:xfrm>
+        </p:spPr>
         <p:txBody>
           <a:bodyPr>
             <a:normAutofit/>
           </a:bodyPr>
           <a:lstStyle/>
           <a:p>
+            <a:pPr>
+              <a:buFont typeface="Wingdings" panose="05000000000000000000" pitchFamily="2" charset="2"/>
+              <a:buChar char="Ø"/>
+            </a:pPr>
+            <a:r>
+              <a:rPr lang="en-GB" dirty="0"/>
+              <a:t>Polished and sophisticated attire for formal </a:t>
+            </a:r>
+            <a:r>
+              <a:rPr lang="en-GB" dirty="0" smtClean="0"/>
+              <a:t>events for women are:</a:t>
+            </a:r>
+          </a:p>
+          <a:p>
             <a:pPr marL="651510" indent="-514350">
-              <a:buAutoNum type="arabicPeriod" startAt="4"/>
+              <a:buFont typeface="+mj-lt"/>
+              <a:buAutoNum type="arabicPeriod"/>
             </a:pPr>
             <a:r>
               <a:rPr lang="en-GB" dirty="0" smtClean="0"/>
-              <a:t>Accessories:</a:t>
+              <a:t>Suits:</a:t>
             </a:r>
           </a:p>
           <a:p>
@@ -6782,15 +7016,23 @@
             </a:pPr>
             <a:r>
               <a:rPr lang="en-GB" sz="2000" dirty="0"/>
-              <a:t>Belts for polish, scarves for a pop of </a:t>
+              <a:t>Tailored fit in neutral </a:t>
             </a:r>
             <a:r>
               <a:rPr lang="en-GB" sz="2000" dirty="0" err="1"/>
-              <a:t>color</a:t>
+              <a:t>colors</a:t>
+            </a:r>
+            <a:r>
+              <a:rPr lang="en-GB" sz="2000" dirty="0"/>
+              <a:t> (navy, black, </a:t>
+            </a:r>
+            <a:r>
+              <a:rPr lang="en-GB" sz="2000" dirty="0" err="1"/>
+              <a:t>gray</a:t>
             </a:r>
             <a:r>
               <a:rPr lang="en-GB" sz="2000" dirty="0" smtClean="0"/>
-              <a:t>.</a:t>
+              <a:t>).</a:t>
             </a:r>
           </a:p>
           <a:p>
@@ -6800,29 +7042,22 @@
             </a:pPr>
             <a:r>
               <a:rPr lang="en-GB" sz="2000" dirty="0" smtClean="0"/>
-              <a:t>Structured</a:t>
+              <a:t>Versatile </a:t>
             </a:r>
             <a:r>
               <a:rPr lang="en-GB" sz="2000" dirty="0"/>
-              <a:t>, neutral handbags for functionality.</a:t>
+              <a:t>pieces for mix-and-match options.</a:t>
             </a:r>
             <a:endParaRPr lang="en-GB" sz="2000" dirty="0" smtClean="0"/>
           </a:p>
           <a:p>
             <a:pPr marL="651510" indent="-514350">
-              <a:buAutoNum type="arabicPeriod" startAt="4"/>
+              <a:buFont typeface="+mj-lt"/>
+              <a:buAutoNum type="arabicPeriod"/>
             </a:pPr>
             <a:r>
-              <a:rPr lang="en-GB" dirty="0"/>
-              <a:t>Hair &amp; </a:t>
-            </a:r>
-            <a:r>
-              <a:rPr lang="en-GB" dirty="0" err="1"/>
-              <a:t>Jewelry</a:t>
-            </a:r>
-            <a:r>
               <a:rPr lang="en-GB" dirty="0" smtClean="0"/>
-              <a:t>:</a:t>
+              <a:t>Skirts:</a:t>
             </a:r>
           </a:p>
           <a:p>
@@ -6832,11 +7067,11 @@
             </a:pPr>
             <a:r>
               <a:rPr lang="en-GB" sz="2000" dirty="0"/>
-              <a:t>Neat hairstyles (buns, ponytails</a:t>
+              <a:t>Knee-length or longer for professional settings</a:t>
             </a:r>
             <a:r>
               <a:rPr lang="en-GB" sz="2000" dirty="0" smtClean="0"/>
-              <a:t>).</a:t>
+              <a:t>.</a:t>
             </a:r>
           </a:p>
           <a:p>
@@ -6846,80 +7081,66 @@
             </a:pPr>
             <a:r>
               <a:rPr lang="en-GB" sz="2000" dirty="0" smtClean="0"/>
-              <a:t>Minimalist </a:t>
-            </a:r>
-            <a:r>
-              <a:rPr lang="en-GB" sz="2000" dirty="0" err="1"/>
-              <a:t>jewelry</a:t>
+              <a:t>Pencil </a:t>
             </a:r>
             <a:r>
               <a:rPr lang="en-GB" sz="2000" dirty="0"/>
-              <a:t>: </a:t>
-            </a:r>
-            <a:r>
-              <a:rPr lang="en-GB" sz="2000" dirty="0" smtClean="0"/>
-              <a:t>delicate </a:t>
-            </a:r>
-            <a:r>
-              <a:rPr lang="en-GB" sz="2000" dirty="0"/>
-              <a:t>necklaces, earrings, or bracelets</a:t>
-            </a:r>
-            <a:r>
-              <a:rPr lang="en-GB" sz="2000" dirty="0" smtClean="0"/>
-              <a:t>.</a:t>
-            </a:r>
-          </a:p>
-          <a:p>
-            <a:pPr marL="137160" indent="0">
-              <a:buNone/>
+              <a:t>or A-line skirts for elegance and comfort.</a:t>
+            </a:r>
+            <a:endParaRPr lang="en-GB" sz="2000" dirty="0" smtClean="0"/>
+          </a:p>
+          <a:p>
+            <a:pPr marL="651510" indent="-514350">
+              <a:buFont typeface="+mj-lt"/>
+              <a:buAutoNum type="arabicPeriod"/>
             </a:pPr>
-            <a:endParaRPr lang="en-GB" dirty="0" smtClean="0"/>
-          </a:p>
-          <a:p>
-            <a:pPr marL="137160" indent="0">
-              <a:buNone/>
-            </a:pPr>
             <a:r>
               <a:rPr lang="en-GB" dirty="0" smtClean="0"/>
-              <a:t># </a:t>
-            </a:r>
-            <a:r>
-              <a:rPr lang="en-GB" dirty="0"/>
-              <a:t>Additional Tips:</a:t>
-            </a:r>
-          </a:p>
-          <a:p>
-            <a:pPr lvl="1">
+              <a:t>Pants:</a:t>
+            </a:r>
+          </a:p>
+          <a:p>
+            <a:pPr marL="971550" lvl="1" indent="-514350">
               <a:buFont typeface="Wingdings" panose="05000000000000000000" pitchFamily="2" charset="2"/>
               <a:buChar char="Ø"/>
             </a:pPr>
             <a:r>
               <a:rPr lang="en-GB" sz="2000" dirty="0"/>
-              <a:t>Prioritize comfort and confidence.</a:t>
-            </a:r>
-          </a:p>
-          <a:p>
-            <a:pPr lvl="1">
+              <a:t>Tailored dress pants in classic </a:t>
+            </a:r>
+            <a:r>
+              <a:rPr lang="en-GB" sz="2000" dirty="0" err="1"/>
+              <a:t>colors</a:t>
+            </a:r>
+            <a:r>
+              <a:rPr lang="en-GB" sz="2000" dirty="0" smtClean="0"/>
+              <a:t>.</a:t>
+            </a:r>
+          </a:p>
+          <a:p>
+            <a:pPr marL="971550" lvl="1" indent="-514350">
               <a:buFont typeface="Wingdings" panose="05000000000000000000" pitchFamily="2" charset="2"/>
               <a:buChar char="Ø"/>
             </a:pPr>
             <a:r>
+              <a:rPr lang="en-GB" sz="2000" dirty="0" smtClean="0"/>
+              <a:t>Trouser </a:t>
+            </a:r>
+            <a:r>
               <a:rPr lang="en-GB" sz="2000" dirty="0"/>
-              <a:t>Dress appropriately for the occasion.</a:t>
-            </a:r>
-          </a:p>
-          <a:p>
-            <a:pPr marL="137160" indent="0">
-              <a:buNone/>
-            </a:pPr>
-            <a:endParaRPr lang="en-GB" dirty="0" smtClean="0"/>
+              <a:t>suits for a modern, comfortable look</a:t>
+            </a:r>
+            <a:r>
+              <a:rPr lang="en-GB" sz="2000" dirty="0" smtClean="0"/>
+              <a:t>.</a:t>
+            </a:r>
           </a:p>
         </p:txBody>
       </p:sp>
     </p:spTree>
     <p:extLst>
       <p:ext uri="{BB962C8B-B14F-4D97-AF65-F5344CB8AC3E}">
-        <p14:creationId xmlns:p14="http://schemas.microsoft.com/office/powerpoint/2010/main" val="3250714284"/>
+        <p14:creationId xmlns:p14="http://schemas.microsoft.com/office/powerpoint/2010/main" val="1109595675"/>
       </p:ext>
     </p:extLst>
   </p:cSld>
@@ -6963,12 +7184,7 @@
             <p:ph type="title"/>
           </p:nvPr>
         </p:nvSpPr>
-        <p:spPr>
-          <a:xfrm>
-            <a:off x="365125" y="274638"/>
-            <a:ext cx="8778875" cy="1143000"/>
-          </a:xfrm>
-        </p:spPr>
+        <p:spPr/>
         <p:txBody>
           <a:bodyPr>
             <a:normAutofit/>
@@ -6976,38 +7192,9 @@
           <a:lstStyle/>
           <a:p>
             <a:r>
-              <a:rPr lang="en-US" dirty="0" smtClean="0">
-                <a:effectLst>
-                  <a:outerShdw blurRad="38100" dist="38100" dir="2700000" algn="tl">
-                    <a:srgbClr val="000000">
-                      <a:alpha val="43137"/>
-                    </a:srgbClr>
-                  </a:outerShdw>
-                </a:effectLst>
-              </a:rPr>
-              <a:t>IMPACT </a:t>
-            </a:r>
-            <a:r>
-              <a:rPr lang="en-US" dirty="0">
-                <a:effectLst>
-                  <a:outerShdw blurRad="38100" dist="38100" dir="2700000" algn="tl">
-                    <a:srgbClr val="000000">
-                      <a:alpha val="43137"/>
-                    </a:srgbClr>
-                  </a:outerShdw>
-                </a:effectLst>
-              </a:rPr>
-              <a:t>OF IMPROPER DRESSING </a:t>
-            </a:r>
-            <a:endParaRPr lang="en-GB" dirty="0">
-              <a:effectLst>
-                <a:outerShdw blurRad="38100" dist="38100" dir="2700000" algn="tl">
-                  <a:srgbClr val="000000">
-                    <a:alpha val="43137"/>
-                  </a:srgbClr>
-                </a:outerShdw>
-              </a:effectLst>
-            </a:endParaRPr>
+              <a:rPr lang="en-GB" dirty="0"/>
+              <a:t>Women's Formal Dress Codes</a:t>
+            </a:r>
           </a:p>
         </p:txBody>
       </p:sp>
@@ -7021,247 +7208,166 @@
             <p:ph sz="quarter" idx="1"/>
           </p:nvPr>
         </p:nvSpPr>
-        <p:spPr>
-          <a:xfrm>
-            <a:off x="457200" y="1484784"/>
-            <a:ext cx="8229600" cy="4032448"/>
-          </a:xfrm>
-        </p:spPr>
+        <p:spPr/>
         <p:txBody>
           <a:bodyPr>
-            <a:normAutofit fontScale="85000" lnSpcReduction="10000"/>
+            <a:normAutofit/>
           </a:bodyPr>
           <a:lstStyle/>
           <a:p>
-            <a:pPr fontAlgn="base">
+            <a:pPr marL="651510" indent="-514350">
+              <a:buAutoNum type="arabicPeriod" startAt="4"/>
+            </a:pPr>
+            <a:r>
+              <a:rPr lang="en-GB" dirty="0" smtClean="0"/>
+              <a:t>Accessories:</a:t>
+            </a:r>
+          </a:p>
+          <a:p>
+            <a:pPr marL="971550" lvl="1" indent="-514350">
               <a:buFont typeface="Wingdings" panose="05000000000000000000" pitchFamily="2" charset="2"/>
               <a:buChar char="Ø"/>
             </a:pPr>
             <a:r>
-              <a:rPr lang="en-US" sz="2800" dirty="0"/>
-              <a:t>The topic emphasizes that in a business dress is one of the most important key factor for better success </a:t>
-            </a:r>
-            <a:r>
-              <a:rPr lang="en-US" sz="2800" dirty="0" smtClean="0"/>
+              <a:rPr lang="en-GB" sz="2000" dirty="0"/>
+              <a:t>Belts for polish, scarves for a pop of </a:t>
+            </a:r>
+            <a:r>
+              <a:rPr lang="en-GB" sz="2000" dirty="0" err="1"/>
+              <a:t>color</a:t>
+            </a:r>
+            <a:r>
+              <a:rPr lang="en-GB" sz="2000" dirty="0" smtClean="0"/>
               <a:t>.</a:t>
             </a:r>
           </a:p>
           <a:p>
-            <a:pPr marL="651510" indent="-514350" fontAlgn="base">
-              <a:buFont typeface="+mj-lt"/>
-              <a:buAutoNum type="arabicPeriod"/>
-            </a:pPr>
-            <a:r>
-              <a:rPr lang="en-US" sz="2800" dirty="0" smtClean="0"/>
-              <a:t>Negative </a:t>
-            </a:r>
-            <a:r>
-              <a:rPr lang="en-US" sz="2800" dirty="0"/>
-              <a:t>first impression</a:t>
-            </a:r>
-            <a:r>
-              <a:rPr lang="en-US" sz="2800" dirty="0" smtClean="0"/>
-              <a:t>​</a:t>
-            </a:r>
-          </a:p>
-          <a:p>
-            <a:pPr marL="1179576" lvl="2" indent="-457200" fontAlgn="base">
+            <a:pPr marL="971550" lvl="1" indent="-514350">
               <a:buFont typeface="Wingdings" panose="05000000000000000000" pitchFamily="2" charset="2"/>
               <a:buChar char="Ø"/>
             </a:pPr>
             <a:r>
-              <a:rPr lang="en-US" sz="2400" dirty="0" smtClean="0"/>
-              <a:t>First </a:t>
-            </a:r>
-            <a:r>
-              <a:rPr lang="en-US" sz="2400" dirty="0"/>
-              <a:t>impression is crucial in professional life. So dressing  poorly </a:t>
-            </a:r>
-            <a:r>
-              <a:rPr lang="en-US" sz="2400" dirty="0" smtClean="0"/>
-              <a:t>makes you </a:t>
-            </a:r>
-            <a:r>
-              <a:rPr lang="en-US" sz="2400" dirty="0"/>
-              <a:t>look </a:t>
-            </a:r>
-            <a:r>
-              <a:rPr lang="en-US" sz="2400" dirty="0" smtClean="0"/>
-              <a:t>unprofessional</a:t>
-            </a:r>
-            <a:r>
-              <a:rPr lang="en-US" sz="2400" dirty="0"/>
-              <a:t>.</a:t>
-            </a:r>
-            <a:r>
-              <a:rPr lang="en-US" sz="2400" dirty="0" smtClean="0"/>
-              <a:t>​</a:t>
-            </a:r>
-          </a:p>
-          <a:p>
-            <a:pPr marL="651510" indent="-514350" fontAlgn="base">
-              <a:buFont typeface="+mj-lt"/>
-              <a:buAutoNum type="arabicPeriod"/>
+              <a:rPr lang="en-GB" sz="2000" dirty="0" smtClean="0"/>
+              <a:t>Structured</a:t>
+            </a:r>
+            <a:r>
+              <a:rPr lang="en-GB" sz="2000" dirty="0"/>
+              <a:t>, neutral handbags for functionality.</a:t>
+            </a:r>
+            <a:endParaRPr lang="en-GB" sz="2000" dirty="0" smtClean="0"/>
+          </a:p>
+          <a:p>
+            <a:pPr marL="651510" indent="-514350">
+              <a:buAutoNum type="arabicPeriod" startAt="4"/>
             </a:pPr>
             <a:r>
-              <a:rPr lang="en-US" sz="2800" dirty="0" smtClean="0"/>
-              <a:t>Lack </a:t>
-            </a:r>
-            <a:r>
-              <a:rPr lang="en-US" sz="2800" dirty="0"/>
-              <a:t>of credibility</a:t>
-            </a:r>
-            <a:r>
-              <a:rPr lang="en-US" sz="2800" dirty="0" smtClean="0"/>
-              <a:t>​</a:t>
-            </a:r>
-          </a:p>
-          <a:p>
-            <a:pPr marL="1236726" lvl="2" indent="-514350" fontAlgn="base">
+              <a:rPr lang="en-GB" dirty="0"/>
+              <a:t>Hair &amp; </a:t>
+            </a:r>
+            <a:r>
+              <a:rPr lang="en-GB" dirty="0" err="1"/>
+              <a:t>Jewelry</a:t>
+            </a:r>
+            <a:r>
+              <a:rPr lang="en-GB" dirty="0" smtClean="0"/>
+              <a:t>:</a:t>
+            </a:r>
+          </a:p>
+          <a:p>
+            <a:pPr marL="971550" lvl="1" indent="-514350">
               <a:buFont typeface="Wingdings" panose="05000000000000000000" pitchFamily="2" charset="2"/>
               <a:buChar char="Ø"/>
             </a:pPr>
             <a:r>
-              <a:rPr lang="en-US" sz="2400" dirty="0" smtClean="0"/>
-              <a:t>If </a:t>
-            </a:r>
-            <a:r>
-              <a:rPr lang="en-US" sz="2400" dirty="0"/>
-              <a:t>you looks unprofessional people may doubt on your skill or reliability </a:t>
-            </a:r>
-            <a:r>
-              <a:rPr lang="en-US" sz="2400" dirty="0" smtClean="0"/>
-              <a:t>and </a:t>
-            </a:r>
-            <a:r>
-              <a:rPr lang="en-US" sz="2400" dirty="0"/>
-              <a:t>starts to lose trust on you</a:t>
-            </a:r>
-            <a:r>
-              <a:rPr lang="en-US" sz="2400" dirty="0" smtClean="0"/>
-              <a:t>.</a:t>
-            </a:r>
-          </a:p>
-          <a:p>
-            <a:pPr marL="651510" indent="-514350" fontAlgn="base">
-              <a:buFont typeface="+mj-lt"/>
-              <a:buAutoNum type="arabicPeriod"/>
-            </a:pPr>
-            <a:r>
-              <a:rPr lang="en-US" sz="2800" dirty="0" smtClean="0"/>
-              <a:t>​Lower </a:t>
-            </a:r>
-            <a:r>
-              <a:rPr lang="en-US" sz="2800" dirty="0"/>
-              <a:t>confidence </a:t>
-            </a:r>
-          </a:p>
-          <a:p>
-            <a:pPr marL="1065276" lvl="2" indent="-342900" fontAlgn="base">
+              <a:rPr lang="en-GB" sz="2000" dirty="0"/>
+              <a:t>Neat hairstyles (buns, ponytails</a:t>
+            </a:r>
+            <a:r>
+              <a:rPr lang="en-GB" sz="2000" dirty="0" smtClean="0"/>
+              <a:t>).</a:t>
+            </a:r>
+          </a:p>
+          <a:p>
+            <a:pPr marL="971550" lvl="1" indent="-514350">
               <a:buFont typeface="Wingdings" panose="05000000000000000000" pitchFamily="2" charset="2"/>
               <a:buChar char="Ø"/>
             </a:pPr>
             <a:r>
-              <a:rPr lang="en-US" sz="2400" dirty="0"/>
-              <a:t>​Improper dress makes you nervous ,and uncomfortable , and make cause you doubt on your own skill.​</a:t>
-            </a:r>
-          </a:p>
-          <a:p>
-            <a:pPr marL="722376" lvl="2" indent="0" fontAlgn="base">
+              <a:rPr lang="en-GB" sz="2000" dirty="0" smtClean="0"/>
+              <a:t>Minimalist </a:t>
+            </a:r>
+            <a:r>
+              <a:rPr lang="en-GB" sz="2000" dirty="0" err="1"/>
+              <a:t>jewelry</a:t>
+            </a:r>
+            <a:r>
+              <a:rPr lang="en-GB" sz="2000" dirty="0"/>
+              <a:t>: </a:t>
+            </a:r>
+            <a:r>
+              <a:rPr lang="en-GB" sz="2000" dirty="0" smtClean="0"/>
+              <a:t>delicate </a:t>
+            </a:r>
+            <a:r>
+              <a:rPr lang="en-GB" sz="2000" dirty="0"/>
+              <a:t>necklaces, earrings, or bracelets</a:t>
+            </a:r>
+            <a:r>
+              <a:rPr lang="en-GB" sz="2000" dirty="0" smtClean="0"/>
+              <a:t>.</a:t>
+            </a:r>
+          </a:p>
+          <a:p>
+            <a:pPr marL="137160" indent="0">
               <a:buNone/>
             </a:pPr>
-            <a:endParaRPr lang="en-US" sz="2400" dirty="0"/>
-          </a:p>
-          <a:p>
-            <a:pPr marL="722376" lvl="2" indent="0" fontAlgn="base">
+            <a:endParaRPr lang="en-GB" dirty="0" smtClean="0"/>
+          </a:p>
+          <a:p>
+            <a:pPr marL="137160" indent="0">
               <a:buNone/>
             </a:pPr>
-            <a:endParaRPr lang="en-US" sz="2400" dirty="0" smtClean="0"/>
-          </a:p>
-        </p:txBody>
-      </p:sp>
-      <p:sp>
-        <p:nvSpPr>
-          <p:cNvPr id="4" name="AutoShape 2" descr="up close image of waves"/>
-          <p:cNvSpPr>
-            <a:spLocks noChangeAspect="1" noChangeArrowheads="1"/>
-          </p:cNvSpPr>
-          <p:nvPr/>
-        </p:nvSpPr>
-        <p:spPr bwMode="auto">
-          <a:xfrm>
-            <a:off x="212725" y="-144463"/>
-            <a:ext cx="304800" cy="304801"/>
-          </a:xfrm>
-          <a:prstGeom prst="rect">
-            <a:avLst/>
-          </a:prstGeom>
-          <a:noFill/>
-          <a:extLst>
-            <a:ext uri="{909E8E84-426E-40DD-AFC4-6F175D3DCCD1}">
-              <a14:hiddenFill xmlns:a14="http://schemas.microsoft.com/office/drawing/2010/main">
-                <a:solidFill>
-                  <a:srgbClr val="FFFFFF"/>
-                </a:solidFill>
-              </a14:hiddenFill>
-            </a:ext>
-          </a:extLst>
-        </p:spPr>
-        <p:txBody>
-          <a:bodyPr vert="horz" wrap="square" lIns="91440" tIns="45720" rIns="91440" bIns="45720" numCol="1" anchor="t" anchorCtr="0" compatLnSpc="1">
-            <a:prstTxWarp prst="textNoShape">
-              <a:avLst/>
-            </a:prstTxWarp>
-          </a:bodyPr>
-          <a:lstStyle/>
-          <a:p>
-            <a:endParaRPr lang="en-GB"/>
-          </a:p>
-        </p:txBody>
-      </p:sp>
-      <p:sp>
-        <p:nvSpPr>
-          <p:cNvPr id="5" name="AutoShape 4" descr="up close image of waves"/>
-          <p:cNvSpPr>
-            <a:spLocks noChangeAspect="1" noChangeArrowheads="1"/>
-          </p:cNvSpPr>
-          <p:nvPr/>
-        </p:nvSpPr>
-        <p:spPr bwMode="auto">
-          <a:xfrm>
-            <a:off x="365125" y="7937"/>
-            <a:ext cx="304800" cy="304801"/>
-          </a:xfrm>
-          <a:prstGeom prst="rect">
-            <a:avLst/>
-          </a:prstGeom>
-          <a:noFill/>
-          <a:extLst>
-            <a:ext uri="{909E8E84-426E-40DD-AFC4-6F175D3DCCD1}">
-              <a14:hiddenFill xmlns:a14="http://schemas.microsoft.com/office/drawing/2010/main">
-                <a:solidFill>
-                  <a:srgbClr val="FFFFFF"/>
-                </a:solidFill>
-              </a14:hiddenFill>
-            </a:ext>
-          </a:extLst>
-        </p:spPr>
-        <p:txBody>
-          <a:bodyPr vert="horz" wrap="square" lIns="91440" tIns="45720" rIns="91440" bIns="45720" numCol="1" anchor="t" anchorCtr="0" compatLnSpc="1">
-            <a:prstTxWarp prst="textNoShape">
-              <a:avLst/>
-            </a:prstTxWarp>
-          </a:bodyPr>
-          <a:lstStyle/>
-          <a:p>
-            <a:endParaRPr lang="en-GB"/>
+            <a:r>
+              <a:rPr lang="en-GB" dirty="0" smtClean="0"/>
+              <a:t># </a:t>
+            </a:r>
+            <a:r>
+              <a:rPr lang="en-GB" dirty="0"/>
+              <a:t>Additional Tips:</a:t>
+            </a:r>
+          </a:p>
+          <a:p>
+            <a:pPr lvl="1">
+              <a:buFont typeface="Wingdings" panose="05000000000000000000" pitchFamily="2" charset="2"/>
+              <a:buChar char="Ø"/>
+            </a:pPr>
+            <a:r>
+              <a:rPr lang="en-GB" sz="2000" dirty="0"/>
+              <a:t>Prioritize comfort and confidence.</a:t>
+            </a:r>
+          </a:p>
+          <a:p>
+            <a:pPr lvl="1">
+              <a:buFont typeface="Wingdings" panose="05000000000000000000" pitchFamily="2" charset="2"/>
+              <a:buChar char="Ø"/>
+            </a:pPr>
+            <a:r>
+              <a:rPr lang="en-GB" sz="2000" dirty="0"/>
+              <a:t>Dress appropriately for the occasion.</a:t>
+            </a:r>
+          </a:p>
+          <a:p>
+            <a:pPr marL="137160" indent="0">
+              <a:buNone/>
+            </a:pPr>
+            <a:endParaRPr lang="en-GB" dirty="0" smtClean="0"/>
           </a:p>
         </p:txBody>
       </p:sp>
     </p:spTree>
     <p:extLst>
       <p:ext uri="{BB962C8B-B14F-4D97-AF65-F5344CB8AC3E}">
-        <p14:creationId xmlns:p14="http://schemas.microsoft.com/office/powerpoint/2010/main" val="505410984"/>
+        <p14:creationId xmlns:p14="http://schemas.microsoft.com/office/powerpoint/2010/main" val="3250714284"/>
       </p:ext>
     </p:extLst>
   </p:cSld>

--- a/dressEthics.pptx
+++ b/dressEthics.pptx
@@ -1,9 +1,12 @@
 
 <file path=ppt/presentation.xml><?xml version="1.0" encoding="utf-8"?>
-<p:presentation xmlns:a="http://schemas.openxmlformats.org/drawingml/2006/main" xmlns:r="http://schemas.openxmlformats.org/officeDocument/2006/relationships" xmlns:p="http://schemas.openxmlformats.org/presentationml/2006/main" saveSubsetFonts="1">
+<p:presentation xmlns:a="http://schemas.openxmlformats.org/drawingml/2006/main" xmlns:r="http://schemas.openxmlformats.org/officeDocument/2006/relationships" xmlns:p="http://schemas.openxmlformats.org/presentationml/2006/main" showSpecialPlsOnTitleSld="0" saveSubsetFonts="1">
   <p:sldMasterIdLst>
     <p:sldMasterId id="2147483840" r:id="rId1"/>
   </p:sldMasterIdLst>
+  <p:notesMasterIdLst>
+    <p:notesMasterId r:id="rId14"/>
+  </p:notesMasterIdLst>
   <p:sldIdLst>
     <p:sldId id="256" r:id="rId2"/>
     <p:sldId id="257" r:id="rId3"/>
@@ -118,6 +121,356 @@
 </p:presentation>
 </file>
 
+<file path=ppt/notesMasters/notesMaster1.xml><?xml version="1.0" encoding="utf-8"?>
+<p:notesMaster xmlns:a="http://schemas.openxmlformats.org/drawingml/2006/main" xmlns:r="http://schemas.openxmlformats.org/officeDocument/2006/relationships" xmlns:p="http://schemas.openxmlformats.org/presentationml/2006/main">
+  <p:cSld>
+    <p:bg>
+      <p:bgRef idx="1001">
+        <a:schemeClr val="bg1"/>
+      </p:bgRef>
+    </p:bg>
+    <p:spTree>
+      <p:nvGrpSpPr>
+        <p:cNvPr id="1" name=""/>
+        <p:cNvGrpSpPr/>
+        <p:nvPr/>
+      </p:nvGrpSpPr>
+      <p:grpSpPr>
+        <a:xfrm>
+          <a:off x="0" y="0"/>
+          <a:ext cx="0" cy="0"/>
+          <a:chOff x="0" y="0"/>
+          <a:chExt cx="0" cy="0"/>
+        </a:xfrm>
+      </p:grpSpPr>
+      <p:sp>
+        <p:nvSpPr>
+          <p:cNvPr id="2" name="Header Placeholder 1"/>
+          <p:cNvSpPr>
+            <a:spLocks noGrp="1"/>
+          </p:cNvSpPr>
+          <p:nvPr>
+            <p:ph type="hdr" sz="quarter"/>
+          </p:nvPr>
+        </p:nvSpPr>
+        <p:spPr>
+          <a:xfrm>
+            <a:off x="0" y="0"/>
+            <a:ext cx="2971800" cy="457200"/>
+          </a:xfrm>
+          <a:prstGeom prst="rect">
+            <a:avLst/>
+          </a:prstGeom>
+        </p:spPr>
+        <p:txBody>
+          <a:bodyPr vert="horz" lIns="91440" tIns="45720" rIns="91440" bIns="45720" rtlCol="0"/>
+          <a:lstStyle>
+            <a:lvl1pPr algn="l">
+              <a:defRPr sz="1200"/>
+            </a:lvl1pPr>
+          </a:lstStyle>
+          <a:p>
+            <a:endParaRPr lang="en-GB"/>
+          </a:p>
+        </p:txBody>
+      </p:sp>
+      <p:sp>
+        <p:nvSpPr>
+          <p:cNvPr id="3" name="Date Placeholder 2"/>
+          <p:cNvSpPr>
+            <a:spLocks noGrp="1"/>
+          </p:cNvSpPr>
+          <p:nvPr>
+            <p:ph type="dt" idx="1"/>
+          </p:nvPr>
+        </p:nvSpPr>
+        <p:spPr>
+          <a:xfrm>
+            <a:off x="3884613" y="0"/>
+            <a:ext cx="2971800" cy="457200"/>
+          </a:xfrm>
+          <a:prstGeom prst="rect">
+            <a:avLst/>
+          </a:prstGeom>
+        </p:spPr>
+        <p:txBody>
+          <a:bodyPr vert="horz" lIns="91440" tIns="45720" rIns="91440" bIns="45720" rtlCol="0"/>
+          <a:lstStyle>
+            <a:lvl1pPr algn="r">
+              <a:defRPr sz="1200"/>
+            </a:lvl1pPr>
+          </a:lstStyle>
+          <a:p>
+            <a:fld id="{4013F3EB-7C55-4371-BBFA-B54E39BB0658}" type="datetimeFigureOut">
+              <a:rPr lang="en-GB" smtClean="0"/>
+              <a:t>10/12/2024</a:t>
+            </a:fld>
+            <a:endParaRPr lang="en-GB"/>
+          </a:p>
+        </p:txBody>
+      </p:sp>
+      <p:sp>
+        <p:nvSpPr>
+          <p:cNvPr id="4" name="Slide Image Placeholder 3"/>
+          <p:cNvSpPr>
+            <a:spLocks noGrp="1" noRot="1" noChangeAspect="1"/>
+          </p:cNvSpPr>
+          <p:nvPr>
+            <p:ph type="sldImg" idx="2"/>
+          </p:nvPr>
+        </p:nvSpPr>
+        <p:spPr>
+          <a:xfrm>
+            <a:off x="1143000" y="685800"/>
+            <a:ext cx="4572000" cy="3429000"/>
+          </a:xfrm>
+          <a:prstGeom prst="rect">
+            <a:avLst/>
+          </a:prstGeom>
+          <a:noFill/>
+          <a:ln w="12700">
+            <a:solidFill>
+              <a:prstClr val="black"/>
+            </a:solidFill>
+          </a:ln>
+        </p:spPr>
+        <p:txBody>
+          <a:bodyPr vert="horz" lIns="91440" tIns="45720" rIns="91440" bIns="45720" rtlCol="0" anchor="ctr"/>
+          <a:lstStyle/>
+          <a:p>
+            <a:endParaRPr lang="en-GB"/>
+          </a:p>
+        </p:txBody>
+      </p:sp>
+      <p:sp>
+        <p:nvSpPr>
+          <p:cNvPr id="5" name="Notes Placeholder 4"/>
+          <p:cNvSpPr>
+            <a:spLocks noGrp="1"/>
+          </p:cNvSpPr>
+          <p:nvPr>
+            <p:ph type="body" sz="quarter" idx="3"/>
+          </p:nvPr>
+        </p:nvSpPr>
+        <p:spPr>
+          <a:xfrm>
+            <a:off x="685800" y="4343400"/>
+            <a:ext cx="5486400" cy="4114800"/>
+          </a:xfrm>
+          <a:prstGeom prst="rect">
+            <a:avLst/>
+          </a:prstGeom>
+        </p:spPr>
+        <p:txBody>
+          <a:bodyPr vert="horz" lIns="91440" tIns="45720" rIns="91440" bIns="45720" rtlCol="0"/>
+          <a:lstStyle/>
+          <a:p>
+            <a:pPr lvl="0"/>
+            <a:r>
+              <a:rPr lang="en-US" smtClean="0"/>
+              <a:t>Click to edit Master text styles</a:t>
+            </a:r>
+          </a:p>
+          <a:p>
+            <a:pPr lvl="1"/>
+            <a:r>
+              <a:rPr lang="en-US" smtClean="0"/>
+              <a:t>Second level</a:t>
+            </a:r>
+          </a:p>
+          <a:p>
+            <a:pPr lvl="2"/>
+            <a:r>
+              <a:rPr lang="en-US" smtClean="0"/>
+              <a:t>Third level</a:t>
+            </a:r>
+          </a:p>
+          <a:p>
+            <a:pPr lvl="3"/>
+            <a:r>
+              <a:rPr lang="en-US" smtClean="0"/>
+              <a:t>Fourth level</a:t>
+            </a:r>
+          </a:p>
+          <a:p>
+            <a:pPr lvl="4"/>
+            <a:r>
+              <a:rPr lang="en-US" smtClean="0"/>
+              <a:t>Fifth level</a:t>
+            </a:r>
+            <a:endParaRPr lang="en-GB"/>
+          </a:p>
+        </p:txBody>
+      </p:sp>
+      <p:sp>
+        <p:nvSpPr>
+          <p:cNvPr id="6" name="Footer Placeholder 5"/>
+          <p:cNvSpPr>
+            <a:spLocks noGrp="1"/>
+          </p:cNvSpPr>
+          <p:nvPr>
+            <p:ph type="ftr" sz="quarter" idx="4"/>
+          </p:nvPr>
+        </p:nvSpPr>
+        <p:spPr>
+          <a:xfrm>
+            <a:off x="0" y="8685213"/>
+            <a:ext cx="2971800" cy="457200"/>
+          </a:xfrm>
+          <a:prstGeom prst="rect">
+            <a:avLst/>
+          </a:prstGeom>
+        </p:spPr>
+        <p:txBody>
+          <a:bodyPr vert="horz" lIns="91440" tIns="45720" rIns="91440" bIns="45720" rtlCol="0" anchor="b"/>
+          <a:lstStyle>
+            <a:lvl1pPr algn="l">
+              <a:defRPr sz="1200"/>
+            </a:lvl1pPr>
+          </a:lstStyle>
+          <a:p>
+            <a:endParaRPr lang="en-GB"/>
+          </a:p>
+        </p:txBody>
+      </p:sp>
+      <p:sp>
+        <p:nvSpPr>
+          <p:cNvPr id="7" name="Slide Number Placeholder 6"/>
+          <p:cNvSpPr>
+            <a:spLocks noGrp="1"/>
+          </p:cNvSpPr>
+          <p:nvPr>
+            <p:ph type="sldNum" sz="quarter" idx="5"/>
+          </p:nvPr>
+        </p:nvSpPr>
+        <p:spPr>
+          <a:xfrm>
+            <a:off x="3884613" y="8685213"/>
+            <a:ext cx="2971800" cy="457200"/>
+          </a:xfrm>
+          <a:prstGeom prst="rect">
+            <a:avLst/>
+          </a:prstGeom>
+        </p:spPr>
+        <p:txBody>
+          <a:bodyPr vert="horz" lIns="91440" tIns="45720" rIns="91440" bIns="45720" rtlCol="0" anchor="b"/>
+          <a:lstStyle>
+            <a:lvl1pPr algn="r">
+              <a:defRPr sz="1200"/>
+            </a:lvl1pPr>
+          </a:lstStyle>
+          <a:p>
+            <a:fld id="{A8F2A296-D247-4746-BC3F-8A47C3BAC4C3}" type="slidenum">
+              <a:rPr lang="en-GB" smtClean="0"/>
+              <a:t>‹#›</a:t>
+            </a:fld>
+            <a:endParaRPr lang="en-GB"/>
+          </a:p>
+        </p:txBody>
+      </p:sp>
+    </p:spTree>
+    <p:extLst>
+      <p:ext uri="{BB962C8B-B14F-4D97-AF65-F5344CB8AC3E}">
+        <p14:creationId xmlns:p14="http://schemas.microsoft.com/office/powerpoint/2010/main" val="344091656"/>
+      </p:ext>
+    </p:extLst>
+  </p:cSld>
+  <p:clrMap bg1="lt1" tx1="dk1" bg2="lt2" tx2="dk2" accent1="accent1" accent2="accent2" accent3="accent3" accent4="accent4" accent5="accent5" accent6="accent6" hlink="hlink" folHlink="folHlink"/>
+  <p:notesStyle>
+    <a:lvl1pPr marL="0" algn="l" defTabSz="914400" rtl="0" eaLnBrk="1" latinLnBrk="0" hangingPunct="1">
+      <a:defRPr sz="1200" kern="1200">
+        <a:solidFill>
+          <a:schemeClr val="tx1"/>
+        </a:solidFill>
+        <a:latin typeface="+mn-lt"/>
+        <a:ea typeface="+mn-ea"/>
+        <a:cs typeface="+mn-cs"/>
+      </a:defRPr>
+    </a:lvl1pPr>
+    <a:lvl2pPr marL="457200" algn="l" defTabSz="914400" rtl="0" eaLnBrk="1" latinLnBrk="0" hangingPunct="1">
+      <a:defRPr sz="1200" kern="1200">
+        <a:solidFill>
+          <a:schemeClr val="tx1"/>
+        </a:solidFill>
+        <a:latin typeface="+mn-lt"/>
+        <a:ea typeface="+mn-ea"/>
+        <a:cs typeface="+mn-cs"/>
+      </a:defRPr>
+    </a:lvl2pPr>
+    <a:lvl3pPr marL="914400" algn="l" defTabSz="914400" rtl="0" eaLnBrk="1" latinLnBrk="0" hangingPunct="1">
+      <a:defRPr sz="1200" kern="1200">
+        <a:solidFill>
+          <a:schemeClr val="tx1"/>
+        </a:solidFill>
+        <a:latin typeface="+mn-lt"/>
+        <a:ea typeface="+mn-ea"/>
+        <a:cs typeface="+mn-cs"/>
+      </a:defRPr>
+    </a:lvl3pPr>
+    <a:lvl4pPr marL="1371600" algn="l" defTabSz="914400" rtl="0" eaLnBrk="1" latinLnBrk="0" hangingPunct="1">
+      <a:defRPr sz="1200" kern="1200">
+        <a:solidFill>
+          <a:schemeClr val="tx1"/>
+        </a:solidFill>
+        <a:latin typeface="+mn-lt"/>
+        <a:ea typeface="+mn-ea"/>
+        <a:cs typeface="+mn-cs"/>
+      </a:defRPr>
+    </a:lvl4pPr>
+    <a:lvl5pPr marL="1828800" algn="l" defTabSz="914400" rtl="0" eaLnBrk="1" latinLnBrk="0" hangingPunct="1">
+      <a:defRPr sz="1200" kern="1200">
+        <a:solidFill>
+          <a:schemeClr val="tx1"/>
+        </a:solidFill>
+        <a:latin typeface="+mn-lt"/>
+        <a:ea typeface="+mn-ea"/>
+        <a:cs typeface="+mn-cs"/>
+      </a:defRPr>
+    </a:lvl5pPr>
+    <a:lvl6pPr marL="2286000" algn="l" defTabSz="914400" rtl="0" eaLnBrk="1" latinLnBrk="0" hangingPunct="1">
+      <a:defRPr sz="1200" kern="1200">
+        <a:solidFill>
+          <a:schemeClr val="tx1"/>
+        </a:solidFill>
+        <a:latin typeface="+mn-lt"/>
+        <a:ea typeface="+mn-ea"/>
+        <a:cs typeface="+mn-cs"/>
+      </a:defRPr>
+    </a:lvl6pPr>
+    <a:lvl7pPr marL="2743200" algn="l" defTabSz="914400" rtl="0" eaLnBrk="1" latinLnBrk="0" hangingPunct="1">
+      <a:defRPr sz="1200" kern="1200">
+        <a:solidFill>
+          <a:schemeClr val="tx1"/>
+        </a:solidFill>
+        <a:latin typeface="+mn-lt"/>
+        <a:ea typeface="+mn-ea"/>
+        <a:cs typeface="+mn-cs"/>
+      </a:defRPr>
+    </a:lvl7pPr>
+    <a:lvl8pPr marL="3200400" algn="l" defTabSz="914400" rtl="0" eaLnBrk="1" latinLnBrk="0" hangingPunct="1">
+      <a:defRPr sz="1200" kern="1200">
+        <a:solidFill>
+          <a:schemeClr val="tx1"/>
+        </a:solidFill>
+        <a:latin typeface="+mn-lt"/>
+        <a:ea typeface="+mn-ea"/>
+        <a:cs typeface="+mn-cs"/>
+      </a:defRPr>
+    </a:lvl8pPr>
+    <a:lvl9pPr marL="3657600" algn="l" defTabSz="914400" rtl="0" eaLnBrk="1" latinLnBrk="0" hangingPunct="1">
+      <a:defRPr sz="1200" kern="1200">
+        <a:solidFill>
+          <a:schemeClr val="tx1"/>
+        </a:solidFill>
+        <a:latin typeface="+mn-lt"/>
+        <a:ea typeface="+mn-ea"/>
+        <a:cs typeface="+mn-cs"/>
+      </a:defRPr>
+    </a:lvl9pPr>
+  </p:notesStyle>
+</p:notesMaster>
+</file>
+
 <file path=ppt/slideLayouts/slideLayout1.xml><?xml version="1.0" encoding="utf-8"?>
 <p:sldLayout xmlns:a="http://schemas.openxmlformats.org/drawingml/2006/main" xmlns:r="http://schemas.openxmlformats.org/officeDocument/2006/relationships" xmlns:p="http://schemas.openxmlformats.org/presentationml/2006/main" showMasterSp="0" type="title" preserve="1">
   <p:cSld name="Title Slide">
@@ -253,7 +606,7 @@
           <a:bodyPr/>
           <a:lstStyle/>
           <a:p>
-            <a:fld id="{BDC9D048-20A2-4306-B4F6-C1465D3A4A59}" type="datetimeFigureOut">
+            <a:fld id="{4AE7C2B7-667B-4F4A-9747-6CB6ED3EDAEF}" type="datetime1">
               <a:rPr lang="en-GB" smtClean="0"/>
               <a:t>10/12/2024</a:t>
             </a:fld>
@@ -1122,7 +1475,7 @@
           <a:bodyPr/>
           <a:lstStyle/>
           <a:p>
-            <a:fld id="{BDC9D048-20A2-4306-B4F6-C1465D3A4A59}" type="datetimeFigureOut">
+            <a:fld id="{10BD6E2E-F41A-4B2D-B138-06CF02CE7CCB}" type="datetime1">
               <a:rPr lang="en-GB" smtClean="0"/>
               <a:t>10/12/2024</a:t>
             </a:fld>
@@ -1297,7 +1650,7 @@
           <a:bodyPr/>
           <a:lstStyle/>
           <a:p>
-            <a:fld id="{BDC9D048-20A2-4306-B4F6-C1465D3A4A59}" type="datetimeFigureOut">
+            <a:fld id="{A008D9DB-5C0D-4448-8F5A-A74AC74C84A3}" type="datetime1">
               <a:rPr lang="en-GB" smtClean="0"/>
               <a:t>10/12/2024</a:t>
             </a:fld>
@@ -1467,7 +1820,7 @@
           <a:bodyPr rtlCol="0"/>
           <a:lstStyle/>
           <a:p>
-            <a:fld id="{BDC9D048-20A2-4306-B4F6-C1465D3A4A59}" type="datetimeFigureOut">
+            <a:fld id="{A05F4532-6F72-4231-BB5A-D7053A2110B9}" type="datetime1">
               <a:rPr lang="en-GB" smtClean="0"/>
               <a:t>10/12/2024</a:t>
             </a:fld>
@@ -1677,7 +2030,7 @@
           <a:bodyPr/>
           <a:lstStyle/>
           <a:p>
-            <a:fld id="{BDC9D048-20A2-4306-B4F6-C1465D3A4A59}" type="datetimeFigureOut">
+            <a:fld id="{455025BB-5E44-4DBC-AD8F-453EEB021006}" type="datetime1">
               <a:rPr lang="en-GB" smtClean="0"/>
               <a:t>10/12/2024</a:t>
             </a:fld>
@@ -2491,7 +2844,7 @@
           <a:bodyPr/>
           <a:lstStyle/>
           <a:p>
-            <a:fld id="{BDC9D048-20A2-4306-B4F6-C1465D3A4A59}" type="datetimeFigureOut">
+            <a:fld id="{01DB6CC3-60D2-4C20-9122-721D81B81007}" type="datetime1">
               <a:rPr lang="en-GB" smtClean="0"/>
               <a:t>10/12/2024</a:t>
             </a:fld>
@@ -2727,7 +3080,7 @@
           <a:bodyPr/>
           <a:lstStyle/>
           <a:p>
-            <a:fld id="{BDC9D048-20A2-4306-B4F6-C1465D3A4A59}" type="datetimeFigureOut">
+            <a:fld id="{89668C21-3F78-46E2-ABA5-BB02779ACBDC}" type="datetime1">
               <a:rPr lang="en-GB" smtClean="0"/>
               <a:t>10/12/2024</a:t>
             </a:fld>
@@ -3050,7 +3403,7 @@
           <a:bodyPr rtlCol="0"/>
           <a:lstStyle/>
           <a:p>
-            <a:fld id="{BDC9D048-20A2-4306-B4F6-C1465D3A4A59}" type="datetimeFigureOut">
+            <a:fld id="{2CFD9FD6-F920-4636-A357-5D66C4778501}" type="datetime1">
               <a:rPr lang="en-GB" smtClean="0"/>
               <a:t>10/12/2024</a:t>
             </a:fld>
@@ -3140,7 +3493,7 @@
           <a:bodyPr/>
           <a:lstStyle/>
           <a:p>
-            <a:fld id="{BDC9D048-20A2-4306-B4F6-C1465D3A4A59}" type="datetimeFigureOut">
+            <a:fld id="{7AC98192-4F8E-4835-A9ED-F2DAE124EC87}" type="datetime1">
               <a:rPr lang="en-GB" smtClean="0"/>
               <a:t>10/12/2024</a:t>
             </a:fld>
@@ -3657,7 +4010,7 @@
           <a:bodyPr rtlCol="0"/>
           <a:lstStyle/>
           <a:p>
-            <a:fld id="{BDC9D048-20A2-4306-B4F6-C1465D3A4A59}" type="datetimeFigureOut">
+            <a:fld id="{B207C558-E7CE-484E-B2C1-72036F52DA79}" type="datetime1">
               <a:rPr lang="en-GB" smtClean="0"/>
               <a:t>10/12/2024</a:t>
             </a:fld>
@@ -4168,7 +4521,7 @@
           <a:bodyPr rtlCol="0"/>
           <a:lstStyle/>
           <a:p>
-            <a:fld id="{BDC9D048-20A2-4306-B4F6-C1465D3A4A59}" type="datetimeFigureOut">
+            <a:fld id="{1926E447-6C34-42F4-A54A-83FD0AE57E83}" type="datetime1">
               <a:rPr lang="en-GB" smtClean="0"/>
               <a:t>10/12/2024</a:t>
             </a:fld>
@@ -4413,7 +4766,7 @@
             </a:lvl1pPr>
           </a:lstStyle>
           <a:p>
-            <a:fld id="{BDC9D048-20A2-4306-B4F6-C1465D3A4A59}" type="datetimeFigureOut">
+            <a:fld id="{04E63701-21DB-497D-8978-FFFC4A419C70}" type="datetime1">
               <a:rPr lang="en-GB" smtClean="0"/>
               <a:t>10/12/2024</a:t>
             </a:fld>
@@ -4713,6 +5066,7 @@
     <p:sldLayoutId id="2147483850" r:id="rId10"/>
     <p:sldLayoutId id="2147483851" r:id="rId11"/>
   </p:sldLayoutIdLst>
+  <p:hf hdr="0" ftr="0" dt="0"/>
   <p:txStyles>
     <p:titleStyle>
       <a:lvl1pPr algn="l" rtl="0" eaLnBrk="1" latinLnBrk="0" hangingPunct="1">
@@ -5367,12 +5721,8 @@
           <a:lstStyle/>
           <a:p>
             <a:r>
-              <a:rPr lang="en-US" dirty="0" smtClean="0"/>
-              <a:t>IMPACT </a:t>
-            </a:r>
-            <a:r>
-              <a:rPr lang="en-US" dirty="0"/>
-              <a:t>OF IMPROPER DRESSING </a:t>
+              <a:rPr lang="en-GB" dirty="0"/>
+              <a:t>Impact Of Improper Dressing</a:t>
             </a:r>
             <a:endParaRPr lang="en-GB" dirty="0"/>
           </a:p>
@@ -5621,6 +5971,29 @@
           </a:bodyPr>
           <a:lstStyle/>
           <a:p>
+            <a:endParaRPr lang="en-GB"/>
+          </a:p>
+        </p:txBody>
+      </p:sp>
+      <p:sp>
+        <p:nvSpPr>
+          <p:cNvPr id="8" name="Slide Number Placeholder 7"/>
+          <p:cNvSpPr>
+            <a:spLocks noGrp="1"/>
+          </p:cNvSpPr>
+          <p:nvPr>
+            <p:ph type="sldNum" sz="quarter" idx="15"/>
+          </p:nvPr>
+        </p:nvSpPr>
+        <p:spPr/>
+        <p:txBody>
+          <a:bodyPr/>
+          <a:lstStyle/>
+          <a:p>
+            <a:fld id="{17405CD4-C8F5-4AC1-A4F9-46EC434DE213}" type="slidenum">
+              <a:rPr lang="en-GB" smtClean="0"/>
+              <a:t>10</a:t>
+            </a:fld>
             <a:endParaRPr lang="en-GB"/>
           </a:p>
         </p:txBody>
@@ -5685,12 +6058,12 @@
           <a:lstStyle/>
           <a:p>
             <a:r>
-              <a:rPr lang="en-US" dirty="0" smtClean="0"/>
-              <a:t>IMPACT </a:t>
-            </a:r>
-            <a:r>
-              <a:rPr lang="en-US" dirty="0"/>
-              <a:t>OF IMPROPER DRESSING </a:t>
+              <a:rPr lang="en-GB" dirty="0"/>
+              <a:t>Impact Of Improper </a:t>
+            </a:r>
+            <a:r>
+              <a:rPr lang="en-GB" dirty="0" smtClean="0"/>
+              <a:t>Dressing</a:t>
             </a:r>
             <a:endParaRPr lang="en-GB" dirty="0"/>
           </a:p>
@@ -5795,6 +6168,29 @@
               <a:buAutoNum type="arabicPeriod" startAt="4"/>
             </a:pPr>
             <a:endParaRPr lang="en-GB" dirty="0"/>
+          </a:p>
+        </p:txBody>
+      </p:sp>
+      <p:sp>
+        <p:nvSpPr>
+          <p:cNvPr id="6" name="Slide Number Placeholder 5"/>
+          <p:cNvSpPr>
+            <a:spLocks noGrp="1"/>
+          </p:cNvSpPr>
+          <p:nvPr>
+            <p:ph type="sldNum" sz="quarter" idx="15"/>
+          </p:nvPr>
+        </p:nvSpPr>
+        <p:spPr/>
+        <p:txBody>
+          <a:bodyPr/>
+          <a:lstStyle/>
+          <a:p>
+            <a:fld id="{17405CD4-C8F5-4AC1-A4F9-46EC434DE213}" type="slidenum">
+              <a:rPr lang="en-GB" smtClean="0"/>
+              <a:t>11</a:t>
+            </a:fld>
+            <a:endParaRPr lang="en-GB"/>
           </a:p>
         </p:txBody>
       </p:sp>
@@ -5864,6 +6260,29 @@
           </a:p>
         </p:txBody>
       </p:sp>
+      <p:sp>
+        <p:nvSpPr>
+          <p:cNvPr id="5" name="Slide Number Placeholder 4"/>
+          <p:cNvSpPr>
+            <a:spLocks noGrp="1"/>
+          </p:cNvSpPr>
+          <p:nvPr>
+            <p:ph type="sldNum" sz="quarter" idx="11"/>
+          </p:nvPr>
+        </p:nvSpPr>
+        <p:spPr/>
+        <p:txBody>
+          <a:bodyPr/>
+          <a:lstStyle/>
+          <a:p>
+            <a:fld id="{17405CD4-C8F5-4AC1-A4F9-46EC434DE213}" type="slidenum">
+              <a:rPr lang="en-GB" smtClean="0"/>
+              <a:t>12</a:t>
+            </a:fld>
+            <a:endParaRPr lang="en-GB"/>
+          </a:p>
+        </p:txBody>
+      </p:sp>
     </p:spTree>
     <p:extLst>
       <p:ext uri="{BB962C8B-B14F-4D97-AF65-F5344CB8AC3E}">
@@ -6008,6 +6427,29 @@
           </a:p>
         </p:txBody>
       </p:sp>
+      <p:sp>
+        <p:nvSpPr>
+          <p:cNvPr id="6" name="Slide Number Placeholder 5"/>
+          <p:cNvSpPr>
+            <a:spLocks noGrp="1"/>
+          </p:cNvSpPr>
+          <p:nvPr>
+            <p:ph type="sldNum" sz="quarter" idx="15"/>
+          </p:nvPr>
+        </p:nvSpPr>
+        <p:spPr/>
+        <p:txBody>
+          <a:bodyPr/>
+          <a:lstStyle/>
+          <a:p>
+            <a:fld id="{17405CD4-C8F5-4AC1-A4F9-46EC434DE213}" type="slidenum">
+              <a:rPr lang="en-GB" smtClean="0"/>
+              <a:t>2</a:t>
+            </a:fld>
+            <a:endParaRPr lang="en-GB"/>
+          </a:p>
+        </p:txBody>
+      </p:sp>
     </p:spTree>
     <p:extLst>
       <p:ext uri="{BB962C8B-B14F-4D97-AF65-F5344CB8AC3E}">
@@ -6147,6 +6589,29 @@
           </a:p>
         </p:txBody>
       </p:sp>
+      <p:sp>
+        <p:nvSpPr>
+          <p:cNvPr id="6" name="Slide Number Placeholder 5"/>
+          <p:cNvSpPr>
+            <a:spLocks noGrp="1"/>
+          </p:cNvSpPr>
+          <p:nvPr>
+            <p:ph type="sldNum" sz="quarter" idx="15"/>
+          </p:nvPr>
+        </p:nvSpPr>
+        <p:spPr/>
+        <p:txBody>
+          <a:bodyPr/>
+          <a:lstStyle/>
+          <a:p>
+            <a:fld id="{17405CD4-C8F5-4AC1-A4F9-46EC434DE213}" type="slidenum">
+              <a:rPr lang="en-GB" smtClean="0"/>
+              <a:t>3</a:t>
+            </a:fld>
+            <a:endParaRPr lang="en-GB"/>
+          </a:p>
+        </p:txBody>
+      </p:sp>
     </p:spTree>
     <p:extLst>
       <p:ext uri="{BB962C8B-B14F-4D97-AF65-F5344CB8AC3E}">
@@ -6308,6 +6773,29 @@
           </a:p>
         </p:txBody>
       </p:sp>
+      <p:sp>
+        <p:nvSpPr>
+          <p:cNvPr id="6" name="Slide Number Placeholder 5"/>
+          <p:cNvSpPr>
+            <a:spLocks noGrp="1"/>
+          </p:cNvSpPr>
+          <p:nvPr>
+            <p:ph type="sldNum" sz="quarter" idx="15"/>
+          </p:nvPr>
+        </p:nvSpPr>
+        <p:spPr/>
+        <p:txBody>
+          <a:bodyPr/>
+          <a:lstStyle/>
+          <a:p>
+            <a:fld id="{17405CD4-C8F5-4AC1-A4F9-46EC434DE213}" type="slidenum">
+              <a:rPr lang="en-GB" smtClean="0"/>
+              <a:t>4</a:t>
+            </a:fld>
+            <a:endParaRPr lang="en-GB"/>
+          </a:p>
+        </p:txBody>
+      </p:sp>
     </p:spTree>
     <p:extLst>
       <p:ext uri="{BB962C8B-B14F-4D97-AF65-F5344CB8AC3E}">
@@ -6460,6 +6948,29 @@
           </a:p>
         </p:txBody>
       </p:sp>
+      <p:sp>
+        <p:nvSpPr>
+          <p:cNvPr id="6" name="Slide Number Placeholder 5"/>
+          <p:cNvSpPr>
+            <a:spLocks noGrp="1"/>
+          </p:cNvSpPr>
+          <p:nvPr>
+            <p:ph type="sldNum" sz="quarter" idx="15"/>
+          </p:nvPr>
+        </p:nvSpPr>
+        <p:spPr/>
+        <p:txBody>
+          <a:bodyPr/>
+          <a:lstStyle/>
+          <a:p>
+            <a:fld id="{17405CD4-C8F5-4AC1-A4F9-46EC434DE213}" type="slidenum">
+              <a:rPr lang="en-GB" smtClean="0"/>
+              <a:t>5</a:t>
+            </a:fld>
+            <a:endParaRPr lang="en-GB"/>
+          </a:p>
+        </p:txBody>
+      </p:sp>
     </p:spTree>
     <p:extLst>
       <p:ext uri="{BB962C8B-B14F-4D97-AF65-F5344CB8AC3E}">
@@ -6653,6 +7164,29 @@
           </a:p>
           <a:p>
             <a:endParaRPr lang="en-GB" dirty="0"/>
+          </a:p>
+        </p:txBody>
+      </p:sp>
+      <p:sp>
+        <p:nvSpPr>
+          <p:cNvPr id="6" name="Slide Number Placeholder 5"/>
+          <p:cNvSpPr>
+            <a:spLocks noGrp="1"/>
+          </p:cNvSpPr>
+          <p:nvPr>
+            <p:ph type="sldNum" sz="quarter" idx="15"/>
+          </p:nvPr>
+        </p:nvSpPr>
+        <p:spPr/>
+        <p:txBody>
+          <a:bodyPr/>
+          <a:lstStyle/>
+          <a:p>
+            <a:fld id="{17405CD4-C8F5-4AC1-A4F9-46EC434DE213}" type="slidenum">
+              <a:rPr lang="en-GB" smtClean="0"/>
+              <a:t>6</a:t>
+            </a:fld>
+            <a:endParaRPr lang="en-GB"/>
           </a:p>
         </p:txBody>
       </p:sp>
@@ -6899,6 +7433,29 @@
           </a:p>
         </p:txBody>
       </p:sp>
+      <p:sp>
+        <p:nvSpPr>
+          <p:cNvPr id="6" name="Slide Number Placeholder 5"/>
+          <p:cNvSpPr>
+            <a:spLocks noGrp="1"/>
+          </p:cNvSpPr>
+          <p:nvPr>
+            <p:ph type="sldNum" sz="quarter" idx="15"/>
+          </p:nvPr>
+        </p:nvSpPr>
+        <p:spPr/>
+        <p:txBody>
+          <a:bodyPr/>
+          <a:lstStyle/>
+          <a:p>
+            <a:fld id="{17405CD4-C8F5-4AC1-A4F9-46EC434DE213}" type="slidenum">
+              <a:rPr lang="en-GB" smtClean="0"/>
+              <a:t>7</a:t>
+            </a:fld>
+            <a:endParaRPr lang="en-GB"/>
+          </a:p>
+        </p:txBody>
+      </p:sp>
     </p:spTree>
     <p:extLst>
       <p:ext uri="{BB962C8B-B14F-4D97-AF65-F5344CB8AC3E}">
@@ -7137,6 +7694,29 @@
           </a:p>
         </p:txBody>
       </p:sp>
+      <p:sp>
+        <p:nvSpPr>
+          <p:cNvPr id="6" name="Slide Number Placeholder 5"/>
+          <p:cNvSpPr>
+            <a:spLocks noGrp="1"/>
+          </p:cNvSpPr>
+          <p:nvPr>
+            <p:ph type="sldNum" sz="quarter" idx="15"/>
+          </p:nvPr>
+        </p:nvSpPr>
+        <p:spPr/>
+        <p:txBody>
+          <a:bodyPr/>
+          <a:lstStyle/>
+          <a:p>
+            <a:fld id="{17405CD4-C8F5-4AC1-A4F9-46EC434DE213}" type="slidenum">
+              <a:rPr lang="en-GB" smtClean="0"/>
+              <a:t>8</a:t>
+            </a:fld>
+            <a:endParaRPr lang="en-GB"/>
+          </a:p>
+        </p:txBody>
+      </p:sp>
     </p:spTree>
     <p:extLst>
       <p:ext uri="{BB962C8B-B14F-4D97-AF65-F5344CB8AC3E}">
@@ -7361,6 +7941,29 @@
               <a:buNone/>
             </a:pPr>
             <a:endParaRPr lang="en-GB" dirty="0" smtClean="0"/>
+          </a:p>
+        </p:txBody>
+      </p:sp>
+      <p:sp>
+        <p:nvSpPr>
+          <p:cNvPr id="6" name="Slide Number Placeholder 5"/>
+          <p:cNvSpPr>
+            <a:spLocks noGrp="1"/>
+          </p:cNvSpPr>
+          <p:nvPr>
+            <p:ph type="sldNum" sz="quarter" idx="15"/>
+          </p:nvPr>
+        </p:nvSpPr>
+        <p:spPr/>
+        <p:txBody>
+          <a:bodyPr/>
+          <a:lstStyle/>
+          <a:p>
+            <a:fld id="{17405CD4-C8F5-4AC1-A4F9-46EC434DE213}" type="slidenum">
+              <a:rPr lang="en-GB" smtClean="0"/>
+              <a:t>9</a:t>
+            </a:fld>
+            <a:endParaRPr lang="en-GB"/>
           </a:p>
         </p:txBody>
       </p:sp>
@@ -7677,4 +8280,289 @@
   <a:objectDefaults/>
   <a:extraClrSchemeLst/>
 </a:theme>
+</file>
+
+<file path=ppt/theme/theme2.xml><?xml version="1.0" encoding="utf-8"?>
+<a:theme xmlns:a="http://schemas.openxmlformats.org/drawingml/2006/main" name="Office Theme">
+  <a:themeElements>
+    <a:clrScheme name="Office">
+      <a:dk1>
+        <a:sysClr val="windowText" lastClr="000000"/>
+      </a:dk1>
+      <a:lt1>
+        <a:sysClr val="window" lastClr="FFFFFF"/>
+      </a:lt1>
+      <a:dk2>
+        <a:srgbClr val="1F497D"/>
+      </a:dk2>
+      <a:lt2>
+        <a:srgbClr val="EEECE1"/>
+      </a:lt2>
+      <a:accent1>
+        <a:srgbClr val="4F81BD"/>
+      </a:accent1>
+      <a:accent2>
+        <a:srgbClr val="C0504D"/>
+      </a:accent2>
+      <a:accent3>
+        <a:srgbClr val="9BBB59"/>
+      </a:accent3>
+      <a:accent4>
+        <a:srgbClr val="8064A2"/>
+      </a:accent4>
+      <a:accent5>
+        <a:srgbClr val="4BACC6"/>
+      </a:accent5>
+      <a:accent6>
+        <a:srgbClr val="F79646"/>
+      </a:accent6>
+      <a:hlink>
+        <a:srgbClr val="0000FF"/>
+      </a:hlink>
+      <a:folHlink>
+        <a:srgbClr val="800080"/>
+      </a:folHlink>
+    </a:clrScheme>
+    <a:fontScheme name="Office">
+      <a:majorFont>
+        <a:latin typeface="Calibri"/>
+        <a:ea typeface=""/>
+        <a:cs typeface=""/>
+        <a:font script="Jpan" typeface="ＭＳ Ｐゴシック"/>
+        <a:font script="Hang" typeface="맑은 고딕"/>
+        <a:font script="Hans" typeface="宋体"/>
+        <a:font script="Hant" typeface="新細明體"/>
+        <a:font script="Arab" typeface="Times New Roman"/>
+        <a:font script="Hebr" typeface="Times New Roman"/>
+        <a:font script="Thai" typeface="Angsana New"/>
+        <a:font script="Ethi" typeface="Nyala"/>
+        <a:font script="Beng" typeface="Vrinda"/>
+        <a:font script="Gujr" typeface="Shruti"/>
+        <a:font script="Khmr" typeface="MoolBoran"/>
+        <a:font script="Knda" typeface="Tunga"/>
+        <a:font script="Guru" typeface="Raavi"/>
+        <a:font script="Cans" typeface="Euphemia"/>
+        <a:font script="Cher" typeface="Plantagenet Cherokee"/>
+        <a:font script="Yiii" typeface="Microsoft Yi Baiti"/>
+        <a:font script="Tibt" typeface="Microsoft Himalaya"/>
+        <a:font script="Thaa" typeface="MV Boli"/>
+        <a:font script="Deva" typeface="Mangal"/>
+        <a:font script="Telu" typeface="Gautami"/>
+        <a:font script="Taml" typeface="Latha"/>
+        <a:font script="Syrc" typeface="Estrangelo Edessa"/>
+        <a:font script="Orya" typeface="Kalinga"/>
+        <a:font script="Mlym" typeface="Kartika"/>
+        <a:font script="Laoo" typeface="DokChampa"/>
+        <a:font script="Sinh" typeface="Iskoola Pota"/>
+        <a:font script="Mong" typeface="Mongolian Baiti"/>
+        <a:font script="Viet" typeface="Times New Roman"/>
+        <a:font script="Uigh" typeface="Microsoft Uighur"/>
+        <a:font script="Geor" typeface="Sylfaen"/>
+      </a:majorFont>
+      <a:minorFont>
+        <a:latin typeface="Calibri"/>
+        <a:ea typeface=""/>
+        <a:cs typeface=""/>
+        <a:font script="Jpan" typeface="ＭＳ Ｐゴシック"/>
+        <a:font script="Hang" typeface="맑은 고딕"/>
+        <a:font script="Hans" typeface="宋体"/>
+        <a:font script="Hant" typeface="新細明體"/>
+        <a:font script="Arab" typeface="Arial"/>
+        <a:font script="Hebr" typeface="Arial"/>
+        <a:font script="Thai" typeface="Cordia New"/>
+        <a:font script="Ethi" typeface="Nyala"/>
+        <a:font script="Beng" typeface="Vrinda"/>
+        <a:font script="Gujr" typeface="Shruti"/>
+        <a:font script="Khmr" typeface="DaunPenh"/>
+        <a:font script="Knda" typeface="Tunga"/>
+        <a:font script="Guru" typeface="Raavi"/>
+        <a:font script="Cans" typeface="Euphemia"/>
+        <a:font script="Cher" typeface="Plantagenet Cherokee"/>
+        <a:font script="Yiii" typeface="Microsoft Yi Baiti"/>
+        <a:font script="Tibt" typeface="Microsoft Himalaya"/>
+        <a:font script="Thaa" typeface="MV Boli"/>
+        <a:font script="Deva" typeface="Mangal"/>
+        <a:font script="Telu" typeface="Gautami"/>
+        <a:font script="Taml" typeface="Latha"/>
+        <a:font script="Syrc" typeface="Estrangelo Edessa"/>
+        <a:font script="Orya" typeface="Kalinga"/>
+        <a:font script="Mlym" typeface="Kartika"/>
+        <a:font script="Laoo" typeface="DokChampa"/>
+        <a:font script="Sinh" typeface="Iskoola Pota"/>
+        <a:font script="Mong" typeface="Mongolian Baiti"/>
+        <a:font script="Viet" typeface="Arial"/>
+        <a:font script="Uigh" typeface="Microsoft Uighur"/>
+        <a:font script="Geor" typeface="Sylfaen"/>
+      </a:minorFont>
+    </a:fontScheme>
+    <a:fmtScheme name="Office">
+      <a:fillStyleLst>
+        <a:solidFill>
+          <a:schemeClr val="phClr"/>
+        </a:solidFill>
+        <a:gradFill rotWithShape="1">
+          <a:gsLst>
+            <a:gs pos="0">
+              <a:schemeClr val="phClr">
+                <a:tint val="50000"/>
+                <a:satMod val="300000"/>
+              </a:schemeClr>
+            </a:gs>
+            <a:gs pos="35000">
+              <a:schemeClr val="phClr">
+                <a:tint val="37000"/>
+                <a:satMod val="300000"/>
+              </a:schemeClr>
+            </a:gs>
+            <a:gs pos="100000">
+              <a:schemeClr val="phClr">
+                <a:tint val="15000"/>
+                <a:satMod val="350000"/>
+              </a:schemeClr>
+            </a:gs>
+          </a:gsLst>
+          <a:lin ang="16200000" scaled="1"/>
+        </a:gradFill>
+        <a:gradFill rotWithShape="1">
+          <a:gsLst>
+            <a:gs pos="0">
+              <a:schemeClr val="phClr">
+                <a:shade val="51000"/>
+                <a:satMod val="130000"/>
+              </a:schemeClr>
+            </a:gs>
+            <a:gs pos="80000">
+              <a:schemeClr val="phClr">
+                <a:shade val="93000"/>
+                <a:satMod val="130000"/>
+              </a:schemeClr>
+            </a:gs>
+            <a:gs pos="100000">
+              <a:schemeClr val="phClr">
+                <a:shade val="94000"/>
+                <a:satMod val="135000"/>
+              </a:schemeClr>
+            </a:gs>
+          </a:gsLst>
+          <a:lin ang="16200000" scaled="0"/>
+        </a:gradFill>
+      </a:fillStyleLst>
+      <a:lnStyleLst>
+        <a:ln w="9525" cap="flat" cmpd="sng" algn="ctr">
+          <a:solidFill>
+            <a:schemeClr val="phClr">
+              <a:shade val="95000"/>
+              <a:satMod val="105000"/>
+            </a:schemeClr>
+          </a:solidFill>
+          <a:prstDash val="solid"/>
+        </a:ln>
+        <a:ln w="25400" cap="flat" cmpd="sng" algn="ctr">
+          <a:solidFill>
+            <a:schemeClr val="phClr"/>
+          </a:solidFill>
+          <a:prstDash val="solid"/>
+        </a:ln>
+        <a:ln w="38100" cap="flat" cmpd="sng" algn="ctr">
+          <a:solidFill>
+            <a:schemeClr val="phClr"/>
+          </a:solidFill>
+          <a:prstDash val="solid"/>
+        </a:ln>
+      </a:lnStyleLst>
+      <a:effectStyleLst>
+        <a:effectStyle>
+          <a:effectLst>
+            <a:outerShdw blurRad="40000" dist="20000" dir="5400000" rotWithShape="0">
+              <a:srgbClr val="000000">
+                <a:alpha val="38000"/>
+              </a:srgbClr>
+            </a:outerShdw>
+          </a:effectLst>
+        </a:effectStyle>
+        <a:effectStyle>
+          <a:effectLst>
+            <a:outerShdw blurRad="40000" dist="23000" dir="5400000" rotWithShape="0">
+              <a:srgbClr val="000000">
+                <a:alpha val="35000"/>
+              </a:srgbClr>
+            </a:outerShdw>
+          </a:effectLst>
+        </a:effectStyle>
+        <a:effectStyle>
+          <a:effectLst>
+            <a:outerShdw blurRad="40000" dist="23000" dir="5400000" rotWithShape="0">
+              <a:srgbClr val="000000">
+                <a:alpha val="35000"/>
+              </a:srgbClr>
+            </a:outerShdw>
+          </a:effectLst>
+          <a:scene3d>
+            <a:camera prst="orthographicFront">
+              <a:rot lat="0" lon="0" rev="0"/>
+            </a:camera>
+            <a:lightRig rig="threePt" dir="t">
+              <a:rot lat="0" lon="0" rev="1200000"/>
+            </a:lightRig>
+          </a:scene3d>
+          <a:sp3d>
+            <a:bevelT w="63500" h="25400"/>
+          </a:sp3d>
+        </a:effectStyle>
+      </a:effectStyleLst>
+      <a:bgFillStyleLst>
+        <a:solidFill>
+          <a:schemeClr val="phClr"/>
+        </a:solidFill>
+        <a:gradFill rotWithShape="1">
+          <a:gsLst>
+            <a:gs pos="0">
+              <a:schemeClr val="phClr">
+                <a:tint val="40000"/>
+                <a:satMod val="350000"/>
+              </a:schemeClr>
+            </a:gs>
+            <a:gs pos="40000">
+              <a:schemeClr val="phClr">
+                <a:tint val="45000"/>
+                <a:shade val="99000"/>
+                <a:satMod val="350000"/>
+              </a:schemeClr>
+            </a:gs>
+            <a:gs pos="100000">
+              <a:schemeClr val="phClr">
+                <a:shade val="20000"/>
+                <a:satMod val="255000"/>
+              </a:schemeClr>
+            </a:gs>
+          </a:gsLst>
+          <a:path path="circle">
+            <a:fillToRect l="50000" t="-80000" r="50000" b="180000"/>
+          </a:path>
+        </a:gradFill>
+        <a:gradFill rotWithShape="1">
+          <a:gsLst>
+            <a:gs pos="0">
+              <a:schemeClr val="phClr">
+                <a:tint val="80000"/>
+                <a:satMod val="300000"/>
+              </a:schemeClr>
+            </a:gs>
+            <a:gs pos="100000">
+              <a:schemeClr val="phClr">
+                <a:shade val="30000"/>
+                <a:satMod val="200000"/>
+              </a:schemeClr>
+            </a:gs>
+          </a:gsLst>
+          <a:path path="circle">
+            <a:fillToRect l="50000" t="50000" r="50000" b="50000"/>
+          </a:path>
+        </a:gradFill>
+      </a:bgFillStyleLst>
+    </a:fmtScheme>
+  </a:themeElements>
+  <a:objectDefaults/>
+  <a:extraClrSchemeLst/>
+</a:theme>
 </file>